--- a/Python Day - Intermediate.pptx
+++ b/Python Day - Intermediate.pptx
@@ -6,7 +6,8 @@
   </p:sldMasterIdLst>
   <p:sldIdLst>
     <p:sldId id="256" r:id="rId2"/>
-    <p:sldId id="257" r:id="rId3"/>
+    <p:sldId id="258" r:id="rId3"/>
+    <p:sldId id="257" r:id="rId4"/>
   </p:sldIdLst>
   <p:sldSz cx="12192000" cy="6858000"/>
   <p:notesSz cx="6858000" cy="9144000"/>
@@ -105,7 +106,175 @@
       </a:defRPr>
     </a:lvl9pPr>
   </p:defaultTextStyle>
+  <p:extLst>
+    <p:ext uri="{EFAFB233-063F-42B5-8137-9DF3F51BA10A}">
+      <p15:sldGuideLst xmlns:p15="http://schemas.microsoft.com/office/powerpoint/2012/main"/>
+    </p:ext>
+  </p:extLst>
 </p:presentation>
+</file>
+
+<file path=ppt/revisionInfo.xml><?xml version="1.0" encoding="utf-8"?>
+<p1510:revInfo xmlns:a="http://schemas.openxmlformats.org/drawingml/2006/main" xmlns:r="http://schemas.openxmlformats.org/officeDocument/2006/relationships" xmlns:p1510="http://schemas.microsoft.com/office/powerpoint/2015/10/main">
+  <p1510:revLst>
+    <p1510:client id="{56D521A3-7A98-41EE-B121-D8FC18FE9D74}" v="8" dt="2019-10-24T19:13:55.230"/>
+  </p1510:revLst>
+</p1510:revInfo>
+</file>
+
+<file path=ppt/changesInfos/changesInfo1.xml><?xml version="1.0" encoding="utf-8"?>
+<pc:chgInfo xmlns:a="http://schemas.openxmlformats.org/drawingml/2006/main" xmlns:r="http://schemas.openxmlformats.org/officeDocument/2006/relationships" xmlns:ac="http://schemas.microsoft.com/office/drawing/2013/main/command" xmlns:pc="http://schemas.microsoft.com/office/powerpoint/2013/main/command">
+  <pc:docChgLst>
+    <pc:chgData name="Greg Bulmash" userId="90973910de46daed" providerId="LiveId" clId="{56D521A3-7A98-41EE-B121-D8FC18FE9D74}"/>
+    <pc:docChg chg="undo custSel mod addSld modSld">
+      <pc:chgData name="Greg Bulmash" userId="90973910de46daed" providerId="LiveId" clId="{56D521A3-7A98-41EE-B121-D8FC18FE9D74}" dt="2019-10-24T19:21:49.182" v="287" actId="14100"/>
+      <pc:docMkLst>
+        <pc:docMk/>
+      </pc:docMkLst>
+      <pc:sldChg chg="addSp delSp modSp mod setBg">
+        <pc:chgData name="Greg Bulmash" userId="90973910de46daed" providerId="LiveId" clId="{56D521A3-7A98-41EE-B121-D8FC18FE9D74}" dt="2019-10-24T19:16:20.769" v="267" actId="20577"/>
+        <pc:sldMkLst>
+          <pc:docMk/>
+          <pc:sldMk cId="1983125642" sldId="256"/>
+        </pc:sldMkLst>
+        <pc:spChg chg="mod ord">
+          <ac:chgData name="Greg Bulmash" userId="90973910de46daed" providerId="LiveId" clId="{56D521A3-7A98-41EE-B121-D8FC18FE9D74}" dt="2019-10-24T19:16:20.769" v="267" actId="20577"/>
+          <ac:spMkLst>
+            <pc:docMk/>
+            <pc:sldMk cId="1983125642" sldId="256"/>
+            <ac:spMk id="2" creationId="{0BAE5A0F-B287-48A3-A6C3-D7EFE07523A8}"/>
+          </ac:spMkLst>
+        </pc:spChg>
+        <pc:spChg chg="add del mod">
+          <ac:chgData name="Greg Bulmash" userId="90973910de46daed" providerId="LiveId" clId="{56D521A3-7A98-41EE-B121-D8FC18FE9D74}" dt="2019-10-24T19:09:54.941" v="129" actId="478"/>
+          <ac:spMkLst>
+            <pc:docMk/>
+            <pc:sldMk cId="1983125642" sldId="256"/>
+            <ac:spMk id="5" creationId="{4EA8A0E1-5578-413D-AC4D-0E2B34394D9F}"/>
+          </ac:spMkLst>
+        </pc:spChg>
+        <pc:spChg chg="add mod">
+          <ac:chgData name="Greg Bulmash" userId="90973910de46daed" providerId="LiveId" clId="{56D521A3-7A98-41EE-B121-D8FC18FE9D74}" dt="2019-10-24T19:15:28.515" v="247" actId="2711"/>
+          <ac:spMkLst>
+            <pc:docMk/>
+            <pc:sldMk cId="1983125642" sldId="256"/>
+            <ac:spMk id="6" creationId="{546CFBAB-2BFF-45B8-9208-AF4C6244F0E9}"/>
+          </ac:spMkLst>
+        </pc:spChg>
+        <pc:spChg chg="add del">
+          <ac:chgData name="Greg Bulmash" userId="90973910de46daed" providerId="LiveId" clId="{56D521A3-7A98-41EE-B121-D8FC18FE9D74}" dt="2019-10-24T19:10:10.866" v="131" actId="26606"/>
+          <ac:spMkLst>
+            <pc:docMk/>
+            <pc:sldMk cId="1983125642" sldId="256"/>
+            <ac:spMk id="9" creationId="{6753252F-4873-4F63-801D-CC719279A7D5}"/>
+          </ac:spMkLst>
+        </pc:spChg>
+        <pc:spChg chg="add del">
+          <ac:chgData name="Greg Bulmash" userId="90973910de46daed" providerId="LiveId" clId="{56D521A3-7A98-41EE-B121-D8FC18FE9D74}" dt="2019-10-24T19:10:10.866" v="131" actId="26606"/>
+          <ac:spMkLst>
+            <pc:docMk/>
+            <pc:sldMk cId="1983125642" sldId="256"/>
+            <ac:spMk id="11" creationId="{047C8CCB-F95D-4249-92DD-651249D3535A}"/>
+          </ac:spMkLst>
+        </pc:spChg>
+        <pc:spChg chg="add del">
+          <ac:chgData name="Greg Bulmash" userId="90973910de46daed" providerId="LiveId" clId="{56D521A3-7A98-41EE-B121-D8FC18FE9D74}" dt="2019-10-24T19:10:19.554" v="133" actId="26606"/>
+          <ac:spMkLst>
+            <pc:docMk/>
+            <pc:sldMk cId="1983125642" sldId="256"/>
+            <ac:spMk id="13" creationId="{87CC2527-562A-4F69-B487-4371E5B243E7}"/>
+          </ac:spMkLst>
+        </pc:spChg>
+        <pc:spChg chg="add del">
+          <ac:chgData name="Greg Bulmash" userId="90973910de46daed" providerId="LiveId" clId="{56D521A3-7A98-41EE-B121-D8FC18FE9D74}" dt="2019-10-24T19:10:22.744" v="135" actId="26606"/>
+          <ac:spMkLst>
+            <pc:docMk/>
+            <pc:sldMk cId="1983125642" sldId="256"/>
+            <ac:spMk id="16" creationId="{A4AC5506-6312-4701-8D3C-40187889A947}"/>
+          </ac:spMkLst>
+        </pc:spChg>
+        <pc:spChg chg="add">
+          <ac:chgData name="Greg Bulmash" userId="90973910de46daed" providerId="LiveId" clId="{56D521A3-7A98-41EE-B121-D8FC18FE9D74}" dt="2019-10-24T19:10:22.758" v="136" actId="26606"/>
+          <ac:spMkLst>
+            <pc:docMk/>
+            <pc:sldMk cId="1983125642" sldId="256"/>
+            <ac:spMk id="18" creationId="{6753252F-4873-4F63-801D-CC719279A7D5}"/>
+          </ac:spMkLst>
+        </pc:spChg>
+        <pc:spChg chg="add">
+          <ac:chgData name="Greg Bulmash" userId="90973910de46daed" providerId="LiveId" clId="{56D521A3-7A98-41EE-B121-D8FC18FE9D74}" dt="2019-10-24T19:10:22.758" v="136" actId="26606"/>
+          <ac:spMkLst>
+            <pc:docMk/>
+            <pc:sldMk cId="1983125642" sldId="256"/>
+            <ac:spMk id="19" creationId="{047C8CCB-F95D-4249-92DD-651249D3535A}"/>
+          </ac:spMkLst>
+        </pc:spChg>
+        <pc:picChg chg="add del mod">
+          <ac:chgData name="Greg Bulmash" userId="90973910de46daed" providerId="LiveId" clId="{56D521A3-7A98-41EE-B121-D8FC18FE9D74}" dt="2019-10-24T19:09:54.941" v="129" actId="478"/>
+          <ac:picMkLst>
+            <pc:docMk/>
+            <pc:sldMk cId="1983125642" sldId="256"/>
+            <ac:picMk id="3" creationId="{AF0BA393-61DE-4E0E-B076-A8F18C8FF4CC}"/>
+          </ac:picMkLst>
+        </pc:picChg>
+        <pc:picChg chg="mod">
+          <ac:chgData name="Greg Bulmash" userId="90973910de46daed" providerId="LiveId" clId="{56D521A3-7A98-41EE-B121-D8FC18FE9D74}" dt="2019-10-24T19:10:22.758" v="136" actId="26606"/>
+          <ac:picMkLst>
+            <pc:docMk/>
+            <pc:sldMk cId="1983125642" sldId="256"/>
+            <ac:picMk id="4" creationId="{47ACEA4E-125F-4222-B207-2F3CBDF0751A}"/>
+          </ac:picMkLst>
+        </pc:picChg>
+        <pc:cxnChg chg="add del">
+          <ac:chgData name="Greg Bulmash" userId="90973910de46daed" providerId="LiveId" clId="{56D521A3-7A98-41EE-B121-D8FC18FE9D74}" dt="2019-10-24T19:10:19.554" v="133" actId="26606"/>
+          <ac:cxnSpMkLst>
+            <pc:docMk/>
+            <pc:sldMk cId="1983125642" sldId="256"/>
+            <ac:cxnSpMk id="14" creationId="{BCDAEC91-5BCE-4B55-9CC0-43EF94CB734B}"/>
+          </ac:cxnSpMkLst>
+        </pc:cxnChg>
+      </pc:sldChg>
+      <pc:sldChg chg="modSp">
+        <pc:chgData name="Greg Bulmash" userId="90973910de46daed" providerId="LiveId" clId="{56D521A3-7A98-41EE-B121-D8FC18FE9D74}" dt="2019-10-24T19:17:21.666" v="274" actId="14100"/>
+        <pc:sldMkLst>
+          <pc:docMk/>
+          <pc:sldMk cId="3793832530" sldId="257"/>
+        </pc:sldMkLst>
+        <pc:spChg chg="mod">
+          <ac:chgData name="Greg Bulmash" userId="90973910de46daed" providerId="LiveId" clId="{56D521A3-7A98-41EE-B121-D8FC18FE9D74}" dt="2019-10-24T19:17:21.666" v="274" actId="14100"/>
+          <ac:spMkLst>
+            <pc:docMk/>
+            <pc:sldMk cId="3793832530" sldId="257"/>
+            <ac:spMk id="6" creationId="{3D7A2444-B768-49F0-819D-1570438B9BFE}"/>
+          </ac:spMkLst>
+        </pc:spChg>
+        <pc:picChg chg="mod">
+          <ac:chgData name="Greg Bulmash" userId="90973910de46daed" providerId="LiveId" clId="{56D521A3-7A98-41EE-B121-D8FC18FE9D74}" dt="2019-10-24T19:17:11.017" v="272" actId="1076"/>
+          <ac:picMkLst>
+            <pc:docMk/>
+            <pc:sldMk cId="3793832530" sldId="257"/>
+            <ac:picMk id="4" creationId="{4B0E6F39-32A6-4CC9-B118-C547B53773D9}"/>
+          </ac:picMkLst>
+        </pc:picChg>
+      </pc:sldChg>
+      <pc:sldChg chg="modSp add">
+        <pc:chgData name="Greg Bulmash" userId="90973910de46daed" providerId="LiveId" clId="{56D521A3-7A98-41EE-B121-D8FC18FE9D74}" dt="2019-10-24T19:21:49.182" v="287" actId="14100"/>
+        <pc:sldMkLst>
+          <pc:docMk/>
+          <pc:sldMk cId="4271118336" sldId="258"/>
+        </pc:sldMkLst>
+        <pc:spChg chg="mod">
+          <ac:chgData name="Greg Bulmash" userId="90973910de46daed" providerId="LiveId" clId="{56D521A3-7A98-41EE-B121-D8FC18FE9D74}" dt="2019-10-24T19:21:49.182" v="287" actId="14100"/>
+          <ac:spMkLst>
+            <pc:docMk/>
+            <pc:sldMk cId="4271118336" sldId="258"/>
+            <ac:spMk id="2" creationId="{0BAE5A0F-B287-48A3-A6C3-D7EFE07523A8}"/>
+          </ac:spMkLst>
+        </pc:spChg>
+      </pc:sldChg>
+    </pc:docChg>
+  </pc:docChgLst>
+</pc:chgInfo>
 </file>
 
 <file path=ppt/slideLayouts/slideLayout1.xml><?xml version="1.0" encoding="utf-8"?>
@@ -3308,6 +3477,14 @@
 <file path=ppt/slides/slide1.xml><?xml version="1.0" encoding="utf-8"?>
 <p:sld xmlns:a="http://schemas.openxmlformats.org/drawingml/2006/main" xmlns:r="http://schemas.openxmlformats.org/officeDocument/2006/relationships" xmlns:p="http://schemas.openxmlformats.org/presentationml/2006/main">
   <p:cSld>
+    <p:bg>
+      <p:bgPr>
+        <a:solidFill>
+          <a:schemeClr val="bg1"/>
+        </a:solidFill>
+        <a:effectLst/>
+      </p:bgPr>
+    </p:bg>
     <p:spTree>
       <p:nvGrpSpPr>
         <p:cNvPr id="1" name=""/>
@@ -3324,33 +3501,194 @@
       </p:grpSpPr>
       <p:sp>
         <p:nvSpPr>
-          <p:cNvPr id="2" name="Title 1">
-            <a:extLst>
-              <a:ext uri="{FF2B5EF4-FFF2-40B4-BE49-F238E27FC236}">
-                <a16:creationId xmlns:a16="http://schemas.microsoft.com/office/drawing/2014/main" id="{0BAE5A0F-B287-48A3-A6C3-D7EFE07523A8}"/>
-              </a:ext>
-            </a:extLst>
-          </p:cNvPr>
-          <p:cNvSpPr>
-            <a:spLocks noGrp="1"/>
-          </p:cNvSpPr>
-          <p:nvPr>
-            <p:ph type="ctrTitle"/>
+          <p:cNvPr id="18" name="Rectangle 8">
+            <a:extLst>
+              <a:ext uri="{FF2B5EF4-FFF2-40B4-BE49-F238E27FC236}">
+                <a16:creationId xmlns:a16="http://schemas.microsoft.com/office/drawing/2014/main" id="{6753252F-4873-4F63-801D-CC719279A7D5}"/>
+              </a:ext>
+              <a:ext uri="{C183D7F6-B498-43B3-948B-1728B52AA6E4}">
+                <adec:decorative xmlns:adec="http://schemas.microsoft.com/office/drawing/2017/decorative" val="1"/>
+              </a:ext>
+            </a:extLst>
+          </p:cNvPr>
+          <p:cNvSpPr>
+            <a:spLocks noGrp="1" noRot="1" noChangeAspect="1" noMove="1" noResize="1" noEditPoints="1" noAdjustHandles="1" noChangeArrowheads="1" noChangeShapeType="1" noTextEdit="1"/>
+          </p:cNvSpPr>
+          <p:nvPr>
+            <p:extLst>
+              <p:ext uri="{386F3935-93C4-4BCD-93E2-E3B085C9AB24}">
+                <p16:designElem xmlns:p16="http://schemas.microsoft.com/office/powerpoint/2015/main" val="1"/>
+              </p:ext>
+            </p:extLst>
           </p:nvPr>
         </p:nvSpPr>
         <p:spPr>
           <a:xfrm>
-            <a:off x="1524000" y="326571"/>
-            <a:ext cx="9144000" cy="1134898"/>
+            <a:off x="0" y="0"/>
+            <a:ext cx="12192000" cy="6858000"/>
           </a:xfrm>
+          <a:prstGeom prst="rect">
+            <a:avLst/>
+          </a:prstGeom>
+          <a:solidFill>
+            <a:srgbClr val="FFFFFF"/>
+          </a:solidFill>
+          <a:ln>
+            <a:noFill/>
+          </a:ln>
         </p:spPr>
-        <p:txBody>
-          <a:bodyPr/>
-          <a:lstStyle/>
-          <a:p>
-            <a:r>
-              <a:rPr lang="en-US" dirty="0"/>
-              <a:t>Python Day - Intermediate</a:t>
+        <p:style>
+          <a:lnRef idx="2">
+            <a:schemeClr val="accent1">
+              <a:shade val="50000"/>
+            </a:schemeClr>
+          </a:lnRef>
+          <a:fillRef idx="1">
+            <a:schemeClr val="accent1"/>
+          </a:fillRef>
+          <a:effectRef idx="0">
+            <a:schemeClr val="accent1"/>
+          </a:effectRef>
+          <a:fontRef idx="minor">
+            <a:schemeClr val="lt1"/>
+          </a:fontRef>
+        </p:style>
+        <p:txBody>
+          <a:bodyPr rtlCol="0" anchor="ctr"/>
+          <a:lstStyle/>
+          <a:p>
+            <a:pPr algn="ctr"/>
+            <a:endParaRPr lang="en-US"/>
+          </a:p>
+        </p:txBody>
+      </p:sp>
+      <p:sp>
+        <p:nvSpPr>
+          <p:cNvPr id="19" name="Rectangle 10">
+            <a:extLst>
+              <a:ext uri="{FF2B5EF4-FFF2-40B4-BE49-F238E27FC236}">
+                <a16:creationId xmlns:a16="http://schemas.microsoft.com/office/drawing/2014/main" id="{047C8CCB-F95D-4249-92DD-651249D3535A}"/>
+              </a:ext>
+              <a:ext uri="{C183D7F6-B498-43B3-948B-1728B52AA6E4}">
+                <adec:decorative xmlns:adec="http://schemas.microsoft.com/office/drawing/2017/decorative" val="1"/>
+              </a:ext>
+            </a:extLst>
+          </p:cNvPr>
+          <p:cNvSpPr>
+            <a:spLocks noGrp="1" noRot="1" noChangeAspect="1" noMove="1" noResize="1" noEditPoints="1" noAdjustHandles="1" noChangeArrowheads="1" noChangeShapeType="1" noTextEdit="1"/>
+          </p:cNvSpPr>
+          <p:nvPr>
+            <p:extLst>
+              <p:ext uri="{386F3935-93C4-4BCD-93E2-E3B085C9AB24}">
+                <p16:designElem xmlns:p16="http://schemas.microsoft.com/office/powerpoint/2015/main" val="1"/>
+              </p:ext>
+            </p:extLst>
+          </p:nvPr>
+        </p:nvSpPr>
+        <p:spPr>
+          <a:xfrm>
+            <a:off x="0" y="0"/>
+            <a:ext cx="2013557" cy="6858000"/>
+          </a:xfrm>
+          <a:prstGeom prst="rect">
+            <a:avLst/>
+          </a:prstGeom>
+          <a:solidFill>
+            <a:srgbClr val="7F7F7F"/>
+          </a:solidFill>
+          <a:ln>
+            <a:noFill/>
+          </a:ln>
+        </p:spPr>
+        <p:style>
+          <a:lnRef idx="2">
+            <a:schemeClr val="accent1">
+              <a:shade val="50000"/>
+            </a:schemeClr>
+          </a:lnRef>
+          <a:fillRef idx="1">
+            <a:schemeClr val="accent1"/>
+          </a:fillRef>
+          <a:effectRef idx="0">
+            <a:schemeClr val="accent1"/>
+          </a:effectRef>
+          <a:fontRef idx="minor">
+            <a:schemeClr val="lt1"/>
+          </a:fontRef>
+        </p:style>
+        <p:txBody>
+          <a:bodyPr rtlCol="0" anchor="ctr"/>
+          <a:lstStyle/>
+          <a:p>
+            <a:pPr algn="ctr"/>
+            <a:endParaRPr lang="en-US"/>
+          </a:p>
+        </p:txBody>
+      </p:sp>
+      <p:sp>
+        <p:nvSpPr>
+          <p:cNvPr id="2" name="Title 1">
+            <a:extLst>
+              <a:ext uri="{FF2B5EF4-FFF2-40B4-BE49-F238E27FC236}">
+                <a16:creationId xmlns:a16="http://schemas.microsoft.com/office/drawing/2014/main" id="{0BAE5A0F-B287-48A3-A6C3-D7EFE07523A8}"/>
+              </a:ext>
+            </a:extLst>
+          </p:cNvPr>
+          <p:cNvSpPr>
+            <a:spLocks noGrp="1"/>
+          </p:cNvSpPr>
+          <p:nvPr>
+            <p:ph type="ctrTitle"/>
+          </p:nvPr>
+        </p:nvSpPr>
+        <p:spPr>
+          <a:xfrm>
+            <a:off x="640080" y="2074363"/>
+            <a:ext cx="2752354" cy="2709275"/>
+          </a:xfrm>
+          <a:prstGeom prst="ellipse">
+            <a:avLst/>
+          </a:prstGeom>
+          <a:solidFill>
+            <a:srgbClr val="262626"/>
+          </a:solidFill>
+          <a:ln w="174625" cmpd="thinThick">
+            <a:solidFill>
+              <a:srgbClr val="262626"/>
+            </a:solidFill>
+          </a:ln>
+        </p:spPr>
+        <p:txBody>
+          <a:bodyPr vert="horz" lIns="91440" tIns="45720" rIns="91440" bIns="45720" rtlCol="0" anchor="ctr">
+            <a:normAutofit/>
+          </a:bodyPr>
+          <a:lstStyle/>
+          <a:p>
+            <a:r>
+              <a:rPr lang="en-US" sz="2600" b="1" kern="1200" dirty="0">
+                <a:solidFill>
+                  <a:srgbClr val="FFFFFF"/>
+                </a:solidFill>
+                <a:latin typeface="American Typewriter Std Cn" panose="02090506020205020304" pitchFamily="18" charset="0"/>
+              </a:rPr>
+              <a:t>Python Day Intermediate</a:t>
+            </a:r>
+            <a:br>
+              <a:rPr lang="en-US" sz="2600" b="1" kern="1200" dirty="0">
+                <a:solidFill>
+                  <a:srgbClr val="FFFFFF"/>
+                </a:solidFill>
+                <a:latin typeface="American Typewriter Std Cn" panose="02090506020205020304" pitchFamily="18" charset="0"/>
+              </a:rPr>
+            </a:br>
+            <a:r>
+              <a:rPr lang="en-US" sz="2600" b="1" kern="1200" dirty="0">
+                <a:solidFill>
+                  <a:srgbClr val="FFFFFF"/>
+                </a:solidFill>
+                <a:latin typeface="American Typewriter Std Cn" panose="02090506020205020304" pitchFamily="18" charset="0"/>
+              </a:rPr>
+              <a:t>Workshop</a:t>
             </a:r>
           </a:p>
         </p:txBody>
@@ -3377,14 +3715,90 @@
         </p:blipFill>
         <p:spPr>
           <a:xfrm>
-            <a:off x="2097741" y="1478488"/>
-            <a:ext cx="7996518" cy="4156524"/>
+            <a:off x="4038600" y="1558373"/>
+            <a:ext cx="7188199" cy="3737864"/>
           </a:xfrm>
           <a:prstGeom prst="rect">
             <a:avLst/>
           </a:prstGeom>
         </p:spPr>
       </p:pic>
+      <p:sp>
+        <p:nvSpPr>
+          <p:cNvPr id="6" name="TextBox 5">
+            <a:extLst>
+              <a:ext uri="{FF2B5EF4-FFF2-40B4-BE49-F238E27FC236}">
+                <a16:creationId xmlns:a16="http://schemas.microsoft.com/office/drawing/2014/main" id="{546CFBAB-2BFF-45B8-9208-AF4C6244F0E9}"/>
+              </a:ext>
+            </a:extLst>
+          </p:cNvPr>
+          <p:cNvSpPr txBox="1"/>
+          <p:nvPr/>
+        </p:nvSpPr>
+        <p:spPr>
+          <a:xfrm>
+            <a:off x="2396913" y="5572784"/>
+            <a:ext cx="9411730" cy="830997"/>
+          </a:xfrm>
+          <a:prstGeom prst="rect">
+            <a:avLst/>
+          </a:prstGeom>
+          <a:noFill/>
+        </p:spPr>
+        <p:txBody>
+          <a:bodyPr wrap="square" rtlCol="0">
+            <a:spAutoFit/>
+          </a:bodyPr>
+          <a:lstStyle/>
+          <a:p>
+            <a:pPr algn="ctr"/>
+            <a:r>
+              <a:rPr lang="en-US" sz="2400" b="1" dirty="0" err="1">
+                <a:latin typeface="American Typewriter Std Cn" panose="02090506020205020304" pitchFamily="18" charset="0"/>
+              </a:rPr>
+              <a:t>WiFi</a:t>
+            </a:r>
+            <a:r>
+              <a:rPr lang="en-US" sz="2400" b="1" dirty="0">
+                <a:latin typeface="American Typewriter Std Cn" panose="02090506020205020304" pitchFamily="18" charset="0"/>
+              </a:rPr>
+              <a:t> Network: Guest  |  No Password</a:t>
+            </a:r>
+          </a:p>
+          <a:p>
+            <a:pPr algn="ctr"/>
+            <a:r>
+              <a:rPr lang="en-US" sz="2400" b="1" dirty="0">
+                <a:latin typeface="American Typewriter Std Cn" panose="02090506020205020304" pitchFamily="18" charset="0"/>
+              </a:rPr>
+              <a:t>Please open </a:t>
+            </a:r>
+            <a:r>
+              <a:rPr lang="en-US" sz="2400" b="1" dirty="0">
+                <a:latin typeface="American Typewriter Std Cn" panose="02090506020205020304" pitchFamily="18" charset="0"/>
+                <a:hlinkClick r:id="rId3"/>
+              </a:rPr>
+              <a:t>https://repl.it</a:t>
+            </a:r>
+            <a:r>
+              <a:rPr lang="en-US" sz="2400" b="1" dirty="0">
+                <a:latin typeface="American Typewriter Std Cn" panose="02090506020205020304" pitchFamily="18" charset="0"/>
+              </a:rPr>
+              <a:t> and </a:t>
+            </a:r>
+            <a:r>
+              <a:rPr lang="en-US" sz="2400" b="1" dirty="0">
+                <a:latin typeface="American Typewriter Std Cn" panose="02090506020205020304" pitchFamily="18" charset="0"/>
+                <a:hlinkClick r:id="rId4"/>
+              </a:rPr>
+              <a:t>http://bit.ly/scpdi</a:t>
+            </a:r>
+            <a:endParaRPr lang="en-US" sz="2400" b="1" dirty="0">
+              <a:latin typeface="American Typewriter Std Cn" panose="02090506020205020304" pitchFamily="18" charset="0"/>
+            </a:endParaRPr>
+          </a:p>
+        </p:txBody>
+      </p:sp>
     </p:spTree>
     <p:extLst>
       <p:ext uri="{BB962C8B-B14F-4D97-AF65-F5344CB8AC3E}">
@@ -3415,12 +3829,49 @@
           <a:chExt cx="0" cy="0"/>
         </a:xfrm>
       </p:grpSpPr>
+      <p:sp>
+        <p:nvSpPr>
+          <p:cNvPr id="2" name="Title 1">
+            <a:extLst>
+              <a:ext uri="{FF2B5EF4-FFF2-40B4-BE49-F238E27FC236}">
+                <a16:creationId xmlns:a16="http://schemas.microsoft.com/office/drawing/2014/main" id="{0BAE5A0F-B287-48A3-A6C3-D7EFE07523A8}"/>
+              </a:ext>
+            </a:extLst>
+          </p:cNvPr>
+          <p:cNvSpPr>
+            <a:spLocks noGrp="1"/>
+          </p:cNvSpPr>
+          <p:nvPr>
+            <p:ph type="ctrTitle"/>
+          </p:nvPr>
+        </p:nvSpPr>
+        <p:spPr>
+          <a:xfrm>
+            <a:off x="680301" y="237506"/>
+            <a:ext cx="10999508" cy="1134898"/>
+          </a:xfrm>
+        </p:spPr>
+        <p:txBody>
+          <a:bodyPr>
+            <a:normAutofit fontScale="90000"/>
+          </a:bodyPr>
+          <a:lstStyle/>
+          <a:p>
+            <a:r>
+              <a:rPr lang="en-US" b="1" dirty="0">
+                <a:latin typeface="American Typewriter Std Cn" panose="02090506020205020304" pitchFamily="18" charset="0"/>
+              </a:rPr>
+              <a:t>Python Day – Intermediate Workshop</a:t>
+            </a:r>
+          </a:p>
+        </p:txBody>
+      </p:sp>
       <p:pic>
         <p:nvPicPr>
           <p:cNvPr id="4" name="Picture 3">
             <a:extLst>
               <a:ext uri="{FF2B5EF4-FFF2-40B4-BE49-F238E27FC236}">
-                <a16:creationId xmlns:a16="http://schemas.microsoft.com/office/drawing/2014/main" id="{4B0E6F39-32A6-4CC9-B118-C547B53773D9}"/>
+                <a16:creationId xmlns:a16="http://schemas.microsoft.com/office/drawing/2014/main" id="{47ACEA4E-125F-4222-B207-2F3CBDF0751A}"/>
               </a:ext>
             </a:extLst>
           </p:cNvPr>
@@ -3437,14 +3888,152 @@
         </p:blipFill>
         <p:spPr>
           <a:xfrm>
-            <a:off x="2347356" y="1269590"/>
-            <a:ext cx="7497288" cy="5411350"/>
+            <a:off x="2097741" y="1478488"/>
+            <a:ext cx="7996518" cy="4156524"/>
           </a:xfrm>
           <a:prstGeom prst="rect">
             <a:avLst/>
           </a:prstGeom>
         </p:spPr>
       </p:pic>
+      <p:pic>
+        <p:nvPicPr>
+          <p:cNvPr id="3" name="Picture 2">
+            <a:extLst>
+              <a:ext uri="{FF2B5EF4-FFF2-40B4-BE49-F238E27FC236}">
+                <a16:creationId xmlns:a16="http://schemas.microsoft.com/office/drawing/2014/main" id="{AF0BA393-61DE-4E0E-B076-A8F18C8FF4CC}"/>
+              </a:ext>
+            </a:extLst>
+          </p:cNvPr>
+          <p:cNvPicPr>
+            <a:picLocks noChangeAspect="1"/>
+          </p:cNvPicPr>
+          <p:nvPr/>
+        </p:nvPicPr>
+        <p:blipFill>
+          <a:blip r:embed="rId3"/>
+          <a:stretch>
+            <a:fillRect/>
+          </a:stretch>
+        </p:blipFill>
+        <p:spPr>
+          <a:xfrm>
+            <a:off x="680300" y="5410436"/>
+            <a:ext cx="914402" cy="1210058"/>
+          </a:xfrm>
+          <a:prstGeom prst="rect">
+            <a:avLst/>
+          </a:prstGeom>
+        </p:spPr>
+      </p:pic>
+      <p:sp>
+        <p:nvSpPr>
+          <p:cNvPr id="5" name="TextBox 4">
+            <a:extLst>
+              <a:ext uri="{FF2B5EF4-FFF2-40B4-BE49-F238E27FC236}">
+                <a16:creationId xmlns:a16="http://schemas.microsoft.com/office/drawing/2014/main" id="{4EA8A0E1-5578-413D-AC4D-0E2B34394D9F}"/>
+              </a:ext>
+            </a:extLst>
+          </p:cNvPr>
+          <p:cNvSpPr txBox="1"/>
+          <p:nvPr/>
+        </p:nvSpPr>
+        <p:spPr>
+          <a:xfrm>
+            <a:off x="1970201" y="5692299"/>
+            <a:ext cx="9709608" cy="646331"/>
+          </a:xfrm>
+          <a:prstGeom prst="rect">
+            <a:avLst/>
+          </a:prstGeom>
+          <a:noFill/>
+        </p:spPr>
+        <p:txBody>
+          <a:bodyPr wrap="square" rtlCol="0">
+            <a:spAutoFit/>
+          </a:bodyPr>
+          <a:lstStyle/>
+          <a:p>
+            <a:r>
+              <a:rPr lang="en-US" dirty="0"/>
+              <a:t>Based on “Invent Your Own Computer Games with Python” – Chapter 13</a:t>
+            </a:r>
+          </a:p>
+          <a:p>
+            <a:r>
+              <a:rPr lang="en-US" dirty="0"/>
+              <a:t>Get the full book (or read it free online) at </a:t>
+            </a:r>
+            <a:r>
+              <a:rPr lang="en-US" dirty="0">
+                <a:hlinkClick r:id="rId4"/>
+              </a:rPr>
+              <a:t>https://inventwithpython.com/invent4thed</a:t>
+            </a:r>
+            <a:endParaRPr lang="en-US" dirty="0"/>
+          </a:p>
+        </p:txBody>
+      </p:sp>
+    </p:spTree>
+    <p:extLst>
+      <p:ext uri="{BB962C8B-B14F-4D97-AF65-F5344CB8AC3E}">
+        <p14:creationId xmlns:p14="http://schemas.microsoft.com/office/powerpoint/2010/main" val="4271118336"/>
+      </p:ext>
+    </p:extLst>
+  </p:cSld>
+  <p:clrMapOvr>
+    <a:masterClrMapping/>
+  </p:clrMapOvr>
+</p:sld>
+</file>
+
+<file path=ppt/slides/slide3.xml><?xml version="1.0" encoding="utf-8"?>
+<p:sld xmlns:a="http://schemas.openxmlformats.org/drawingml/2006/main" xmlns:r="http://schemas.openxmlformats.org/officeDocument/2006/relationships" xmlns:p="http://schemas.openxmlformats.org/presentationml/2006/main">
+  <p:cSld>
+    <p:spTree>
+      <p:nvGrpSpPr>
+        <p:cNvPr id="1" name=""/>
+        <p:cNvGrpSpPr/>
+        <p:nvPr/>
+      </p:nvGrpSpPr>
+      <p:grpSpPr>
+        <a:xfrm>
+          <a:off x="0" y="0"/>
+          <a:ext cx="0" cy="0"/>
+          <a:chOff x="0" y="0"/>
+          <a:chExt cx="0" cy="0"/>
+        </a:xfrm>
+      </p:grpSpPr>
+      <p:pic>
+        <p:nvPicPr>
+          <p:cNvPr id="4" name="Picture 3">
+            <a:extLst>
+              <a:ext uri="{FF2B5EF4-FFF2-40B4-BE49-F238E27FC236}">
+                <a16:creationId xmlns:a16="http://schemas.microsoft.com/office/drawing/2014/main" id="{4B0E6F39-32A6-4CC9-B118-C547B53773D9}"/>
+              </a:ext>
+            </a:extLst>
+          </p:cNvPr>
+          <p:cNvPicPr>
+            <a:picLocks noChangeAspect="1"/>
+          </p:cNvPicPr>
+          <p:nvPr/>
+        </p:nvPicPr>
+        <p:blipFill>
+          <a:blip r:embed="rId2"/>
+          <a:stretch>
+            <a:fillRect/>
+          </a:stretch>
+        </p:blipFill>
+        <p:spPr>
+          <a:xfrm>
+            <a:off x="1339819" y="-7778"/>
+            <a:ext cx="9512362" cy="6865778"/>
+          </a:xfrm>
+          <a:prstGeom prst="rect">
+            <a:avLst/>
+          </a:prstGeom>
+        </p:spPr>
+      </p:pic>
       <p:sp>
         <p:nvSpPr>
           <p:cNvPr id="6" name="Rectangle: Rounded Corners 5">
@@ -3459,8 +4048,8 @@
         </p:nvSpPr>
         <p:spPr>
           <a:xfrm>
-            <a:off x="8526483" y="1323028"/>
-            <a:ext cx="765960" cy="333579"/>
+            <a:off x="9186883" y="10695"/>
+            <a:ext cx="990050" cy="446505"/>
           </a:xfrm>
           <a:prstGeom prst="roundRect">
             <a:avLst/>

--- a/Python Day - Intermediate.pptx
+++ b/Python Day - Intermediate.pptx
@@ -8,6 +8,12 @@
     <p:sldId id="256" r:id="rId2"/>
     <p:sldId id="258" r:id="rId3"/>
     <p:sldId id="257" r:id="rId4"/>
+    <p:sldId id="259" r:id="rId5"/>
+    <p:sldId id="260" r:id="rId6"/>
+    <p:sldId id="261" r:id="rId7"/>
+    <p:sldId id="262" r:id="rId8"/>
+    <p:sldId id="263" r:id="rId9"/>
+    <p:sldId id="264" r:id="rId10"/>
   </p:sldIdLst>
   <p:sldSz cx="12192000" cy="6858000"/>
   <p:notesSz cx="6858000" cy="9144000"/>
@@ -117,7 +123,7 @@
 <file path=ppt/revisionInfo.xml><?xml version="1.0" encoding="utf-8"?>
 <p1510:revInfo xmlns:a="http://schemas.openxmlformats.org/drawingml/2006/main" xmlns:r="http://schemas.openxmlformats.org/officeDocument/2006/relationships" xmlns:p1510="http://schemas.microsoft.com/office/powerpoint/2015/10/main">
   <p1510:revLst>
-    <p1510:client id="{56D521A3-7A98-41EE-B121-D8FC18FE9D74}" v="8" dt="2019-10-24T19:13:55.230"/>
+    <p1510:client id="{56D521A3-7A98-41EE-B121-D8FC18FE9D74}" v="41" dt="2019-11-02T03:26:28.749"/>
   </p1510:revLst>
 </p1510:revInfo>
 </file>
@@ -127,7 +133,7 @@
   <pc:docChgLst>
     <pc:chgData name="Greg Bulmash" userId="90973910de46daed" providerId="LiveId" clId="{56D521A3-7A98-41EE-B121-D8FC18FE9D74}"/>
     <pc:docChg chg="undo custSel mod addSld modSld">
-      <pc:chgData name="Greg Bulmash" userId="90973910de46daed" providerId="LiveId" clId="{56D521A3-7A98-41EE-B121-D8FC18FE9D74}" dt="2019-10-24T19:21:49.182" v="287" actId="14100"/>
+      <pc:chgData name="Greg Bulmash" userId="90973910de46daed" providerId="LiveId" clId="{56D521A3-7A98-41EE-B121-D8FC18FE9D74}" dt="2019-11-02T03:30:36.447" v="505" actId="14100"/>
       <pc:docMkLst>
         <pc:docMk/>
       </pc:docMkLst>
@@ -272,6 +278,256 @@
           </ac:spMkLst>
         </pc:spChg>
       </pc:sldChg>
+      <pc:sldChg chg="addSp delSp modSp add mod setBg">
+        <pc:chgData name="Greg Bulmash" userId="90973910de46daed" providerId="LiveId" clId="{56D521A3-7A98-41EE-B121-D8FC18FE9D74}" dt="2019-11-02T02:53:59.646" v="305" actId="1076"/>
+        <pc:sldMkLst>
+          <pc:docMk/>
+          <pc:sldMk cId="3922824149" sldId="259"/>
+        </pc:sldMkLst>
+        <pc:spChg chg="del">
+          <ac:chgData name="Greg Bulmash" userId="90973910de46daed" providerId="LiveId" clId="{56D521A3-7A98-41EE-B121-D8FC18FE9D74}" dt="2019-11-02T02:52:38.247" v="289" actId="478"/>
+          <ac:spMkLst>
+            <pc:docMk/>
+            <pc:sldMk cId="3922824149" sldId="259"/>
+            <ac:spMk id="2" creationId="{546ABE05-080E-4C5C-B2F1-4CF069431650}"/>
+          </ac:spMkLst>
+        </pc:spChg>
+        <pc:spChg chg="del">
+          <ac:chgData name="Greg Bulmash" userId="90973910de46daed" providerId="LiveId" clId="{56D521A3-7A98-41EE-B121-D8FC18FE9D74}" dt="2019-11-02T02:52:38.247" v="289" actId="478"/>
+          <ac:spMkLst>
+            <pc:docMk/>
+            <pc:sldMk cId="3922824149" sldId="259"/>
+            <ac:spMk id="3" creationId="{9C00FBA2-690B-4CC1-B90B-1855183710A2}"/>
+          </ac:spMkLst>
+        </pc:spChg>
+        <pc:picChg chg="add mod">
+          <ac:chgData name="Greg Bulmash" userId="90973910de46daed" providerId="LiveId" clId="{56D521A3-7A98-41EE-B121-D8FC18FE9D74}" dt="2019-11-02T02:53:59.646" v="305" actId="1076"/>
+          <ac:picMkLst>
+            <pc:docMk/>
+            <pc:sldMk cId="3922824149" sldId="259"/>
+            <ac:picMk id="1026" creationId="{E33EE7FB-1EBD-423B-85D0-DDF262D01E07}"/>
+          </ac:picMkLst>
+        </pc:picChg>
+      </pc:sldChg>
+      <pc:sldChg chg="addSp delSp modSp add mod setBg">
+        <pc:chgData name="Greg Bulmash" userId="90973910de46daed" providerId="LiveId" clId="{56D521A3-7A98-41EE-B121-D8FC18FE9D74}" dt="2019-11-02T02:54:13.591" v="307" actId="1076"/>
+        <pc:sldMkLst>
+          <pc:docMk/>
+          <pc:sldMk cId="1872317664" sldId="260"/>
+        </pc:sldMkLst>
+        <pc:spChg chg="del">
+          <ac:chgData name="Greg Bulmash" userId="90973910de46daed" providerId="LiveId" clId="{56D521A3-7A98-41EE-B121-D8FC18FE9D74}" dt="2019-11-02T02:53:09.792" v="297" actId="478"/>
+          <ac:spMkLst>
+            <pc:docMk/>
+            <pc:sldMk cId="1872317664" sldId="260"/>
+            <ac:spMk id="2" creationId="{D9A72960-1512-46B5-B214-B7E22229D298}"/>
+          </ac:spMkLst>
+        </pc:spChg>
+        <pc:spChg chg="del">
+          <ac:chgData name="Greg Bulmash" userId="90973910de46daed" providerId="LiveId" clId="{56D521A3-7A98-41EE-B121-D8FC18FE9D74}" dt="2019-11-02T02:53:09.792" v="297" actId="478"/>
+          <ac:spMkLst>
+            <pc:docMk/>
+            <pc:sldMk cId="1872317664" sldId="260"/>
+            <ac:spMk id="3" creationId="{AC1ABCF9-547C-4F33-B2ED-960251E1E36F}"/>
+          </ac:spMkLst>
+        </pc:spChg>
+        <pc:picChg chg="add mod">
+          <ac:chgData name="Greg Bulmash" userId="90973910de46daed" providerId="LiveId" clId="{56D521A3-7A98-41EE-B121-D8FC18FE9D74}" dt="2019-11-02T02:54:13.591" v="307" actId="1076"/>
+          <ac:picMkLst>
+            <pc:docMk/>
+            <pc:sldMk cId="1872317664" sldId="260"/>
+            <ac:picMk id="2050" creationId="{C74108BC-487A-4F40-8BC4-2304D3915F15}"/>
+          </ac:picMkLst>
+        </pc:picChg>
+      </pc:sldChg>
+      <pc:sldChg chg="addSp delSp modSp add mod setBg">
+        <pc:chgData name="Greg Bulmash" userId="90973910de46daed" providerId="LiveId" clId="{56D521A3-7A98-41EE-B121-D8FC18FE9D74}" dt="2019-11-02T03:15:30.394" v="343" actId="1076"/>
+        <pc:sldMkLst>
+          <pc:docMk/>
+          <pc:sldMk cId="2440060400" sldId="261"/>
+        </pc:sldMkLst>
+        <pc:spChg chg="mod">
+          <ac:chgData name="Greg Bulmash" userId="90973910de46daed" providerId="LiveId" clId="{56D521A3-7A98-41EE-B121-D8FC18FE9D74}" dt="2019-11-02T03:15:17.522" v="341" actId="26606"/>
+          <ac:spMkLst>
+            <pc:docMk/>
+            <pc:sldMk cId="2440060400" sldId="261"/>
+            <ac:spMk id="2" creationId="{58A59161-4808-4BDE-8680-799A7736103D}"/>
+          </ac:spMkLst>
+        </pc:spChg>
+        <pc:spChg chg="del">
+          <ac:chgData name="Greg Bulmash" userId="90973910de46daed" providerId="LiveId" clId="{56D521A3-7A98-41EE-B121-D8FC18FE9D74}" dt="2019-11-02T03:15:08.138" v="339" actId="478"/>
+          <ac:spMkLst>
+            <pc:docMk/>
+            <pc:sldMk cId="2440060400" sldId="261"/>
+            <ac:spMk id="3" creationId="{14924870-7171-4748-901E-BEC0E4DCDD5E}"/>
+          </ac:spMkLst>
+        </pc:spChg>
+        <pc:spChg chg="add">
+          <ac:chgData name="Greg Bulmash" userId="90973910de46daed" providerId="LiveId" clId="{56D521A3-7A98-41EE-B121-D8FC18FE9D74}" dt="2019-11-02T03:15:17.522" v="341" actId="26606"/>
+          <ac:spMkLst>
+            <pc:docMk/>
+            <pc:sldMk cId="2440060400" sldId="261"/>
+            <ac:spMk id="71" creationId="{6753252F-4873-4F63-801D-CC719279A7D5}"/>
+          </ac:spMkLst>
+        </pc:spChg>
+        <pc:spChg chg="add">
+          <ac:chgData name="Greg Bulmash" userId="90973910de46daed" providerId="LiveId" clId="{56D521A3-7A98-41EE-B121-D8FC18FE9D74}" dt="2019-11-02T03:15:17.522" v="341" actId="26606"/>
+          <ac:spMkLst>
+            <pc:docMk/>
+            <pc:sldMk cId="2440060400" sldId="261"/>
+            <ac:spMk id="73" creationId="{047C8CCB-F95D-4249-92DD-651249D3535A}"/>
+          </ac:spMkLst>
+        </pc:spChg>
+        <pc:picChg chg="add mod">
+          <ac:chgData name="Greg Bulmash" userId="90973910de46daed" providerId="LiveId" clId="{56D521A3-7A98-41EE-B121-D8FC18FE9D74}" dt="2019-11-02T03:15:30.394" v="343" actId="1076"/>
+          <ac:picMkLst>
+            <pc:docMk/>
+            <pc:sldMk cId="2440060400" sldId="261"/>
+            <ac:picMk id="3074" creationId="{2F9B6315-41A0-4DC4-81D6-18000287657D}"/>
+          </ac:picMkLst>
+        </pc:picChg>
+      </pc:sldChg>
+      <pc:sldChg chg="addSp modSp add">
+        <pc:chgData name="Greg Bulmash" userId="90973910de46daed" providerId="LiveId" clId="{56D521A3-7A98-41EE-B121-D8FC18FE9D74}" dt="2019-11-02T03:16:56.234" v="351" actId="1076"/>
+        <pc:sldMkLst>
+          <pc:docMk/>
+          <pc:sldMk cId="2667357181" sldId="262"/>
+        </pc:sldMkLst>
+        <pc:spChg chg="add mod">
+          <ac:chgData name="Greg Bulmash" userId="90973910de46daed" providerId="LiveId" clId="{56D521A3-7A98-41EE-B121-D8FC18FE9D74}" dt="2019-11-02T03:16:56.234" v="351" actId="1076"/>
+          <ac:spMkLst>
+            <pc:docMk/>
+            <pc:sldMk cId="2667357181" sldId="262"/>
+            <ac:spMk id="3" creationId="{9937C99E-86A8-4310-91A2-10B321AAA6FD}"/>
+          </ac:spMkLst>
+        </pc:spChg>
+      </pc:sldChg>
+      <pc:sldChg chg="addSp delSp modSp add">
+        <pc:chgData name="Greg Bulmash" userId="90973910de46daed" providerId="LiveId" clId="{56D521A3-7A98-41EE-B121-D8FC18FE9D74}" dt="2019-11-02T03:17:25.554" v="356" actId="1076"/>
+        <pc:sldMkLst>
+          <pc:docMk/>
+          <pc:sldMk cId="174297246" sldId="263"/>
+        </pc:sldMkLst>
+        <pc:spChg chg="add mod">
+          <ac:chgData name="Greg Bulmash" userId="90973910de46daed" providerId="LiveId" clId="{56D521A3-7A98-41EE-B121-D8FC18FE9D74}" dt="2019-11-02T03:17:25.554" v="356" actId="1076"/>
+          <ac:spMkLst>
+            <pc:docMk/>
+            <pc:sldMk cId="174297246" sldId="263"/>
+            <ac:spMk id="8" creationId="{A6D2253C-C8E4-48F8-9EB8-3AD6F2CA01FD}"/>
+          </ac:spMkLst>
+        </pc:spChg>
+        <pc:picChg chg="add del">
+          <ac:chgData name="Greg Bulmash" userId="90973910de46daed" providerId="LiveId" clId="{56D521A3-7A98-41EE-B121-D8FC18FE9D74}" dt="2019-11-02T03:17:13.915" v="354"/>
+          <ac:picMkLst>
+            <pc:docMk/>
+            <pc:sldMk cId="174297246" sldId="263"/>
+            <ac:picMk id="4098" creationId="{2FC97A8D-C11B-4A99-B95A-17778368DDA7}"/>
+          </ac:picMkLst>
+        </pc:picChg>
+      </pc:sldChg>
+      <pc:sldChg chg="addSp modSp add">
+        <pc:chgData name="Greg Bulmash" userId="90973910de46daed" providerId="LiveId" clId="{56D521A3-7A98-41EE-B121-D8FC18FE9D74}" dt="2019-11-02T03:30:36.447" v="505" actId="14100"/>
+        <pc:sldMkLst>
+          <pc:docMk/>
+          <pc:sldMk cId="2721520107" sldId="264"/>
+        </pc:sldMkLst>
+        <pc:spChg chg="mod">
+          <ac:chgData name="Greg Bulmash" userId="90973910de46daed" providerId="LiveId" clId="{56D521A3-7A98-41EE-B121-D8FC18FE9D74}" dt="2019-11-02T03:18:50.765" v="376" actId="20577"/>
+          <ac:spMkLst>
+            <pc:docMk/>
+            <pc:sldMk cId="2721520107" sldId="264"/>
+            <ac:spMk id="2" creationId="{58A59161-4808-4BDE-8680-799A7736103D}"/>
+          </ac:spMkLst>
+        </pc:spChg>
+        <pc:spChg chg="add mod">
+          <ac:chgData name="Greg Bulmash" userId="90973910de46daed" providerId="LiveId" clId="{56D521A3-7A98-41EE-B121-D8FC18FE9D74}" dt="2019-11-02T03:19:07.930" v="378" actId="1076"/>
+          <ac:spMkLst>
+            <pc:docMk/>
+            <pc:sldMk cId="2721520107" sldId="264"/>
+            <ac:spMk id="9" creationId="{FA8C2A36-0DC9-458D-81A6-97BD84574D62}"/>
+          </ac:spMkLst>
+        </pc:spChg>
+        <pc:spChg chg="add mod">
+          <ac:chgData name="Greg Bulmash" userId="90973910de46daed" providerId="LiveId" clId="{56D521A3-7A98-41EE-B121-D8FC18FE9D74}" dt="2019-11-02T03:24:51.741" v="450" actId="20577"/>
+          <ac:spMkLst>
+            <pc:docMk/>
+            <pc:sldMk cId="2721520107" sldId="264"/>
+            <ac:spMk id="15" creationId="{BDAD8E3D-4651-48FC-A4EA-645175596ECB}"/>
+          </ac:spMkLst>
+        </pc:spChg>
+        <pc:spChg chg="add mod">
+          <ac:chgData name="Greg Bulmash" userId="90973910de46daed" providerId="LiveId" clId="{56D521A3-7A98-41EE-B121-D8FC18FE9D74}" dt="2019-11-02T03:24:55.511" v="452" actId="20577"/>
+          <ac:spMkLst>
+            <pc:docMk/>
+            <pc:sldMk cId="2721520107" sldId="264"/>
+            <ac:spMk id="20" creationId="{B0D3921B-8AA7-4007-B58A-92A47E74D123}"/>
+          </ac:spMkLst>
+        </pc:spChg>
+        <pc:spChg chg="add mod">
+          <ac:chgData name="Greg Bulmash" userId="90973910de46daed" providerId="LiveId" clId="{56D521A3-7A98-41EE-B121-D8FC18FE9D74}" dt="2019-11-02T03:24:58.789" v="454" actId="20577"/>
+          <ac:spMkLst>
+            <pc:docMk/>
+            <pc:sldMk cId="2721520107" sldId="264"/>
+            <ac:spMk id="21" creationId="{5E6BECC8-7F31-4CE7-B59F-0F881D3BB32D}"/>
+          </ac:spMkLst>
+        </pc:spChg>
+        <pc:spChg chg="add mod">
+          <ac:chgData name="Greg Bulmash" userId="90973910de46daed" providerId="LiveId" clId="{56D521A3-7A98-41EE-B121-D8FC18FE9D74}" dt="2019-11-02T03:26:24.297" v="471" actId="1036"/>
+          <ac:spMkLst>
+            <pc:docMk/>
+            <pc:sldMk cId="2721520107" sldId="264"/>
+            <ac:spMk id="22" creationId="{4C58F368-E871-4FFE-B4DE-B8CB0944FB6B}"/>
+          </ac:spMkLst>
+        </pc:spChg>
+        <pc:spChg chg="add mod">
+          <ac:chgData name="Greg Bulmash" userId="90973910de46daed" providerId="LiveId" clId="{56D521A3-7A98-41EE-B121-D8FC18FE9D74}" dt="2019-11-02T03:24:25.743" v="448" actId="20577"/>
+          <ac:spMkLst>
+            <pc:docMk/>
+            <pc:sldMk cId="2721520107" sldId="264"/>
+            <ac:spMk id="23" creationId="{B8966017-57EE-4166-BBF8-860D9B33152A}"/>
+          </ac:spMkLst>
+        </pc:spChg>
+        <pc:spChg chg="add mod">
+          <ac:chgData name="Greg Bulmash" userId="90973910de46daed" providerId="LiveId" clId="{56D521A3-7A98-41EE-B121-D8FC18FE9D74}" dt="2019-11-02T03:25:57.318" v="467" actId="20577"/>
+          <ac:spMkLst>
+            <pc:docMk/>
+            <pc:sldMk cId="2721520107" sldId="264"/>
+            <ac:spMk id="24" creationId="{7313C1E4-C6EA-4B5B-86CA-B750BCBCCB9C}"/>
+          </ac:spMkLst>
+        </pc:spChg>
+        <pc:spChg chg="add mod">
+          <ac:chgData name="Greg Bulmash" userId="90973910de46daed" providerId="LiveId" clId="{56D521A3-7A98-41EE-B121-D8FC18FE9D74}" dt="2019-11-02T03:26:36.667" v="500" actId="20577"/>
+          <ac:spMkLst>
+            <pc:docMk/>
+            <pc:sldMk cId="2721520107" sldId="264"/>
+            <ac:spMk id="25" creationId="{4BB63BE7-7E57-43E9-AF0A-997DD0DFB333}"/>
+          </ac:spMkLst>
+        </pc:spChg>
+        <pc:cxnChg chg="add mod">
+          <ac:chgData name="Greg Bulmash" userId="90973910de46daed" providerId="LiveId" clId="{56D521A3-7A98-41EE-B121-D8FC18FE9D74}" dt="2019-11-02T03:30:21.808" v="501" actId="14100"/>
+          <ac:cxnSpMkLst>
+            <pc:docMk/>
+            <pc:sldMk cId="2721520107" sldId="264"/>
+            <ac:cxnSpMk id="5" creationId="{F917D338-F056-4C52-8110-502F5E0EAE3E}"/>
+          </ac:cxnSpMkLst>
+        </pc:cxnChg>
+        <pc:cxnChg chg="add mod">
+          <ac:chgData name="Greg Bulmash" userId="90973910de46daed" providerId="LiveId" clId="{56D521A3-7A98-41EE-B121-D8FC18FE9D74}" dt="2019-11-02T03:30:36.447" v="505" actId="14100"/>
+          <ac:cxnSpMkLst>
+            <pc:docMk/>
+            <pc:sldMk cId="2721520107" sldId="264"/>
+            <ac:cxnSpMk id="13" creationId="{4B56C0E2-96B4-4FB7-9F9E-DECE2325B588}"/>
+          </ac:cxnSpMkLst>
+        </pc:cxnChg>
+        <pc:cxnChg chg="add mod">
+          <ac:chgData name="Greg Bulmash" userId="90973910de46daed" providerId="LiveId" clId="{56D521A3-7A98-41EE-B121-D8FC18FE9D74}" dt="2019-11-02T03:21:32.089" v="407" actId="14100"/>
+          <ac:cxnSpMkLst>
+            <pc:docMk/>
+            <pc:sldMk cId="2721520107" sldId="264"/>
+            <ac:cxnSpMk id="16" creationId="{3125FCB4-24EE-4842-8A56-4F84474E1A5C}"/>
+          </ac:cxnSpMkLst>
+        </pc:cxnChg>
+      </pc:sldChg>
     </pc:docChg>
   </pc:docChgLst>
 </pc:chgInfo>
@@ -424,7 +680,7 @@
           <a:p>
             <a:fld id="{DCD16B6A-E59C-40D1-8C03-498234058099}" type="datetimeFigureOut">
               <a:rPr lang="en-US" smtClean="0"/>
-              <a:t>10/24/2019</a:t>
+              <a:t>11/1/2019</a:t>
             </a:fld>
             <a:endParaRPr lang="en-US"/>
           </a:p>
@@ -622,7 +878,7 @@
           <a:p>
             <a:fld id="{DCD16B6A-E59C-40D1-8C03-498234058099}" type="datetimeFigureOut">
               <a:rPr lang="en-US" smtClean="0"/>
-              <a:t>10/24/2019</a:t>
+              <a:t>11/1/2019</a:t>
             </a:fld>
             <a:endParaRPr lang="en-US"/>
           </a:p>
@@ -830,7 +1086,7 @@
           <a:p>
             <a:fld id="{DCD16B6A-E59C-40D1-8C03-498234058099}" type="datetimeFigureOut">
               <a:rPr lang="en-US" smtClean="0"/>
-              <a:t>10/24/2019</a:t>
+              <a:t>11/1/2019</a:t>
             </a:fld>
             <a:endParaRPr lang="en-US"/>
           </a:p>
@@ -1028,7 +1284,7 @@
           <a:p>
             <a:fld id="{DCD16B6A-E59C-40D1-8C03-498234058099}" type="datetimeFigureOut">
               <a:rPr lang="en-US" smtClean="0"/>
-              <a:t>10/24/2019</a:t>
+              <a:t>11/1/2019</a:t>
             </a:fld>
             <a:endParaRPr lang="en-US"/>
           </a:p>
@@ -1303,7 +1559,7 @@
           <a:p>
             <a:fld id="{DCD16B6A-E59C-40D1-8C03-498234058099}" type="datetimeFigureOut">
               <a:rPr lang="en-US" smtClean="0"/>
-              <a:t>10/24/2019</a:t>
+              <a:t>11/1/2019</a:t>
             </a:fld>
             <a:endParaRPr lang="en-US"/>
           </a:p>
@@ -1568,7 +1824,7 @@
           <a:p>
             <a:fld id="{DCD16B6A-E59C-40D1-8C03-498234058099}" type="datetimeFigureOut">
               <a:rPr lang="en-US" smtClean="0"/>
-              <a:t>10/24/2019</a:t>
+              <a:t>11/1/2019</a:t>
             </a:fld>
             <a:endParaRPr lang="en-US"/>
           </a:p>
@@ -1980,7 +2236,7 @@
           <a:p>
             <a:fld id="{DCD16B6A-E59C-40D1-8C03-498234058099}" type="datetimeFigureOut">
               <a:rPr lang="en-US" smtClean="0"/>
-              <a:t>10/24/2019</a:t>
+              <a:t>11/1/2019</a:t>
             </a:fld>
             <a:endParaRPr lang="en-US"/>
           </a:p>
@@ -2121,7 +2377,7 @@
           <a:p>
             <a:fld id="{DCD16B6A-E59C-40D1-8C03-498234058099}" type="datetimeFigureOut">
               <a:rPr lang="en-US" smtClean="0"/>
-              <a:t>10/24/2019</a:t>
+              <a:t>11/1/2019</a:t>
             </a:fld>
             <a:endParaRPr lang="en-US"/>
           </a:p>
@@ -2234,7 +2490,7 @@
           <a:p>
             <a:fld id="{DCD16B6A-E59C-40D1-8C03-498234058099}" type="datetimeFigureOut">
               <a:rPr lang="en-US" smtClean="0"/>
-              <a:t>10/24/2019</a:t>
+              <a:t>11/1/2019</a:t>
             </a:fld>
             <a:endParaRPr lang="en-US"/>
           </a:p>
@@ -2545,7 +2801,7 @@
           <a:p>
             <a:fld id="{DCD16B6A-E59C-40D1-8C03-498234058099}" type="datetimeFigureOut">
               <a:rPr lang="en-US" smtClean="0"/>
-              <a:t>10/24/2019</a:t>
+              <a:t>11/1/2019</a:t>
             </a:fld>
             <a:endParaRPr lang="en-US"/>
           </a:p>
@@ -2833,7 +3089,7 @@
           <a:p>
             <a:fld id="{DCD16B6A-E59C-40D1-8C03-498234058099}" type="datetimeFigureOut">
               <a:rPr lang="en-US" smtClean="0"/>
-              <a:t>10/24/2019</a:t>
+              <a:t>11/1/2019</a:t>
             </a:fld>
             <a:endParaRPr lang="en-US"/>
           </a:p>
@@ -3074,7 +3330,7 @@
           <a:p>
             <a:fld id="{DCD16B6A-E59C-40D1-8C03-498234058099}" type="datetimeFigureOut">
               <a:rPr lang="en-US" smtClean="0"/>
-              <a:t>10/24/2019</a:t>
+              <a:t>11/1/2019</a:t>
             </a:fld>
             <a:endParaRPr lang="en-US"/>
           </a:p>
@@ -4102,6 +4358,1955 @@
 </p:sld>
 </file>
 
+<file path=ppt/slides/slide4.xml><?xml version="1.0" encoding="utf-8"?>
+<p:sld xmlns:a="http://schemas.openxmlformats.org/drawingml/2006/main" xmlns:r="http://schemas.openxmlformats.org/officeDocument/2006/relationships" xmlns:p="http://schemas.openxmlformats.org/presentationml/2006/main">
+  <p:cSld>
+    <p:bg>
+      <p:bgPr>
+        <a:solidFill>
+          <a:schemeClr val="bg1"/>
+        </a:solidFill>
+        <a:effectLst/>
+      </p:bgPr>
+    </p:bg>
+    <p:spTree>
+      <p:nvGrpSpPr>
+        <p:cNvPr id="1" name=""/>
+        <p:cNvGrpSpPr/>
+        <p:nvPr/>
+      </p:nvGrpSpPr>
+      <p:grpSpPr>
+        <a:xfrm>
+          <a:off x="0" y="0"/>
+          <a:ext cx="0" cy="0"/>
+          <a:chOff x="0" y="0"/>
+          <a:chExt cx="0" cy="0"/>
+        </a:xfrm>
+      </p:grpSpPr>
+      <p:pic>
+        <p:nvPicPr>
+          <p:cNvPr id="1026" name="Picture 2" descr="image">
+            <a:extLst>
+              <a:ext uri="{FF2B5EF4-FFF2-40B4-BE49-F238E27FC236}">
+                <a16:creationId xmlns:a16="http://schemas.microsoft.com/office/drawing/2014/main" id="{E33EE7FB-1EBD-423B-85D0-DDF262D01E07}"/>
+              </a:ext>
+            </a:extLst>
+          </p:cNvPr>
+          <p:cNvPicPr>
+            <a:picLocks noChangeAspect="1" noChangeArrowheads="1"/>
+          </p:cNvPicPr>
+          <p:nvPr/>
+        </p:nvPicPr>
+        <p:blipFill>
+          <a:blip r:embed="rId2">
+            <a:extLst>
+              <a:ext uri="{28A0092B-C50C-407E-A947-70E740481C1C}">
+                <a14:useLocalDpi xmlns:a14="http://schemas.microsoft.com/office/drawing/2010/main" val="0"/>
+              </a:ext>
+            </a:extLst>
+          </a:blip>
+          <a:stretch>
+            <a:fillRect/>
+          </a:stretch>
+        </p:blipFill>
+        <p:spPr bwMode="auto">
+          <a:xfrm>
+            <a:off x="895621" y="685800"/>
+            <a:ext cx="10400758" cy="5486400"/>
+          </a:xfrm>
+          <a:prstGeom prst="rect">
+            <a:avLst/>
+          </a:prstGeom>
+          <a:noFill/>
+          <a:extLst>
+            <a:ext uri="{909E8E84-426E-40DD-AFC4-6F175D3DCCD1}">
+              <a14:hiddenFill xmlns:a14="http://schemas.microsoft.com/office/drawing/2010/main">
+                <a:solidFill>
+                  <a:srgbClr val="FFFFFF"/>
+                </a:solidFill>
+              </a14:hiddenFill>
+            </a:ext>
+          </a:extLst>
+        </p:spPr>
+      </p:pic>
+    </p:spTree>
+    <p:extLst>
+      <p:ext uri="{BB962C8B-B14F-4D97-AF65-F5344CB8AC3E}">
+        <p14:creationId xmlns:p14="http://schemas.microsoft.com/office/powerpoint/2010/main" val="3922824149"/>
+      </p:ext>
+    </p:extLst>
+  </p:cSld>
+  <p:clrMapOvr>
+    <a:masterClrMapping/>
+  </p:clrMapOvr>
+</p:sld>
+</file>
+
+<file path=ppt/slides/slide5.xml><?xml version="1.0" encoding="utf-8"?>
+<p:sld xmlns:a="http://schemas.openxmlformats.org/drawingml/2006/main" xmlns:r="http://schemas.openxmlformats.org/officeDocument/2006/relationships" xmlns:p="http://schemas.openxmlformats.org/presentationml/2006/main">
+  <p:cSld>
+    <p:spTree>
+      <p:nvGrpSpPr>
+        <p:cNvPr id="1" name=""/>
+        <p:cNvGrpSpPr/>
+        <p:nvPr/>
+      </p:nvGrpSpPr>
+      <p:grpSpPr>
+        <a:xfrm>
+          <a:off x="0" y="0"/>
+          <a:ext cx="0" cy="0"/>
+          <a:chOff x="0" y="0"/>
+          <a:chExt cx="0" cy="0"/>
+        </a:xfrm>
+      </p:grpSpPr>
+      <p:pic>
+        <p:nvPicPr>
+          <p:cNvPr id="2050" name="Picture 2" descr="image">
+            <a:extLst>
+              <a:ext uri="{FF2B5EF4-FFF2-40B4-BE49-F238E27FC236}">
+                <a16:creationId xmlns:a16="http://schemas.microsoft.com/office/drawing/2014/main" id="{C74108BC-487A-4F40-8BC4-2304D3915F15}"/>
+              </a:ext>
+            </a:extLst>
+          </p:cNvPr>
+          <p:cNvPicPr>
+            <a:picLocks noChangeAspect="1" noChangeArrowheads="1"/>
+          </p:cNvPicPr>
+          <p:nvPr/>
+        </p:nvPicPr>
+        <p:blipFill>
+          <a:blip r:embed="rId2">
+            <a:extLst>
+              <a:ext uri="{28A0092B-C50C-407E-A947-70E740481C1C}">
+                <a14:useLocalDpi xmlns:a14="http://schemas.microsoft.com/office/drawing/2010/main" val="0"/>
+              </a:ext>
+            </a:extLst>
+          </a:blip>
+          <a:srcRect/>
+          <a:stretch>
+            <a:fillRect/>
+          </a:stretch>
+        </p:blipFill>
+        <p:spPr bwMode="auto">
+          <a:xfrm>
+            <a:off x="892159" y="685800"/>
+            <a:ext cx="10407682" cy="5486400"/>
+          </a:xfrm>
+          <a:prstGeom prst="rect">
+            <a:avLst/>
+          </a:prstGeom>
+          <a:noFill/>
+          <a:extLst>
+            <a:ext uri="{909E8E84-426E-40DD-AFC4-6F175D3DCCD1}">
+              <a14:hiddenFill xmlns:a14="http://schemas.microsoft.com/office/drawing/2010/main">
+                <a:solidFill>
+                  <a:srgbClr val="FFFFFF"/>
+                </a:solidFill>
+              </a14:hiddenFill>
+            </a:ext>
+          </a:extLst>
+        </p:spPr>
+      </p:pic>
+    </p:spTree>
+    <p:extLst>
+      <p:ext uri="{BB962C8B-B14F-4D97-AF65-F5344CB8AC3E}">
+        <p14:creationId xmlns:p14="http://schemas.microsoft.com/office/powerpoint/2010/main" val="1872317664"/>
+      </p:ext>
+    </p:extLst>
+  </p:cSld>
+  <p:clrMapOvr>
+    <a:masterClrMapping/>
+  </p:clrMapOvr>
+</p:sld>
+</file>
+
+<file path=ppt/slides/slide6.xml><?xml version="1.0" encoding="utf-8"?>
+<p:sld xmlns:a="http://schemas.openxmlformats.org/drawingml/2006/main" xmlns:r="http://schemas.openxmlformats.org/officeDocument/2006/relationships" xmlns:p="http://schemas.openxmlformats.org/presentationml/2006/main">
+  <p:cSld>
+    <p:bg>
+      <p:bgPr>
+        <a:solidFill>
+          <a:schemeClr val="bg1"/>
+        </a:solidFill>
+        <a:effectLst/>
+      </p:bgPr>
+    </p:bg>
+    <p:spTree>
+      <p:nvGrpSpPr>
+        <p:cNvPr id="1" name=""/>
+        <p:cNvGrpSpPr/>
+        <p:nvPr/>
+      </p:nvGrpSpPr>
+      <p:grpSpPr>
+        <a:xfrm>
+          <a:off x="0" y="0"/>
+          <a:ext cx="0" cy="0"/>
+          <a:chOff x="0" y="0"/>
+          <a:chExt cx="0" cy="0"/>
+        </a:xfrm>
+      </p:grpSpPr>
+      <p:sp>
+        <p:nvSpPr>
+          <p:cNvPr id="71" name="Rectangle 70">
+            <a:extLst>
+              <a:ext uri="{FF2B5EF4-FFF2-40B4-BE49-F238E27FC236}">
+                <a16:creationId xmlns:a16="http://schemas.microsoft.com/office/drawing/2014/main" id="{6753252F-4873-4F63-801D-CC719279A7D5}"/>
+              </a:ext>
+              <a:ext uri="{C183D7F6-B498-43B3-948B-1728B52AA6E4}">
+                <adec:decorative xmlns:adec="http://schemas.microsoft.com/office/drawing/2017/decorative" val="1"/>
+              </a:ext>
+            </a:extLst>
+          </p:cNvPr>
+          <p:cNvSpPr>
+            <a:spLocks noGrp="1" noRot="1" noChangeAspect="1" noMove="1" noResize="1" noEditPoints="1" noAdjustHandles="1" noChangeArrowheads="1" noChangeShapeType="1" noTextEdit="1"/>
+          </p:cNvSpPr>
+          <p:nvPr>
+            <p:extLst>
+              <p:ext uri="{386F3935-93C4-4BCD-93E2-E3B085C9AB24}">
+                <p16:designElem xmlns:p16="http://schemas.microsoft.com/office/powerpoint/2015/main" val="1"/>
+              </p:ext>
+            </p:extLst>
+          </p:nvPr>
+        </p:nvSpPr>
+        <p:spPr>
+          <a:xfrm>
+            <a:off x="0" y="0"/>
+            <a:ext cx="12192000" cy="6858000"/>
+          </a:xfrm>
+          <a:prstGeom prst="rect">
+            <a:avLst/>
+          </a:prstGeom>
+          <a:solidFill>
+            <a:srgbClr val="FFFFFF"/>
+          </a:solidFill>
+          <a:ln>
+            <a:noFill/>
+          </a:ln>
+        </p:spPr>
+        <p:style>
+          <a:lnRef idx="2">
+            <a:schemeClr val="accent1">
+              <a:shade val="50000"/>
+            </a:schemeClr>
+          </a:lnRef>
+          <a:fillRef idx="1">
+            <a:schemeClr val="accent1"/>
+          </a:fillRef>
+          <a:effectRef idx="0">
+            <a:schemeClr val="accent1"/>
+          </a:effectRef>
+          <a:fontRef idx="minor">
+            <a:schemeClr val="lt1"/>
+          </a:fontRef>
+        </p:style>
+        <p:txBody>
+          <a:bodyPr rtlCol="0" anchor="ctr"/>
+          <a:lstStyle/>
+          <a:p>
+            <a:pPr algn="ctr"/>
+            <a:endParaRPr lang="en-US"/>
+          </a:p>
+        </p:txBody>
+      </p:sp>
+      <p:sp>
+        <p:nvSpPr>
+          <p:cNvPr id="73" name="Rectangle 72">
+            <a:extLst>
+              <a:ext uri="{FF2B5EF4-FFF2-40B4-BE49-F238E27FC236}">
+                <a16:creationId xmlns:a16="http://schemas.microsoft.com/office/drawing/2014/main" id="{047C8CCB-F95D-4249-92DD-651249D3535A}"/>
+              </a:ext>
+              <a:ext uri="{C183D7F6-B498-43B3-948B-1728B52AA6E4}">
+                <adec:decorative xmlns:adec="http://schemas.microsoft.com/office/drawing/2017/decorative" val="1"/>
+              </a:ext>
+            </a:extLst>
+          </p:cNvPr>
+          <p:cNvSpPr>
+            <a:spLocks noGrp="1" noRot="1" noChangeAspect="1" noMove="1" noResize="1" noEditPoints="1" noAdjustHandles="1" noChangeArrowheads="1" noChangeShapeType="1" noTextEdit="1"/>
+          </p:cNvSpPr>
+          <p:nvPr>
+            <p:extLst>
+              <p:ext uri="{386F3935-93C4-4BCD-93E2-E3B085C9AB24}">
+                <p16:designElem xmlns:p16="http://schemas.microsoft.com/office/powerpoint/2015/main" val="1"/>
+              </p:ext>
+            </p:extLst>
+          </p:nvPr>
+        </p:nvSpPr>
+        <p:spPr>
+          <a:xfrm>
+            <a:off x="0" y="0"/>
+            <a:ext cx="2013557" cy="6858000"/>
+          </a:xfrm>
+          <a:prstGeom prst="rect">
+            <a:avLst/>
+          </a:prstGeom>
+          <a:solidFill>
+            <a:srgbClr val="7F7F7F"/>
+          </a:solidFill>
+          <a:ln>
+            <a:noFill/>
+          </a:ln>
+        </p:spPr>
+        <p:style>
+          <a:lnRef idx="2">
+            <a:schemeClr val="accent1">
+              <a:shade val="50000"/>
+            </a:schemeClr>
+          </a:lnRef>
+          <a:fillRef idx="1">
+            <a:schemeClr val="accent1"/>
+          </a:fillRef>
+          <a:effectRef idx="0">
+            <a:schemeClr val="accent1"/>
+          </a:effectRef>
+          <a:fontRef idx="minor">
+            <a:schemeClr val="lt1"/>
+          </a:fontRef>
+        </p:style>
+        <p:txBody>
+          <a:bodyPr rtlCol="0" anchor="ctr"/>
+          <a:lstStyle/>
+          <a:p>
+            <a:pPr algn="ctr"/>
+            <a:endParaRPr lang="en-US"/>
+          </a:p>
+        </p:txBody>
+      </p:sp>
+      <p:sp>
+        <p:nvSpPr>
+          <p:cNvPr id="2" name="Title 1">
+            <a:extLst>
+              <a:ext uri="{FF2B5EF4-FFF2-40B4-BE49-F238E27FC236}">
+                <a16:creationId xmlns:a16="http://schemas.microsoft.com/office/drawing/2014/main" id="{58A59161-4808-4BDE-8680-799A7736103D}"/>
+              </a:ext>
+            </a:extLst>
+          </p:cNvPr>
+          <p:cNvSpPr>
+            <a:spLocks noGrp="1"/>
+          </p:cNvSpPr>
+          <p:nvPr>
+            <p:ph type="title"/>
+          </p:nvPr>
+        </p:nvSpPr>
+        <p:spPr>
+          <a:xfrm>
+            <a:off x="640080" y="2074363"/>
+            <a:ext cx="2752354" cy="2709275"/>
+          </a:xfrm>
+          <a:prstGeom prst="ellipse">
+            <a:avLst/>
+          </a:prstGeom>
+          <a:solidFill>
+            <a:srgbClr val="262626"/>
+          </a:solidFill>
+          <a:ln w="174625" cmpd="thinThick">
+            <a:solidFill>
+              <a:srgbClr val="262626"/>
+            </a:solidFill>
+          </a:ln>
+        </p:spPr>
+        <p:txBody>
+          <a:bodyPr vert="horz" lIns="91440" tIns="45720" rIns="91440" bIns="45720" rtlCol="0" anchor="ctr">
+            <a:normAutofit/>
+          </a:bodyPr>
+          <a:lstStyle/>
+          <a:p>
+            <a:pPr algn="ctr"/>
+            <a:r>
+              <a:rPr lang="en-US" sz="2600" kern="1200">
+                <a:solidFill>
+                  <a:srgbClr val="FFFFFF"/>
+                </a:solidFill>
+                <a:latin typeface="+mj-lt"/>
+                <a:ea typeface="+mj-ea"/>
+                <a:cs typeface="+mj-cs"/>
+              </a:rPr>
+              <a:t>Concept: Cartesian Coordinates</a:t>
+            </a:r>
+          </a:p>
+        </p:txBody>
+      </p:sp>
+      <p:pic>
+        <p:nvPicPr>
+          <p:cNvPr id="3074" name="Picture 2">
+            <a:extLst>
+              <a:ext uri="{FF2B5EF4-FFF2-40B4-BE49-F238E27FC236}">
+                <a16:creationId xmlns:a16="http://schemas.microsoft.com/office/drawing/2014/main" id="{2F9B6315-41A0-4DC4-81D6-18000287657D}"/>
+              </a:ext>
+            </a:extLst>
+          </p:cNvPr>
+          <p:cNvPicPr>
+            <a:picLocks noChangeAspect="1" noChangeArrowheads="1"/>
+          </p:cNvPicPr>
+          <p:nvPr/>
+        </p:nvPicPr>
+        <p:blipFill>
+          <a:blip r:embed="rId2">
+            <a:extLst>
+              <a:ext uri="{28A0092B-C50C-407E-A947-70E740481C1C}">
+                <a14:useLocalDpi xmlns:a14="http://schemas.microsoft.com/office/drawing/2010/main" val="0"/>
+              </a:ext>
+            </a:extLst>
+          </a:blip>
+          <a:stretch>
+            <a:fillRect/>
+          </a:stretch>
+        </p:blipFill>
+        <p:spPr bwMode="auto">
+          <a:xfrm>
+            <a:off x="4192032" y="317138"/>
+            <a:ext cx="7200370" cy="6223724"/>
+          </a:xfrm>
+          <a:prstGeom prst="rect">
+            <a:avLst/>
+          </a:prstGeom>
+          <a:noFill/>
+          <a:extLst>
+            <a:ext uri="{909E8E84-426E-40DD-AFC4-6F175D3DCCD1}">
+              <a14:hiddenFill xmlns:a14="http://schemas.microsoft.com/office/drawing/2010/main">
+                <a:solidFill>
+                  <a:srgbClr val="FFFFFF"/>
+                </a:solidFill>
+              </a14:hiddenFill>
+            </a:ext>
+          </a:extLst>
+        </p:spPr>
+      </p:pic>
+    </p:spTree>
+    <p:extLst>
+      <p:ext uri="{BB962C8B-B14F-4D97-AF65-F5344CB8AC3E}">
+        <p14:creationId xmlns:p14="http://schemas.microsoft.com/office/powerpoint/2010/main" val="2440060400"/>
+      </p:ext>
+    </p:extLst>
+  </p:cSld>
+  <p:clrMapOvr>
+    <a:masterClrMapping/>
+  </p:clrMapOvr>
+</p:sld>
+</file>
+
+<file path=ppt/slides/slide7.xml><?xml version="1.0" encoding="utf-8"?>
+<p:sld xmlns:a="http://schemas.openxmlformats.org/drawingml/2006/main" xmlns:r="http://schemas.openxmlformats.org/officeDocument/2006/relationships" xmlns:p="http://schemas.openxmlformats.org/presentationml/2006/main">
+  <p:cSld>
+    <p:bg>
+      <p:bgPr>
+        <a:solidFill>
+          <a:schemeClr val="bg1"/>
+        </a:solidFill>
+        <a:effectLst/>
+      </p:bgPr>
+    </p:bg>
+    <p:spTree>
+      <p:nvGrpSpPr>
+        <p:cNvPr id="1" name=""/>
+        <p:cNvGrpSpPr/>
+        <p:nvPr/>
+      </p:nvGrpSpPr>
+      <p:grpSpPr>
+        <a:xfrm>
+          <a:off x="0" y="0"/>
+          <a:ext cx="0" cy="0"/>
+          <a:chOff x="0" y="0"/>
+          <a:chExt cx="0" cy="0"/>
+        </a:xfrm>
+      </p:grpSpPr>
+      <p:sp>
+        <p:nvSpPr>
+          <p:cNvPr id="71" name="Rectangle 70">
+            <a:extLst>
+              <a:ext uri="{FF2B5EF4-FFF2-40B4-BE49-F238E27FC236}">
+                <a16:creationId xmlns:a16="http://schemas.microsoft.com/office/drawing/2014/main" id="{6753252F-4873-4F63-801D-CC719279A7D5}"/>
+              </a:ext>
+              <a:ext uri="{C183D7F6-B498-43B3-948B-1728B52AA6E4}">
+                <adec:decorative xmlns:adec="http://schemas.microsoft.com/office/drawing/2017/decorative" val="1"/>
+              </a:ext>
+            </a:extLst>
+          </p:cNvPr>
+          <p:cNvSpPr>
+            <a:spLocks noGrp="1" noRot="1" noChangeAspect="1" noMove="1" noResize="1" noEditPoints="1" noAdjustHandles="1" noChangeArrowheads="1" noChangeShapeType="1" noTextEdit="1"/>
+          </p:cNvSpPr>
+          <p:nvPr>
+            <p:extLst>
+              <p:ext uri="{386F3935-93C4-4BCD-93E2-E3B085C9AB24}">
+                <p16:designElem xmlns:p16="http://schemas.microsoft.com/office/powerpoint/2015/main" val="1"/>
+              </p:ext>
+            </p:extLst>
+          </p:nvPr>
+        </p:nvSpPr>
+        <p:spPr>
+          <a:xfrm>
+            <a:off x="0" y="0"/>
+            <a:ext cx="12192000" cy="6858000"/>
+          </a:xfrm>
+          <a:prstGeom prst="rect">
+            <a:avLst/>
+          </a:prstGeom>
+          <a:solidFill>
+            <a:srgbClr val="FFFFFF"/>
+          </a:solidFill>
+          <a:ln>
+            <a:noFill/>
+          </a:ln>
+        </p:spPr>
+        <p:style>
+          <a:lnRef idx="2">
+            <a:schemeClr val="accent1">
+              <a:shade val="50000"/>
+            </a:schemeClr>
+          </a:lnRef>
+          <a:fillRef idx="1">
+            <a:schemeClr val="accent1"/>
+          </a:fillRef>
+          <a:effectRef idx="0">
+            <a:schemeClr val="accent1"/>
+          </a:effectRef>
+          <a:fontRef idx="minor">
+            <a:schemeClr val="lt1"/>
+          </a:fontRef>
+        </p:style>
+        <p:txBody>
+          <a:bodyPr rtlCol="0" anchor="ctr"/>
+          <a:lstStyle/>
+          <a:p>
+            <a:pPr algn="ctr"/>
+            <a:endParaRPr lang="en-US"/>
+          </a:p>
+        </p:txBody>
+      </p:sp>
+      <p:sp>
+        <p:nvSpPr>
+          <p:cNvPr id="73" name="Rectangle 72">
+            <a:extLst>
+              <a:ext uri="{FF2B5EF4-FFF2-40B4-BE49-F238E27FC236}">
+                <a16:creationId xmlns:a16="http://schemas.microsoft.com/office/drawing/2014/main" id="{047C8CCB-F95D-4249-92DD-651249D3535A}"/>
+              </a:ext>
+              <a:ext uri="{C183D7F6-B498-43B3-948B-1728B52AA6E4}">
+                <adec:decorative xmlns:adec="http://schemas.microsoft.com/office/drawing/2017/decorative" val="1"/>
+              </a:ext>
+            </a:extLst>
+          </p:cNvPr>
+          <p:cNvSpPr>
+            <a:spLocks noGrp="1" noRot="1" noChangeAspect="1" noMove="1" noResize="1" noEditPoints="1" noAdjustHandles="1" noChangeArrowheads="1" noChangeShapeType="1" noTextEdit="1"/>
+          </p:cNvSpPr>
+          <p:nvPr>
+            <p:extLst>
+              <p:ext uri="{386F3935-93C4-4BCD-93E2-E3B085C9AB24}">
+                <p16:designElem xmlns:p16="http://schemas.microsoft.com/office/powerpoint/2015/main" val="1"/>
+              </p:ext>
+            </p:extLst>
+          </p:nvPr>
+        </p:nvSpPr>
+        <p:spPr>
+          <a:xfrm>
+            <a:off x="0" y="0"/>
+            <a:ext cx="2013557" cy="6858000"/>
+          </a:xfrm>
+          <a:prstGeom prst="rect">
+            <a:avLst/>
+          </a:prstGeom>
+          <a:solidFill>
+            <a:srgbClr val="7F7F7F"/>
+          </a:solidFill>
+          <a:ln>
+            <a:noFill/>
+          </a:ln>
+        </p:spPr>
+        <p:style>
+          <a:lnRef idx="2">
+            <a:schemeClr val="accent1">
+              <a:shade val="50000"/>
+            </a:schemeClr>
+          </a:lnRef>
+          <a:fillRef idx="1">
+            <a:schemeClr val="accent1"/>
+          </a:fillRef>
+          <a:effectRef idx="0">
+            <a:schemeClr val="accent1"/>
+          </a:effectRef>
+          <a:fontRef idx="minor">
+            <a:schemeClr val="lt1"/>
+          </a:fontRef>
+        </p:style>
+        <p:txBody>
+          <a:bodyPr rtlCol="0" anchor="ctr"/>
+          <a:lstStyle/>
+          <a:p>
+            <a:pPr algn="ctr"/>
+            <a:endParaRPr lang="en-US"/>
+          </a:p>
+        </p:txBody>
+      </p:sp>
+      <p:sp>
+        <p:nvSpPr>
+          <p:cNvPr id="2" name="Title 1">
+            <a:extLst>
+              <a:ext uri="{FF2B5EF4-FFF2-40B4-BE49-F238E27FC236}">
+                <a16:creationId xmlns:a16="http://schemas.microsoft.com/office/drawing/2014/main" id="{58A59161-4808-4BDE-8680-799A7736103D}"/>
+              </a:ext>
+            </a:extLst>
+          </p:cNvPr>
+          <p:cNvSpPr>
+            <a:spLocks noGrp="1"/>
+          </p:cNvSpPr>
+          <p:nvPr>
+            <p:ph type="title"/>
+          </p:nvPr>
+        </p:nvSpPr>
+        <p:spPr>
+          <a:xfrm>
+            <a:off x="640080" y="2074363"/>
+            <a:ext cx="2752354" cy="2709275"/>
+          </a:xfrm>
+          <a:prstGeom prst="ellipse">
+            <a:avLst/>
+          </a:prstGeom>
+          <a:solidFill>
+            <a:srgbClr val="262626"/>
+          </a:solidFill>
+          <a:ln w="174625" cmpd="thinThick">
+            <a:solidFill>
+              <a:srgbClr val="262626"/>
+            </a:solidFill>
+          </a:ln>
+        </p:spPr>
+        <p:txBody>
+          <a:bodyPr vert="horz" lIns="91440" tIns="45720" rIns="91440" bIns="45720" rtlCol="0" anchor="ctr">
+            <a:normAutofit/>
+          </a:bodyPr>
+          <a:lstStyle/>
+          <a:p>
+            <a:pPr algn="ctr"/>
+            <a:r>
+              <a:rPr lang="en-US" sz="2600" kern="1200">
+                <a:solidFill>
+                  <a:srgbClr val="FFFFFF"/>
+                </a:solidFill>
+                <a:latin typeface="+mj-lt"/>
+                <a:ea typeface="+mj-ea"/>
+                <a:cs typeface="+mj-cs"/>
+              </a:rPr>
+              <a:t>Concept: Cartesian Coordinates</a:t>
+            </a:r>
+          </a:p>
+        </p:txBody>
+      </p:sp>
+      <p:pic>
+        <p:nvPicPr>
+          <p:cNvPr id="3074" name="Picture 2">
+            <a:extLst>
+              <a:ext uri="{FF2B5EF4-FFF2-40B4-BE49-F238E27FC236}">
+                <a16:creationId xmlns:a16="http://schemas.microsoft.com/office/drawing/2014/main" id="{2F9B6315-41A0-4DC4-81D6-18000287657D}"/>
+              </a:ext>
+            </a:extLst>
+          </p:cNvPr>
+          <p:cNvPicPr>
+            <a:picLocks noChangeAspect="1" noChangeArrowheads="1"/>
+          </p:cNvPicPr>
+          <p:nvPr/>
+        </p:nvPicPr>
+        <p:blipFill>
+          <a:blip r:embed="rId2">
+            <a:extLst>
+              <a:ext uri="{28A0092B-C50C-407E-A947-70E740481C1C}">
+                <a14:useLocalDpi xmlns:a14="http://schemas.microsoft.com/office/drawing/2010/main" val="0"/>
+              </a:ext>
+            </a:extLst>
+          </a:blip>
+          <a:stretch>
+            <a:fillRect/>
+          </a:stretch>
+        </p:blipFill>
+        <p:spPr bwMode="auto">
+          <a:xfrm>
+            <a:off x="4192032" y="317138"/>
+            <a:ext cx="7200370" cy="6223724"/>
+          </a:xfrm>
+          <a:prstGeom prst="rect">
+            <a:avLst/>
+          </a:prstGeom>
+          <a:noFill/>
+          <a:extLst>
+            <a:ext uri="{909E8E84-426E-40DD-AFC4-6F175D3DCCD1}">
+              <a14:hiddenFill xmlns:a14="http://schemas.microsoft.com/office/drawing/2010/main">
+                <a:solidFill>
+                  <a:srgbClr val="FFFFFF"/>
+                </a:solidFill>
+              </a14:hiddenFill>
+            </a:ext>
+          </a:extLst>
+        </p:spPr>
+      </p:pic>
+      <p:sp>
+        <p:nvSpPr>
+          <p:cNvPr id="3" name="Oval 2">
+            <a:extLst>
+              <a:ext uri="{FF2B5EF4-FFF2-40B4-BE49-F238E27FC236}">
+                <a16:creationId xmlns:a16="http://schemas.microsoft.com/office/drawing/2014/main" id="{9937C99E-86A8-4310-91A2-10B321AAA6FD}"/>
+              </a:ext>
+            </a:extLst>
+          </p:cNvPr>
+          <p:cNvSpPr/>
+          <p:nvPr/>
+        </p:nvSpPr>
+        <p:spPr>
+          <a:xfrm>
+            <a:off x="6975836" y="3507237"/>
+            <a:ext cx="254584" cy="261494"/>
+          </a:xfrm>
+          <a:prstGeom prst="ellipse">
+            <a:avLst/>
+          </a:prstGeom>
+        </p:spPr>
+        <p:style>
+          <a:lnRef idx="2">
+            <a:schemeClr val="accent1">
+              <a:shade val="50000"/>
+            </a:schemeClr>
+          </a:lnRef>
+          <a:fillRef idx="1">
+            <a:schemeClr val="accent1"/>
+          </a:fillRef>
+          <a:effectRef idx="0">
+            <a:schemeClr val="accent1"/>
+          </a:effectRef>
+          <a:fontRef idx="minor">
+            <a:schemeClr val="lt1"/>
+          </a:fontRef>
+        </p:style>
+        <p:txBody>
+          <a:bodyPr rtlCol="0" anchor="ctr"/>
+          <a:lstStyle/>
+          <a:p>
+            <a:pPr algn="ctr"/>
+            <a:endParaRPr lang="en-US"/>
+          </a:p>
+        </p:txBody>
+      </p:sp>
+    </p:spTree>
+    <p:extLst>
+      <p:ext uri="{BB962C8B-B14F-4D97-AF65-F5344CB8AC3E}">
+        <p14:creationId xmlns:p14="http://schemas.microsoft.com/office/powerpoint/2010/main" val="2667357181"/>
+      </p:ext>
+    </p:extLst>
+  </p:cSld>
+  <p:clrMapOvr>
+    <a:masterClrMapping/>
+  </p:clrMapOvr>
+</p:sld>
+</file>
+
+<file path=ppt/slides/slide8.xml><?xml version="1.0" encoding="utf-8"?>
+<p:sld xmlns:a="http://schemas.openxmlformats.org/drawingml/2006/main" xmlns:r="http://schemas.openxmlformats.org/officeDocument/2006/relationships" xmlns:p="http://schemas.openxmlformats.org/presentationml/2006/main">
+  <p:cSld>
+    <p:bg>
+      <p:bgPr>
+        <a:solidFill>
+          <a:schemeClr val="bg1"/>
+        </a:solidFill>
+        <a:effectLst/>
+      </p:bgPr>
+    </p:bg>
+    <p:spTree>
+      <p:nvGrpSpPr>
+        <p:cNvPr id="1" name=""/>
+        <p:cNvGrpSpPr/>
+        <p:nvPr/>
+      </p:nvGrpSpPr>
+      <p:grpSpPr>
+        <a:xfrm>
+          <a:off x="0" y="0"/>
+          <a:ext cx="0" cy="0"/>
+          <a:chOff x="0" y="0"/>
+          <a:chExt cx="0" cy="0"/>
+        </a:xfrm>
+      </p:grpSpPr>
+      <p:sp>
+        <p:nvSpPr>
+          <p:cNvPr id="71" name="Rectangle 70">
+            <a:extLst>
+              <a:ext uri="{FF2B5EF4-FFF2-40B4-BE49-F238E27FC236}">
+                <a16:creationId xmlns:a16="http://schemas.microsoft.com/office/drawing/2014/main" id="{6753252F-4873-4F63-801D-CC719279A7D5}"/>
+              </a:ext>
+              <a:ext uri="{C183D7F6-B498-43B3-948B-1728B52AA6E4}">
+                <adec:decorative xmlns:adec="http://schemas.microsoft.com/office/drawing/2017/decorative" val="1"/>
+              </a:ext>
+            </a:extLst>
+          </p:cNvPr>
+          <p:cNvSpPr>
+            <a:spLocks noGrp="1" noRot="1" noChangeAspect="1" noMove="1" noResize="1" noEditPoints="1" noAdjustHandles="1" noChangeArrowheads="1" noChangeShapeType="1" noTextEdit="1"/>
+          </p:cNvSpPr>
+          <p:nvPr>
+            <p:extLst>
+              <p:ext uri="{386F3935-93C4-4BCD-93E2-E3B085C9AB24}">
+                <p16:designElem xmlns:p16="http://schemas.microsoft.com/office/powerpoint/2015/main" val="1"/>
+              </p:ext>
+            </p:extLst>
+          </p:nvPr>
+        </p:nvSpPr>
+        <p:spPr>
+          <a:xfrm>
+            <a:off x="0" y="0"/>
+            <a:ext cx="12192000" cy="6858000"/>
+          </a:xfrm>
+          <a:prstGeom prst="rect">
+            <a:avLst/>
+          </a:prstGeom>
+          <a:solidFill>
+            <a:srgbClr val="FFFFFF"/>
+          </a:solidFill>
+          <a:ln>
+            <a:noFill/>
+          </a:ln>
+        </p:spPr>
+        <p:style>
+          <a:lnRef idx="2">
+            <a:schemeClr val="accent1">
+              <a:shade val="50000"/>
+            </a:schemeClr>
+          </a:lnRef>
+          <a:fillRef idx="1">
+            <a:schemeClr val="accent1"/>
+          </a:fillRef>
+          <a:effectRef idx="0">
+            <a:schemeClr val="accent1"/>
+          </a:effectRef>
+          <a:fontRef idx="minor">
+            <a:schemeClr val="lt1"/>
+          </a:fontRef>
+        </p:style>
+        <p:txBody>
+          <a:bodyPr rtlCol="0" anchor="ctr"/>
+          <a:lstStyle/>
+          <a:p>
+            <a:pPr algn="ctr"/>
+            <a:endParaRPr lang="en-US"/>
+          </a:p>
+        </p:txBody>
+      </p:sp>
+      <p:sp>
+        <p:nvSpPr>
+          <p:cNvPr id="73" name="Rectangle 72">
+            <a:extLst>
+              <a:ext uri="{FF2B5EF4-FFF2-40B4-BE49-F238E27FC236}">
+                <a16:creationId xmlns:a16="http://schemas.microsoft.com/office/drawing/2014/main" id="{047C8CCB-F95D-4249-92DD-651249D3535A}"/>
+              </a:ext>
+              <a:ext uri="{C183D7F6-B498-43B3-948B-1728B52AA6E4}">
+                <adec:decorative xmlns:adec="http://schemas.microsoft.com/office/drawing/2017/decorative" val="1"/>
+              </a:ext>
+            </a:extLst>
+          </p:cNvPr>
+          <p:cNvSpPr>
+            <a:spLocks noGrp="1" noRot="1" noChangeAspect="1" noMove="1" noResize="1" noEditPoints="1" noAdjustHandles="1" noChangeArrowheads="1" noChangeShapeType="1" noTextEdit="1"/>
+          </p:cNvSpPr>
+          <p:nvPr>
+            <p:extLst>
+              <p:ext uri="{386F3935-93C4-4BCD-93E2-E3B085C9AB24}">
+                <p16:designElem xmlns:p16="http://schemas.microsoft.com/office/powerpoint/2015/main" val="1"/>
+              </p:ext>
+            </p:extLst>
+          </p:nvPr>
+        </p:nvSpPr>
+        <p:spPr>
+          <a:xfrm>
+            <a:off x="0" y="0"/>
+            <a:ext cx="2013557" cy="6858000"/>
+          </a:xfrm>
+          <a:prstGeom prst="rect">
+            <a:avLst/>
+          </a:prstGeom>
+          <a:solidFill>
+            <a:srgbClr val="7F7F7F"/>
+          </a:solidFill>
+          <a:ln>
+            <a:noFill/>
+          </a:ln>
+        </p:spPr>
+        <p:style>
+          <a:lnRef idx="2">
+            <a:schemeClr val="accent1">
+              <a:shade val="50000"/>
+            </a:schemeClr>
+          </a:lnRef>
+          <a:fillRef idx="1">
+            <a:schemeClr val="accent1"/>
+          </a:fillRef>
+          <a:effectRef idx="0">
+            <a:schemeClr val="accent1"/>
+          </a:effectRef>
+          <a:fontRef idx="minor">
+            <a:schemeClr val="lt1"/>
+          </a:fontRef>
+        </p:style>
+        <p:txBody>
+          <a:bodyPr rtlCol="0" anchor="ctr"/>
+          <a:lstStyle/>
+          <a:p>
+            <a:pPr algn="ctr"/>
+            <a:endParaRPr lang="en-US"/>
+          </a:p>
+        </p:txBody>
+      </p:sp>
+      <p:sp>
+        <p:nvSpPr>
+          <p:cNvPr id="2" name="Title 1">
+            <a:extLst>
+              <a:ext uri="{FF2B5EF4-FFF2-40B4-BE49-F238E27FC236}">
+                <a16:creationId xmlns:a16="http://schemas.microsoft.com/office/drawing/2014/main" id="{58A59161-4808-4BDE-8680-799A7736103D}"/>
+              </a:ext>
+            </a:extLst>
+          </p:cNvPr>
+          <p:cNvSpPr>
+            <a:spLocks noGrp="1"/>
+          </p:cNvSpPr>
+          <p:nvPr>
+            <p:ph type="title"/>
+          </p:nvPr>
+        </p:nvSpPr>
+        <p:spPr>
+          <a:xfrm>
+            <a:off x="640080" y="2074363"/>
+            <a:ext cx="2752354" cy="2709275"/>
+          </a:xfrm>
+          <a:prstGeom prst="ellipse">
+            <a:avLst/>
+          </a:prstGeom>
+          <a:solidFill>
+            <a:srgbClr val="262626"/>
+          </a:solidFill>
+          <a:ln w="174625" cmpd="thinThick">
+            <a:solidFill>
+              <a:srgbClr val="262626"/>
+            </a:solidFill>
+          </a:ln>
+        </p:spPr>
+        <p:txBody>
+          <a:bodyPr vert="horz" lIns="91440" tIns="45720" rIns="91440" bIns="45720" rtlCol="0" anchor="ctr">
+            <a:normAutofit/>
+          </a:bodyPr>
+          <a:lstStyle/>
+          <a:p>
+            <a:pPr algn="ctr"/>
+            <a:r>
+              <a:rPr lang="en-US" sz="2600" kern="1200">
+                <a:solidFill>
+                  <a:srgbClr val="FFFFFF"/>
+                </a:solidFill>
+                <a:latin typeface="+mj-lt"/>
+                <a:ea typeface="+mj-ea"/>
+                <a:cs typeface="+mj-cs"/>
+              </a:rPr>
+              <a:t>Concept: Cartesian Coordinates</a:t>
+            </a:r>
+          </a:p>
+        </p:txBody>
+      </p:sp>
+      <p:pic>
+        <p:nvPicPr>
+          <p:cNvPr id="3074" name="Picture 2">
+            <a:extLst>
+              <a:ext uri="{FF2B5EF4-FFF2-40B4-BE49-F238E27FC236}">
+                <a16:creationId xmlns:a16="http://schemas.microsoft.com/office/drawing/2014/main" id="{2F9B6315-41A0-4DC4-81D6-18000287657D}"/>
+              </a:ext>
+            </a:extLst>
+          </p:cNvPr>
+          <p:cNvPicPr>
+            <a:picLocks noChangeAspect="1" noChangeArrowheads="1"/>
+          </p:cNvPicPr>
+          <p:nvPr/>
+        </p:nvPicPr>
+        <p:blipFill>
+          <a:blip r:embed="rId2">
+            <a:extLst>
+              <a:ext uri="{28A0092B-C50C-407E-A947-70E740481C1C}">
+                <a14:useLocalDpi xmlns:a14="http://schemas.microsoft.com/office/drawing/2010/main" val="0"/>
+              </a:ext>
+            </a:extLst>
+          </a:blip>
+          <a:stretch>
+            <a:fillRect/>
+          </a:stretch>
+        </p:blipFill>
+        <p:spPr bwMode="auto">
+          <a:xfrm>
+            <a:off x="4192032" y="317138"/>
+            <a:ext cx="7200370" cy="6223724"/>
+          </a:xfrm>
+          <a:prstGeom prst="rect">
+            <a:avLst/>
+          </a:prstGeom>
+          <a:noFill/>
+          <a:extLst>
+            <a:ext uri="{909E8E84-426E-40DD-AFC4-6F175D3DCCD1}">
+              <a14:hiddenFill xmlns:a14="http://schemas.microsoft.com/office/drawing/2010/main">
+                <a:solidFill>
+                  <a:srgbClr val="FFFFFF"/>
+                </a:solidFill>
+              </a14:hiddenFill>
+            </a:ext>
+          </a:extLst>
+        </p:spPr>
+      </p:pic>
+      <p:sp>
+        <p:nvSpPr>
+          <p:cNvPr id="3" name="Oval 2">
+            <a:extLst>
+              <a:ext uri="{FF2B5EF4-FFF2-40B4-BE49-F238E27FC236}">
+                <a16:creationId xmlns:a16="http://schemas.microsoft.com/office/drawing/2014/main" id="{9937C99E-86A8-4310-91A2-10B321AAA6FD}"/>
+              </a:ext>
+            </a:extLst>
+          </p:cNvPr>
+          <p:cNvSpPr/>
+          <p:nvPr/>
+        </p:nvSpPr>
+        <p:spPr>
+          <a:xfrm>
+            <a:off x="6975836" y="3507237"/>
+            <a:ext cx="254584" cy="261494"/>
+          </a:xfrm>
+          <a:prstGeom prst="ellipse">
+            <a:avLst/>
+          </a:prstGeom>
+        </p:spPr>
+        <p:style>
+          <a:lnRef idx="2">
+            <a:schemeClr val="accent1">
+              <a:shade val="50000"/>
+            </a:schemeClr>
+          </a:lnRef>
+          <a:fillRef idx="1">
+            <a:schemeClr val="accent1"/>
+          </a:fillRef>
+          <a:effectRef idx="0">
+            <a:schemeClr val="accent1"/>
+          </a:effectRef>
+          <a:fontRef idx="minor">
+            <a:schemeClr val="lt1"/>
+          </a:fontRef>
+        </p:style>
+        <p:txBody>
+          <a:bodyPr rtlCol="0" anchor="ctr"/>
+          <a:lstStyle/>
+          <a:p>
+            <a:pPr algn="ctr"/>
+            <a:endParaRPr lang="en-US"/>
+          </a:p>
+        </p:txBody>
+      </p:sp>
+      <p:sp>
+        <p:nvSpPr>
+          <p:cNvPr id="8" name="Oval 7">
+            <a:extLst>
+              <a:ext uri="{FF2B5EF4-FFF2-40B4-BE49-F238E27FC236}">
+                <a16:creationId xmlns:a16="http://schemas.microsoft.com/office/drawing/2014/main" id="{A6D2253C-C8E4-48F8-9EB8-3AD6F2CA01FD}"/>
+              </a:ext>
+            </a:extLst>
+          </p:cNvPr>
+          <p:cNvSpPr/>
+          <p:nvPr/>
+        </p:nvSpPr>
+        <p:spPr>
+          <a:xfrm>
+            <a:off x="8391428" y="1604594"/>
+            <a:ext cx="254584" cy="261494"/>
+          </a:xfrm>
+          <a:prstGeom prst="ellipse">
+            <a:avLst/>
+          </a:prstGeom>
+        </p:spPr>
+        <p:style>
+          <a:lnRef idx="2">
+            <a:schemeClr val="accent1">
+              <a:shade val="50000"/>
+            </a:schemeClr>
+          </a:lnRef>
+          <a:fillRef idx="1">
+            <a:schemeClr val="accent1"/>
+          </a:fillRef>
+          <a:effectRef idx="0">
+            <a:schemeClr val="accent1"/>
+          </a:effectRef>
+          <a:fontRef idx="minor">
+            <a:schemeClr val="lt1"/>
+          </a:fontRef>
+        </p:style>
+        <p:txBody>
+          <a:bodyPr rtlCol="0" anchor="ctr"/>
+          <a:lstStyle/>
+          <a:p>
+            <a:pPr algn="ctr"/>
+            <a:endParaRPr lang="en-US"/>
+          </a:p>
+        </p:txBody>
+      </p:sp>
+    </p:spTree>
+    <p:extLst>
+      <p:ext uri="{BB962C8B-B14F-4D97-AF65-F5344CB8AC3E}">
+        <p14:creationId xmlns:p14="http://schemas.microsoft.com/office/powerpoint/2010/main" val="174297246"/>
+      </p:ext>
+    </p:extLst>
+  </p:cSld>
+  <p:clrMapOvr>
+    <a:masterClrMapping/>
+  </p:clrMapOvr>
+</p:sld>
+</file>
+
+<file path=ppt/slides/slide9.xml><?xml version="1.0" encoding="utf-8"?>
+<p:sld xmlns:a="http://schemas.openxmlformats.org/drawingml/2006/main" xmlns:r="http://schemas.openxmlformats.org/officeDocument/2006/relationships" xmlns:p="http://schemas.openxmlformats.org/presentationml/2006/main">
+  <p:cSld>
+    <p:bg>
+      <p:bgPr>
+        <a:solidFill>
+          <a:schemeClr val="bg1"/>
+        </a:solidFill>
+        <a:effectLst/>
+      </p:bgPr>
+    </p:bg>
+    <p:spTree>
+      <p:nvGrpSpPr>
+        <p:cNvPr id="1" name=""/>
+        <p:cNvGrpSpPr/>
+        <p:nvPr/>
+      </p:nvGrpSpPr>
+      <p:grpSpPr>
+        <a:xfrm>
+          <a:off x="0" y="0"/>
+          <a:ext cx="0" cy="0"/>
+          <a:chOff x="0" y="0"/>
+          <a:chExt cx="0" cy="0"/>
+        </a:xfrm>
+      </p:grpSpPr>
+      <p:sp>
+        <p:nvSpPr>
+          <p:cNvPr id="71" name="Rectangle 70">
+            <a:extLst>
+              <a:ext uri="{FF2B5EF4-FFF2-40B4-BE49-F238E27FC236}">
+                <a16:creationId xmlns:a16="http://schemas.microsoft.com/office/drawing/2014/main" id="{6753252F-4873-4F63-801D-CC719279A7D5}"/>
+              </a:ext>
+              <a:ext uri="{C183D7F6-B498-43B3-948B-1728B52AA6E4}">
+                <adec:decorative xmlns:adec="http://schemas.microsoft.com/office/drawing/2017/decorative" val="1"/>
+              </a:ext>
+            </a:extLst>
+          </p:cNvPr>
+          <p:cNvSpPr>
+            <a:spLocks noGrp="1" noRot="1" noChangeAspect="1" noMove="1" noResize="1" noEditPoints="1" noAdjustHandles="1" noChangeArrowheads="1" noChangeShapeType="1" noTextEdit="1"/>
+          </p:cNvSpPr>
+          <p:nvPr>
+            <p:extLst>
+              <p:ext uri="{386F3935-93C4-4BCD-93E2-E3B085C9AB24}">
+                <p16:designElem xmlns:p16="http://schemas.microsoft.com/office/powerpoint/2015/main" val="1"/>
+              </p:ext>
+            </p:extLst>
+          </p:nvPr>
+        </p:nvSpPr>
+        <p:spPr>
+          <a:xfrm>
+            <a:off x="0" y="0"/>
+            <a:ext cx="12192000" cy="6858000"/>
+          </a:xfrm>
+          <a:prstGeom prst="rect">
+            <a:avLst/>
+          </a:prstGeom>
+          <a:solidFill>
+            <a:srgbClr val="FFFFFF"/>
+          </a:solidFill>
+          <a:ln>
+            <a:noFill/>
+          </a:ln>
+        </p:spPr>
+        <p:style>
+          <a:lnRef idx="2">
+            <a:schemeClr val="accent1">
+              <a:shade val="50000"/>
+            </a:schemeClr>
+          </a:lnRef>
+          <a:fillRef idx="1">
+            <a:schemeClr val="accent1"/>
+          </a:fillRef>
+          <a:effectRef idx="0">
+            <a:schemeClr val="accent1"/>
+          </a:effectRef>
+          <a:fontRef idx="minor">
+            <a:schemeClr val="lt1"/>
+          </a:fontRef>
+        </p:style>
+        <p:txBody>
+          <a:bodyPr rtlCol="0" anchor="ctr"/>
+          <a:lstStyle/>
+          <a:p>
+            <a:pPr algn="ctr"/>
+            <a:endParaRPr lang="en-US"/>
+          </a:p>
+        </p:txBody>
+      </p:sp>
+      <p:sp>
+        <p:nvSpPr>
+          <p:cNvPr id="73" name="Rectangle 72">
+            <a:extLst>
+              <a:ext uri="{FF2B5EF4-FFF2-40B4-BE49-F238E27FC236}">
+                <a16:creationId xmlns:a16="http://schemas.microsoft.com/office/drawing/2014/main" id="{047C8CCB-F95D-4249-92DD-651249D3535A}"/>
+              </a:ext>
+              <a:ext uri="{C183D7F6-B498-43B3-948B-1728B52AA6E4}">
+                <adec:decorative xmlns:adec="http://schemas.microsoft.com/office/drawing/2017/decorative" val="1"/>
+              </a:ext>
+            </a:extLst>
+          </p:cNvPr>
+          <p:cNvSpPr>
+            <a:spLocks noGrp="1" noRot="1" noChangeAspect="1" noMove="1" noResize="1" noEditPoints="1" noAdjustHandles="1" noChangeArrowheads="1" noChangeShapeType="1" noTextEdit="1"/>
+          </p:cNvSpPr>
+          <p:nvPr>
+            <p:extLst>
+              <p:ext uri="{386F3935-93C4-4BCD-93E2-E3B085C9AB24}">
+                <p16:designElem xmlns:p16="http://schemas.microsoft.com/office/powerpoint/2015/main" val="1"/>
+              </p:ext>
+            </p:extLst>
+          </p:nvPr>
+        </p:nvSpPr>
+        <p:spPr>
+          <a:xfrm>
+            <a:off x="0" y="0"/>
+            <a:ext cx="2013557" cy="6858000"/>
+          </a:xfrm>
+          <a:prstGeom prst="rect">
+            <a:avLst/>
+          </a:prstGeom>
+          <a:solidFill>
+            <a:srgbClr val="7F7F7F"/>
+          </a:solidFill>
+          <a:ln>
+            <a:noFill/>
+          </a:ln>
+        </p:spPr>
+        <p:style>
+          <a:lnRef idx="2">
+            <a:schemeClr val="accent1">
+              <a:shade val="50000"/>
+            </a:schemeClr>
+          </a:lnRef>
+          <a:fillRef idx="1">
+            <a:schemeClr val="accent1"/>
+          </a:fillRef>
+          <a:effectRef idx="0">
+            <a:schemeClr val="accent1"/>
+          </a:effectRef>
+          <a:fontRef idx="minor">
+            <a:schemeClr val="lt1"/>
+          </a:fontRef>
+        </p:style>
+        <p:txBody>
+          <a:bodyPr rtlCol="0" anchor="ctr"/>
+          <a:lstStyle/>
+          <a:p>
+            <a:pPr algn="ctr"/>
+            <a:endParaRPr lang="en-US"/>
+          </a:p>
+        </p:txBody>
+      </p:sp>
+      <p:sp>
+        <p:nvSpPr>
+          <p:cNvPr id="2" name="Title 1">
+            <a:extLst>
+              <a:ext uri="{FF2B5EF4-FFF2-40B4-BE49-F238E27FC236}">
+                <a16:creationId xmlns:a16="http://schemas.microsoft.com/office/drawing/2014/main" id="{58A59161-4808-4BDE-8680-799A7736103D}"/>
+              </a:ext>
+            </a:extLst>
+          </p:cNvPr>
+          <p:cNvSpPr>
+            <a:spLocks noGrp="1"/>
+          </p:cNvSpPr>
+          <p:nvPr>
+            <p:ph type="title"/>
+          </p:nvPr>
+        </p:nvSpPr>
+        <p:spPr>
+          <a:xfrm>
+            <a:off x="640080" y="2074363"/>
+            <a:ext cx="2752354" cy="2709275"/>
+          </a:xfrm>
+          <a:prstGeom prst="ellipse">
+            <a:avLst/>
+          </a:prstGeom>
+          <a:solidFill>
+            <a:srgbClr val="262626"/>
+          </a:solidFill>
+          <a:ln w="174625" cmpd="thinThick">
+            <a:solidFill>
+              <a:srgbClr val="262626"/>
+            </a:solidFill>
+          </a:ln>
+        </p:spPr>
+        <p:txBody>
+          <a:bodyPr vert="horz" lIns="91440" tIns="45720" rIns="91440" bIns="45720" rtlCol="0" anchor="ctr">
+            <a:normAutofit/>
+          </a:bodyPr>
+          <a:lstStyle/>
+          <a:p>
+            <a:pPr algn="ctr"/>
+            <a:r>
+              <a:rPr lang="en-US" sz="2600" kern="1200" dirty="0">
+                <a:solidFill>
+                  <a:srgbClr val="FFFFFF"/>
+                </a:solidFill>
+                <a:latin typeface="+mj-lt"/>
+                <a:ea typeface="+mj-ea"/>
+                <a:cs typeface="+mj-cs"/>
+              </a:rPr>
+              <a:t>Concept: Pythagorean</a:t>
+            </a:r>
+            <a:br>
+              <a:rPr lang="en-US" sz="2600" kern="1200" dirty="0">
+                <a:solidFill>
+                  <a:srgbClr val="FFFFFF"/>
+                </a:solidFill>
+                <a:latin typeface="+mj-lt"/>
+                <a:ea typeface="+mj-ea"/>
+                <a:cs typeface="+mj-cs"/>
+              </a:rPr>
+            </a:br>
+            <a:r>
+              <a:rPr lang="en-US" sz="2600" kern="1200" dirty="0">
+                <a:solidFill>
+                  <a:srgbClr val="FFFFFF"/>
+                </a:solidFill>
+                <a:latin typeface="+mj-lt"/>
+                <a:ea typeface="+mj-ea"/>
+                <a:cs typeface="+mj-cs"/>
+              </a:rPr>
+              <a:t>Theorem</a:t>
+            </a:r>
+          </a:p>
+        </p:txBody>
+      </p:sp>
+      <p:pic>
+        <p:nvPicPr>
+          <p:cNvPr id="3074" name="Picture 2">
+            <a:extLst>
+              <a:ext uri="{FF2B5EF4-FFF2-40B4-BE49-F238E27FC236}">
+                <a16:creationId xmlns:a16="http://schemas.microsoft.com/office/drawing/2014/main" id="{2F9B6315-41A0-4DC4-81D6-18000287657D}"/>
+              </a:ext>
+            </a:extLst>
+          </p:cNvPr>
+          <p:cNvPicPr>
+            <a:picLocks noChangeAspect="1" noChangeArrowheads="1"/>
+          </p:cNvPicPr>
+          <p:nvPr/>
+        </p:nvPicPr>
+        <p:blipFill>
+          <a:blip r:embed="rId2">
+            <a:extLst>
+              <a:ext uri="{28A0092B-C50C-407E-A947-70E740481C1C}">
+                <a14:useLocalDpi xmlns:a14="http://schemas.microsoft.com/office/drawing/2010/main" val="0"/>
+              </a:ext>
+            </a:extLst>
+          </a:blip>
+          <a:stretch>
+            <a:fillRect/>
+          </a:stretch>
+        </p:blipFill>
+        <p:spPr bwMode="auto">
+          <a:xfrm>
+            <a:off x="4192032" y="317138"/>
+            <a:ext cx="7200370" cy="6223724"/>
+          </a:xfrm>
+          <a:prstGeom prst="rect">
+            <a:avLst/>
+          </a:prstGeom>
+          <a:noFill/>
+          <a:extLst>
+            <a:ext uri="{909E8E84-426E-40DD-AFC4-6F175D3DCCD1}">
+              <a14:hiddenFill xmlns:a14="http://schemas.microsoft.com/office/drawing/2010/main">
+                <a:solidFill>
+                  <a:srgbClr val="FFFFFF"/>
+                </a:solidFill>
+              </a14:hiddenFill>
+            </a:ext>
+          </a:extLst>
+        </p:spPr>
+      </p:pic>
+      <p:sp>
+        <p:nvSpPr>
+          <p:cNvPr id="3" name="Oval 2">
+            <a:extLst>
+              <a:ext uri="{FF2B5EF4-FFF2-40B4-BE49-F238E27FC236}">
+                <a16:creationId xmlns:a16="http://schemas.microsoft.com/office/drawing/2014/main" id="{9937C99E-86A8-4310-91A2-10B321AAA6FD}"/>
+              </a:ext>
+            </a:extLst>
+          </p:cNvPr>
+          <p:cNvSpPr/>
+          <p:nvPr/>
+        </p:nvSpPr>
+        <p:spPr>
+          <a:xfrm>
+            <a:off x="6975836" y="3507237"/>
+            <a:ext cx="254584" cy="261494"/>
+          </a:xfrm>
+          <a:prstGeom prst="ellipse">
+            <a:avLst/>
+          </a:prstGeom>
+        </p:spPr>
+        <p:style>
+          <a:lnRef idx="2">
+            <a:schemeClr val="accent1">
+              <a:shade val="50000"/>
+            </a:schemeClr>
+          </a:lnRef>
+          <a:fillRef idx="1">
+            <a:schemeClr val="accent1"/>
+          </a:fillRef>
+          <a:effectRef idx="0">
+            <a:schemeClr val="accent1"/>
+          </a:effectRef>
+          <a:fontRef idx="minor">
+            <a:schemeClr val="lt1"/>
+          </a:fontRef>
+        </p:style>
+        <p:txBody>
+          <a:bodyPr rtlCol="0" anchor="ctr"/>
+          <a:lstStyle/>
+          <a:p>
+            <a:pPr algn="ctr"/>
+            <a:endParaRPr lang="en-US"/>
+          </a:p>
+        </p:txBody>
+      </p:sp>
+      <p:sp>
+        <p:nvSpPr>
+          <p:cNvPr id="8" name="Oval 7">
+            <a:extLst>
+              <a:ext uri="{FF2B5EF4-FFF2-40B4-BE49-F238E27FC236}">
+                <a16:creationId xmlns:a16="http://schemas.microsoft.com/office/drawing/2014/main" id="{A6D2253C-C8E4-48F8-9EB8-3AD6F2CA01FD}"/>
+              </a:ext>
+            </a:extLst>
+          </p:cNvPr>
+          <p:cNvSpPr/>
+          <p:nvPr/>
+        </p:nvSpPr>
+        <p:spPr>
+          <a:xfrm>
+            <a:off x="8391428" y="1604594"/>
+            <a:ext cx="254584" cy="261494"/>
+          </a:xfrm>
+          <a:prstGeom prst="ellipse">
+            <a:avLst/>
+          </a:prstGeom>
+        </p:spPr>
+        <p:style>
+          <a:lnRef idx="2">
+            <a:schemeClr val="accent1">
+              <a:shade val="50000"/>
+            </a:schemeClr>
+          </a:lnRef>
+          <a:fillRef idx="1">
+            <a:schemeClr val="accent1"/>
+          </a:fillRef>
+          <a:effectRef idx="0">
+            <a:schemeClr val="accent1"/>
+          </a:effectRef>
+          <a:fontRef idx="minor">
+            <a:schemeClr val="lt1"/>
+          </a:fontRef>
+        </p:style>
+        <p:txBody>
+          <a:bodyPr rtlCol="0" anchor="ctr"/>
+          <a:lstStyle/>
+          <a:p>
+            <a:pPr algn="ctr"/>
+            <a:endParaRPr lang="en-US"/>
+          </a:p>
+        </p:txBody>
+      </p:sp>
+      <p:sp>
+        <p:nvSpPr>
+          <p:cNvPr id="9" name="Oval 8">
+            <a:extLst>
+              <a:ext uri="{FF2B5EF4-FFF2-40B4-BE49-F238E27FC236}">
+                <a16:creationId xmlns:a16="http://schemas.microsoft.com/office/drawing/2014/main" id="{FA8C2A36-0DC9-458D-81A6-97BD84574D62}"/>
+              </a:ext>
+            </a:extLst>
+          </p:cNvPr>
+          <p:cNvSpPr/>
+          <p:nvPr/>
+        </p:nvSpPr>
+        <p:spPr>
+          <a:xfrm>
+            <a:off x="6975486" y="1604594"/>
+            <a:ext cx="254584" cy="261494"/>
+          </a:xfrm>
+          <a:prstGeom prst="ellipse">
+            <a:avLst/>
+          </a:prstGeom>
+        </p:spPr>
+        <p:style>
+          <a:lnRef idx="2">
+            <a:schemeClr val="accent1">
+              <a:shade val="50000"/>
+            </a:schemeClr>
+          </a:lnRef>
+          <a:fillRef idx="1">
+            <a:schemeClr val="accent1"/>
+          </a:fillRef>
+          <a:effectRef idx="0">
+            <a:schemeClr val="accent1"/>
+          </a:effectRef>
+          <a:fontRef idx="minor">
+            <a:schemeClr val="lt1"/>
+          </a:fontRef>
+        </p:style>
+        <p:txBody>
+          <a:bodyPr rtlCol="0" anchor="ctr"/>
+          <a:lstStyle/>
+          <a:p>
+            <a:pPr algn="ctr"/>
+            <a:endParaRPr lang="en-US"/>
+          </a:p>
+        </p:txBody>
+      </p:sp>
+      <p:cxnSp>
+        <p:nvCxnSpPr>
+          <p:cNvPr id="5" name="Straight Connector 4">
+            <a:extLst>
+              <a:ext uri="{FF2B5EF4-FFF2-40B4-BE49-F238E27FC236}">
+                <a16:creationId xmlns:a16="http://schemas.microsoft.com/office/drawing/2014/main" id="{F917D338-F056-4C52-8110-502F5E0EAE3E}"/>
+              </a:ext>
+            </a:extLst>
+          </p:cNvPr>
+          <p:cNvCxnSpPr>
+            <a:cxnSpLocks/>
+          </p:cNvCxnSpPr>
+          <p:nvPr/>
+        </p:nvCxnSpPr>
+        <p:spPr>
+          <a:xfrm flipV="1">
+            <a:off x="7102778" y="1723885"/>
+            <a:ext cx="0" cy="1914100"/>
+          </a:xfrm>
+          <a:prstGeom prst="line">
+            <a:avLst/>
+          </a:prstGeom>
+          <a:ln w="38100">
+            <a:solidFill>
+              <a:schemeClr val="accent4"/>
+            </a:solidFill>
+          </a:ln>
+        </p:spPr>
+        <p:style>
+          <a:lnRef idx="1">
+            <a:schemeClr val="accent4"/>
+          </a:lnRef>
+          <a:fillRef idx="0">
+            <a:schemeClr val="accent4"/>
+          </a:fillRef>
+          <a:effectRef idx="0">
+            <a:schemeClr val="accent4"/>
+          </a:effectRef>
+          <a:fontRef idx="minor">
+            <a:schemeClr val="tx1"/>
+          </a:fontRef>
+        </p:style>
+      </p:cxnSp>
+      <p:cxnSp>
+        <p:nvCxnSpPr>
+          <p:cNvPr id="13" name="Straight Connector 12">
+            <a:extLst>
+              <a:ext uri="{FF2B5EF4-FFF2-40B4-BE49-F238E27FC236}">
+                <a16:creationId xmlns:a16="http://schemas.microsoft.com/office/drawing/2014/main" id="{4B56C0E2-96B4-4FB7-9F9E-DECE2325B588}"/>
+              </a:ext>
+            </a:extLst>
+          </p:cNvPr>
+          <p:cNvCxnSpPr>
+            <a:cxnSpLocks/>
+          </p:cNvCxnSpPr>
+          <p:nvPr/>
+        </p:nvCxnSpPr>
+        <p:spPr>
+          <a:xfrm flipH="1">
+            <a:off x="7099317" y="1735341"/>
+            <a:ext cx="1419403" cy="0"/>
+          </a:xfrm>
+          <a:prstGeom prst="line">
+            <a:avLst/>
+          </a:prstGeom>
+          <a:ln w="38100">
+            <a:solidFill>
+              <a:schemeClr val="accent4"/>
+            </a:solidFill>
+          </a:ln>
+        </p:spPr>
+        <p:style>
+          <a:lnRef idx="1">
+            <a:schemeClr val="accent4"/>
+          </a:lnRef>
+          <a:fillRef idx="0">
+            <a:schemeClr val="accent4"/>
+          </a:fillRef>
+          <a:effectRef idx="0">
+            <a:schemeClr val="accent4"/>
+          </a:effectRef>
+          <a:fontRef idx="minor">
+            <a:schemeClr val="tx1"/>
+          </a:fontRef>
+        </p:style>
+      </p:cxnSp>
+      <p:cxnSp>
+        <p:nvCxnSpPr>
+          <p:cNvPr id="16" name="Straight Connector 15">
+            <a:extLst>
+              <a:ext uri="{FF2B5EF4-FFF2-40B4-BE49-F238E27FC236}">
+                <a16:creationId xmlns:a16="http://schemas.microsoft.com/office/drawing/2014/main" id="{3125FCB4-24EE-4842-8A56-4F84474E1A5C}"/>
+              </a:ext>
+            </a:extLst>
+          </p:cNvPr>
+          <p:cNvCxnSpPr>
+            <a:cxnSpLocks/>
+          </p:cNvCxnSpPr>
+          <p:nvPr/>
+        </p:nvCxnSpPr>
+        <p:spPr>
+          <a:xfrm flipV="1">
+            <a:off x="7099317" y="1735341"/>
+            <a:ext cx="1419403" cy="1902644"/>
+          </a:xfrm>
+          <a:prstGeom prst="line">
+            <a:avLst/>
+          </a:prstGeom>
+          <a:ln w="38100">
+            <a:solidFill>
+              <a:schemeClr val="accent4"/>
+            </a:solidFill>
+          </a:ln>
+        </p:spPr>
+        <p:style>
+          <a:lnRef idx="1">
+            <a:schemeClr val="accent4"/>
+          </a:lnRef>
+          <a:fillRef idx="0">
+            <a:schemeClr val="accent4"/>
+          </a:fillRef>
+          <a:effectRef idx="0">
+            <a:schemeClr val="accent4"/>
+          </a:effectRef>
+          <a:fontRef idx="minor">
+            <a:schemeClr val="tx1"/>
+          </a:fontRef>
+        </p:style>
+      </p:cxnSp>
+      <p:sp>
+        <p:nvSpPr>
+          <p:cNvPr id="15" name="TextBox 14">
+            <a:extLst>
+              <a:ext uri="{FF2B5EF4-FFF2-40B4-BE49-F238E27FC236}">
+                <a16:creationId xmlns:a16="http://schemas.microsoft.com/office/drawing/2014/main" id="{BDAD8E3D-4651-48FC-A4EA-645175596ECB}"/>
+              </a:ext>
+            </a:extLst>
+          </p:cNvPr>
+          <p:cNvSpPr txBox="1"/>
+          <p:nvPr/>
+        </p:nvSpPr>
+        <p:spPr>
+          <a:xfrm>
+            <a:off x="7039134" y="2490929"/>
+            <a:ext cx="254581" cy="369332"/>
+          </a:xfrm>
+          <a:prstGeom prst="rect">
+            <a:avLst/>
+          </a:prstGeom>
+          <a:noFill/>
+        </p:spPr>
+        <p:txBody>
+          <a:bodyPr wrap="square" rtlCol="0">
+            <a:spAutoFit/>
+          </a:bodyPr>
+          <a:lstStyle/>
+          <a:p>
+            <a:r>
+              <a:rPr lang="en-US" dirty="0"/>
+              <a:t>A</a:t>
+            </a:r>
+          </a:p>
+        </p:txBody>
+      </p:sp>
+      <p:sp>
+        <p:nvSpPr>
+          <p:cNvPr id="20" name="TextBox 19">
+            <a:extLst>
+              <a:ext uri="{FF2B5EF4-FFF2-40B4-BE49-F238E27FC236}">
+                <a16:creationId xmlns:a16="http://schemas.microsoft.com/office/drawing/2014/main" id="{B0D3921B-8AA7-4007-B58A-92A47E74D123}"/>
+              </a:ext>
+            </a:extLst>
+          </p:cNvPr>
+          <p:cNvSpPr txBox="1"/>
+          <p:nvPr/>
+        </p:nvSpPr>
+        <p:spPr>
+          <a:xfrm>
+            <a:off x="7647796" y="1705031"/>
+            <a:ext cx="254581" cy="369332"/>
+          </a:xfrm>
+          <a:prstGeom prst="rect">
+            <a:avLst/>
+          </a:prstGeom>
+          <a:noFill/>
+        </p:spPr>
+        <p:txBody>
+          <a:bodyPr wrap="square" rtlCol="0">
+            <a:spAutoFit/>
+          </a:bodyPr>
+          <a:lstStyle/>
+          <a:p>
+            <a:r>
+              <a:rPr lang="en-US" dirty="0"/>
+              <a:t>B</a:t>
+            </a:r>
+          </a:p>
+        </p:txBody>
+      </p:sp>
+      <p:sp>
+        <p:nvSpPr>
+          <p:cNvPr id="21" name="TextBox 20">
+            <a:extLst>
+              <a:ext uri="{FF2B5EF4-FFF2-40B4-BE49-F238E27FC236}">
+                <a16:creationId xmlns:a16="http://schemas.microsoft.com/office/drawing/2014/main" id="{5E6BECC8-7F31-4CE7-B59F-0F881D3BB32D}"/>
+              </a:ext>
+            </a:extLst>
+          </p:cNvPr>
+          <p:cNvSpPr txBox="1"/>
+          <p:nvPr/>
+        </p:nvSpPr>
+        <p:spPr>
+          <a:xfrm>
+            <a:off x="7902377" y="2501997"/>
+            <a:ext cx="254581" cy="369332"/>
+          </a:xfrm>
+          <a:prstGeom prst="rect">
+            <a:avLst/>
+          </a:prstGeom>
+          <a:noFill/>
+        </p:spPr>
+        <p:txBody>
+          <a:bodyPr wrap="square" rtlCol="0">
+            <a:spAutoFit/>
+          </a:bodyPr>
+          <a:lstStyle/>
+          <a:p>
+            <a:r>
+              <a:rPr lang="en-US" dirty="0"/>
+              <a:t>C</a:t>
+            </a:r>
+          </a:p>
+        </p:txBody>
+      </p:sp>
+      <p:sp>
+        <p:nvSpPr>
+          <p:cNvPr id="22" name="TextBox 21">
+            <a:extLst>
+              <a:ext uri="{FF2B5EF4-FFF2-40B4-BE49-F238E27FC236}">
+                <a16:creationId xmlns:a16="http://schemas.microsoft.com/office/drawing/2014/main" id="{4C58F368-E871-4FFE-B4DE-B8CB0944FB6B}"/>
+              </a:ext>
+            </a:extLst>
+          </p:cNvPr>
+          <p:cNvSpPr txBox="1"/>
+          <p:nvPr/>
+        </p:nvSpPr>
+        <p:spPr>
+          <a:xfrm>
+            <a:off x="10255245" y="1354553"/>
+            <a:ext cx="1264309" cy="369332"/>
+          </a:xfrm>
+          <a:prstGeom prst="rect">
+            <a:avLst/>
+          </a:prstGeom>
+          <a:noFill/>
+        </p:spPr>
+        <p:txBody>
+          <a:bodyPr wrap="square" rtlCol="0">
+            <a:spAutoFit/>
+          </a:bodyPr>
+          <a:lstStyle/>
+          <a:p>
+            <a:r>
+              <a:rPr lang="en-US" dirty="0"/>
+              <a:t>4</a:t>
+            </a:r>
+            <a:r>
+              <a:rPr lang="en-US" baseline="30000" dirty="0"/>
+              <a:t>2</a:t>
+            </a:r>
+            <a:r>
+              <a:rPr lang="en-US" dirty="0"/>
+              <a:t> + 3</a:t>
+            </a:r>
+            <a:r>
+              <a:rPr lang="en-US" baseline="30000" dirty="0"/>
+              <a:t>2</a:t>
+            </a:r>
+            <a:r>
+              <a:rPr lang="en-US" dirty="0"/>
+              <a:t> = C</a:t>
+            </a:r>
+            <a:r>
+              <a:rPr lang="en-US" baseline="30000" dirty="0"/>
+              <a:t>2</a:t>
+            </a:r>
+          </a:p>
+        </p:txBody>
+      </p:sp>
+      <p:sp>
+        <p:nvSpPr>
+          <p:cNvPr id="23" name="TextBox 22">
+            <a:extLst>
+              <a:ext uri="{FF2B5EF4-FFF2-40B4-BE49-F238E27FC236}">
+                <a16:creationId xmlns:a16="http://schemas.microsoft.com/office/drawing/2014/main" id="{B8966017-57EE-4166-BBF8-860D9B33152A}"/>
+              </a:ext>
+            </a:extLst>
+          </p:cNvPr>
+          <p:cNvSpPr txBox="1"/>
+          <p:nvPr/>
+        </p:nvSpPr>
+        <p:spPr>
+          <a:xfrm>
+            <a:off x="10247371" y="1652837"/>
+            <a:ext cx="1264309" cy="369332"/>
+          </a:xfrm>
+          <a:prstGeom prst="rect">
+            <a:avLst/>
+          </a:prstGeom>
+          <a:noFill/>
+        </p:spPr>
+        <p:txBody>
+          <a:bodyPr wrap="square" rtlCol="0">
+            <a:spAutoFit/>
+          </a:bodyPr>
+          <a:lstStyle/>
+          <a:p>
+            <a:r>
+              <a:rPr lang="en-US" dirty="0"/>
+              <a:t>16 + 9 = 25</a:t>
+            </a:r>
+            <a:endParaRPr lang="en-US" baseline="30000" dirty="0"/>
+          </a:p>
+        </p:txBody>
+      </p:sp>
+      <p:sp>
+        <p:nvSpPr>
+          <p:cNvPr id="24" name="TextBox 23">
+            <a:extLst>
+              <a:ext uri="{FF2B5EF4-FFF2-40B4-BE49-F238E27FC236}">
+                <a16:creationId xmlns:a16="http://schemas.microsoft.com/office/drawing/2014/main" id="{7313C1E4-C6EA-4B5B-86CA-B750BCBCCB9C}"/>
+              </a:ext>
+            </a:extLst>
+          </p:cNvPr>
+          <p:cNvSpPr txBox="1"/>
+          <p:nvPr/>
+        </p:nvSpPr>
+        <p:spPr>
+          <a:xfrm>
+            <a:off x="10247371" y="1049491"/>
+            <a:ext cx="1264309" cy="369332"/>
+          </a:xfrm>
+          <a:prstGeom prst="rect">
+            <a:avLst/>
+          </a:prstGeom>
+          <a:noFill/>
+        </p:spPr>
+        <p:txBody>
+          <a:bodyPr wrap="square" rtlCol="0">
+            <a:spAutoFit/>
+          </a:bodyPr>
+          <a:lstStyle/>
+          <a:p>
+            <a:r>
+              <a:rPr lang="en-US" dirty="0"/>
+              <a:t>A</a:t>
+            </a:r>
+            <a:r>
+              <a:rPr lang="en-US" baseline="30000" dirty="0"/>
+              <a:t>2</a:t>
+            </a:r>
+            <a:r>
+              <a:rPr lang="en-US" dirty="0"/>
+              <a:t> + B</a:t>
+            </a:r>
+            <a:r>
+              <a:rPr lang="en-US" baseline="30000" dirty="0"/>
+              <a:t>2</a:t>
+            </a:r>
+            <a:r>
+              <a:rPr lang="en-US" dirty="0"/>
+              <a:t> = C</a:t>
+            </a:r>
+            <a:r>
+              <a:rPr lang="en-US" baseline="30000" dirty="0"/>
+              <a:t>2</a:t>
+            </a:r>
+          </a:p>
+        </p:txBody>
+      </p:sp>
+      <p:sp>
+        <p:nvSpPr>
+          <p:cNvPr id="25" name="TextBox 24">
+            <a:extLst>
+              <a:ext uri="{FF2B5EF4-FFF2-40B4-BE49-F238E27FC236}">
+                <a16:creationId xmlns:a16="http://schemas.microsoft.com/office/drawing/2014/main" id="{4BB63BE7-7E57-43E9-AF0A-997DD0DFB333}"/>
+              </a:ext>
+            </a:extLst>
+          </p:cNvPr>
+          <p:cNvSpPr txBox="1"/>
+          <p:nvPr/>
+        </p:nvSpPr>
+        <p:spPr>
+          <a:xfrm>
+            <a:off x="10255245" y="2127552"/>
+            <a:ext cx="1264309" cy="369332"/>
+          </a:xfrm>
+          <a:prstGeom prst="rect">
+            <a:avLst/>
+          </a:prstGeom>
+          <a:noFill/>
+        </p:spPr>
+        <p:txBody>
+          <a:bodyPr wrap="square" rtlCol="0">
+            <a:spAutoFit/>
+          </a:bodyPr>
+          <a:lstStyle/>
+          <a:p>
+            <a:r>
+              <a:rPr lang="en-US" dirty="0"/>
+              <a:t>4</a:t>
+            </a:r>
+            <a:r>
+              <a:rPr lang="en-US" baseline="30000" dirty="0"/>
+              <a:t>2</a:t>
+            </a:r>
+            <a:r>
+              <a:rPr lang="en-US" dirty="0"/>
+              <a:t> + 3</a:t>
+            </a:r>
+            <a:r>
+              <a:rPr lang="en-US" baseline="30000" dirty="0"/>
+              <a:t>2</a:t>
+            </a:r>
+            <a:r>
+              <a:rPr lang="en-US" dirty="0"/>
+              <a:t> = 5</a:t>
+            </a:r>
+            <a:r>
+              <a:rPr lang="en-US" baseline="30000" dirty="0"/>
+              <a:t>2</a:t>
+            </a:r>
+          </a:p>
+        </p:txBody>
+      </p:sp>
+    </p:spTree>
+    <p:extLst>
+      <p:ext uri="{BB962C8B-B14F-4D97-AF65-F5344CB8AC3E}">
+        <p14:creationId xmlns:p14="http://schemas.microsoft.com/office/powerpoint/2010/main" val="2721520107"/>
+      </p:ext>
+    </p:extLst>
+  </p:cSld>
+  <p:clrMapOvr>
+    <a:masterClrMapping/>
+  </p:clrMapOvr>
+</p:sld>
+</file>
+
 <file path=ppt/theme/theme1.xml><?xml version="1.0" encoding="utf-8"?>
 <a:theme xmlns:a="http://schemas.openxmlformats.org/drawingml/2006/main" name="Office Theme">
   <a:themeElements>

--- a/Python Day - Intermediate.pptx
+++ b/Python Day - Intermediate.pptx
@@ -8,12 +8,14 @@
     <p:sldId id="256" r:id="rId2"/>
     <p:sldId id="258" r:id="rId3"/>
     <p:sldId id="257" r:id="rId4"/>
-    <p:sldId id="259" r:id="rId5"/>
-    <p:sldId id="260" r:id="rId6"/>
-    <p:sldId id="261" r:id="rId7"/>
+    <p:sldId id="261" r:id="rId5"/>
+    <p:sldId id="267" r:id="rId6"/>
+    <p:sldId id="266" r:id="rId7"/>
     <p:sldId id="262" r:id="rId8"/>
     <p:sldId id="263" r:id="rId9"/>
-    <p:sldId id="264" r:id="rId10"/>
+    <p:sldId id="265" r:id="rId10"/>
+    <p:sldId id="268" r:id="rId11"/>
+    <p:sldId id="264" r:id="rId12"/>
   </p:sldIdLst>
   <p:sldSz cx="12192000" cy="6858000"/>
   <p:notesSz cx="6858000" cy="9144000"/>
@@ -123,7 +125,7 @@
 <file path=ppt/revisionInfo.xml><?xml version="1.0" encoding="utf-8"?>
 <p1510:revInfo xmlns:a="http://schemas.openxmlformats.org/drawingml/2006/main" xmlns:r="http://schemas.openxmlformats.org/officeDocument/2006/relationships" xmlns:p1510="http://schemas.microsoft.com/office/powerpoint/2015/10/main">
   <p1510:revLst>
-    <p1510:client id="{56D521A3-7A98-41EE-B121-D8FC18FE9D74}" v="41" dt="2019-11-02T03:26:28.749"/>
+    <p1510:client id="{56D521A3-7A98-41EE-B121-D8FC18FE9D74}" v="79" dt="2019-11-02T04:22:23.424"/>
   </p1510:revLst>
 </p1510:revInfo>
 </file>
@@ -132,8 +134,8 @@
 <pc:chgInfo xmlns:a="http://schemas.openxmlformats.org/drawingml/2006/main" xmlns:r="http://schemas.openxmlformats.org/officeDocument/2006/relationships" xmlns:ac="http://schemas.microsoft.com/office/drawing/2013/main/command" xmlns:pc="http://schemas.microsoft.com/office/powerpoint/2013/main/command">
   <pc:docChgLst>
     <pc:chgData name="Greg Bulmash" userId="90973910de46daed" providerId="LiveId" clId="{56D521A3-7A98-41EE-B121-D8FC18FE9D74}"/>
-    <pc:docChg chg="undo custSel mod addSld modSld">
-      <pc:chgData name="Greg Bulmash" userId="90973910de46daed" providerId="LiveId" clId="{56D521A3-7A98-41EE-B121-D8FC18FE9D74}" dt="2019-11-02T03:30:36.447" v="505" actId="14100"/>
+    <pc:docChg chg="undo custSel mod addSld delSld modSld sldOrd">
+      <pc:chgData name="Greg Bulmash" userId="90973910de46daed" providerId="LiveId" clId="{56D521A3-7A98-41EE-B121-D8FC18FE9D74}" dt="2019-11-02T04:23:21.746" v="1223" actId="403"/>
       <pc:docMkLst>
         <pc:docMk/>
       </pc:docMkLst>
@@ -278,8 +280,8 @@
           </ac:spMkLst>
         </pc:spChg>
       </pc:sldChg>
-      <pc:sldChg chg="addSp delSp modSp add mod setBg">
-        <pc:chgData name="Greg Bulmash" userId="90973910de46daed" providerId="LiveId" clId="{56D521A3-7A98-41EE-B121-D8FC18FE9D74}" dt="2019-11-02T02:53:59.646" v="305" actId="1076"/>
+      <pc:sldChg chg="addSp delSp modSp add del mod setBg">
+        <pc:chgData name="Greg Bulmash" userId="90973910de46daed" providerId="LiveId" clId="{56D521A3-7A98-41EE-B121-D8FC18FE9D74}" dt="2019-11-02T04:16:30.372" v="1140" actId="2696"/>
         <pc:sldMkLst>
           <pc:docMk/>
           <pc:sldMk cId="3922824149" sldId="259"/>
@@ -300,8 +302,8 @@
             <ac:spMk id="3" creationId="{9C00FBA2-690B-4CC1-B90B-1855183710A2}"/>
           </ac:spMkLst>
         </pc:spChg>
-        <pc:picChg chg="add mod">
-          <ac:chgData name="Greg Bulmash" userId="90973910de46daed" providerId="LiveId" clId="{56D521A3-7A98-41EE-B121-D8FC18FE9D74}" dt="2019-11-02T02:53:59.646" v="305" actId="1076"/>
+        <pc:picChg chg="add del mod">
+          <ac:chgData name="Greg Bulmash" userId="90973910de46daed" providerId="LiveId" clId="{56D521A3-7A98-41EE-B121-D8FC18FE9D74}" dt="2019-11-02T04:15:11.144" v="1134"/>
           <ac:picMkLst>
             <pc:docMk/>
             <pc:sldMk cId="3922824149" sldId="259"/>
@@ -309,8 +311,8 @@
           </ac:picMkLst>
         </pc:picChg>
       </pc:sldChg>
-      <pc:sldChg chg="addSp delSp modSp add mod setBg">
-        <pc:chgData name="Greg Bulmash" userId="90973910de46daed" providerId="LiveId" clId="{56D521A3-7A98-41EE-B121-D8FC18FE9D74}" dt="2019-11-02T02:54:13.591" v="307" actId="1076"/>
+      <pc:sldChg chg="addSp delSp modSp add del mod setBg">
+        <pc:chgData name="Greg Bulmash" userId="90973910de46daed" providerId="LiveId" clId="{56D521A3-7A98-41EE-B121-D8FC18FE9D74}" dt="2019-11-02T04:14:55.355" v="1131" actId="2696"/>
         <pc:sldMkLst>
           <pc:docMk/>
           <pc:sldMk cId="1872317664" sldId="260"/>
@@ -331,8 +333,8 @@
             <ac:spMk id="3" creationId="{AC1ABCF9-547C-4F33-B2ED-960251E1E36F}"/>
           </ac:spMkLst>
         </pc:spChg>
-        <pc:picChg chg="add mod">
-          <ac:chgData name="Greg Bulmash" userId="90973910de46daed" providerId="LiveId" clId="{56D521A3-7A98-41EE-B121-D8FC18FE9D74}" dt="2019-11-02T02:54:13.591" v="307" actId="1076"/>
+        <pc:picChg chg="add del mod">
+          <ac:chgData name="Greg Bulmash" userId="90973910de46daed" providerId="LiveId" clId="{56D521A3-7A98-41EE-B121-D8FC18FE9D74}" dt="2019-11-02T04:14:01.561" v="1097"/>
           <ac:picMkLst>
             <pc:docMk/>
             <pc:sldMk cId="1872317664" sldId="260"/>
@@ -341,13 +343,13 @@
         </pc:picChg>
       </pc:sldChg>
       <pc:sldChg chg="addSp delSp modSp add mod setBg">
-        <pc:chgData name="Greg Bulmash" userId="90973910de46daed" providerId="LiveId" clId="{56D521A3-7A98-41EE-B121-D8FC18FE9D74}" dt="2019-11-02T03:15:30.394" v="343" actId="1076"/>
+        <pc:chgData name="Greg Bulmash" userId="90973910de46daed" providerId="LiveId" clId="{56D521A3-7A98-41EE-B121-D8FC18FE9D74}" dt="2019-11-02T04:17:36.290" v="1143" actId="1038"/>
         <pc:sldMkLst>
           <pc:docMk/>
           <pc:sldMk cId="2440060400" sldId="261"/>
         </pc:sldMkLst>
         <pc:spChg chg="mod">
-          <ac:chgData name="Greg Bulmash" userId="90973910de46daed" providerId="LiveId" clId="{56D521A3-7A98-41EE-B121-D8FC18FE9D74}" dt="2019-11-02T03:15:17.522" v="341" actId="26606"/>
+          <ac:chgData name="Greg Bulmash" userId="90973910de46daed" providerId="LiveId" clId="{56D521A3-7A98-41EE-B121-D8FC18FE9D74}" dt="2019-11-02T04:14:47.888" v="1130" actId="20577"/>
           <ac:spMkLst>
             <pc:docMk/>
             <pc:sldMk cId="2440060400" sldId="261"/>
@@ -378,8 +380,32 @@
             <ac:spMk id="73" creationId="{047C8CCB-F95D-4249-92DD-651249D3535A}"/>
           </ac:spMkLst>
         </pc:spChg>
+        <pc:graphicFrameChg chg="add del mod ord modGraphic">
+          <ac:chgData name="Greg Bulmash" userId="90973910de46daed" providerId="LiveId" clId="{56D521A3-7A98-41EE-B121-D8FC18FE9D74}" dt="2019-11-02T04:13:54.575" v="1095" actId="478"/>
+          <ac:graphicFrameMkLst>
+            <pc:docMk/>
+            <pc:sldMk cId="2440060400" sldId="261"/>
+            <ac:graphicFrameMk id="4" creationId="{B4B92080-302D-4F42-8D3D-D990FE5E5535}"/>
+          </ac:graphicFrameMkLst>
+        </pc:graphicFrameChg>
+        <pc:picChg chg="add del mod">
+          <ac:chgData name="Greg Bulmash" userId="90973910de46daed" providerId="LiveId" clId="{56D521A3-7A98-41EE-B121-D8FC18FE9D74}" dt="2019-11-02T04:15:02.657" v="1133" actId="478"/>
+          <ac:picMkLst>
+            <pc:docMk/>
+            <pc:sldMk cId="2440060400" sldId="261"/>
+            <ac:picMk id="8" creationId="{5303438A-F5E4-420A-B512-5820352BD5CB}"/>
+          </ac:picMkLst>
+        </pc:picChg>
         <pc:picChg chg="add mod">
-          <ac:chgData name="Greg Bulmash" userId="90973910de46daed" providerId="LiveId" clId="{56D521A3-7A98-41EE-B121-D8FC18FE9D74}" dt="2019-11-02T03:15:30.394" v="343" actId="1076"/>
+          <ac:chgData name="Greg Bulmash" userId="90973910de46daed" providerId="LiveId" clId="{56D521A3-7A98-41EE-B121-D8FC18FE9D74}" dt="2019-11-02T04:17:36.290" v="1143" actId="1038"/>
+          <ac:picMkLst>
+            <pc:docMk/>
+            <pc:sldMk cId="2440060400" sldId="261"/>
+            <ac:picMk id="9" creationId="{1040CEC8-B9CA-4665-912C-4D939E7CCF01}"/>
+          </ac:picMkLst>
+        </pc:picChg>
+        <pc:picChg chg="add del mod">
+          <ac:chgData name="Greg Bulmash" userId="90973910de46daed" providerId="LiveId" clId="{56D521A3-7A98-41EE-B121-D8FC18FE9D74}" dt="2019-11-02T04:12:18.037" v="1085" actId="478"/>
           <ac:picMkLst>
             <pc:docMk/>
             <pc:sldMk cId="2440060400" sldId="261"/>
@@ -527,6 +553,265 @@
             <ac:cxnSpMk id="16" creationId="{3125FCB4-24EE-4842-8A56-4F84474E1A5C}"/>
           </ac:cxnSpMkLst>
         </pc:cxnChg>
+      </pc:sldChg>
+      <pc:sldChg chg="addSp delSp modSp add ord">
+        <pc:chgData name="Greg Bulmash" userId="90973910de46daed" providerId="LiveId" clId="{56D521A3-7A98-41EE-B121-D8FC18FE9D74}" dt="2019-11-02T04:18:56.919" v="1146"/>
+        <pc:sldMkLst>
+          <pc:docMk/>
+          <pc:sldMk cId="2460618967" sldId="265"/>
+        </pc:sldMkLst>
+        <pc:spChg chg="mod">
+          <ac:chgData name="Greg Bulmash" userId="90973910de46daed" providerId="LiveId" clId="{56D521A3-7A98-41EE-B121-D8FC18FE9D74}" dt="2019-11-02T03:51:36.166" v="518" actId="20577"/>
+          <ac:spMkLst>
+            <pc:docMk/>
+            <pc:sldMk cId="2460618967" sldId="265"/>
+            <ac:spMk id="2" creationId="{58A59161-4808-4BDE-8680-799A7736103D}"/>
+          </ac:spMkLst>
+        </pc:spChg>
+        <pc:spChg chg="del">
+          <ac:chgData name="Greg Bulmash" userId="90973910de46daed" providerId="LiveId" clId="{56D521A3-7A98-41EE-B121-D8FC18FE9D74}" dt="2019-11-02T03:44:29.162" v="507" actId="478"/>
+          <ac:spMkLst>
+            <pc:docMk/>
+            <pc:sldMk cId="2460618967" sldId="265"/>
+            <ac:spMk id="3" creationId="{9937C99E-86A8-4310-91A2-10B321AAA6FD}"/>
+          </ac:spMkLst>
+        </pc:spChg>
+        <pc:spChg chg="add mod">
+          <ac:chgData name="Greg Bulmash" userId="90973910de46daed" providerId="LiveId" clId="{56D521A3-7A98-41EE-B121-D8FC18FE9D74}" dt="2019-11-02T03:52:59.658" v="654" actId="113"/>
+          <ac:spMkLst>
+            <pc:docMk/>
+            <pc:sldMk cId="2460618967" sldId="265"/>
+            <ac:spMk id="4" creationId="{51DD7B82-6ACD-4907-B799-42E1529C6FE5}"/>
+          </ac:spMkLst>
+        </pc:spChg>
+        <pc:spChg chg="add mod">
+          <ac:chgData name="Greg Bulmash" userId="90973910de46daed" providerId="LiveId" clId="{56D521A3-7A98-41EE-B121-D8FC18FE9D74}" dt="2019-11-02T04:09:34.791" v="1083" actId="20577"/>
+          <ac:spMkLst>
+            <pc:docMk/>
+            <pc:sldMk cId="2460618967" sldId="265"/>
+            <ac:spMk id="6" creationId="{C588F257-F566-4A64-B5A8-5A48672280D1}"/>
+          </ac:spMkLst>
+        </pc:spChg>
+        <pc:spChg chg="del">
+          <ac:chgData name="Greg Bulmash" userId="90973910de46daed" providerId="LiveId" clId="{56D521A3-7A98-41EE-B121-D8FC18FE9D74}" dt="2019-11-02T03:44:29.162" v="507" actId="478"/>
+          <ac:spMkLst>
+            <pc:docMk/>
+            <pc:sldMk cId="2460618967" sldId="265"/>
+            <ac:spMk id="8" creationId="{A6D2253C-C8E4-48F8-9EB8-3AD6F2CA01FD}"/>
+          </ac:spMkLst>
+        </pc:spChg>
+        <pc:spChg chg="del">
+          <ac:chgData name="Greg Bulmash" userId="90973910de46daed" providerId="LiveId" clId="{56D521A3-7A98-41EE-B121-D8FC18FE9D74}" dt="2019-11-02T03:44:29.162" v="507" actId="478"/>
+          <ac:spMkLst>
+            <pc:docMk/>
+            <pc:sldMk cId="2460618967" sldId="265"/>
+            <ac:spMk id="9" creationId="{FA8C2A36-0DC9-458D-81A6-97BD84574D62}"/>
+          </ac:spMkLst>
+        </pc:spChg>
+        <pc:spChg chg="del">
+          <ac:chgData name="Greg Bulmash" userId="90973910de46daed" providerId="LiveId" clId="{56D521A3-7A98-41EE-B121-D8FC18FE9D74}" dt="2019-11-02T03:44:29.162" v="507" actId="478"/>
+          <ac:spMkLst>
+            <pc:docMk/>
+            <pc:sldMk cId="2460618967" sldId="265"/>
+            <ac:spMk id="15" creationId="{BDAD8E3D-4651-48FC-A4EA-645175596ECB}"/>
+          </ac:spMkLst>
+        </pc:spChg>
+        <pc:spChg chg="del">
+          <ac:chgData name="Greg Bulmash" userId="90973910de46daed" providerId="LiveId" clId="{56D521A3-7A98-41EE-B121-D8FC18FE9D74}" dt="2019-11-02T03:44:29.162" v="507" actId="478"/>
+          <ac:spMkLst>
+            <pc:docMk/>
+            <pc:sldMk cId="2460618967" sldId="265"/>
+            <ac:spMk id="20" creationId="{B0D3921B-8AA7-4007-B58A-92A47E74D123}"/>
+          </ac:spMkLst>
+        </pc:spChg>
+        <pc:spChg chg="del">
+          <ac:chgData name="Greg Bulmash" userId="90973910de46daed" providerId="LiveId" clId="{56D521A3-7A98-41EE-B121-D8FC18FE9D74}" dt="2019-11-02T03:44:29.162" v="507" actId="478"/>
+          <ac:spMkLst>
+            <pc:docMk/>
+            <pc:sldMk cId="2460618967" sldId="265"/>
+            <ac:spMk id="21" creationId="{5E6BECC8-7F31-4CE7-B59F-0F881D3BB32D}"/>
+          </ac:spMkLst>
+        </pc:spChg>
+        <pc:spChg chg="del">
+          <ac:chgData name="Greg Bulmash" userId="90973910de46daed" providerId="LiveId" clId="{56D521A3-7A98-41EE-B121-D8FC18FE9D74}" dt="2019-11-02T03:44:29.162" v="507" actId="478"/>
+          <ac:spMkLst>
+            <pc:docMk/>
+            <pc:sldMk cId="2460618967" sldId="265"/>
+            <ac:spMk id="22" creationId="{4C58F368-E871-4FFE-B4DE-B8CB0944FB6B}"/>
+          </ac:spMkLst>
+        </pc:spChg>
+        <pc:spChg chg="del">
+          <ac:chgData name="Greg Bulmash" userId="90973910de46daed" providerId="LiveId" clId="{56D521A3-7A98-41EE-B121-D8FC18FE9D74}" dt="2019-11-02T03:44:29.162" v="507" actId="478"/>
+          <ac:spMkLst>
+            <pc:docMk/>
+            <pc:sldMk cId="2460618967" sldId="265"/>
+            <ac:spMk id="23" creationId="{B8966017-57EE-4166-BBF8-860D9B33152A}"/>
+          </ac:spMkLst>
+        </pc:spChg>
+        <pc:spChg chg="del">
+          <ac:chgData name="Greg Bulmash" userId="90973910de46daed" providerId="LiveId" clId="{56D521A3-7A98-41EE-B121-D8FC18FE9D74}" dt="2019-11-02T03:44:29.162" v="507" actId="478"/>
+          <ac:spMkLst>
+            <pc:docMk/>
+            <pc:sldMk cId="2460618967" sldId="265"/>
+            <ac:spMk id="24" creationId="{7313C1E4-C6EA-4B5B-86CA-B750BCBCCB9C}"/>
+          </ac:spMkLst>
+        </pc:spChg>
+        <pc:spChg chg="del">
+          <ac:chgData name="Greg Bulmash" userId="90973910de46daed" providerId="LiveId" clId="{56D521A3-7A98-41EE-B121-D8FC18FE9D74}" dt="2019-11-02T03:44:29.162" v="507" actId="478"/>
+          <ac:spMkLst>
+            <pc:docMk/>
+            <pc:sldMk cId="2460618967" sldId="265"/>
+            <ac:spMk id="25" creationId="{4BB63BE7-7E57-43E9-AF0A-997DD0DFB333}"/>
+          </ac:spMkLst>
+        </pc:spChg>
+        <pc:spChg chg="add mod">
+          <ac:chgData name="Greg Bulmash" userId="90973910de46daed" providerId="LiveId" clId="{56D521A3-7A98-41EE-B121-D8FC18FE9D74}" dt="2019-11-02T04:06:55.846" v="1061" actId="20577"/>
+          <ac:spMkLst>
+            <pc:docMk/>
+            <pc:sldMk cId="2460618967" sldId="265"/>
+            <ac:spMk id="26" creationId="{F2857D57-CD05-465C-8657-549CC20C74D1}"/>
+          </ac:spMkLst>
+        </pc:spChg>
+        <pc:picChg chg="del">
+          <ac:chgData name="Greg Bulmash" userId="90973910de46daed" providerId="LiveId" clId="{56D521A3-7A98-41EE-B121-D8FC18FE9D74}" dt="2019-11-02T03:44:29.162" v="507" actId="478"/>
+          <ac:picMkLst>
+            <pc:docMk/>
+            <pc:sldMk cId="2460618967" sldId="265"/>
+            <ac:picMk id="3074" creationId="{2F9B6315-41A0-4DC4-81D6-18000287657D}"/>
+          </ac:picMkLst>
+        </pc:picChg>
+        <pc:cxnChg chg="del">
+          <ac:chgData name="Greg Bulmash" userId="90973910de46daed" providerId="LiveId" clId="{56D521A3-7A98-41EE-B121-D8FC18FE9D74}" dt="2019-11-02T03:44:29.162" v="507" actId="478"/>
+          <ac:cxnSpMkLst>
+            <pc:docMk/>
+            <pc:sldMk cId="2460618967" sldId="265"/>
+            <ac:cxnSpMk id="5" creationId="{F917D338-F056-4C52-8110-502F5E0EAE3E}"/>
+          </ac:cxnSpMkLst>
+        </pc:cxnChg>
+        <pc:cxnChg chg="del">
+          <ac:chgData name="Greg Bulmash" userId="90973910de46daed" providerId="LiveId" clId="{56D521A3-7A98-41EE-B121-D8FC18FE9D74}" dt="2019-11-02T03:44:29.162" v="507" actId="478"/>
+          <ac:cxnSpMkLst>
+            <pc:docMk/>
+            <pc:sldMk cId="2460618967" sldId="265"/>
+            <ac:cxnSpMk id="13" creationId="{4B56C0E2-96B4-4FB7-9F9E-DECE2325B588}"/>
+          </ac:cxnSpMkLst>
+        </pc:cxnChg>
+        <pc:cxnChg chg="del">
+          <ac:chgData name="Greg Bulmash" userId="90973910de46daed" providerId="LiveId" clId="{56D521A3-7A98-41EE-B121-D8FC18FE9D74}" dt="2019-11-02T03:44:29.162" v="507" actId="478"/>
+          <ac:cxnSpMkLst>
+            <pc:docMk/>
+            <pc:sldMk cId="2460618967" sldId="265"/>
+            <ac:cxnSpMk id="16" creationId="{3125FCB4-24EE-4842-8A56-4F84474E1A5C}"/>
+          </ac:cxnSpMkLst>
+        </pc:cxnChg>
+      </pc:sldChg>
+      <pc:sldChg chg="add">
+        <pc:chgData name="Greg Bulmash" userId="90973910de46daed" providerId="LiveId" clId="{56D521A3-7A98-41EE-B121-D8FC18FE9D74}" dt="2019-11-02T04:12:14.101" v="1084"/>
+        <pc:sldMkLst>
+          <pc:docMk/>
+          <pc:sldMk cId="961781350" sldId="266"/>
+        </pc:sldMkLst>
+      </pc:sldChg>
+      <pc:sldChg chg="modSp add">
+        <pc:chgData name="Greg Bulmash" userId="90973910de46daed" providerId="LiveId" clId="{56D521A3-7A98-41EE-B121-D8FC18FE9D74}" dt="2019-11-02T04:18:21.202" v="1145" actId="1076"/>
+        <pc:sldMkLst>
+          <pc:docMk/>
+          <pc:sldMk cId="4220277366" sldId="267"/>
+        </pc:sldMkLst>
+        <pc:picChg chg="mod">
+          <ac:chgData name="Greg Bulmash" userId="90973910de46daed" providerId="LiveId" clId="{56D521A3-7A98-41EE-B121-D8FC18FE9D74}" dt="2019-11-02T04:18:21.202" v="1145" actId="1076"/>
+          <ac:picMkLst>
+            <pc:docMk/>
+            <pc:sldMk cId="4220277366" sldId="267"/>
+            <ac:picMk id="8" creationId="{5303438A-F5E4-420A-B512-5820352BD5CB}"/>
+          </ac:picMkLst>
+        </pc:picChg>
+      </pc:sldChg>
+      <pc:sldChg chg="addSp delSp modSp add del">
+        <pc:chgData name="Greg Bulmash" userId="90973910de46daed" providerId="LiveId" clId="{56D521A3-7A98-41EE-B121-D8FC18FE9D74}" dt="2019-11-02T04:22:13.883" v="1190" actId="2696"/>
+        <pc:sldMkLst>
+          <pc:docMk/>
+          <pc:sldMk cId="1873086915" sldId="268"/>
+        </pc:sldMkLst>
+        <pc:spChg chg="mod">
+          <ac:chgData name="Greg Bulmash" userId="90973910de46daed" providerId="LiveId" clId="{56D521A3-7A98-41EE-B121-D8FC18FE9D74}" dt="2019-11-02T04:19:25.108" v="1171" actId="20577"/>
+          <ac:spMkLst>
+            <pc:docMk/>
+            <pc:sldMk cId="1873086915" sldId="268"/>
+            <ac:spMk id="2" creationId="{58A59161-4808-4BDE-8680-799A7736103D}"/>
+          </ac:spMkLst>
+        </pc:spChg>
+        <pc:spChg chg="add del">
+          <ac:chgData name="Greg Bulmash" userId="90973910de46daed" providerId="LiveId" clId="{56D521A3-7A98-41EE-B121-D8FC18FE9D74}" dt="2019-11-02T04:20:10.326" v="1180"/>
+          <ac:spMkLst>
+            <pc:docMk/>
+            <pc:sldMk cId="1873086915" sldId="268"/>
+            <ac:spMk id="3" creationId="{4215A400-7591-4F1C-A0D1-D7CB09054F46}"/>
+          </ac:spMkLst>
+        </pc:spChg>
+        <pc:spChg chg="del">
+          <ac:chgData name="Greg Bulmash" userId="90973910de46daed" providerId="LiveId" clId="{56D521A3-7A98-41EE-B121-D8FC18FE9D74}" dt="2019-11-02T04:19:32.424" v="1172" actId="478"/>
+          <ac:spMkLst>
+            <pc:docMk/>
+            <pc:sldMk cId="1873086915" sldId="268"/>
+            <ac:spMk id="4" creationId="{51DD7B82-6ACD-4907-B799-42E1529C6FE5}"/>
+          </ac:spMkLst>
+        </pc:spChg>
+        <pc:spChg chg="add del">
+          <ac:chgData name="Greg Bulmash" userId="90973910de46daed" providerId="LiveId" clId="{56D521A3-7A98-41EE-B121-D8FC18FE9D74}" dt="2019-11-02T04:20:17.547" v="1183"/>
+          <ac:spMkLst>
+            <pc:docMk/>
+            <pc:sldMk cId="1873086915" sldId="268"/>
+            <ac:spMk id="5" creationId="{71FEFBC2-A599-47F7-9B76-001C390A6CE6}"/>
+          </ac:spMkLst>
+        </pc:spChg>
+        <pc:spChg chg="del mod">
+          <ac:chgData name="Greg Bulmash" userId="90973910de46daed" providerId="LiveId" clId="{56D521A3-7A98-41EE-B121-D8FC18FE9D74}" dt="2019-11-02T04:22:09.210" v="1189"/>
+          <ac:spMkLst>
+            <pc:docMk/>
+            <pc:sldMk cId="1873086915" sldId="268"/>
+            <ac:spMk id="6" creationId="{C588F257-F566-4A64-B5A8-5A48672280D1}"/>
+          </ac:spMkLst>
+        </pc:spChg>
+        <pc:spChg chg="del mod">
+          <ac:chgData name="Greg Bulmash" userId="90973910de46daed" providerId="LiveId" clId="{56D521A3-7A98-41EE-B121-D8FC18FE9D74}" dt="2019-11-02T04:19:44.167" v="1175" actId="478"/>
+          <ac:spMkLst>
+            <pc:docMk/>
+            <pc:sldMk cId="1873086915" sldId="268"/>
+            <ac:spMk id="26" creationId="{F2857D57-CD05-465C-8657-549CC20C74D1}"/>
+          </ac:spMkLst>
+        </pc:spChg>
+      </pc:sldChg>
+      <pc:sldChg chg="addSp delSp modSp add">
+        <pc:chgData name="Greg Bulmash" userId="90973910de46daed" providerId="LiveId" clId="{56D521A3-7A98-41EE-B121-D8FC18FE9D74}" dt="2019-11-02T04:23:21.746" v="1223" actId="403"/>
+        <pc:sldMkLst>
+          <pc:docMk/>
+          <pc:sldMk cId="2248988288" sldId="268"/>
+        </pc:sldMkLst>
+        <pc:spChg chg="del">
+          <ac:chgData name="Greg Bulmash" userId="90973910de46daed" providerId="LiveId" clId="{56D521A3-7A98-41EE-B121-D8FC18FE9D74}" dt="2019-11-02T04:22:22.655" v="1192" actId="478"/>
+          <ac:spMkLst>
+            <pc:docMk/>
+            <pc:sldMk cId="2248988288" sldId="268"/>
+            <ac:spMk id="2" creationId="{45E9F1AB-7EFE-442A-9264-11C48C39DA92}"/>
+          </ac:spMkLst>
+        </pc:spChg>
+        <pc:spChg chg="del">
+          <ac:chgData name="Greg Bulmash" userId="90973910de46daed" providerId="LiveId" clId="{56D521A3-7A98-41EE-B121-D8FC18FE9D74}" dt="2019-11-02T04:22:22.655" v="1192" actId="478"/>
+          <ac:spMkLst>
+            <pc:docMk/>
+            <pc:sldMk cId="2248988288" sldId="268"/>
+            <ac:spMk id="3" creationId="{0D8FD7DA-B634-4150-86E7-58C887728014}"/>
+          </ac:spMkLst>
+        </pc:spChg>
+        <pc:spChg chg="add mod">
+          <ac:chgData name="Greg Bulmash" userId="90973910de46daed" providerId="LiveId" clId="{56D521A3-7A98-41EE-B121-D8FC18FE9D74}" dt="2019-11-02T04:23:21.746" v="1223" actId="403"/>
+          <ac:spMkLst>
+            <pc:docMk/>
+            <pc:sldMk cId="2248988288" sldId="268"/>
+            <ac:spMk id="4" creationId="{ACE0A587-4FFE-4C34-B968-CF5DF37FE127}"/>
+          </ac:spMkLst>
+        </pc:spChg>
       </pc:sldChg>
     </pc:docChg>
   </pc:docChgLst>
@@ -4068,6 +4353,1105 @@
 </p:sld>
 </file>
 
+<file path=ppt/slides/slide10.xml><?xml version="1.0" encoding="utf-8"?>
+<p:sld xmlns:a="http://schemas.openxmlformats.org/drawingml/2006/main" xmlns:r="http://schemas.openxmlformats.org/officeDocument/2006/relationships" xmlns:p="http://schemas.openxmlformats.org/presentationml/2006/main">
+  <p:cSld>
+    <p:spTree>
+      <p:nvGrpSpPr>
+        <p:cNvPr id="1" name=""/>
+        <p:cNvGrpSpPr/>
+        <p:nvPr/>
+      </p:nvGrpSpPr>
+      <p:grpSpPr>
+        <a:xfrm>
+          <a:off x="0" y="0"/>
+          <a:ext cx="0" cy="0"/>
+          <a:chOff x="0" y="0"/>
+          <a:chExt cx="0" cy="0"/>
+        </a:xfrm>
+      </p:grpSpPr>
+      <p:sp>
+        <p:nvSpPr>
+          <p:cNvPr id="4" name="TextBox 3">
+            <a:extLst>
+              <a:ext uri="{FF2B5EF4-FFF2-40B4-BE49-F238E27FC236}">
+                <a16:creationId xmlns:a16="http://schemas.microsoft.com/office/drawing/2014/main" id="{ACE0A587-4FFE-4C34-B968-CF5DF37FE127}"/>
+              </a:ext>
+            </a:extLst>
+          </p:cNvPr>
+          <p:cNvSpPr txBox="1"/>
+          <p:nvPr/>
+        </p:nvSpPr>
+        <p:spPr>
+          <a:xfrm>
+            <a:off x="254525" y="340917"/>
+            <a:ext cx="11500700" cy="5909310"/>
+          </a:xfrm>
+          <a:prstGeom prst="rect">
+            <a:avLst/>
+          </a:prstGeom>
+          <a:noFill/>
+        </p:spPr>
+        <p:txBody>
+          <a:bodyPr wrap="square" rtlCol="0">
+            <a:spAutoFit/>
+          </a:bodyPr>
+          <a:lstStyle/>
+          <a:p>
+            <a:r>
+              <a:rPr lang="en-US" sz="2000" dirty="0">
+                <a:latin typeface="Consolas" panose="020B0609020204030204" pitchFamily="49" charset="0"/>
+              </a:rPr>
+              <a:t># Sonar Treasure Hunt</a:t>
+            </a:r>
+          </a:p>
+          <a:p>
+            <a:endParaRPr lang="en-US" sz="2000" dirty="0">
+              <a:latin typeface="Consolas" panose="020B0609020204030204" pitchFamily="49" charset="0"/>
+            </a:endParaRPr>
+          </a:p>
+          <a:p>
+            <a:r>
+              <a:rPr lang="en-US" sz="2000" dirty="0">
+                <a:latin typeface="Consolas" panose="020B0609020204030204" pitchFamily="49" charset="0"/>
+              </a:rPr>
+              <a:t>import random</a:t>
+            </a:r>
+          </a:p>
+          <a:p>
+            <a:r>
+              <a:rPr lang="en-US" sz="2000" dirty="0">
+                <a:latin typeface="Consolas" panose="020B0609020204030204" pitchFamily="49" charset="0"/>
+              </a:rPr>
+              <a:t>import sys</a:t>
+            </a:r>
+          </a:p>
+          <a:p>
+            <a:r>
+              <a:rPr lang="en-US" sz="2000" dirty="0">
+                <a:latin typeface="Consolas" panose="020B0609020204030204" pitchFamily="49" charset="0"/>
+              </a:rPr>
+              <a:t>import math</a:t>
+            </a:r>
+          </a:p>
+          <a:p>
+            <a:endParaRPr lang="en-US" sz="2000" dirty="0">
+              <a:latin typeface="Consolas" panose="020B0609020204030204" pitchFamily="49" charset="0"/>
+            </a:endParaRPr>
+          </a:p>
+          <a:p>
+            <a:r>
+              <a:rPr lang="en-US" sz="2000" dirty="0">
+                <a:latin typeface="Consolas" panose="020B0609020204030204" pitchFamily="49" charset="0"/>
+              </a:rPr>
+              <a:t>def </a:t>
+            </a:r>
+            <a:r>
+              <a:rPr lang="en-US" sz="2000" dirty="0" err="1">
+                <a:latin typeface="Consolas" panose="020B0609020204030204" pitchFamily="49" charset="0"/>
+              </a:rPr>
+              <a:t>getNewBoard</a:t>
+            </a:r>
+            <a:r>
+              <a:rPr lang="en-US" sz="2000" dirty="0">
+                <a:latin typeface="Consolas" panose="020B0609020204030204" pitchFamily="49" charset="0"/>
+              </a:rPr>
+              <a:t>():</a:t>
+            </a:r>
+          </a:p>
+          <a:p>
+            <a:r>
+              <a:rPr lang="en-US" sz="2000" dirty="0">
+                <a:latin typeface="Consolas" panose="020B0609020204030204" pitchFamily="49" charset="0"/>
+              </a:rPr>
+              <a:t>    # Create a new 60x15 board data structure.</a:t>
+            </a:r>
+          </a:p>
+          <a:p>
+            <a:r>
+              <a:rPr lang="en-US" sz="2000" dirty="0">
+                <a:latin typeface="Consolas" panose="020B0609020204030204" pitchFamily="49" charset="0"/>
+              </a:rPr>
+              <a:t>    board = []</a:t>
+            </a:r>
+          </a:p>
+          <a:p>
+            <a:r>
+              <a:rPr lang="en-US" sz="2000" dirty="0">
+                <a:latin typeface="Consolas" panose="020B0609020204030204" pitchFamily="49" charset="0"/>
+              </a:rPr>
+              <a:t>    for x in range(60): # The main list is a list of 60 lists.</a:t>
+            </a:r>
+          </a:p>
+          <a:p>
+            <a:r>
+              <a:rPr lang="en-US" sz="2000" dirty="0">
+                <a:latin typeface="Consolas" panose="020B0609020204030204" pitchFamily="49" charset="0"/>
+              </a:rPr>
+              <a:t>        </a:t>
+            </a:r>
+            <a:r>
+              <a:rPr lang="en-US" sz="2000" dirty="0" err="1">
+                <a:latin typeface="Consolas" panose="020B0609020204030204" pitchFamily="49" charset="0"/>
+              </a:rPr>
+              <a:t>board.append</a:t>
+            </a:r>
+            <a:r>
+              <a:rPr lang="en-US" sz="2000" dirty="0">
+                <a:latin typeface="Consolas" panose="020B0609020204030204" pitchFamily="49" charset="0"/>
+              </a:rPr>
+              <a:t>([])</a:t>
+            </a:r>
+          </a:p>
+          <a:p>
+            <a:r>
+              <a:rPr lang="en-US" sz="2000" dirty="0">
+                <a:latin typeface="Consolas" panose="020B0609020204030204" pitchFamily="49" charset="0"/>
+              </a:rPr>
+              <a:t>        for y in range(15): </a:t>
+            </a:r>
+          </a:p>
+          <a:p>
+            <a:r>
+              <a:rPr lang="en-US" sz="2000" dirty="0">
+                <a:latin typeface="Consolas" panose="020B0609020204030204" pitchFamily="49" charset="0"/>
+              </a:rPr>
+              <a:t>            # Each list in the main list has 15 single-character strings.</a:t>
+            </a:r>
+          </a:p>
+          <a:p>
+            <a:r>
+              <a:rPr lang="en-US" sz="2000" dirty="0">
+                <a:latin typeface="Consolas" panose="020B0609020204030204" pitchFamily="49" charset="0"/>
+              </a:rPr>
+              <a:t>            # Use different characters for the ocean to make it more readable.</a:t>
+            </a:r>
+          </a:p>
+          <a:p>
+            <a:r>
+              <a:rPr lang="en-US" sz="2000" dirty="0">
+                <a:latin typeface="Consolas" panose="020B0609020204030204" pitchFamily="49" charset="0"/>
+              </a:rPr>
+              <a:t>            if </a:t>
+            </a:r>
+            <a:r>
+              <a:rPr lang="en-US" sz="2000" dirty="0" err="1">
+                <a:latin typeface="Consolas" panose="020B0609020204030204" pitchFamily="49" charset="0"/>
+              </a:rPr>
+              <a:t>random.randint</a:t>
+            </a:r>
+            <a:r>
+              <a:rPr lang="en-US" sz="2000" dirty="0">
+                <a:latin typeface="Consolas" panose="020B0609020204030204" pitchFamily="49" charset="0"/>
+              </a:rPr>
+              <a:t>(0, 1) == 0:</a:t>
+            </a:r>
+          </a:p>
+          <a:p>
+            <a:r>
+              <a:rPr lang="en-US" sz="2000" dirty="0">
+                <a:latin typeface="Consolas" panose="020B0609020204030204" pitchFamily="49" charset="0"/>
+              </a:rPr>
+              <a:t>                board[x].append('~')</a:t>
+            </a:r>
+          </a:p>
+          <a:p>
+            <a:r>
+              <a:rPr lang="en-US" sz="2000" dirty="0">
+                <a:latin typeface="Consolas" panose="020B0609020204030204" pitchFamily="49" charset="0"/>
+              </a:rPr>
+              <a:t>            else:</a:t>
+            </a:r>
+          </a:p>
+          <a:p>
+            <a:r>
+              <a:rPr lang="en-US" sz="2000" dirty="0">
+                <a:latin typeface="Consolas" panose="020B0609020204030204" pitchFamily="49" charset="0"/>
+              </a:rPr>
+              <a:t>                board[x].append('`')</a:t>
+            </a:r>
+          </a:p>
+          <a:p>
+            <a:r>
+              <a:rPr lang="en-US" sz="2000" dirty="0">
+                <a:latin typeface="Consolas" panose="020B0609020204030204" pitchFamily="49" charset="0"/>
+              </a:rPr>
+              <a:t>    return board</a:t>
+            </a:r>
+          </a:p>
+        </p:txBody>
+      </p:sp>
+    </p:spTree>
+    <p:extLst>
+      <p:ext uri="{BB962C8B-B14F-4D97-AF65-F5344CB8AC3E}">
+        <p14:creationId xmlns:p14="http://schemas.microsoft.com/office/powerpoint/2010/main" val="2248988288"/>
+      </p:ext>
+    </p:extLst>
+  </p:cSld>
+  <p:clrMapOvr>
+    <a:masterClrMapping/>
+  </p:clrMapOvr>
+</p:sld>
+</file>
+
+<file path=ppt/slides/slide11.xml><?xml version="1.0" encoding="utf-8"?>
+<p:sld xmlns:a="http://schemas.openxmlformats.org/drawingml/2006/main" xmlns:r="http://schemas.openxmlformats.org/officeDocument/2006/relationships" xmlns:p="http://schemas.openxmlformats.org/presentationml/2006/main">
+  <p:cSld>
+    <p:bg>
+      <p:bgPr>
+        <a:solidFill>
+          <a:schemeClr val="bg1"/>
+        </a:solidFill>
+        <a:effectLst/>
+      </p:bgPr>
+    </p:bg>
+    <p:spTree>
+      <p:nvGrpSpPr>
+        <p:cNvPr id="1" name=""/>
+        <p:cNvGrpSpPr/>
+        <p:nvPr/>
+      </p:nvGrpSpPr>
+      <p:grpSpPr>
+        <a:xfrm>
+          <a:off x="0" y="0"/>
+          <a:ext cx="0" cy="0"/>
+          <a:chOff x="0" y="0"/>
+          <a:chExt cx="0" cy="0"/>
+        </a:xfrm>
+      </p:grpSpPr>
+      <p:sp>
+        <p:nvSpPr>
+          <p:cNvPr id="71" name="Rectangle 70">
+            <a:extLst>
+              <a:ext uri="{FF2B5EF4-FFF2-40B4-BE49-F238E27FC236}">
+                <a16:creationId xmlns:a16="http://schemas.microsoft.com/office/drawing/2014/main" id="{6753252F-4873-4F63-801D-CC719279A7D5}"/>
+              </a:ext>
+              <a:ext uri="{C183D7F6-B498-43B3-948B-1728B52AA6E4}">
+                <adec:decorative xmlns:adec="http://schemas.microsoft.com/office/drawing/2017/decorative" val="1"/>
+              </a:ext>
+            </a:extLst>
+          </p:cNvPr>
+          <p:cNvSpPr>
+            <a:spLocks noGrp="1" noRot="1" noChangeAspect="1" noMove="1" noResize="1" noEditPoints="1" noAdjustHandles="1" noChangeArrowheads="1" noChangeShapeType="1" noTextEdit="1"/>
+          </p:cNvSpPr>
+          <p:nvPr>
+            <p:extLst>
+              <p:ext uri="{386F3935-93C4-4BCD-93E2-E3B085C9AB24}">
+                <p16:designElem xmlns:p16="http://schemas.microsoft.com/office/powerpoint/2015/main" val="1"/>
+              </p:ext>
+            </p:extLst>
+          </p:nvPr>
+        </p:nvSpPr>
+        <p:spPr>
+          <a:xfrm>
+            <a:off x="0" y="0"/>
+            <a:ext cx="12192000" cy="6858000"/>
+          </a:xfrm>
+          <a:prstGeom prst="rect">
+            <a:avLst/>
+          </a:prstGeom>
+          <a:solidFill>
+            <a:srgbClr val="FFFFFF"/>
+          </a:solidFill>
+          <a:ln>
+            <a:noFill/>
+          </a:ln>
+        </p:spPr>
+        <p:style>
+          <a:lnRef idx="2">
+            <a:schemeClr val="accent1">
+              <a:shade val="50000"/>
+            </a:schemeClr>
+          </a:lnRef>
+          <a:fillRef idx="1">
+            <a:schemeClr val="accent1"/>
+          </a:fillRef>
+          <a:effectRef idx="0">
+            <a:schemeClr val="accent1"/>
+          </a:effectRef>
+          <a:fontRef idx="minor">
+            <a:schemeClr val="lt1"/>
+          </a:fontRef>
+        </p:style>
+        <p:txBody>
+          <a:bodyPr rtlCol="0" anchor="ctr"/>
+          <a:lstStyle/>
+          <a:p>
+            <a:pPr algn="ctr"/>
+            <a:endParaRPr lang="en-US"/>
+          </a:p>
+        </p:txBody>
+      </p:sp>
+      <p:sp>
+        <p:nvSpPr>
+          <p:cNvPr id="73" name="Rectangle 72">
+            <a:extLst>
+              <a:ext uri="{FF2B5EF4-FFF2-40B4-BE49-F238E27FC236}">
+                <a16:creationId xmlns:a16="http://schemas.microsoft.com/office/drawing/2014/main" id="{047C8CCB-F95D-4249-92DD-651249D3535A}"/>
+              </a:ext>
+              <a:ext uri="{C183D7F6-B498-43B3-948B-1728B52AA6E4}">
+                <adec:decorative xmlns:adec="http://schemas.microsoft.com/office/drawing/2017/decorative" val="1"/>
+              </a:ext>
+            </a:extLst>
+          </p:cNvPr>
+          <p:cNvSpPr>
+            <a:spLocks noGrp="1" noRot="1" noChangeAspect="1" noMove="1" noResize="1" noEditPoints="1" noAdjustHandles="1" noChangeArrowheads="1" noChangeShapeType="1" noTextEdit="1"/>
+          </p:cNvSpPr>
+          <p:nvPr>
+            <p:extLst>
+              <p:ext uri="{386F3935-93C4-4BCD-93E2-E3B085C9AB24}">
+                <p16:designElem xmlns:p16="http://schemas.microsoft.com/office/powerpoint/2015/main" val="1"/>
+              </p:ext>
+            </p:extLst>
+          </p:nvPr>
+        </p:nvSpPr>
+        <p:spPr>
+          <a:xfrm>
+            <a:off x="0" y="0"/>
+            <a:ext cx="2013557" cy="6858000"/>
+          </a:xfrm>
+          <a:prstGeom prst="rect">
+            <a:avLst/>
+          </a:prstGeom>
+          <a:solidFill>
+            <a:srgbClr val="7F7F7F"/>
+          </a:solidFill>
+          <a:ln>
+            <a:noFill/>
+          </a:ln>
+        </p:spPr>
+        <p:style>
+          <a:lnRef idx="2">
+            <a:schemeClr val="accent1">
+              <a:shade val="50000"/>
+            </a:schemeClr>
+          </a:lnRef>
+          <a:fillRef idx="1">
+            <a:schemeClr val="accent1"/>
+          </a:fillRef>
+          <a:effectRef idx="0">
+            <a:schemeClr val="accent1"/>
+          </a:effectRef>
+          <a:fontRef idx="minor">
+            <a:schemeClr val="lt1"/>
+          </a:fontRef>
+        </p:style>
+        <p:txBody>
+          <a:bodyPr rtlCol="0" anchor="ctr"/>
+          <a:lstStyle/>
+          <a:p>
+            <a:pPr algn="ctr"/>
+            <a:endParaRPr lang="en-US"/>
+          </a:p>
+        </p:txBody>
+      </p:sp>
+      <p:sp>
+        <p:nvSpPr>
+          <p:cNvPr id="2" name="Title 1">
+            <a:extLst>
+              <a:ext uri="{FF2B5EF4-FFF2-40B4-BE49-F238E27FC236}">
+                <a16:creationId xmlns:a16="http://schemas.microsoft.com/office/drawing/2014/main" id="{58A59161-4808-4BDE-8680-799A7736103D}"/>
+              </a:ext>
+            </a:extLst>
+          </p:cNvPr>
+          <p:cNvSpPr>
+            <a:spLocks noGrp="1"/>
+          </p:cNvSpPr>
+          <p:nvPr>
+            <p:ph type="title"/>
+          </p:nvPr>
+        </p:nvSpPr>
+        <p:spPr>
+          <a:xfrm>
+            <a:off x="640080" y="2074363"/>
+            <a:ext cx="2752354" cy="2709275"/>
+          </a:xfrm>
+          <a:prstGeom prst="ellipse">
+            <a:avLst/>
+          </a:prstGeom>
+          <a:solidFill>
+            <a:srgbClr val="262626"/>
+          </a:solidFill>
+          <a:ln w="174625" cmpd="thinThick">
+            <a:solidFill>
+              <a:srgbClr val="262626"/>
+            </a:solidFill>
+          </a:ln>
+        </p:spPr>
+        <p:txBody>
+          <a:bodyPr vert="horz" lIns="91440" tIns="45720" rIns="91440" bIns="45720" rtlCol="0" anchor="ctr">
+            <a:normAutofit/>
+          </a:bodyPr>
+          <a:lstStyle/>
+          <a:p>
+            <a:pPr algn="ctr"/>
+            <a:r>
+              <a:rPr lang="en-US" sz="2600" kern="1200" dirty="0">
+                <a:solidFill>
+                  <a:srgbClr val="FFFFFF"/>
+                </a:solidFill>
+                <a:latin typeface="+mj-lt"/>
+                <a:ea typeface="+mj-ea"/>
+                <a:cs typeface="+mj-cs"/>
+              </a:rPr>
+              <a:t>Concept: Pythagorean</a:t>
+            </a:r>
+            <a:br>
+              <a:rPr lang="en-US" sz="2600" kern="1200" dirty="0">
+                <a:solidFill>
+                  <a:srgbClr val="FFFFFF"/>
+                </a:solidFill>
+                <a:latin typeface="+mj-lt"/>
+                <a:ea typeface="+mj-ea"/>
+                <a:cs typeface="+mj-cs"/>
+              </a:rPr>
+            </a:br>
+            <a:r>
+              <a:rPr lang="en-US" sz="2600" kern="1200" dirty="0">
+                <a:solidFill>
+                  <a:srgbClr val="FFFFFF"/>
+                </a:solidFill>
+                <a:latin typeface="+mj-lt"/>
+                <a:ea typeface="+mj-ea"/>
+                <a:cs typeface="+mj-cs"/>
+              </a:rPr>
+              <a:t>Theorem</a:t>
+            </a:r>
+          </a:p>
+        </p:txBody>
+      </p:sp>
+      <p:pic>
+        <p:nvPicPr>
+          <p:cNvPr id="3074" name="Picture 2">
+            <a:extLst>
+              <a:ext uri="{FF2B5EF4-FFF2-40B4-BE49-F238E27FC236}">
+                <a16:creationId xmlns:a16="http://schemas.microsoft.com/office/drawing/2014/main" id="{2F9B6315-41A0-4DC4-81D6-18000287657D}"/>
+              </a:ext>
+            </a:extLst>
+          </p:cNvPr>
+          <p:cNvPicPr>
+            <a:picLocks noChangeAspect="1" noChangeArrowheads="1"/>
+          </p:cNvPicPr>
+          <p:nvPr/>
+        </p:nvPicPr>
+        <p:blipFill>
+          <a:blip r:embed="rId2">
+            <a:extLst>
+              <a:ext uri="{28A0092B-C50C-407E-A947-70E740481C1C}">
+                <a14:useLocalDpi xmlns:a14="http://schemas.microsoft.com/office/drawing/2010/main" val="0"/>
+              </a:ext>
+            </a:extLst>
+          </a:blip>
+          <a:stretch>
+            <a:fillRect/>
+          </a:stretch>
+        </p:blipFill>
+        <p:spPr bwMode="auto">
+          <a:xfrm>
+            <a:off x="4192032" y="317138"/>
+            <a:ext cx="7200370" cy="6223724"/>
+          </a:xfrm>
+          <a:prstGeom prst="rect">
+            <a:avLst/>
+          </a:prstGeom>
+          <a:noFill/>
+          <a:extLst>
+            <a:ext uri="{909E8E84-426E-40DD-AFC4-6F175D3DCCD1}">
+              <a14:hiddenFill xmlns:a14="http://schemas.microsoft.com/office/drawing/2010/main">
+                <a:solidFill>
+                  <a:srgbClr val="FFFFFF"/>
+                </a:solidFill>
+              </a14:hiddenFill>
+            </a:ext>
+          </a:extLst>
+        </p:spPr>
+      </p:pic>
+      <p:sp>
+        <p:nvSpPr>
+          <p:cNvPr id="3" name="Oval 2">
+            <a:extLst>
+              <a:ext uri="{FF2B5EF4-FFF2-40B4-BE49-F238E27FC236}">
+                <a16:creationId xmlns:a16="http://schemas.microsoft.com/office/drawing/2014/main" id="{9937C99E-86A8-4310-91A2-10B321AAA6FD}"/>
+              </a:ext>
+            </a:extLst>
+          </p:cNvPr>
+          <p:cNvSpPr/>
+          <p:nvPr/>
+        </p:nvSpPr>
+        <p:spPr>
+          <a:xfrm>
+            <a:off x="6975836" y="3507237"/>
+            <a:ext cx="254584" cy="261494"/>
+          </a:xfrm>
+          <a:prstGeom prst="ellipse">
+            <a:avLst/>
+          </a:prstGeom>
+        </p:spPr>
+        <p:style>
+          <a:lnRef idx="2">
+            <a:schemeClr val="accent1">
+              <a:shade val="50000"/>
+            </a:schemeClr>
+          </a:lnRef>
+          <a:fillRef idx="1">
+            <a:schemeClr val="accent1"/>
+          </a:fillRef>
+          <a:effectRef idx="0">
+            <a:schemeClr val="accent1"/>
+          </a:effectRef>
+          <a:fontRef idx="minor">
+            <a:schemeClr val="lt1"/>
+          </a:fontRef>
+        </p:style>
+        <p:txBody>
+          <a:bodyPr rtlCol="0" anchor="ctr"/>
+          <a:lstStyle/>
+          <a:p>
+            <a:pPr algn="ctr"/>
+            <a:endParaRPr lang="en-US"/>
+          </a:p>
+        </p:txBody>
+      </p:sp>
+      <p:sp>
+        <p:nvSpPr>
+          <p:cNvPr id="8" name="Oval 7">
+            <a:extLst>
+              <a:ext uri="{FF2B5EF4-FFF2-40B4-BE49-F238E27FC236}">
+                <a16:creationId xmlns:a16="http://schemas.microsoft.com/office/drawing/2014/main" id="{A6D2253C-C8E4-48F8-9EB8-3AD6F2CA01FD}"/>
+              </a:ext>
+            </a:extLst>
+          </p:cNvPr>
+          <p:cNvSpPr/>
+          <p:nvPr/>
+        </p:nvSpPr>
+        <p:spPr>
+          <a:xfrm>
+            <a:off x="8391428" y="1604594"/>
+            <a:ext cx="254584" cy="261494"/>
+          </a:xfrm>
+          <a:prstGeom prst="ellipse">
+            <a:avLst/>
+          </a:prstGeom>
+        </p:spPr>
+        <p:style>
+          <a:lnRef idx="2">
+            <a:schemeClr val="accent1">
+              <a:shade val="50000"/>
+            </a:schemeClr>
+          </a:lnRef>
+          <a:fillRef idx="1">
+            <a:schemeClr val="accent1"/>
+          </a:fillRef>
+          <a:effectRef idx="0">
+            <a:schemeClr val="accent1"/>
+          </a:effectRef>
+          <a:fontRef idx="minor">
+            <a:schemeClr val="lt1"/>
+          </a:fontRef>
+        </p:style>
+        <p:txBody>
+          <a:bodyPr rtlCol="0" anchor="ctr"/>
+          <a:lstStyle/>
+          <a:p>
+            <a:pPr algn="ctr"/>
+            <a:endParaRPr lang="en-US"/>
+          </a:p>
+        </p:txBody>
+      </p:sp>
+      <p:sp>
+        <p:nvSpPr>
+          <p:cNvPr id="9" name="Oval 8">
+            <a:extLst>
+              <a:ext uri="{FF2B5EF4-FFF2-40B4-BE49-F238E27FC236}">
+                <a16:creationId xmlns:a16="http://schemas.microsoft.com/office/drawing/2014/main" id="{FA8C2A36-0DC9-458D-81A6-97BD84574D62}"/>
+              </a:ext>
+            </a:extLst>
+          </p:cNvPr>
+          <p:cNvSpPr/>
+          <p:nvPr/>
+        </p:nvSpPr>
+        <p:spPr>
+          <a:xfrm>
+            <a:off x="6975486" y="1604594"/>
+            <a:ext cx="254584" cy="261494"/>
+          </a:xfrm>
+          <a:prstGeom prst="ellipse">
+            <a:avLst/>
+          </a:prstGeom>
+        </p:spPr>
+        <p:style>
+          <a:lnRef idx="2">
+            <a:schemeClr val="accent1">
+              <a:shade val="50000"/>
+            </a:schemeClr>
+          </a:lnRef>
+          <a:fillRef idx="1">
+            <a:schemeClr val="accent1"/>
+          </a:fillRef>
+          <a:effectRef idx="0">
+            <a:schemeClr val="accent1"/>
+          </a:effectRef>
+          <a:fontRef idx="minor">
+            <a:schemeClr val="lt1"/>
+          </a:fontRef>
+        </p:style>
+        <p:txBody>
+          <a:bodyPr rtlCol="0" anchor="ctr"/>
+          <a:lstStyle/>
+          <a:p>
+            <a:pPr algn="ctr"/>
+            <a:endParaRPr lang="en-US"/>
+          </a:p>
+        </p:txBody>
+      </p:sp>
+      <p:cxnSp>
+        <p:nvCxnSpPr>
+          <p:cNvPr id="5" name="Straight Connector 4">
+            <a:extLst>
+              <a:ext uri="{FF2B5EF4-FFF2-40B4-BE49-F238E27FC236}">
+                <a16:creationId xmlns:a16="http://schemas.microsoft.com/office/drawing/2014/main" id="{F917D338-F056-4C52-8110-502F5E0EAE3E}"/>
+              </a:ext>
+            </a:extLst>
+          </p:cNvPr>
+          <p:cNvCxnSpPr>
+            <a:cxnSpLocks/>
+          </p:cNvCxnSpPr>
+          <p:nvPr/>
+        </p:nvCxnSpPr>
+        <p:spPr>
+          <a:xfrm flipV="1">
+            <a:off x="7102778" y="1723885"/>
+            <a:ext cx="0" cy="1914100"/>
+          </a:xfrm>
+          <a:prstGeom prst="line">
+            <a:avLst/>
+          </a:prstGeom>
+          <a:ln w="38100">
+            <a:solidFill>
+              <a:schemeClr val="accent4"/>
+            </a:solidFill>
+          </a:ln>
+        </p:spPr>
+        <p:style>
+          <a:lnRef idx="1">
+            <a:schemeClr val="accent4"/>
+          </a:lnRef>
+          <a:fillRef idx="0">
+            <a:schemeClr val="accent4"/>
+          </a:fillRef>
+          <a:effectRef idx="0">
+            <a:schemeClr val="accent4"/>
+          </a:effectRef>
+          <a:fontRef idx="minor">
+            <a:schemeClr val="tx1"/>
+          </a:fontRef>
+        </p:style>
+      </p:cxnSp>
+      <p:cxnSp>
+        <p:nvCxnSpPr>
+          <p:cNvPr id="13" name="Straight Connector 12">
+            <a:extLst>
+              <a:ext uri="{FF2B5EF4-FFF2-40B4-BE49-F238E27FC236}">
+                <a16:creationId xmlns:a16="http://schemas.microsoft.com/office/drawing/2014/main" id="{4B56C0E2-96B4-4FB7-9F9E-DECE2325B588}"/>
+              </a:ext>
+            </a:extLst>
+          </p:cNvPr>
+          <p:cNvCxnSpPr>
+            <a:cxnSpLocks/>
+          </p:cNvCxnSpPr>
+          <p:nvPr/>
+        </p:nvCxnSpPr>
+        <p:spPr>
+          <a:xfrm flipH="1">
+            <a:off x="7099317" y="1735341"/>
+            <a:ext cx="1419403" cy="0"/>
+          </a:xfrm>
+          <a:prstGeom prst="line">
+            <a:avLst/>
+          </a:prstGeom>
+          <a:ln w="38100">
+            <a:solidFill>
+              <a:schemeClr val="accent4"/>
+            </a:solidFill>
+          </a:ln>
+        </p:spPr>
+        <p:style>
+          <a:lnRef idx="1">
+            <a:schemeClr val="accent4"/>
+          </a:lnRef>
+          <a:fillRef idx="0">
+            <a:schemeClr val="accent4"/>
+          </a:fillRef>
+          <a:effectRef idx="0">
+            <a:schemeClr val="accent4"/>
+          </a:effectRef>
+          <a:fontRef idx="minor">
+            <a:schemeClr val="tx1"/>
+          </a:fontRef>
+        </p:style>
+      </p:cxnSp>
+      <p:cxnSp>
+        <p:nvCxnSpPr>
+          <p:cNvPr id="16" name="Straight Connector 15">
+            <a:extLst>
+              <a:ext uri="{FF2B5EF4-FFF2-40B4-BE49-F238E27FC236}">
+                <a16:creationId xmlns:a16="http://schemas.microsoft.com/office/drawing/2014/main" id="{3125FCB4-24EE-4842-8A56-4F84474E1A5C}"/>
+              </a:ext>
+            </a:extLst>
+          </p:cNvPr>
+          <p:cNvCxnSpPr>
+            <a:cxnSpLocks/>
+          </p:cNvCxnSpPr>
+          <p:nvPr/>
+        </p:nvCxnSpPr>
+        <p:spPr>
+          <a:xfrm flipV="1">
+            <a:off x="7099317" y="1735341"/>
+            <a:ext cx="1419403" cy="1902644"/>
+          </a:xfrm>
+          <a:prstGeom prst="line">
+            <a:avLst/>
+          </a:prstGeom>
+          <a:ln w="38100">
+            <a:solidFill>
+              <a:schemeClr val="accent4"/>
+            </a:solidFill>
+          </a:ln>
+        </p:spPr>
+        <p:style>
+          <a:lnRef idx="1">
+            <a:schemeClr val="accent4"/>
+          </a:lnRef>
+          <a:fillRef idx="0">
+            <a:schemeClr val="accent4"/>
+          </a:fillRef>
+          <a:effectRef idx="0">
+            <a:schemeClr val="accent4"/>
+          </a:effectRef>
+          <a:fontRef idx="minor">
+            <a:schemeClr val="tx1"/>
+          </a:fontRef>
+        </p:style>
+      </p:cxnSp>
+      <p:sp>
+        <p:nvSpPr>
+          <p:cNvPr id="15" name="TextBox 14">
+            <a:extLst>
+              <a:ext uri="{FF2B5EF4-FFF2-40B4-BE49-F238E27FC236}">
+                <a16:creationId xmlns:a16="http://schemas.microsoft.com/office/drawing/2014/main" id="{BDAD8E3D-4651-48FC-A4EA-645175596ECB}"/>
+              </a:ext>
+            </a:extLst>
+          </p:cNvPr>
+          <p:cNvSpPr txBox="1"/>
+          <p:nvPr/>
+        </p:nvSpPr>
+        <p:spPr>
+          <a:xfrm>
+            <a:off x="7039134" y="2490929"/>
+            <a:ext cx="254581" cy="369332"/>
+          </a:xfrm>
+          <a:prstGeom prst="rect">
+            <a:avLst/>
+          </a:prstGeom>
+          <a:noFill/>
+        </p:spPr>
+        <p:txBody>
+          <a:bodyPr wrap="square" rtlCol="0">
+            <a:spAutoFit/>
+          </a:bodyPr>
+          <a:lstStyle/>
+          <a:p>
+            <a:r>
+              <a:rPr lang="en-US" dirty="0"/>
+              <a:t>A</a:t>
+            </a:r>
+          </a:p>
+        </p:txBody>
+      </p:sp>
+      <p:sp>
+        <p:nvSpPr>
+          <p:cNvPr id="20" name="TextBox 19">
+            <a:extLst>
+              <a:ext uri="{FF2B5EF4-FFF2-40B4-BE49-F238E27FC236}">
+                <a16:creationId xmlns:a16="http://schemas.microsoft.com/office/drawing/2014/main" id="{B0D3921B-8AA7-4007-B58A-92A47E74D123}"/>
+              </a:ext>
+            </a:extLst>
+          </p:cNvPr>
+          <p:cNvSpPr txBox="1"/>
+          <p:nvPr/>
+        </p:nvSpPr>
+        <p:spPr>
+          <a:xfrm>
+            <a:off x="7647796" y="1705031"/>
+            <a:ext cx="254581" cy="369332"/>
+          </a:xfrm>
+          <a:prstGeom prst="rect">
+            <a:avLst/>
+          </a:prstGeom>
+          <a:noFill/>
+        </p:spPr>
+        <p:txBody>
+          <a:bodyPr wrap="square" rtlCol="0">
+            <a:spAutoFit/>
+          </a:bodyPr>
+          <a:lstStyle/>
+          <a:p>
+            <a:r>
+              <a:rPr lang="en-US" dirty="0"/>
+              <a:t>B</a:t>
+            </a:r>
+          </a:p>
+        </p:txBody>
+      </p:sp>
+      <p:sp>
+        <p:nvSpPr>
+          <p:cNvPr id="21" name="TextBox 20">
+            <a:extLst>
+              <a:ext uri="{FF2B5EF4-FFF2-40B4-BE49-F238E27FC236}">
+                <a16:creationId xmlns:a16="http://schemas.microsoft.com/office/drawing/2014/main" id="{5E6BECC8-7F31-4CE7-B59F-0F881D3BB32D}"/>
+              </a:ext>
+            </a:extLst>
+          </p:cNvPr>
+          <p:cNvSpPr txBox="1"/>
+          <p:nvPr/>
+        </p:nvSpPr>
+        <p:spPr>
+          <a:xfrm>
+            <a:off x="7902377" y="2501997"/>
+            <a:ext cx="254581" cy="369332"/>
+          </a:xfrm>
+          <a:prstGeom prst="rect">
+            <a:avLst/>
+          </a:prstGeom>
+          <a:noFill/>
+        </p:spPr>
+        <p:txBody>
+          <a:bodyPr wrap="square" rtlCol="0">
+            <a:spAutoFit/>
+          </a:bodyPr>
+          <a:lstStyle/>
+          <a:p>
+            <a:r>
+              <a:rPr lang="en-US" dirty="0"/>
+              <a:t>C</a:t>
+            </a:r>
+          </a:p>
+        </p:txBody>
+      </p:sp>
+      <p:sp>
+        <p:nvSpPr>
+          <p:cNvPr id="22" name="TextBox 21">
+            <a:extLst>
+              <a:ext uri="{FF2B5EF4-FFF2-40B4-BE49-F238E27FC236}">
+                <a16:creationId xmlns:a16="http://schemas.microsoft.com/office/drawing/2014/main" id="{4C58F368-E871-4FFE-B4DE-B8CB0944FB6B}"/>
+              </a:ext>
+            </a:extLst>
+          </p:cNvPr>
+          <p:cNvSpPr txBox="1"/>
+          <p:nvPr/>
+        </p:nvSpPr>
+        <p:spPr>
+          <a:xfrm>
+            <a:off x="10255245" y="1354553"/>
+            <a:ext cx="1264309" cy="369332"/>
+          </a:xfrm>
+          <a:prstGeom prst="rect">
+            <a:avLst/>
+          </a:prstGeom>
+          <a:noFill/>
+        </p:spPr>
+        <p:txBody>
+          <a:bodyPr wrap="square" rtlCol="0">
+            <a:spAutoFit/>
+          </a:bodyPr>
+          <a:lstStyle/>
+          <a:p>
+            <a:r>
+              <a:rPr lang="en-US" dirty="0"/>
+              <a:t>4</a:t>
+            </a:r>
+            <a:r>
+              <a:rPr lang="en-US" baseline="30000" dirty="0"/>
+              <a:t>2</a:t>
+            </a:r>
+            <a:r>
+              <a:rPr lang="en-US" dirty="0"/>
+              <a:t> + 3</a:t>
+            </a:r>
+            <a:r>
+              <a:rPr lang="en-US" baseline="30000" dirty="0"/>
+              <a:t>2</a:t>
+            </a:r>
+            <a:r>
+              <a:rPr lang="en-US" dirty="0"/>
+              <a:t> = C</a:t>
+            </a:r>
+            <a:r>
+              <a:rPr lang="en-US" baseline="30000" dirty="0"/>
+              <a:t>2</a:t>
+            </a:r>
+          </a:p>
+        </p:txBody>
+      </p:sp>
+      <p:sp>
+        <p:nvSpPr>
+          <p:cNvPr id="23" name="TextBox 22">
+            <a:extLst>
+              <a:ext uri="{FF2B5EF4-FFF2-40B4-BE49-F238E27FC236}">
+                <a16:creationId xmlns:a16="http://schemas.microsoft.com/office/drawing/2014/main" id="{B8966017-57EE-4166-BBF8-860D9B33152A}"/>
+              </a:ext>
+            </a:extLst>
+          </p:cNvPr>
+          <p:cNvSpPr txBox="1"/>
+          <p:nvPr/>
+        </p:nvSpPr>
+        <p:spPr>
+          <a:xfrm>
+            <a:off x="10247371" y="1652837"/>
+            <a:ext cx="1264309" cy="369332"/>
+          </a:xfrm>
+          <a:prstGeom prst="rect">
+            <a:avLst/>
+          </a:prstGeom>
+          <a:noFill/>
+        </p:spPr>
+        <p:txBody>
+          <a:bodyPr wrap="square" rtlCol="0">
+            <a:spAutoFit/>
+          </a:bodyPr>
+          <a:lstStyle/>
+          <a:p>
+            <a:r>
+              <a:rPr lang="en-US" dirty="0"/>
+              <a:t>16 + 9 = 25</a:t>
+            </a:r>
+            <a:endParaRPr lang="en-US" baseline="30000" dirty="0"/>
+          </a:p>
+        </p:txBody>
+      </p:sp>
+      <p:sp>
+        <p:nvSpPr>
+          <p:cNvPr id="24" name="TextBox 23">
+            <a:extLst>
+              <a:ext uri="{FF2B5EF4-FFF2-40B4-BE49-F238E27FC236}">
+                <a16:creationId xmlns:a16="http://schemas.microsoft.com/office/drawing/2014/main" id="{7313C1E4-C6EA-4B5B-86CA-B750BCBCCB9C}"/>
+              </a:ext>
+            </a:extLst>
+          </p:cNvPr>
+          <p:cNvSpPr txBox="1"/>
+          <p:nvPr/>
+        </p:nvSpPr>
+        <p:spPr>
+          <a:xfrm>
+            <a:off x="10247371" y="1049491"/>
+            <a:ext cx="1264309" cy="369332"/>
+          </a:xfrm>
+          <a:prstGeom prst="rect">
+            <a:avLst/>
+          </a:prstGeom>
+          <a:noFill/>
+        </p:spPr>
+        <p:txBody>
+          <a:bodyPr wrap="square" rtlCol="0">
+            <a:spAutoFit/>
+          </a:bodyPr>
+          <a:lstStyle/>
+          <a:p>
+            <a:r>
+              <a:rPr lang="en-US" dirty="0"/>
+              <a:t>A</a:t>
+            </a:r>
+            <a:r>
+              <a:rPr lang="en-US" baseline="30000" dirty="0"/>
+              <a:t>2</a:t>
+            </a:r>
+            <a:r>
+              <a:rPr lang="en-US" dirty="0"/>
+              <a:t> + B</a:t>
+            </a:r>
+            <a:r>
+              <a:rPr lang="en-US" baseline="30000" dirty="0"/>
+              <a:t>2</a:t>
+            </a:r>
+            <a:r>
+              <a:rPr lang="en-US" dirty="0"/>
+              <a:t> = C</a:t>
+            </a:r>
+            <a:r>
+              <a:rPr lang="en-US" baseline="30000" dirty="0"/>
+              <a:t>2</a:t>
+            </a:r>
+          </a:p>
+        </p:txBody>
+      </p:sp>
+      <p:sp>
+        <p:nvSpPr>
+          <p:cNvPr id="25" name="TextBox 24">
+            <a:extLst>
+              <a:ext uri="{FF2B5EF4-FFF2-40B4-BE49-F238E27FC236}">
+                <a16:creationId xmlns:a16="http://schemas.microsoft.com/office/drawing/2014/main" id="{4BB63BE7-7E57-43E9-AF0A-997DD0DFB333}"/>
+              </a:ext>
+            </a:extLst>
+          </p:cNvPr>
+          <p:cNvSpPr txBox="1"/>
+          <p:nvPr/>
+        </p:nvSpPr>
+        <p:spPr>
+          <a:xfrm>
+            <a:off x="10255245" y="2127552"/>
+            <a:ext cx="1264309" cy="369332"/>
+          </a:xfrm>
+          <a:prstGeom prst="rect">
+            <a:avLst/>
+          </a:prstGeom>
+          <a:noFill/>
+        </p:spPr>
+        <p:txBody>
+          <a:bodyPr wrap="square" rtlCol="0">
+            <a:spAutoFit/>
+          </a:bodyPr>
+          <a:lstStyle/>
+          <a:p>
+            <a:r>
+              <a:rPr lang="en-US" dirty="0"/>
+              <a:t>4</a:t>
+            </a:r>
+            <a:r>
+              <a:rPr lang="en-US" baseline="30000" dirty="0"/>
+              <a:t>2</a:t>
+            </a:r>
+            <a:r>
+              <a:rPr lang="en-US" dirty="0"/>
+              <a:t> + 3</a:t>
+            </a:r>
+            <a:r>
+              <a:rPr lang="en-US" baseline="30000" dirty="0"/>
+              <a:t>2</a:t>
+            </a:r>
+            <a:r>
+              <a:rPr lang="en-US" dirty="0"/>
+              <a:t> = 5</a:t>
+            </a:r>
+            <a:r>
+              <a:rPr lang="en-US" baseline="30000" dirty="0"/>
+              <a:t>2</a:t>
+            </a:r>
+          </a:p>
+        </p:txBody>
+      </p:sp>
+    </p:spTree>
+    <p:extLst>
+      <p:ext uri="{BB962C8B-B14F-4D97-AF65-F5344CB8AC3E}">
+        <p14:creationId xmlns:p14="http://schemas.microsoft.com/office/powerpoint/2010/main" val="2721520107"/>
+      </p:ext>
+    </p:extLst>
+  </p:cSld>
+  <p:clrMapOvr>
+    <a:masterClrMapping/>
+  </p:clrMapOvr>
+</p:sld>
+</file>
+
 <file path=ppt/slides/slide2.xml><?xml version="1.0" encoding="utf-8"?>
 <p:sld xmlns:a="http://schemas.openxmlformats.org/drawingml/2006/main" xmlns:r="http://schemas.openxmlformats.org/officeDocument/2006/relationships" xmlns:p="http://schemas.openxmlformats.org/presentationml/2006/main">
   <p:cSld>
@@ -4383,12 +5767,75 @@
           <a:chExt cx="0" cy="0"/>
         </a:xfrm>
       </p:grpSpPr>
+      <p:sp>
+        <p:nvSpPr>
+          <p:cNvPr id="71" name="Rectangle 70">
+            <a:extLst>
+              <a:ext uri="{FF2B5EF4-FFF2-40B4-BE49-F238E27FC236}">
+                <a16:creationId xmlns:a16="http://schemas.microsoft.com/office/drawing/2014/main" id="{6753252F-4873-4F63-801D-CC719279A7D5}"/>
+              </a:ext>
+              <a:ext uri="{C183D7F6-B498-43B3-948B-1728B52AA6E4}">
+                <adec:decorative xmlns:adec="http://schemas.microsoft.com/office/drawing/2017/decorative" val="1"/>
+              </a:ext>
+            </a:extLst>
+          </p:cNvPr>
+          <p:cNvSpPr>
+            <a:spLocks noGrp="1" noRot="1" noChangeAspect="1" noMove="1" noResize="1" noEditPoints="1" noAdjustHandles="1" noChangeArrowheads="1" noChangeShapeType="1" noTextEdit="1"/>
+          </p:cNvSpPr>
+          <p:nvPr>
+            <p:extLst>
+              <p:ext uri="{386F3935-93C4-4BCD-93E2-E3B085C9AB24}">
+                <p16:designElem xmlns:p16="http://schemas.microsoft.com/office/powerpoint/2015/main" val="1"/>
+              </p:ext>
+            </p:extLst>
+          </p:nvPr>
+        </p:nvSpPr>
+        <p:spPr>
+          <a:xfrm>
+            <a:off x="0" y="0"/>
+            <a:ext cx="12192000" cy="6858000"/>
+          </a:xfrm>
+          <a:prstGeom prst="rect">
+            <a:avLst/>
+          </a:prstGeom>
+          <a:solidFill>
+            <a:srgbClr val="FFFFFF"/>
+          </a:solidFill>
+          <a:ln>
+            <a:noFill/>
+          </a:ln>
+        </p:spPr>
+        <p:style>
+          <a:lnRef idx="2">
+            <a:schemeClr val="accent1">
+              <a:shade val="50000"/>
+            </a:schemeClr>
+          </a:lnRef>
+          <a:fillRef idx="1">
+            <a:schemeClr val="accent1"/>
+          </a:fillRef>
+          <a:effectRef idx="0">
+            <a:schemeClr val="accent1"/>
+          </a:effectRef>
+          <a:fontRef idx="minor">
+            <a:schemeClr val="lt1"/>
+          </a:fontRef>
+        </p:style>
+        <p:txBody>
+          <a:bodyPr rtlCol="0" anchor="ctr"/>
+          <a:lstStyle/>
+          <a:p>
+            <a:pPr algn="ctr"/>
+            <a:endParaRPr lang="en-US"/>
+          </a:p>
+        </p:txBody>
+      </p:sp>
       <p:pic>
         <p:nvPicPr>
-          <p:cNvPr id="1026" name="Picture 2" descr="image">
-            <a:extLst>
-              <a:ext uri="{FF2B5EF4-FFF2-40B4-BE49-F238E27FC236}">
-                <a16:creationId xmlns:a16="http://schemas.microsoft.com/office/drawing/2014/main" id="{E33EE7FB-1EBD-423B-85D0-DDF262D01E07}"/>
+          <p:cNvPr id="9" name="Picture 2" descr="image">
+            <a:extLst>
+              <a:ext uri="{FF2B5EF4-FFF2-40B4-BE49-F238E27FC236}">
+                <a16:creationId xmlns:a16="http://schemas.microsoft.com/office/drawing/2014/main" id="{1040CEC8-B9CA-4665-912C-4D939E7CCF01}"/>
               </a:ext>
             </a:extLst>
           </p:cNvPr>
@@ -4411,7 +5858,7 @@
         </p:blipFill>
         <p:spPr bwMode="auto">
           <a:xfrm>
-            <a:off x="895621" y="685800"/>
+            <a:off x="1791242" y="694267"/>
             <a:ext cx="10400758" cy="5486400"/>
           </a:xfrm>
           <a:prstGeom prst="rect">
@@ -4429,10 +5876,127 @@
           </a:extLst>
         </p:spPr>
       </p:pic>
+      <p:sp>
+        <p:nvSpPr>
+          <p:cNvPr id="73" name="Rectangle 72">
+            <a:extLst>
+              <a:ext uri="{FF2B5EF4-FFF2-40B4-BE49-F238E27FC236}">
+                <a16:creationId xmlns:a16="http://schemas.microsoft.com/office/drawing/2014/main" id="{047C8CCB-F95D-4249-92DD-651249D3535A}"/>
+              </a:ext>
+              <a:ext uri="{C183D7F6-B498-43B3-948B-1728B52AA6E4}">
+                <adec:decorative xmlns:adec="http://schemas.microsoft.com/office/drawing/2017/decorative" val="1"/>
+              </a:ext>
+            </a:extLst>
+          </p:cNvPr>
+          <p:cNvSpPr>
+            <a:spLocks noGrp="1" noRot="1" noChangeAspect="1" noMove="1" noResize="1" noEditPoints="1" noAdjustHandles="1" noChangeArrowheads="1" noChangeShapeType="1" noTextEdit="1"/>
+          </p:cNvSpPr>
+          <p:nvPr>
+            <p:extLst>
+              <p:ext uri="{386F3935-93C4-4BCD-93E2-E3B085C9AB24}">
+                <p16:designElem xmlns:p16="http://schemas.microsoft.com/office/powerpoint/2015/main" val="1"/>
+              </p:ext>
+            </p:extLst>
+          </p:nvPr>
+        </p:nvSpPr>
+        <p:spPr>
+          <a:xfrm>
+            <a:off x="0" y="0"/>
+            <a:ext cx="2013557" cy="6858000"/>
+          </a:xfrm>
+          <a:prstGeom prst="rect">
+            <a:avLst/>
+          </a:prstGeom>
+          <a:solidFill>
+            <a:srgbClr val="7F7F7F"/>
+          </a:solidFill>
+          <a:ln>
+            <a:noFill/>
+          </a:ln>
+        </p:spPr>
+        <p:style>
+          <a:lnRef idx="2">
+            <a:schemeClr val="accent1">
+              <a:shade val="50000"/>
+            </a:schemeClr>
+          </a:lnRef>
+          <a:fillRef idx="1">
+            <a:schemeClr val="accent1"/>
+          </a:fillRef>
+          <a:effectRef idx="0">
+            <a:schemeClr val="accent1"/>
+          </a:effectRef>
+          <a:fontRef idx="minor">
+            <a:schemeClr val="lt1"/>
+          </a:fontRef>
+        </p:style>
+        <p:txBody>
+          <a:bodyPr rtlCol="0" anchor="ctr"/>
+          <a:lstStyle/>
+          <a:p>
+            <a:pPr algn="ctr"/>
+            <a:endParaRPr lang="en-US"/>
+          </a:p>
+        </p:txBody>
+      </p:sp>
+      <p:sp>
+        <p:nvSpPr>
+          <p:cNvPr id="2" name="Title 1">
+            <a:extLst>
+              <a:ext uri="{FF2B5EF4-FFF2-40B4-BE49-F238E27FC236}">
+                <a16:creationId xmlns:a16="http://schemas.microsoft.com/office/drawing/2014/main" id="{58A59161-4808-4BDE-8680-799A7736103D}"/>
+              </a:ext>
+            </a:extLst>
+          </p:cNvPr>
+          <p:cNvSpPr>
+            <a:spLocks noGrp="1"/>
+          </p:cNvSpPr>
+          <p:nvPr>
+            <p:ph type="title"/>
+          </p:nvPr>
+        </p:nvSpPr>
+        <p:spPr>
+          <a:xfrm>
+            <a:off x="640080" y="2074363"/>
+            <a:ext cx="2752354" cy="2709275"/>
+          </a:xfrm>
+          <a:prstGeom prst="ellipse">
+            <a:avLst/>
+          </a:prstGeom>
+          <a:solidFill>
+            <a:srgbClr val="262626"/>
+          </a:solidFill>
+          <a:ln w="174625" cmpd="thinThick">
+            <a:solidFill>
+              <a:srgbClr val="262626"/>
+            </a:solidFill>
+          </a:ln>
+        </p:spPr>
+        <p:txBody>
+          <a:bodyPr vert="horz" lIns="91440" tIns="45720" rIns="91440" bIns="45720" rtlCol="0" anchor="ctr">
+            <a:normAutofit/>
+          </a:bodyPr>
+          <a:lstStyle/>
+          <a:p>
+            <a:pPr algn="ctr"/>
+            <a:r>
+              <a:rPr lang="en-US" sz="2600" kern="1200" dirty="0">
+                <a:solidFill>
+                  <a:srgbClr val="FFFFFF"/>
+                </a:solidFill>
+                <a:latin typeface="+mj-lt"/>
+                <a:ea typeface="+mj-ea"/>
+                <a:cs typeface="+mj-cs"/>
+              </a:rPr>
+              <a:t>The Treasure Hunt</a:t>
+            </a:r>
+          </a:p>
+        </p:txBody>
+      </p:sp>
     </p:spTree>
     <p:extLst>
       <p:ext uri="{BB962C8B-B14F-4D97-AF65-F5344CB8AC3E}">
-        <p14:creationId xmlns:p14="http://schemas.microsoft.com/office/powerpoint/2010/main" val="3922824149"/>
+        <p14:creationId xmlns:p14="http://schemas.microsoft.com/office/powerpoint/2010/main" val="2440060400"/>
       </p:ext>
     </p:extLst>
   </p:cSld>
@@ -4445,6 +6009,14 @@
 <file path=ppt/slides/slide5.xml><?xml version="1.0" encoding="utf-8"?>
 <p:sld xmlns:a="http://schemas.openxmlformats.org/drawingml/2006/main" xmlns:r="http://schemas.openxmlformats.org/officeDocument/2006/relationships" xmlns:p="http://schemas.openxmlformats.org/presentationml/2006/main">
   <p:cSld>
+    <p:bg>
+      <p:bgPr>
+        <a:solidFill>
+          <a:schemeClr val="bg1"/>
+        </a:solidFill>
+        <a:effectLst/>
+      </p:bgPr>
+    </p:bg>
     <p:spTree>
       <p:nvGrpSpPr>
         <p:cNvPr id="1" name=""/>
@@ -4459,12 +6031,75 @@
           <a:chExt cx="0" cy="0"/>
         </a:xfrm>
       </p:grpSpPr>
+      <p:sp>
+        <p:nvSpPr>
+          <p:cNvPr id="71" name="Rectangle 70">
+            <a:extLst>
+              <a:ext uri="{FF2B5EF4-FFF2-40B4-BE49-F238E27FC236}">
+                <a16:creationId xmlns:a16="http://schemas.microsoft.com/office/drawing/2014/main" id="{6753252F-4873-4F63-801D-CC719279A7D5}"/>
+              </a:ext>
+              <a:ext uri="{C183D7F6-B498-43B3-948B-1728B52AA6E4}">
+                <adec:decorative xmlns:adec="http://schemas.microsoft.com/office/drawing/2017/decorative" val="1"/>
+              </a:ext>
+            </a:extLst>
+          </p:cNvPr>
+          <p:cNvSpPr>
+            <a:spLocks noGrp="1" noRot="1" noChangeAspect="1" noMove="1" noResize="1" noEditPoints="1" noAdjustHandles="1" noChangeArrowheads="1" noChangeShapeType="1" noTextEdit="1"/>
+          </p:cNvSpPr>
+          <p:nvPr>
+            <p:extLst>
+              <p:ext uri="{386F3935-93C4-4BCD-93E2-E3B085C9AB24}">
+                <p16:designElem xmlns:p16="http://schemas.microsoft.com/office/powerpoint/2015/main" val="1"/>
+              </p:ext>
+            </p:extLst>
+          </p:nvPr>
+        </p:nvSpPr>
+        <p:spPr>
+          <a:xfrm>
+            <a:off x="0" y="0"/>
+            <a:ext cx="12192000" cy="6858000"/>
+          </a:xfrm>
+          <a:prstGeom prst="rect">
+            <a:avLst/>
+          </a:prstGeom>
+          <a:solidFill>
+            <a:srgbClr val="FFFFFF"/>
+          </a:solidFill>
+          <a:ln>
+            <a:noFill/>
+          </a:ln>
+        </p:spPr>
+        <p:style>
+          <a:lnRef idx="2">
+            <a:schemeClr val="accent1">
+              <a:shade val="50000"/>
+            </a:schemeClr>
+          </a:lnRef>
+          <a:fillRef idx="1">
+            <a:schemeClr val="accent1"/>
+          </a:fillRef>
+          <a:effectRef idx="0">
+            <a:schemeClr val="accent1"/>
+          </a:effectRef>
+          <a:fontRef idx="minor">
+            <a:schemeClr val="lt1"/>
+          </a:fontRef>
+        </p:style>
+        <p:txBody>
+          <a:bodyPr rtlCol="0" anchor="ctr"/>
+          <a:lstStyle/>
+          <a:p>
+            <a:pPr algn="ctr"/>
+            <a:endParaRPr lang="en-US"/>
+          </a:p>
+        </p:txBody>
+      </p:sp>
       <p:pic>
         <p:nvPicPr>
-          <p:cNvPr id="2050" name="Picture 2" descr="image">
-            <a:extLst>
-              <a:ext uri="{FF2B5EF4-FFF2-40B4-BE49-F238E27FC236}">
-                <a16:creationId xmlns:a16="http://schemas.microsoft.com/office/drawing/2014/main" id="{C74108BC-487A-4F40-8BC4-2304D3915F15}"/>
+          <p:cNvPr id="8" name="Picture 2" descr="image">
+            <a:extLst>
+              <a:ext uri="{FF2B5EF4-FFF2-40B4-BE49-F238E27FC236}">
+                <a16:creationId xmlns:a16="http://schemas.microsoft.com/office/drawing/2014/main" id="{5303438A-F5E4-420A-B512-5820352BD5CB}"/>
               </a:ext>
             </a:extLst>
           </p:cNvPr>
@@ -4488,7 +6123,7 @@
         </p:blipFill>
         <p:spPr bwMode="auto">
           <a:xfrm>
-            <a:off x="892159" y="685800"/>
+            <a:off x="1792224" y="694944"/>
             <a:ext cx="10407682" cy="5486400"/>
           </a:xfrm>
           <a:prstGeom prst="rect">
@@ -4506,10 +6141,127 @@
           </a:extLst>
         </p:spPr>
       </p:pic>
+      <p:sp>
+        <p:nvSpPr>
+          <p:cNvPr id="73" name="Rectangle 72">
+            <a:extLst>
+              <a:ext uri="{FF2B5EF4-FFF2-40B4-BE49-F238E27FC236}">
+                <a16:creationId xmlns:a16="http://schemas.microsoft.com/office/drawing/2014/main" id="{047C8CCB-F95D-4249-92DD-651249D3535A}"/>
+              </a:ext>
+              <a:ext uri="{C183D7F6-B498-43B3-948B-1728B52AA6E4}">
+                <adec:decorative xmlns:adec="http://schemas.microsoft.com/office/drawing/2017/decorative" val="1"/>
+              </a:ext>
+            </a:extLst>
+          </p:cNvPr>
+          <p:cNvSpPr>
+            <a:spLocks noGrp="1" noRot="1" noChangeAspect="1" noMove="1" noResize="1" noEditPoints="1" noAdjustHandles="1" noChangeArrowheads="1" noChangeShapeType="1" noTextEdit="1"/>
+          </p:cNvSpPr>
+          <p:nvPr>
+            <p:extLst>
+              <p:ext uri="{386F3935-93C4-4BCD-93E2-E3B085C9AB24}">
+                <p16:designElem xmlns:p16="http://schemas.microsoft.com/office/powerpoint/2015/main" val="1"/>
+              </p:ext>
+            </p:extLst>
+          </p:nvPr>
+        </p:nvSpPr>
+        <p:spPr>
+          <a:xfrm>
+            <a:off x="0" y="0"/>
+            <a:ext cx="2013557" cy="6858000"/>
+          </a:xfrm>
+          <a:prstGeom prst="rect">
+            <a:avLst/>
+          </a:prstGeom>
+          <a:solidFill>
+            <a:srgbClr val="7F7F7F"/>
+          </a:solidFill>
+          <a:ln>
+            <a:noFill/>
+          </a:ln>
+        </p:spPr>
+        <p:style>
+          <a:lnRef idx="2">
+            <a:schemeClr val="accent1">
+              <a:shade val="50000"/>
+            </a:schemeClr>
+          </a:lnRef>
+          <a:fillRef idx="1">
+            <a:schemeClr val="accent1"/>
+          </a:fillRef>
+          <a:effectRef idx="0">
+            <a:schemeClr val="accent1"/>
+          </a:effectRef>
+          <a:fontRef idx="minor">
+            <a:schemeClr val="lt1"/>
+          </a:fontRef>
+        </p:style>
+        <p:txBody>
+          <a:bodyPr rtlCol="0" anchor="ctr"/>
+          <a:lstStyle/>
+          <a:p>
+            <a:pPr algn="ctr"/>
+            <a:endParaRPr lang="en-US"/>
+          </a:p>
+        </p:txBody>
+      </p:sp>
+      <p:sp>
+        <p:nvSpPr>
+          <p:cNvPr id="2" name="Title 1">
+            <a:extLst>
+              <a:ext uri="{FF2B5EF4-FFF2-40B4-BE49-F238E27FC236}">
+                <a16:creationId xmlns:a16="http://schemas.microsoft.com/office/drawing/2014/main" id="{58A59161-4808-4BDE-8680-799A7736103D}"/>
+              </a:ext>
+            </a:extLst>
+          </p:cNvPr>
+          <p:cNvSpPr>
+            <a:spLocks noGrp="1"/>
+          </p:cNvSpPr>
+          <p:nvPr>
+            <p:ph type="title"/>
+          </p:nvPr>
+        </p:nvSpPr>
+        <p:spPr>
+          <a:xfrm>
+            <a:off x="640080" y="2074363"/>
+            <a:ext cx="2752354" cy="2709275"/>
+          </a:xfrm>
+          <a:prstGeom prst="ellipse">
+            <a:avLst/>
+          </a:prstGeom>
+          <a:solidFill>
+            <a:srgbClr val="262626"/>
+          </a:solidFill>
+          <a:ln w="174625" cmpd="thinThick">
+            <a:solidFill>
+              <a:srgbClr val="262626"/>
+            </a:solidFill>
+          </a:ln>
+        </p:spPr>
+        <p:txBody>
+          <a:bodyPr vert="horz" lIns="91440" tIns="45720" rIns="91440" bIns="45720" rtlCol="0" anchor="ctr">
+            <a:normAutofit/>
+          </a:bodyPr>
+          <a:lstStyle/>
+          <a:p>
+            <a:pPr algn="ctr"/>
+            <a:r>
+              <a:rPr lang="en-US" sz="2600" kern="1200" dirty="0">
+                <a:solidFill>
+                  <a:srgbClr val="FFFFFF"/>
+                </a:solidFill>
+                <a:latin typeface="+mj-lt"/>
+                <a:ea typeface="+mj-ea"/>
+                <a:cs typeface="+mj-cs"/>
+              </a:rPr>
+              <a:t>The Treasure Hunt</a:t>
+            </a:r>
+          </a:p>
+        </p:txBody>
+      </p:sp>
     </p:spTree>
     <p:extLst>
       <p:ext uri="{BB962C8B-B14F-4D97-AF65-F5344CB8AC3E}">
-        <p14:creationId xmlns:p14="http://schemas.microsoft.com/office/powerpoint/2010/main" val="1872317664"/>
+        <p14:creationId xmlns:p14="http://schemas.microsoft.com/office/powerpoint/2010/main" val="4220277366"/>
       </p:ext>
     </p:extLst>
   </p:cSld>
@@ -4773,7 +6525,7 @@
     </p:spTree>
     <p:extLst>
       <p:ext uri="{BB962C8B-B14F-4D97-AF65-F5344CB8AC3E}">
-        <p14:creationId xmlns:p14="http://schemas.microsoft.com/office/powerpoint/2010/main" val="2440060400"/>
+        <p14:creationId xmlns:p14="http://schemas.microsoft.com/office/powerpoint/2010/main" val="961781350"/>
       </p:ext>
     </p:extLst>
   </p:cSld>
@@ -5649,361 +7401,68 @@
                 <a:ea typeface="+mj-ea"/>
                 <a:cs typeface="+mj-cs"/>
               </a:rPr>
-              <a:t>Concept: Pythagorean</a:t>
-            </a:r>
-            <a:br>
-              <a:rPr lang="en-US" sz="2600" kern="1200" dirty="0">
-                <a:solidFill>
-                  <a:srgbClr val="FFFFFF"/>
-                </a:solidFill>
-                <a:latin typeface="+mj-lt"/>
-                <a:ea typeface="+mj-ea"/>
-                <a:cs typeface="+mj-cs"/>
-              </a:rPr>
-            </a:br>
-            <a:r>
-              <a:rPr lang="en-US" sz="2600" kern="1200" dirty="0">
-                <a:solidFill>
-                  <a:srgbClr val="FFFFFF"/>
-                </a:solidFill>
-                <a:latin typeface="+mj-lt"/>
-                <a:ea typeface="+mj-ea"/>
-                <a:cs typeface="+mj-cs"/>
-              </a:rPr>
-              <a:t>Theorem</a:t>
-            </a:r>
-          </a:p>
-        </p:txBody>
-      </p:sp>
-      <p:pic>
-        <p:nvPicPr>
-          <p:cNvPr id="3074" name="Picture 2">
-            <a:extLst>
-              <a:ext uri="{FF2B5EF4-FFF2-40B4-BE49-F238E27FC236}">
-                <a16:creationId xmlns:a16="http://schemas.microsoft.com/office/drawing/2014/main" id="{2F9B6315-41A0-4DC4-81D6-18000287657D}"/>
-              </a:ext>
-            </a:extLst>
-          </p:cNvPr>
-          <p:cNvPicPr>
-            <a:picLocks noChangeAspect="1" noChangeArrowheads="1"/>
-          </p:cNvPicPr>
+              <a:t>Concept: Lists</a:t>
+            </a:r>
+          </a:p>
+        </p:txBody>
+      </p:sp>
+      <p:sp>
+        <p:nvSpPr>
+          <p:cNvPr id="4" name="TextBox 3">
+            <a:extLst>
+              <a:ext uri="{FF2B5EF4-FFF2-40B4-BE49-F238E27FC236}">
+                <a16:creationId xmlns:a16="http://schemas.microsoft.com/office/drawing/2014/main" id="{51DD7B82-6ACD-4907-B799-42E1529C6FE5}"/>
+              </a:ext>
+            </a:extLst>
+          </p:cNvPr>
+          <p:cNvSpPr txBox="1"/>
           <p:nvPr/>
-        </p:nvPicPr>
-        <p:blipFill>
-          <a:blip r:embed="rId2">
-            <a:extLst>
-              <a:ext uri="{28A0092B-C50C-407E-A947-70E740481C1C}">
-                <a14:useLocalDpi xmlns:a14="http://schemas.microsoft.com/office/drawing/2010/main" val="0"/>
-              </a:ext>
-            </a:extLst>
-          </a:blip>
-          <a:stretch>
-            <a:fillRect/>
-          </a:stretch>
-        </p:blipFill>
-        <p:spPr bwMode="auto">
+        </p:nvSpPr>
+        <p:spPr>
           <a:xfrm>
-            <a:off x="4192032" y="317138"/>
-            <a:ext cx="7200370" cy="6223724"/>
+            <a:off x="3217334" y="279400"/>
+            <a:ext cx="8458200" cy="1077218"/>
           </a:xfrm>
           <a:prstGeom prst="rect">
             <a:avLst/>
           </a:prstGeom>
           <a:noFill/>
-          <a:extLst>
-            <a:ext uri="{909E8E84-426E-40DD-AFC4-6F175D3DCCD1}">
-              <a14:hiddenFill xmlns:a14="http://schemas.microsoft.com/office/drawing/2010/main">
-                <a:solidFill>
-                  <a:srgbClr val="FFFFFF"/>
-                </a:solidFill>
-              </a14:hiddenFill>
-            </a:ext>
-          </a:extLst>
-        </p:spPr>
-      </p:pic>
-      <p:sp>
-        <p:nvSpPr>
-          <p:cNvPr id="3" name="Oval 2">
-            <a:extLst>
-              <a:ext uri="{FF2B5EF4-FFF2-40B4-BE49-F238E27FC236}">
-                <a16:creationId xmlns:a16="http://schemas.microsoft.com/office/drawing/2014/main" id="{9937C99E-86A8-4310-91A2-10B321AAA6FD}"/>
-              </a:ext>
-            </a:extLst>
-          </p:cNvPr>
-          <p:cNvSpPr/>
+        </p:spPr>
+        <p:txBody>
+          <a:bodyPr wrap="square" rtlCol="0">
+            <a:spAutoFit/>
+          </a:bodyPr>
+          <a:lstStyle/>
+          <a:p>
+            <a:r>
+              <a:rPr lang="en-US" sz="3200" b="1" dirty="0"/>
+              <a:t>In Python a list is a variable that can hold </a:t>
+            </a:r>
+          </a:p>
+          <a:p>
+            <a:r>
+              <a:rPr lang="en-US" sz="3200" b="1" dirty="0"/>
+              <a:t>multiple other variables... including other lists.</a:t>
+            </a:r>
+          </a:p>
+        </p:txBody>
+      </p:sp>
+      <p:sp>
+        <p:nvSpPr>
+          <p:cNvPr id="6" name="TextBox 5">
+            <a:extLst>
+              <a:ext uri="{FF2B5EF4-FFF2-40B4-BE49-F238E27FC236}">
+                <a16:creationId xmlns:a16="http://schemas.microsoft.com/office/drawing/2014/main" id="{C588F257-F566-4A64-B5A8-5A48672280D1}"/>
+              </a:ext>
+            </a:extLst>
+          </p:cNvPr>
+          <p:cNvSpPr txBox="1"/>
           <p:nvPr/>
         </p:nvSpPr>
         <p:spPr>
           <a:xfrm>
-            <a:off x="6975836" y="3507237"/>
-            <a:ext cx="254584" cy="261494"/>
-          </a:xfrm>
-          <a:prstGeom prst="ellipse">
-            <a:avLst/>
-          </a:prstGeom>
-        </p:spPr>
-        <p:style>
-          <a:lnRef idx="2">
-            <a:schemeClr val="accent1">
-              <a:shade val="50000"/>
-            </a:schemeClr>
-          </a:lnRef>
-          <a:fillRef idx="1">
-            <a:schemeClr val="accent1"/>
-          </a:fillRef>
-          <a:effectRef idx="0">
-            <a:schemeClr val="accent1"/>
-          </a:effectRef>
-          <a:fontRef idx="minor">
-            <a:schemeClr val="lt1"/>
-          </a:fontRef>
-        </p:style>
-        <p:txBody>
-          <a:bodyPr rtlCol="0" anchor="ctr"/>
-          <a:lstStyle/>
-          <a:p>
-            <a:pPr algn="ctr"/>
-            <a:endParaRPr lang="en-US"/>
-          </a:p>
-        </p:txBody>
-      </p:sp>
-      <p:sp>
-        <p:nvSpPr>
-          <p:cNvPr id="8" name="Oval 7">
-            <a:extLst>
-              <a:ext uri="{FF2B5EF4-FFF2-40B4-BE49-F238E27FC236}">
-                <a16:creationId xmlns:a16="http://schemas.microsoft.com/office/drawing/2014/main" id="{A6D2253C-C8E4-48F8-9EB8-3AD6F2CA01FD}"/>
-              </a:ext>
-            </a:extLst>
-          </p:cNvPr>
-          <p:cNvSpPr/>
-          <p:nvPr/>
-        </p:nvSpPr>
-        <p:spPr>
-          <a:xfrm>
-            <a:off x="8391428" y="1604594"/>
-            <a:ext cx="254584" cy="261494"/>
-          </a:xfrm>
-          <a:prstGeom prst="ellipse">
-            <a:avLst/>
-          </a:prstGeom>
-        </p:spPr>
-        <p:style>
-          <a:lnRef idx="2">
-            <a:schemeClr val="accent1">
-              <a:shade val="50000"/>
-            </a:schemeClr>
-          </a:lnRef>
-          <a:fillRef idx="1">
-            <a:schemeClr val="accent1"/>
-          </a:fillRef>
-          <a:effectRef idx="0">
-            <a:schemeClr val="accent1"/>
-          </a:effectRef>
-          <a:fontRef idx="minor">
-            <a:schemeClr val="lt1"/>
-          </a:fontRef>
-        </p:style>
-        <p:txBody>
-          <a:bodyPr rtlCol="0" anchor="ctr"/>
-          <a:lstStyle/>
-          <a:p>
-            <a:pPr algn="ctr"/>
-            <a:endParaRPr lang="en-US"/>
-          </a:p>
-        </p:txBody>
-      </p:sp>
-      <p:sp>
-        <p:nvSpPr>
-          <p:cNvPr id="9" name="Oval 8">
-            <a:extLst>
-              <a:ext uri="{FF2B5EF4-FFF2-40B4-BE49-F238E27FC236}">
-                <a16:creationId xmlns:a16="http://schemas.microsoft.com/office/drawing/2014/main" id="{FA8C2A36-0DC9-458D-81A6-97BD84574D62}"/>
-              </a:ext>
-            </a:extLst>
-          </p:cNvPr>
-          <p:cNvSpPr/>
-          <p:nvPr/>
-        </p:nvSpPr>
-        <p:spPr>
-          <a:xfrm>
-            <a:off x="6975486" y="1604594"/>
-            <a:ext cx="254584" cy="261494"/>
-          </a:xfrm>
-          <a:prstGeom prst="ellipse">
-            <a:avLst/>
-          </a:prstGeom>
-        </p:spPr>
-        <p:style>
-          <a:lnRef idx="2">
-            <a:schemeClr val="accent1">
-              <a:shade val="50000"/>
-            </a:schemeClr>
-          </a:lnRef>
-          <a:fillRef idx="1">
-            <a:schemeClr val="accent1"/>
-          </a:fillRef>
-          <a:effectRef idx="0">
-            <a:schemeClr val="accent1"/>
-          </a:effectRef>
-          <a:fontRef idx="minor">
-            <a:schemeClr val="lt1"/>
-          </a:fontRef>
-        </p:style>
-        <p:txBody>
-          <a:bodyPr rtlCol="0" anchor="ctr"/>
-          <a:lstStyle/>
-          <a:p>
-            <a:pPr algn="ctr"/>
-            <a:endParaRPr lang="en-US"/>
-          </a:p>
-        </p:txBody>
-      </p:sp>
-      <p:cxnSp>
-        <p:nvCxnSpPr>
-          <p:cNvPr id="5" name="Straight Connector 4">
-            <a:extLst>
-              <a:ext uri="{FF2B5EF4-FFF2-40B4-BE49-F238E27FC236}">
-                <a16:creationId xmlns:a16="http://schemas.microsoft.com/office/drawing/2014/main" id="{F917D338-F056-4C52-8110-502F5E0EAE3E}"/>
-              </a:ext>
-            </a:extLst>
-          </p:cNvPr>
-          <p:cNvCxnSpPr>
-            <a:cxnSpLocks/>
-          </p:cNvCxnSpPr>
-          <p:nvPr/>
-        </p:nvCxnSpPr>
-        <p:spPr>
-          <a:xfrm flipV="1">
-            <a:off x="7102778" y="1723885"/>
-            <a:ext cx="0" cy="1914100"/>
-          </a:xfrm>
-          <a:prstGeom prst="line">
-            <a:avLst/>
-          </a:prstGeom>
-          <a:ln w="38100">
-            <a:solidFill>
-              <a:schemeClr val="accent4"/>
-            </a:solidFill>
-          </a:ln>
-        </p:spPr>
-        <p:style>
-          <a:lnRef idx="1">
-            <a:schemeClr val="accent4"/>
-          </a:lnRef>
-          <a:fillRef idx="0">
-            <a:schemeClr val="accent4"/>
-          </a:fillRef>
-          <a:effectRef idx="0">
-            <a:schemeClr val="accent4"/>
-          </a:effectRef>
-          <a:fontRef idx="minor">
-            <a:schemeClr val="tx1"/>
-          </a:fontRef>
-        </p:style>
-      </p:cxnSp>
-      <p:cxnSp>
-        <p:nvCxnSpPr>
-          <p:cNvPr id="13" name="Straight Connector 12">
-            <a:extLst>
-              <a:ext uri="{FF2B5EF4-FFF2-40B4-BE49-F238E27FC236}">
-                <a16:creationId xmlns:a16="http://schemas.microsoft.com/office/drawing/2014/main" id="{4B56C0E2-96B4-4FB7-9F9E-DECE2325B588}"/>
-              </a:ext>
-            </a:extLst>
-          </p:cNvPr>
-          <p:cNvCxnSpPr>
-            <a:cxnSpLocks/>
-          </p:cNvCxnSpPr>
-          <p:nvPr/>
-        </p:nvCxnSpPr>
-        <p:spPr>
-          <a:xfrm flipH="1">
-            <a:off x="7099317" y="1735341"/>
-            <a:ext cx="1419403" cy="0"/>
-          </a:xfrm>
-          <a:prstGeom prst="line">
-            <a:avLst/>
-          </a:prstGeom>
-          <a:ln w="38100">
-            <a:solidFill>
-              <a:schemeClr val="accent4"/>
-            </a:solidFill>
-          </a:ln>
-        </p:spPr>
-        <p:style>
-          <a:lnRef idx="1">
-            <a:schemeClr val="accent4"/>
-          </a:lnRef>
-          <a:fillRef idx="0">
-            <a:schemeClr val="accent4"/>
-          </a:fillRef>
-          <a:effectRef idx="0">
-            <a:schemeClr val="accent4"/>
-          </a:effectRef>
-          <a:fontRef idx="minor">
-            <a:schemeClr val="tx1"/>
-          </a:fontRef>
-        </p:style>
-      </p:cxnSp>
-      <p:cxnSp>
-        <p:nvCxnSpPr>
-          <p:cNvPr id="16" name="Straight Connector 15">
-            <a:extLst>
-              <a:ext uri="{FF2B5EF4-FFF2-40B4-BE49-F238E27FC236}">
-                <a16:creationId xmlns:a16="http://schemas.microsoft.com/office/drawing/2014/main" id="{3125FCB4-24EE-4842-8A56-4F84474E1A5C}"/>
-              </a:ext>
-            </a:extLst>
-          </p:cNvPr>
-          <p:cNvCxnSpPr>
-            <a:cxnSpLocks/>
-          </p:cNvCxnSpPr>
-          <p:nvPr/>
-        </p:nvCxnSpPr>
-        <p:spPr>
-          <a:xfrm flipV="1">
-            <a:off x="7099317" y="1735341"/>
-            <a:ext cx="1419403" cy="1902644"/>
-          </a:xfrm>
-          <a:prstGeom prst="line">
-            <a:avLst/>
-          </a:prstGeom>
-          <a:ln w="38100">
-            <a:solidFill>
-              <a:schemeClr val="accent4"/>
-            </a:solidFill>
-          </a:ln>
-        </p:spPr>
-        <p:style>
-          <a:lnRef idx="1">
-            <a:schemeClr val="accent4"/>
-          </a:lnRef>
-          <a:fillRef idx="0">
-            <a:schemeClr val="accent4"/>
-          </a:fillRef>
-          <a:effectRef idx="0">
-            <a:schemeClr val="accent4"/>
-          </a:effectRef>
-          <a:fontRef idx="minor">
-            <a:schemeClr val="tx1"/>
-          </a:fontRef>
-        </p:style>
-      </p:cxnSp>
-      <p:sp>
-        <p:nvSpPr>
-          <p:cNvPr id="15" name="TextBox 14">
-            <a:extLst>
-              <a:ext uri="{FF2B5EF4-FFF2-40B4-BE49-F238E27FC236}">
-                <a16:creationId xmlns:a16="http://schemas.microsoft.com/office/drawing/2014/main" id="{BDAD8E3D-4651-48FC-A4EA-645175596ECB}"/>
-              </a:ext>
-            </a:extLst>
-          </p:cNvPr>
-          <p:cNvSpPr txBox="1"/>
-          <p:nvPr/>
-        </p:nvSpPr>
-        <p:spPr>
-          <a:xfrm>
-            <a:off x="7039134" y="2490929"/>
-            <a:ext cx="254581" cy="369332"/>
+            <a:off x="4123268" y="1792644"/>
+            <a:ext cx="6920824" cy="1200329"/>
           </a:xfrm>
           <a:prstGeom prst="rect">
             <a:avLst/>
@@ -6017,18 +7476,36 @@
           <a:lstStyle/>
           <a:p>
             <a:r>
-              <a:rPr lang="en-US" dirty="0"/>
-              <a:t>A</a:t>
-            </a:r>
-          </a:p>
-        </p:txBody>
-      </p:sp>
-      <p:sp>
-        <p:nvSpPr>
-          <p:cNvPr id="20" name="TextBox 19">
-            <a:extLst>
-              <a:ext uri="{FF2B5EF4-FFF2-40B4-BE49-F238E27FC236}">
-                <a16:creationId xmlns:a16="http://schemas.microsoft.com/office/drawing/2014/main" id="{B0D3921B-8AA7-4007-B58A-92A47E74D123}"/>
+              <a:rPr lang="en-US" sz="2400" dirty="0">
+                <a:latin typeface="Consolas" panose="020B0609020204030204" pitchFamily="49" charset="0"/>
+              </a:rPr>
+              <a:t>x = [] # empty list</a:t>
+            </a:r>
+          </a:p>
+          <a:p>
+            <a:r>
+              <a:rPr lang="en-US" sz="2400" dirty="0">
+                <a:latin typeface="Consolas" panose="020B0609020204030204" pitchFamily="49" charset="0"/>
+              </a:rPr>
+              <a:t>y = [ "potato" , 78 , "hut" , "hike" ]</a:t>
+            </a:r>
+          </a:p>
+          <a:p>
+            <a:r>
+              <a:rPr lang="en-US" sz="2400" dirty="0">
+                <a:latin typeface="Consolas" panose="020B0609020204030204" pitchFamily="49" charset="0"/>
+              </a:rPr>
+              <a:t>z = [ [ 1 , 2 ] , ["apple" , "orange"] ]</a:t>
+            </a:r>
+          </a:p>
+        </p:txBody>
+      </p:sp>
+      <p:sp>
+        <p:nvSpPr>
+          <p:cNvPr id="26" name="TextBox 25">
+            <a:extLst>
+              <a:ext uri="{FF2B5EF4-FFF2-40B4-BE49-F238E27FC236}">
+                <a16:creationId xmlns:a16="http://schemas.microsoft.com/office/drawing/2014/main" id="{F2857D57-CD05-465C-8657-549CC20C74D1}"/>
               </a:ext>
             </a:extLst>
           </p:cNvPr>
@@ -6037,8 +7514,8 @@
         </p:nvSpPr>
         <p:spPr>
           <a:xfrm>
-            <a:off x="7647796" y="1705031"/>
-            <a:ext cx="254581" cy="369332"/>
+            <a:off x="4980608" y="3429000"/>
+            <a:ext cx="6063483" cy="1569660"/>
           </a:xfrm>
           <a:prstGeom prst="rect">
             <a:avLst/>
@@ -6052,244 +7529,38 @@
           <a:lstStyle/>
           <a:p>
             <a:r>
-              <a:rPr lang="en-US" dirty="0"/>
-              <a:t>B</a:t>
-            </a:r>
-          </a:p>
-        </p:txBody>
-      </p:sp>
-      <p:sp>
-        <p:nvSpPr>
-          <p:cNvPr id="21" name="TextBox 20">
-            <a:extLst>
-              <a:ext uri="{FF2B5EF4-FFF2-40B4-BE49-F238E27FC236}">
-                <a16:creationId xmlns:a16="http://schemas.microsoft.com/office/drawing/2014/main" id="{5E6BECC8-7F31-4CE7-B59F-0F881D3BB32D}"/>
-              </a:ext>
-            </a:extLst>
-          </p:cNvPr>
-          <p:cNvSpPr txBox="1"/>
-          <p:nvPr/>
-        </p:nvSpPr>
-        <p:spPr>
-          <a:xfrm>
-            <a:off x="7902377" y="2501997"/>
-            <a:ext cx="254581" cy="369332"/>
-          </a:xfrm>
-          <a:prstGeom prst="rect">
-            <a:avLst/>
-          </a:prstGeom>
-          <a:noFill/>
-        </p:spPr>
-        <p:txBody>
-          <a:bodyPr wrap="square" rtlCol="0">
-            <a:spAutoFit/>
-          </a:bodyPr>
-          <a:lstStyle/>
-          <a:p>
-            <a:r>
-              <a:rPr lang="en-US" dirty="0"/>
-              <a:t>C</a:t>
-            </a:r>
-          </a:p>
-        </p:txBody>
-      </p:sp>
-      <p:sp>
-        <p:nvSpPr>
-          <p:cNvPr id="22" name="TextBox 21">
-            <a:extLst>
-              <a:ext uri="{FF2B5EF4-FFF2-40B4-BE49-F238E27FC236}">
-                <a16:creationId xmlns:a16="http://schemas.microsoft.com/office/drawing/2014/main" id="{4C58F368-E871-4FFE-B4DE-B8CB0944FB6B}"/>
-              </a:ext>
-            </a:extLst>
-          </p:cNvPr>
-          <p:cNvSpPr txBox="1"/>
-          <p:nvPr/>
-        </p:nvSpPr>
-        <p:spPr>
-          <a:xfrm>
-            <a:off x="10255245" y="1354553"/>
-            <a:ext cx="1264309" cy="369332"/>
-          </a:xfrm>
-          <a:prstGeom prst="rect">
-            <a:avLst/>
-          </a:prstGeom>
-          <a:noFill/>
-        </p:spPr>
-        <p:txBody>
-          <a:bodyPr wrap="square" rtlCol="0">
-            <a:spAutoFit/>
-          </a:bodyPr>
-          <a:lstStyle/>
-          <a:p>
-            <a:r>
-              <a:rPr lang="en-US" dirty="0"/>
-              <a:t>4</a:t>
-            </a:r>
-            <a:r>
-              <a:rPr lang="en-US" baseline="30000" dirty="0"/>
-              <a:t>2</a:t>
-            </a:r>
-            <a:r>
-              <a:rPr lang="en-US" dirty="0"/>
-              <a:t> + 3</a:t>
-            </a:r>
-            <a:r>
-              <a:rPr lang="en-US" baseline="30000" dirty="0"/>
-              <a:t>2</a:t>
-            </a:r>
-            <a:r>
-              <a:rPr lang="en-US" dirty="0"/>
-              <a:t> = C</a:t>
-            </a:r>
-            <a:r>
-              <a:rPr lang="en-US" baseline="30000" dirty="0"/>
-              <a:t>2</a:t>
-            </a:r>
-          </a:p>
-        </p:txBody>
-      </p:sp>
-      <p:sp>
-        <p:nvSpPr>
-          <p:cNvPr id="23" name="TextBox 22">
-            <a:extLst>
-              <a:ext uri="{FF2B5EF4-FFF2-40B4-BE49-F238E27FC236}">
-                <a16:creationId xmlns:a16="http://schemas.microsoft.com/office/drawing/2014/main" id="{B8966017-57EE-4166-BBF8-860D9B33152A}"/>
-              </a:ext>
-            </a:extLst>
-          </p:cNvPr>
-          <p:cNvSpPr txBox="1"/>
-          <p:nvPr/>
-        </p:nvSpPr>
-        <p:spPr>
-          <a:xfrm>
-            <a:off x="10247371" y="1652837"/>
-            <a:ext cx="1264309" cy="369332"/>
-          </a:xfrm>
-          <a:prstGeom prst="rect">
-            <a:avLst/>
-          </a:prstGeom>
-          <a:noFill/>
-        </p:spPr>
-        <p:txBody>
-          <a:bodyPr wrap="square" rtlCol="0">
-            <a:spAutoFit/>
-          </a:bodyPr>
-          <a:lstStyle/>
-          <a:p>
-            <a:r>
-              <a:rPr lang="en-US" dirty="0"/>
-              <a:t>16 + 9 = 25</a:t>
-            </a:r>
-            <a:endParaRPr lang="en-US" baseline="30000" dirty="0"/>
-          </a:p>
-        </p:txBody>
-      </p:sp>
-      <p:sp>
-        <p:nvSpPr>
-          <p:cNvPr id="24" name="TextBox 23">
-            <a:extLst>
-              <a:ext uri="{FF2B5EF4-FFF2-40B4-BE49-F238E27FC236}">
-                <a16:creationId xmlns:a16="http://schemas.microsoft.com/office/drawing/2014/main" id="{7313C1E4-C6EA-4B5B-86CA-B750BCBCCB9C}"/>
-              </a:ext>
-            </a:extLst>
-          </p:cNvPr>
-          <p:cNvSpPr txBox="1"/>
-          <p:nvPr/>
-        </p:nvSpPr>
-        <p:spPr>
-          <a:xfrm>
-            <a:off x="10247371" y="1049491"/>
-            <a:ext cx="1264309" cy="369332"/>
-          </a:xfrm>
-          <a:prstGeom prst="rect">
-            <a:avLst/>
-          </a:prstGeom>
-          <a:noFill/>
-        </p:spPr>
-        <p:txBody>
-          <a:bodyPr wrap="square" rtlCol="0">
-            <a:spAutoFit/>
-          </a:bodyPr>
-          <a:lstStyle/>
-          <a:p>
-            <a:r>
-              <a:rPr lang="en-US" dirty="0"/>
-              <a:t>A</a:t>
-            </a:r>
-            <a:r>
-              <a:rPr lang="en-US" baseline="30000" dirty="0"/>
-              <a:t>2</a:t>
-            </a:r>
-            <a:r>
-              <a:rPr lang="en-US" dirty="0"/>
-              <a:t> + B</a:t>
-            </a:r>
-            <a:r>
-              <a:rPr lang="en-US" baseline="30000" dirty="0"/>
-              <a:t>2</a:t>
-            </a:r>
-            <a:r>
-              <a:rPr lang="en-US" dirty="0"/>
-              <a:t> = C</a:t>
-            </a:r>
-            <a:r>
-              <a:rPr lang="en-US" baseline="30000" dirty="0"/>
-              <a:t>2</a:t>
-            </a:r>
-          </a:p>
-        </p:txBody>
-      </p:sp>
-      <p:sp>
-        <p:nvSpPr>
-          <p:cNvPr id="25" name="TextBox 24">
-            <a:extLst>
-              <a:ext uri="{FF2B5EF4-FFF2-40B4-BE49-F238E27FC236}">
-                <a16:creationId xmlns:a16="http://schemas.microsoft.com/office/drawing/2014/main" id="{4BB63BE7-7E57-43E9-AF0A-997DD0DFB333}"/>
-              </a:ext>
-            </a:extLst>
-          </p:cNvPr>
-          <p:cNvSpPr txBox="1"/>
-          <p:nvPr/>
-        </p:nvSpPr>
-        <p:spPr>
-          <a:xfrm>
-            <a:off x="10255245" y="2127552"/>
-            <a:ext cx="1264309" cy="369332"/>
-          </a:xfrm>
-          <a:prstGeom prst="rect">
-            <a:avLst/>
-          </a:prstGeom>
-          <a:noFill/>
-        </p:spPr>
-        <p:txBody>
-          <a:bodyPr wrap="square" rtlCol="0">
-            <a:spAutoFit/>
-          </a:bodyPr>
-          <a:lstStyle/>
-          <a:p>
-            <a:r>
-              <a:rPr lang="en-US" dirty="0"/>
-              <a:t>4</a:t>
-            </a:r>
-            <a:r>
-              <a:rPr lang="en-US" baseline="30000" dirty="0"/>
-              <a:t>2</a:t>
-            </a:r>
-            <a:r>
-              <a:rPr lang="en-US" dirty="0"/>
-              <a:t> + 3</a:t>
-            </a:r>
-            <a:r>
-              <a:rPr lang="en-US" baseline="30000" dirty="0"/>
-              <a:t>2</a:t>
-            </a:r>
-            <a:r>
-              <a:rPr lang="en-US" dirty="0"/>
-              <a:t> = 5</a:t>
-            </a:r>
-            <a:r>
-              <a:rPr lang="en-US" baseline="30000" dirty="0"/>
-              <a:t>2</a:t>
+              <a:rPr lang="en-US" sz="3200" b="1" dirty="0"/>
+              <a:t>Lists start counting at </a:t>
+            </a:r>
+            <a:r>
+              <a:rPr lang="en-US" sz="3200" b="1" dirty="0">
+                <a:latin typeface="Consolas" panose="020B0609020204030204" pitchFamily="49" charset="0"/>
+              </a:rPr>
+              <a:t>0</a:t>
+            </a:r>
+          </a:p>
+          <a:p>
+            <a:r>
+              <a:rPr lang="en-US" sz="3200" b="1" dirty="0">
+                <a:latin typeface="Consolas" panose="020B0609020204030204" pitchFamily="49" charset="0"/>
+              </a:rPr>
+              <a:t>y[0]</a:t>
+            </a:r>
+            <a:r>
+              <a:rPr lang="en-US" sz="3200" b="1" dirty="0"/>
+              <a:t>’s value is “potato”</a:t>
+            </a:r>
+          </a:p>
+          <a:p>
+            <a:r>
+              <a:rPr lang="en-US" sz="3200" b="1" dirty="0">
+                <a:latin typeface="Consolas" panose="020B0609020204030204" pitchFamily="49" charset="0"/>
+              </a:rPr>
+              <a:t>z[1][0]</a:t>
+            </a:r>
+            <a:r>
+              <a:rPr lang="en-US" sz="3200" b="1" dirty="0"/>
+              <a:t>’s value is “apple”</a:t>
             </a:r>
           </a:p>
         </p:txBody>
@@ -6297,7 +7568,7 @@
     </p:spTree>
     <p:extLst>
       <p:ext uri="{BB962C8B-B14F-4D97-AF65-F5344CB8AC3E}">
-        <p14:creationId xmlns:p14="http://schemas.microsoft.com/office/powerpoint/2010/main" val="2721520107"/>
+        <p14:creationId xmlns:p14="http://schemas.microsoft.com/office/powerpoint/2010/main" val="2460618967"/>
       </p:ext>
     </p:extLst>
   </p:cSld>

--- a/Python Day - Intermediate.pptx
+++ b/Python Day - Intermediate.pptx
@@ -10,12 +10,17 @@
     <p:sldId id="257" r:id="rId4"/>
     <p:sldId id="261" r:id="rId5"/>
     <p:sldId id="267" r:id="rId6"/>
-    <p:sldId id="266" r:id="rId7"/>
-    <p:sldId id="262" r:id="rId8"/>
-    <p:sldId id="263" r:id="rId9"/>
-    <p:sldId id="265" r:id="rId10"/>
-    <p:sldId id="268" r:id="rId11"/>
-    <p:sldId id="264" r:id="rId12"/>
+    <p:sldId id="262" r:id="rId7"/>
+    <p:sldId id="263" r:id="rId8"/>
+    <p:sldId id="265" r:id="rId9"/>
+    <p:sldId id="268" r:id="rId10"/>
+    <p:sldId id="264" r:id="rId11"/>
+    <p:sldId id="270" r:id="rId12"/>
+    <p:sldId id="271" r:id="rId13"/>
+    <p:sldId id="272" r:id="rId14"/>
+    <p:sldId id="273" r:id="rId15"/>
+    <p:sldId id="274" r:id="rId16"/>
+    <p:sldId id="269" r:id="rId17"/>
   </p:sldIdLst>
   <p:sldSz cx="12192000" cy="6858000"/>
   <p:notesSz cx="6858000" cy="9144000"/>
@@ -125,7 +130,7 @@
 <file path=ppt/revisionInfo.xml><?xml version="1.0" encoding="utf-8"?>
 <p1510:revInfo xmlns:a="http://schemas.openxmlformats.org/drawingml/2006/main" xmlns:r="http://schemas.openxmlformats.org/officeDocument/2006/relationships" xmlns:p1510="http://schemas.microsoft.com/office/powerpoint/2015/10/main">
   <p1510:revLst>
-    <p1510:client id="{56D521A3-7A98-41EE-B121-D8FC18FE9D74}" v="79" dt="2019-11-02T04:22:23.424"/>
+    <p1510:client id="{56D521A3-7A98-41EE-B121-D8FC18FE9D74}" v="103" dt="2019-11-02T06:01:21.273"/>
   </p1510:revLst>
 </p1510:revInfo>
 </file>
@@ -135,7 +140,7 @@
   <pc:docChgLst>
     <pc:chgData name="Greg Bulmash" userId="90973910de46daed" providerId="LiveId" clId="{56D521A3-7A98-41EE-B121-D8FC18FE9D74}"/>
     <pc:docChg chg="undo custSel mod addSld delSld modSld sldOrd">
-      <pc:chgData name="Greg Bulmash" userId="90973910de46daed" providerId="LiveId" clId="{56D521A3-7A98-41EE-B121-D8FC18FE9D74}" dt="2019-11-02T04:23:21.746" v="1223" actId="403"/>
+      <pc:chgData name="Greg Bulmash" userId="90973910de46daed" providerId="LiveId" clId="{56D521A3-7A98-41EE-B121-D8FC18FE9D74}" dt="2019-11-02T06:01:31.507" v="1709" actId="478"/>
       <pc:docMkLst>
         <pc:docMk/>
       </pc:docMkLst>
@@ -451,102 +456,150 @@
           </ac:picMkLst>
         </pc:picChg>
       </pc:sldChg>
-      <pc:sldChg chg="addSp modSp add">
-        <pc:chgData name="Greg Bulmash" userId="90973910de46daed" providerId="LiveId" clId="{56D521A3-7A98-41EE-B121-D8FC18FE9D74}" dt="2019-11-02T03:30:36.447" v="505" actId="14100"/>
+      <pc:sldChg chg="addSp delSp modSp add">
+        <pc:chgData name="Greg Bulmash" userId="90973910de46daed" providerId="LiveId" clId="{56D521A3-7A98-41EE-B121-D8FC18FE9D74}" dt="2019-11-02T05:07:24.474" v="1509" actId="113"/>
         <pc:sldMkLst>
           <pc:docMk/>
           <pc:sldMk cId="2721520107" sldId="264"/>
         </pc:sldMkLst>
         <pc:spChg chg="mod">
-          <ac:chgData name="Greg Bulmash" userId="90973910de46daed" providerId="LiveId" clId="{56D521A3-7A98-41EE-B121-D8FC18FE9D74}" dt="2019-11-02T03:18:50.765" v="376" actId="20577"/>
+          <ac:chgData name="Greg Bulmash" userId="90973910de46daed" providerId="LiveId" clId="{56D521A3-7A98-41EE-B121-D8FC18FE9D74}" dt="2019-11-02T04:44:00.479" v="1332" actId="20577"/>
           <ac:spMkLst>
             <pc:docMk/>
             <pc:sldMk cId="2721520107" sldId="264"/>
             <ac:spMk id="2" creationId="{58A59161-4808-4BDE-8680-799A7736103D}"/>
           </ac:spMkLst>
         </pc:spChg>
+        <pc:spChg chg="del">
+          <ac:chgData name="Greg Bulmash" userId="90973910de46daed" providerId="LiveId" clId="{56D521A3-7A98-41EE-B121-D8FC18FE9D74}" dt="2019-11-02T04:44:08.149" v="1334" actId="478"/>
+          <ac:spMkLst>
+            <pc:docMk/>
+            <pc:sldMk cId="2721520107" sldId="264"/>
+            <ac:spMk id="3" creationId="{9937C99E-86A8-4310-91A2-10B321AAA6FD}"/>
+          </ac:spMkLst>
+        </pc:spChg>
         <pc:spChg chg="add mod">
-          <ac:chgData name="Greg Bulmash" userId="90973910de46daed" providerId="LiveId" clId="{56D521A3-7A98-41EE-B121-D8FC18FE9D74}" dt="2019-11-02T03:19:07.930" v="378" actId="1076"/>
+          <ac:chgData name="Greg Bulmash" userId="90973910de46daed" providerId="LiveId" clId="{56D521A3-7A98-41EE-B121-D8FC18FE9D74}" dt="2019-11-02T05:07:24.474" v="1509" actId="113"/>
+          <ac:spMkLst>
+            <pc:docMk/>
+            <pc:sldMk cId="2721520107" sldId="264"/>
+            <ac:spMk id="7" creationId="{CE3CFA69-2FE3-4DB0-BDA1-81F782AABDF8}"/>
+          </ac:spMkLst>
+        </pc:spChg>
+        <pc:spChg chg="del">
+          <ac:chgData name="Greg Bulmash" userId="90973910de46daed" providerId="LiveId" clId="{56D521A3-7A98-41EE-B121-D8FC18FE9D74}" dt="2019-11-02T04:44:08.149" v="1334" actId="478"/>
+          <ac:spMkLst>
+            <pc:docMk/>
+            <pc:sldMk cId="2721520107" sldId="264"/>
+            <ac:spMk id="8" creationId="{A6D2253C-C8E4-48F8-9EB8-3AD6F2CA01FD}"/>
+          </ac:spMkLst>
+        </pc:spChg>
+        <pc:spChg chg="add del mod">
+          <ac:chgData name="Greg Bulmash" userId="90973910de46daed" providerId="LiveId" clId="{56D521A3-7A98-41EE-B121-D8FC18FE9D74}" dt="2019-11-02T04:44:08.149" v="1334" actId="478"/>
           <ac:spMkLst>
             <pc:docMk/>
             <pc:sldMk cId="2721520107" sldId="264"/>
             <ac:spMk id="9" creationId="{FA8C2A36-0DC9-458D-81A6-97BD84574D62}"/>
           </ac:spMkLst>
         </pc:spChg>
-        <pc:spChg chg="add mod">
-          <ac:chgData name="Greg Bulmash" userId="90973910de46daed" providerId="LiveId" clId="{56D521A3-7A98-41EE-B121-D8FC18FE9D74}" dt="2019-11-02T03:24:51.741" v="450" actId="20577"/>
+        <pc:spChg chg="add del mod">
+          <ac:chgData name="Greg Bulmash" userId="90973910de46daed" providerId="LiveId" clId="{56D521A3-7A98-41EE-B121-D8FC18FE9D74}" dt="2019-11-02T04:44:08.149" v="1334" actId="478"/>
           <ac:spMkLst>
             <pc:docMk/>
             <pc:sldMk cId="2721520107" sldId="264"/>
             <ac:spMk id="15" creationId="{BDAD8E3D-4651-48FC-A4EA-645175596ECB}"/>
           </ac:spMkLst>
         </pc:spChg>
-        <pc:spChg chg="add mod">
-          <ac:chgData name="Greg Bulmash" userId="90973910de46daed" providerId="LiveId" clId="{56D521A3-7A98-41EE-B121-D8FC18FE9D74}" dt="2019-11-02T03:24:55.511" v="452" actId="20577"/>
+        <pc:spChg chg="add del mod">
+          <ac:chgData name="Greg Bulmash" userId="90973910de46daed" providerId="LiveId" clId="{56D521A3-7A98-41EE-B121-D8FC18FE9D74}" dt="2019-11-02T04:44:08.149" v="1334" actId="478"/>
           <ac:spMkLst>
             <pc:docMk/>
             <pc:sldMk cId="2721520107" sldId="264"/>
             <ac:spMk id="20" creationId="{B0D3921B-8AA7-4007-B58A-92A47E74D123}"/>
           </ac:spMkLst>
         </pc:spChg>
-        <pc:spChg chg="add mod">
-          <ac:chgData name="Greg Bulmash" userId="90973910de46daed" providerId="LiveId" clId="{56D521A3-7A98-41EE-B121-D8FC18FE9D74}" dt="2019-11-02T03:24:58.789" v="454" actId="20577"/>
+        <pc:spChg chg="add del mod">
+          <ac:chgData name="Greg Bulmash" userId="90973910de46daed" providerId="LiveId" clId="{56D521A3-7A98-41EE-B121-D8FC18FE9D74}" dt="2019-11-02T04:44:08.149" v="1334" actId="478"/>
           <ac:spMkLst>
             <pc:docMk/>
             <pc:sldMk cId="2721520107" sldId="264"/>
             <ac:spMk id="21" creationId="{5E6BECC8-7F31-4CE7-B59F-0F881D3BB32D}"/>
           </ac:spMkLst>
         </pc:spChg>
-        <pc:spChg chg="add mod">
-          <ac:chgData name="Greg Bulmash" userId="90973910de46daed" providerId="LiveId" clId="{56D521A3-7A98-41EE-B121-D8FC18FE9D74}" dt="2019-11-02T03:26:24.297" v="471" actId="1036"/>
+        <pc:spChg chg="add del mod">
+          <ac:chgData name="Greg Bulmash" userId="90973910de46daed" providerId="LiveId" clId="{56D521A3-7A98-41EE-B121-D8FC18FE9D74}" dt="2019-11-02T04:44:08.149" v="1334" actId="478"/>
           <ac:spMkLst>
             <pc:docMk/>
             <pc:sldMk cId="2721520107" sldId="264"/>
             <ac:spMk id="22" creationId="{4C58F368-E871-4FFE-B4DE-B8CB0944FB6B}"/>
           </ac:spMkLst>
         </pc:spChg>
-        <pc:spChg chg="add mod">
-          <ac:chgData name="Greg Bulmash" userId="90973910de46daed" providerId="LiveId" clId="{56D521A3-7A98-41EE-B121-D8FC18FE9D74}" dt="2019-11-02T03:24:25.743" v="448" actId="20577"/>
+        <pc:spChg chg="add del mod">
+          <ac:chgData name="Greg Bulmash" userId="90973910de46daed" providerId="LiveId" clId="{56D521A3-7A98-41EE-B121-D8FC18FE9D74}" dt="2019-11-02T04:44:08.149" v="1334" actId="478"/>
           <ac:spMkLst>
             <pc:docMk/>
             <pc:sldMk cId="2721520107" sldId="264"/>
             <ac:spMk id="23" creationId="{B8966017-57EE-4166-BBF8-860D9B33152A}"/>
           </ac:spMkLst>
         </pc:spChg>
-        <pc:spChg chg="add mod">
-          <ac:chgData name="Greg Bulmash" userId="90973910de46daed" providerId="LiveId" clId="{56D521A3-7A98-41EE-B121-D8FC18FE9D74}" dt="2019-11-02T03:25:57.318" v="467" actId="20577"/>
+        <pc:spChg chg="add del mod">
+          <ac:chgData name="Greg Bulmash" userId="90973910de46daed" providerId="LiveId" clId="{56D521A3-7A98-41EE-B121-D8FC18FE9D74}" dt="2019-11-02T04:44:08.149" v="1334" actId="478"/>
           <ac:spMkLst>
             <pc:docMk/>
             <pc:sldMk cId="2721520107" sldId="264"/>
             <ac:spMk id="24" creationId="{7313C1E4-C6EA-4B5B-86CA-B750BCBCCB9C}"/>
           </ac:spMkLst>
         </pc:spChg>
-        <pc:spChg chg="add mod">
-          <ac:chgData name="Greg Bulmash" userId="90973910de46daed" providerId="LiveId" clId="{56D521A3-7A98-41EE-B121-D8FC18FE9D74}" dt="2019-11-02T03:26:36.667" v="500" actId="20577"/>
+        <pc:spChg chg="add del mod">
+          <ac:chgData name="Greg Bulmash" userId="90973910de46daed" providerId="LiveId" clId="{56D521A3-7A98-41EE-B121-D8FC18FE9D74}" dt="2019-11-02T04:44:08.149" v="1334" actId="478"/>
           <ac:spMkLst>
             <pc:docMk/>
             <pc:sldMk cId="2721520107" sldId="264"/>
             <ac:spMk id="25" creationId="{4BB63BE7-7E57-43E9-AF0A-997DD0DFB333}"/>
           </ac:spMkLst>
         </pc:spChg>
-        <pc:cxnChg chg="add mod">
-          <ac:chgData name="Greg Bulmash" userId="90973910de46daed" providerId="LiveId" clId="{56D521A3-7A98-41EE-B121-D8FC18FE9D74}" dt="2019-11-02T03:30:21.808" v="501" actId="14100"/>
+        <pc:picChg chg="add mod">
+          <ac:chgData name="Greg Bulmash" userId="90973910de46daed" providerId="LiveId" clId="{56D521A3-7A98-41EE-B121-D8FC18FE9D74}" dt="2019-11-02T04:50:19.455" v="1374" actId="14100"/>
+          <ac:picMkLst>
+            <pc:docMk/>
+            <pc:sldMk cId="2721520107" sldId="264"/>
+            <ac:picMk id="6" creationId="{89A33F9B-A464-4CE6-B157-5092CF5B4EDA}"/>
+          </ac:picMkLst>
+        </pc:picChg>
+        <pc:picChg chg="add mod">
+          <ac:chgData name="Greg Bulmash" userId="90973910de46daed" providerId="LiveId" clId="{56D521A3-7A98-41EE-B121-D8FC18FE9D74}" dt="2019-11-02T04:44:36.024" v="1341" actId="571"/>
+          <ac:picMkLst>
+            <pc:docMk/>
+            <pc:sldMk cId="2721520107" sldId="264"/>
+            <ac:picMk id="26" creationId="{12DD211C-C935-4199-B872-2AC4A3B7C31D}"/>
+          </ac:picMkLst>
+        </pc:picChg>
+        <pc:picChg chg="del">
+          <ac:chgData name="Greg Bulmash" userId="90973910de46daed" providerId="LiveId" clId="{56D521A3-7A98-41EE-B121-D8FC18FE9D74}" dt="2019-11-02T04:44:03.960" v="1333" actId="478"/>
+          <ac:picMkLst>
+            <pc:docMk/>
+            <pc:sldMk cId="2721520107" sldId="264"/>
+            <ac:picMk id="3074" creationId="{2F9B6315-41A0-4DC4-81D6-18000287657D}"/>
+          </ac:picMkLst>
+        </pc:picChg>
+        <pc:cxnChg chg="add del mod">
+          <ac:chgData name="Greg Bulmash" userId="90973910de46daed" providerId="LiveId" clId="{56D521A3-7A98-41EE-B121-D8FC18FE9D74}" dt="2019-11-02T04:44:08.149" v="1334" actId="478"/>
           <ac:cxnSpMkLst>
             <pc:docMk/>
             <pc:sldMk cId="2721520107" sldId="264"/>
             <ac:cxnSpMk id="5" creationId="{F917D338-F056-4C52-8110-502F5E0EAE3E}"/>
           </ac:cxnSpMkLst>
         </pc:cxnChg>
-        <pc:cxnChg chg="add mod">
-          <ac:chgData name="Greg Bulmash" userId="90973910de46daed" providerId="LiveId" clId="{56D521A3-7A98-41EE-B121-D8FC18FE9D74}" dt="2019-11-02T03:30:36.447" v="505" actId="14100"/>
+        <pc:cxnChg chg="add del mod">
+          <ac:chgData name="Greg Bulmash" userId="90973910de46daed" providerId="LiveId" clId="{56D521A3-7A98-41EE-B121-D8FC18FE9D74}" dt="2019-11-02T04:44:08.149" v="1334" actId="478"/>
           <ac:cxnSpMkLst>
             <pc:docMk/>
             <pc:sldMk cId="2721520107" sldId="264"/>
             <ac:cxnSpMk id="13" creationId="{4B56C0E2-96B4-4FB7-9F9E-DECE2325B588}"/>
           </ac:cxnSpMkLst>
         </pc:cxnChg>
-        <pc:cxnChg chg="add mod">
-          <ac:chgData name="Greg Bulmash" userId="90973910de46daed" providerId="LiveId" clId="{56D521A3-7A98-41EE-B121-D8FC18FE9D74}" dt="2019-11-02T03:21:32.089" v="407" actId="14100"/>
+        <pc:cxnChg chg="add del mod">
+          <ac:chgData name="Greg Bulmash" userId="90973910de46daed" providerId="LiveId" clId="{56D521A3-7A98-41EE-B121-D8FC18FE9D74}" dt="2019-11-02T04:44:08.149" v="1334" actId="478"/>
           <ac:cxnSpMkLst>
             <pc:docMk/>
             <pc:sldMk cId="2721520107" sldId="264"/>
@@ -554,8 +607,8 @@
           </ac:cxnSpMkLst>
         </pc:cxnChg>
       </pc:sldChg>
-      <pc:sldChg chg="addSp delSp modSp add ord">
-        <pc:chgData name="Greg Bulmash" userId="90973910de46daed" providerId="LiveId" clId="{56D521A3-7A98-41EE-B121-D8FC18FE9D74}" dt="2019-11-02T04:18:56.919" v="1146"/>
+      <pc:sldChg chg="addSp delSp modSp add del ord">
+        <pc:chgData name="Greg Bulmash" userId="90973910de46daed" providerId="LiveId" clId="{56D521A3-7A98-41EE-B121-D8FC18FE9D74}" dt="2019-11-02T04:43:26.449" v="1309" actId="47"/>
         <pc:sldMkLst>
           <pc:docMk/>
           <pc:sldMk cId="2460618967" sldId="265"/>
@@ -705,8 +758,8 @@
           </ac:cxnSpMkLst>
         </pc:cxnChg>
       </pc:sldChg>
-      <pc:sldChg chg="add">
-        <pc:chgData name="Greg Bulmash" userId="90973910de46daed" providerId="LiveId" clId="{56D521A3-7A98-41EE-B121-D8FC18FE9D74}" dt="2019-11-02T04:12:14.101" v="1084"/>
+      <pc:sldChg chg="add del">
+        <pc:chgData name="Greg Bulmash" userId="90973910de46daed" providerId="LiveId" clId="{56D521A3-7A98-41EE-B121-D8FC18FE9D74}" dt="2019-11-02T04:43:30.954" v="1310" actId="2696"/>
         <pc:sldMkLst>
           <pc:docMk/>
           <pc:sldMk cId="961781350" sldId="266"/>
@@ -783,7 +836,7 @@
         </pc:spChg>
       </pc:sldChg>
       <pc:sldChg chg="addSp delSp modSp add">
-        <pc:chgData name="Greg Bulmash" userId="90973910de46daed" providerId="LiveId" clId="{56D521A3-7A98-41EE-B121-D8FC18FE9D74}" dt="2019-11-02T04:23:21.746" v="1223" actId="403"/>
+        <pc:chgData name="Greg Bulmash" userId="90973910de46daed" providerId="LiveId" clId="{56D521A3-7A98-41EE-B121-D8FC18FE9D74}" dt="2019-11-02T05:05:35.748" v="1434" actId="113"/>
         <pc:sldMkLst>
           <pc:docMk/>
           <pc:sldMk cId="2248988288" sldId="268"/>
@@ -805,13 +858,206 @@
           </ac:spMkLst>
         </pc:spChg>
         <pc:spChg chg="add mod">
-          <ac:chgData name="Greg Bulmash" userId="90973910de46daed" providerId="LiveId" clId="{56D521A3-7A98-41EE-B121-D8FC18FE9D74}" dt="2019-11-02T04:23:21.746" v="1223" actId="403"/>
+          <ac:chgData name="Greg Bulmash" userId="90973910de46daed" providerId="LiveId" clId="{56D521A3-7A98-41EE-B121-D8FC18FE9D74}" dt="2019-11-02T05:05:35.748" v="1434" actId="113"/>
           <ac:spMkLst>
             <pc:docMk/>
             <pc:sldMk cId="2248988288" sldId="268"/>
             <ac:spMk id="4" creationId="{ACE0A587-4FFE-4C34-B968-CF5DF37FE127}"/>
           </ac:spMkLst>
         </pc:spChg>
+      </pc:sldChg>
+      <pc:sldChg chg="add">
+        <pc:chgData name="Greg Bulmash" userId="90973910de46daed" providerId="LiveId" clId="{56D521A3-7A98-41EE-B121-D8FC18FE9D74}" dt="2019-11-02T04:43:47.032" v="1311"/>
+        <pc:sldMkLst>
+          <pc:docMk/>
+          <pc:sldMk cId="2008573994" sldId="269"/>
+        </pc:sldMkLst>
+      </pc:sldChg>
+      <pc:sldChg chg="addSp delSp modSp add">
+        <pc:chgData name="Greg Bulmash" userId="90973910de46daed" providerId="LiveId" clId="{56D521A3-7A98-41EE-B121-D8FC18FE9D74}" dt="2019-11-02T05:05:23.443" v="1433" actId="255"/>
+        <pc:sldMkLst>
+          <pc:docMk/>
+          <pc:sldMk cId="1562568191" sldId="270"/>
+        </pc:sldMkLst>
+        <pc:spChg chg="del">
+          <ac:chgData name="Greg Bulmash" userId="90973910de46daed" providerId="LiveId" clId="{56D521A3-7A98-41EE-B121-D8FC18FE9D74}" dt="2019-11-02T04:51:27.515" v="1376" actId="478"/>
+          <ac:spMkLst>
+            <pc:docMk/>
+            <pc:sldMk cId="1562568191" sldId="270"/>
+            <ac:spMk id="2" creationId="{07173A9B-F793-493C-9BFB-917DFA2704B2}"/>
+          </ac:spMkLst>
+        </pc:spChg>
+        <pc:spChg chg="del">
+          <ac:chgData name="Greg Bulmash" userId="90973910de46daed" providerId="LiveId" clId="{56D521A3-7A98-41EE-B121-D8FC18FE9D74}" dt="2019-11-02T04:51:27.515" v="1376" actId="478"/>
+          <ac:spMkLst>
+            <pc:docMk/>
+            <pc:sldMk cId="1562568191" sldId="270"/>
+            <ac:spMk id="3" creationId="{1EE85686-7CED-4BA7-B5FD-53F103CD0E68}"/>
+          </ac:spMkLst>
+        </pc:spChg>
+        <pc:spChg chg="add mod">
+          <ac:chgData name="Greg Bulmash" userId="90973910de46daed" providerId="LiveId" clId="{56D521A3-7A98-41EE-B121-D8FC18FE9D74}" dt="2019-11-02T05:05:23.443" v="1433" actId="255"/>
+          <ac:spMkLst>
+            <pc:docMk/>
+            <pc:sldMk cId="1562568191" sldId="270"/>
+            <ac:spMk id="4" creationId="{A09657A5-E742-4CB1-B66B-204312E5D6FA}"/>
+          </ac:spMkLst>
+        </pc:spChg>
+      </pc:sldChg>
+      <pc:sldChg chg="add del">
+        <pc:chgData name="Greg Bulmash" userId="90973910de46daed" providerId="LiveId" clId="{56D521A3-7A98-41EE-B121-D8FC18FE9D74}" dt="2019-11-02T05:05:55.662" v="1436"/>
+        <pc:sldMkLst>
+          <pc:docMk/>
+          <pc:sldMk cId="108118885" sldId="271"/>
+        </pc:sldMkLst>
+      </pc:sldChg>
+      <pc:sldChg chg="addSp delSp modSp add ord">
+        <pc:chgData name="Greg Bulmash" userId="90973910de46daed" providerId="LiveId" clId="{56D521A3-7A98-41EE-B121-D8FC18FE9D74}" dt="2019-11-02T05:07:31.059" v="1510"/>
+        <pc:sldMkLst>
+          <pc:docMk/>
+          <pc:sldMk cId="2932499789" sldId="271"/>
+        </pc:sldMkLst>
+        <pc:spChg chg="mod">
+          <ac:chgData name="Greg Bulmash" userId="90973910de46daed" providerId="LiveId" clId="{56D521A3-7A98-41EE-B121-D8FC18FE9D74}" dt="2019-11-02T05:06:13.359" v="1446" actId="20577"/>
+          <ac:spMkLst>
+            <pc:docMk/>
+            <pc:sldMk cId="2932499789" sldId="271"/>
+            <ac:spMk id="2" creationId="{58A59161-4808-4BDE-8680-799A7736103D}"/>
+          </ac:spMkLst>
+        </pc:spChg>
+        <pc:spChg chg="mod">
+          <ac:chgData name="Greg Bulmash" userId="90973910de46daed" providerId="LiveId" clId="{56D521A3-7A98-41EE-B121-D8FC18FE9D74}" dt="2019-11-02T05:07:17.328" v="1508" actId="113"/>
+          <ac:spMkLst>
+            <pc:docMk/>
+            <pc:sldMk cId="2932499789" sldId="271"/>
+            <ac:spMk id="7" creationId="{CE3CFA69-2FE3-4DB0-BDA1-81F782AABDF8}"/>
+          </ac:spMkLst>
+        </pc:spChg>
+        <pc:picChg chg="add mod">
+          <ac:chgData name="Greg Bulmash" userId="90973910de46daed" providerId="LiveId" clId="{56D521A3-7A98-41EE-B121-D8FC18FE9D74}" dt="2019-11-02T05:07:12.028" v="1507" actId="1076"/>
+          <ac:picMkLst>
+            <pc:docMk/>
+            <pc:sldMk cId="2932499789" sldId="271"/>
+            <ac:picMk id="4" creationId="{A9188330-2B27-4497-9594-62331806BD60}"/>
+          </ac:picMkLst>
+        </pc:picChg>
+        <pc:picChg chg="del">
+          <ac:chgData name="Greg Bulmash" userId="90973910de46daed" providerId="LiveId" clId="{56D521A3-7A98-41EE-B121-D8FC18FE9D74}" dt="2019-11-02T05:06:16.735" v="1447" actId="478"/>
+          <ac:picMkLst>
+            <pc:docMk/>
+            <pc:sldMk cId="2932499789" sldId="271"/>
+            <ac:picMk id="6" creationId="{89A33F9B-A464-4CE6-B157-5092CF5B4EDA}"/>
+          </ac:picMkLst>
+        </pc:picChg>
+      </pc:sldChg>
+      <pc:sldChg chg="addSp delSp modSp add">
+        <pc:chgData name="Greg Bulmash" userId="90973910de46daed" providerId="LiveId" clId="{56D521A3-7A98-41EE-B121-D8FC18FE9D74}" dt="2019-11-02T05:20:25.359" v="1541" actId="20577"/>
+        <pc:sldMkLst>
+          <pc:docMk/>
+          <pc:sldMk cId="2115260168" sldId="272"/>
+        </pc:sldMkLst>
+        <pc:spChg chg="del">
+          <ac:chgData name="Greg Bulmash" userId="90973910de46daed" providerId="LiveId" clId="{56D521A3-7A98-41EE-B121-D8FC18FE9D74}" dt="2019-11-02T05:19:40.862" v="1512" actId="478"/>
+          <ac:spMkLst>
+            <pc:docMk/>
+            <pc:sldMk cId="2115260168" sldId="272"/>
+            <ac:spMk id="2" creationId="{0EA2C83D-BD64-477E-AE03-B8E40FD6348C}"/>
+          </ac:spMkLst>
+        </pc:spChg>
+        <pc:spChg chg="del">
+          <ac:chgData name="Greg Bulmash" userId="90973910de46daed" providerId="LiveId" clId="{56D521A3-7A98-41EE-B121-D8FC18FE9D74}" dt="2019-11-02T05:19:40.862" v="1512" actId="478"/>
+          <ac:spMkLst>
+            <pc:docMk/>
+            <pc:sldMk cId="2115260168" sldId="272"/>
+            <ac:spMk id="3" creationId="{8758D947-A3F2-4AB7-A8EF-7CAC418D8B15}"/>
+          </ac:spMkLst>
+        </pc:spChg>
+        <pc:spChg chg="add mod">
+          <ac:chgData name="Greg Bulmash" userId="90973910de46daed" providerId="LiveId" clId="{56D521A3-7A98-41EE-B121-D8FC18FE9D74}" dt="2019-11-02T05:20:25.359" v="1541" actId="20577"/>
+          <ac:spMkLst>
+            <pc:docMk/>
+            <pc:sldMk cId="2115260168" sldId="272"/>
+            <ac:spMk id="4" creationId="{D47C482D-7615-4EE3-A8B0-F3613D9E26CB}"/>
+          </ac:spMkLst>
+        </pc:spChg>
+      </pc:sldChg>
+      <pc:sldChg chg="addSp delSp modSp add ord">
+        <pc:chgData name="Greg Bulmash" userId="90973910de46daed" providerId="LiveId" clId="{56D521A3-7A98-41EE-B121-D8FC18FE9D74}" dt="2019-11-02T06:01:31.507" v="1709" actId="478"/>
+        <pc:sldMkLst>
+          <pc:docMk/>
+          <pc:sldMk cId="3937377197" sldId="273"/>
+        </pc:sldMkLst>
+        <pc:spChg chg="mod">
+          <ac:chgData name="Greg Bulmash" userId="90973910de46daed" providerId="LiveId" clId="{56D521A3-7A98-41EE-B121-D8FC18FE9D74}" dt="2019-11-02T05:32:25.302" v="1705" actId="20577"/>
+          <ac:spMkLst>
+            <pc:docMk/>
+            <pc:sldMk cId="3937377197" sldId="273"/>
+            <ac:spMk id="2" creationId="{58A59161-4808-4BDE-8680-799A7736103D}"/>
+          </ac:spMkLst>
+        </pc:spChg>
+        <pc:spChg chg="mod">
+          <ac:chgData name="Greg Bulmash" userId="90973910de46daed" providerId="LiveId" clId="{56D521A3-7A98-41EE-B121-D8FC18FE9D74}" dt="2019-11-02T05:25:15.728" v="1590" actId="1076"/>
+          <ac:spMkLst>
+            <pc:docMk/>
+            <pc:sldMk cId="3937377197" sldId="273"/>
+            <ac:spMk id="7" creationId="{CE3CFA69-2FE3-4DB0-BDA1-81F782AABDF8}"/>
+          </ac:spMkLst>
+        </pc:spChg>
+        <pc:picChg chg="del">
+          <ac:chgData name="Greg Bulmash" userId="90973910de46daed" providerId="LiveId" clId="{56D521A3-7A98-41EE-B121-D8FC18FE9D74}" dt="2019-11-02T05:24:16.478" v="1560" actId="478"/>
+          <ac:picMkLst>
+            <pc:docMk/>
+            <pc:sldMk cId="3937377197" sldId="273"/>
+            <ac:picMk id="4" creationId="{A9188330-2B27-4497-9594-62331806BD60}"/>
+          </ac:picMkLst>
+        </pc:picChg>
+        <pc:picChg chg="add mod">
+          <ac:chgData name="Greg Bulmash" userId="90973910de46daed" providerId="LiveId" clId="{56D521A3-7A98-41EE-B121-D8FC18FE9D74}" dt="2019-11-02T05:25:15.728" v="1590" actId="1076"/>
+          <ac:picMkLst>
+            <pc:docMk/>
+            <pc:sldMk cId="3937377197" sldId="273"/>
+            <ac:picMk id="5" creationId="{D982DD45-4797-452A-8565-2576C7A81CA5}"/>
+          </ac:picMkLst>
+        </pc:picChg>
+        <pc:picChg chg="add mod">
+          <ac:chgData name="Greg Bulmash" userId="90973910de46daed" providerId="LiveId" clId="{56D521A3-7A98-41EE-B121-D8FC18FE9D74}" dt="2019-11-02T05:29:16.519" v="1604" actId="14100"/>
+          <ac:picMkLst>
+            <pc:docMk/>
+            <pc:sldMk cId="3937377197" sldId="273"/>
+            <ac:picMk id="8" creationId="{2B5660FE-7968-4439-870B-9D8CD319262C}"/>
+          </ac:picMkLst>
+        </pc:picChg>
+        <pc:picChg chg="add del mod">
+          <ac:chgData name="Greg Bulmash" userId="90973910de46daed" providerId="LiveId" clId="{56D521A3-7A98-41EE-B121-D8FC18FE9D74}" dt="2019-11-02T06:01:30.006" v="1708" actId="478"/>
+          <ac:picMkLst>
+            <pc:docMk/>
+            <pc:sldMk cId="3937377197" sldId="273"/>
+            <ac:picMk id="10" creationId="{18656355-7DD9-4E55-A6F1-5EEE27683068}"/>
+          </ac:picMkLst>
+        </pc:picChg>
+        <pc:picChg chg="add del mod">
+          <ac:chgData name="Greg Bulmash" userId="90973910de46daed" providerId="LiveId" clId="{56D521A3-7A98-41EE-B121-D8FC18FE9D74}" dt="2019-11-02T06:01:28.292" v="1707" actId="478"/>
+          <ac:picMkLst>
+            <pc:docMk/>
+            <pc:sldMk cId="3937377197" sldId="273"/>
+            <ac:picMk id="13" creationId="{B304FB30-E318-4D02-A169-A6A29EC4A337}"/>
+          </ac:picMkLst>
+        </pc:picChg>
+        <pc:picChg chg="add del mod">
+          <ac:chgData name="Greg Bulmash" userId="90973910de46daed" providerId="LiveId" clId="{56D521A3-7A98-41EE-B121-D8FC18FE9D74}" dt="2019-11-02T06:01:31.507" v="1709" actId="478"/>
+          <ac:picMkLst>
+            <pc:docMk/>
+            <pc:sldMk cId="3937377197" sldId="273"/>
+            <ac:picMk id="14" creationId="{5AE5E96B-319F-461C-A81C-D74F764BFED2}"/>
+          </ac:picMkLst>
+        </pc:picChg>
+      </pc:sldChg>
+      <pc:sldChg chg="add">
+        <pc:chgData name="Greg Bulmash" userId="90973910de46daed" providerId="LiveId" clId="{56D521A3-7A98-41EE-B121-D8FC18FE9D74}" dt="2019-11-02T06:01:21.270" v="1706"/>
+        <pc:sldMkLst>
+          <pc:docMk/>
+          <pc:sldMk cId="664669317" sldId="274"/>
+        </pc:sldMkLst>
       </pc:sldChg>
     </pc:docChg>
   </pc:docChgLst>
@@ -4356,6 +4602,14 @@
 <file path=ppt/slides/slide10.xml><?xml version="1.0" encoding="utf-8"?>
 <p:sld xmlns:a="http://schemas.openxmlformats.org/drawingml/2006/main" xmlns:r="http://schemas.openxmlformats.org/officeDocument/2006/relationships" xmlns:p="http://schemas.openxmlformats.org/presentationml/2006/main">
   <p:cSld>
+    <p:bg>
+      <p:bgPr>
+        <a:solidFill>
+          <a:schemeClr val="bg1"/>
+        </a:solidFill>
+        <a:effectLst/>
+      </p:bgPr>
+    </p:bg>
     <p:spTree>
       <p:nvGrpSpPr>
         <p:cNvPr id="1" name=""/>
@@ -4372,10 +4626,226 @@
       </p:grpSpPr>
       <p:sp>
         <p:nvSpPr>
-          <p:cNvPr id="4" name="TextBox 3">
-            <a:extLst>
-              <a:ext uri="{FF2B5EF4-FFF2-40B4-BE49-F238E27FC236}">
-                <a16:creationId xmlns:a16="http://schemas.microsoft.com/office/drawing/2014/main" id="{ACE0A587-4FFE-4C34-B968-CF5DF37FE127}"/>
+          <p:cNvPr id="71" name="Rectangle 70">
+            <a:extLst>
+              <a:ext uri="{FF2B5EF4-FFF2-40B4-BE49-F238E27FC236}">
+                <a16:creationId xmlns:a16="http://schemas.microsoft.com/office/drawing/2014/main" id="{6753252F-4873-4F63-801D-CC719279A7D5}"/>
+              </a:ext>
+              <a:ext uri="{C183D7F6-B498-43B3-948B-1728B52AA6E4}">
+                <adec:decorative xmlns:adec="http://schemas.microsoft.com/office/drawing/2017/decorative" val="1"/>
+              </a:ext>
+            </a:extLst>
+          </p:cNvPr>
+          <p:cNvSpPr>
+            <a:spLocks noGrp="1" noRot="1" noChangeAspect="1" noMove="1" noResize="1" noEditPoints="1" noAdjustHandles="1" noChangeArrowheads="1" noChangeShapeType="1" noTextEdit="1"/>
+          </p:cNvSpPr>
+          <p:nvPr>
+            <p:extLst>
+              <p:ext uri="{386F3935-93C4-4BCD-93E2-E3B085C9AB24}">
+                <p16:designElem xmlns:p16="http://schemas.microsoft.com/office/powerpoint/2015/main" val="1"/>
+              </p:ext>
+            </p:extLst>
+          </p:nvPr>
+        </p:nvSpPr>
+        <p:spPr>
+          <a:xfrm>
+            <a:off x="0" y="0"/>
+            <a:ext cx="12192000" cy="6858000"/>
+          </a:xfrm>
+          <a:prstGeom prst="rect">
+            <a:avLst/>
+          </a:prstGeom>
+          <a:solidFill>
+            <a:srgbClr val="FFFFFF"/>
+          </a:solidFill>
+          <a:ln>
+            <a:noFill/>
+          </a:ln>
+        </p:spPr>
+        <p:style>
+          <a:lnRef idx="2">
+            <a:schemeClr val="accent1">
+              <a:shade val="50000"/>
+            </a:schemeClr>
+          </a:lnRef>
+          <a:fillRef idx="1">
+            <a:schemeClr val="accent1"/>
+          </a:fillRef>
+          <a:effectRef idx="0">
+            <a:schemeClr val="accent1"/>
+          </a:effectRef>
+          <a:fontRef idx="minor">
+            <a:schemeClr val="lt1"/>
+          </a:fontRef>
+        </p:style>
+        <p:txBody>
+          <a:bodyPr rtlCol="0" anchor="ctr"/>
+          <a:lstStyle/>
+          <a:p>
+            <a:pPr algn="ctr"/>
+            <a:endParaRPr lang="en-US"/>
+          </a:p>
+        </p:txBody>
+      </p:sp>
+      <p:sp>
+        <p:nvSpPr>
+          <p:cNvPr id="73" name="Rectangle 72">
+            <a:extLst>
+              <a:ext uri="{FF2B5EF4-FFF2-40B4-BE49-F238E27FC236}">
+                <a16:creationId xmlns:a16="http://schemas.microsoft.com/office/drawing/2014/main" id="{047C8CCB-F95D-4249-92DD-651249D3535A}"/>
+              </a:ext>
+              <a:ext uri="{C183D7F6-B498-43B3-948B-1728B52AA6E4}">
+                <adec:decorative xmlns:adec="http://schemas.microsoft.com/office/drawing/2017/decorative" val="1"/>
+              </a:ext>
+            </a:extLst>
+          </p:cNvPr>
+          <p:cNvSpPr>
+            <a:spLocks noGrp="1" noRot="1" noChangeAspect="1" noMove="1" noResize="1" noEditPoints="1" noAdjustHandles="1" noChangeArrowheads="1" noChangeShapeType="1" noTextEdit="1"/>
+          </p:cNvSpPr>
+          <p:nvPr>
+            <p:extLst>
+              <p:ext uri="{386F3935-93C4-4BCD-93E2-E3B085C9AB24}">
+                <p16:designElem xmlns:p16="http://schemas.microsoft.com/office/powerpoint/2015/main" val="1"/>
+              </p:ext>
+            </p:extLst>
+          </p:nvPr>
+        </p:nvSpPr>
+        <p:spPr>
+          <a:xfrm>
+            <a:off x="0" y="0"/>
+            <a:ext cx="2013557" cy="6858000"/>
+          </a:xfrm>
+          <a:prstGeom prst="rect">
+            <a:avLst/>
+          </a:prstGeom>
+          <a:solidFill>
+            <a:srgbClr val="7F7F7F"/>
+          </a:solidFill>
+          <a:ln>
+            <a:noFill/>
+          </a:ln>
+        </p:spPr>
+        <p:style>
+          <a:lnRef idx="2">
+            <a:schemeClr val="accent1">
+              <a:shade val="50000"/>
+            </a:schemeClr>
+          </a:lnRef>
+          <a:fillRef idx="1">
+            <a:schemeClr val="accent1"/>
+          </a:fillRef>
+          <a:effectRef idx="0">
+            <a:schemeClr val="accent1"/>
+          </a:effectRef>
+          <a:fontRef idx="minor">
+            <a:schemeClr val="lt1"/>
+          </a:fontRef>
+        </p:style>
+        <p:txBody>
+          <a:bodyPr rtlCol="0" anchor="ctr"/>
+          <a:lstStyle/>
+          <a:p>
+            <a:pPr algn="ctr"/>
+            <a:endParaRPr lang="en-US"/>
+          </a:p>
+        </p:txBody>
+      </p:sp>
+      <p:sp>
+        <p:nvSpPr>
+          <p:cNvPr id="2" name="Title 1">
+            <a:extLst>
+              <a:ext uri="{FF2B5EF4-FFF2-40B4-BE49-F238E27FC236}">
+                <a16:creationId xmlns:a16="http://schemas.microsoft.com/office/drawing/2014/main" id="{58A59161-4808-4BDE-8680-799A7736103D}"/>
+              </a:ext>
+            </a:extLst>
+          </p:cNvPr>
+          <p:cNvSpPr>
+            <a:spLocks noGrp="1"/>
+          </p:cNvSpPr>
+          <p:nvPr>
+            <p:ph type="title"/>
+          </p:nvPr>
+        </p:nvSpPr>
+        <p:spPr>
+          <a:xfrm>
+            <a:off x="640080" y="2074363"/>
+            <a:ext cx="2752354" cy="2709275"/>
+          </a:xfrm>
+          <a:prstGeom prst="ellipse">
+            <a:avLst/>
+          </a:prstGeom>
+          <a:solidFill>
+            <a:srgbClr val="262626"/>
+          </a:solidFill>
+          <a:ln w="174625" cmpd="thinThick">
+            <a:solidFill>
+              <a:srgbClr val="262626"/>
+            </a:solidFill>
+          </a:ln>
+        </p:spPr>
+        <p:txBody>
+          <a:bodyPr vert="horz" lIns="91440" tIns="45720" rIns="91440" bIns="45720" rtlCol="0" anchor="ctr">
+            <a:normAutofit/>
+          </a:bodyPr>
+          <a:lstStyle/>
+          <a:p>
+            <a:pPr algn="ctr"/>
+            <a:r>
+              <a:rPr lang="en-US" sz="2600" kern="1200" dirty="0">
+                <a:solidFill>
+                  <a:srgbClr val="FFFFFF"/>
+                </a:solidFill>
+                <a:latin typeface="+mj-lt"/>
+                <a:ea typeface="+mj-ea"/>
+                <a:cs typeface="+mj-cs"/>
+              </a:rPr>
+              <a:t>The Raw Ocean</a:t>
+            </a:r>
+          </a:p>
+        </p:txBody>
+      </p:sp>
+      <p:pic>
+        <p:nvPicPr>
+          <p:cNvPr id="6" name="Picture 5" descr="A picture containing white, large, door, group&#10;&#10;Description automatically generated">
+            <a:extLst>
+              <a:ext uri="{FF2B5EF4-FFF2-40B4-BE49-F238E27FC236}">
+                <a16:creationId xmlns:a16="http://schemas.microsoft.com/office/drawing/2014/main" id="{89A33F9B-A464-4CE6-B157-5092CF5B4EDA}"/>
+              </a:ext>
+            </a:extLst>
+          </p:cNvPr>
+          <p:cNvPicPr>
+            <a:picLocks noChangeAspect="1"/>
+          </p:cNvPicPr>
+          <p:nvPr/>
+        </p:nvPicPr>
+        <p:blipFill>
+          <a:blip r:embed="rId2">
+            <a:extLst>
+              <a:ext uri="{28A0092B-C50C-407E-A947-70E740481C1C}">
+                <a14:useLocalDpi xmlns:a14="http://schemas.microsoft.com/office/drawing/2010/main" val="0"/>
+              </a:ext>
+            </a:extLst>
+          </a:blip>
+          <a:stretch>
+            <a:fillRect/>
+          </a:stretch>
+        </p:blipFill>
+        <p:spPr>
+          <a:xfrm>
+            <a:off x="4032513" y="909717"/>
+            <a:ext cx="6666909" cy="5882307"/>
+          </a:xfrm>
+          <a:prstGeom prst="rect">
+            <a:avLst/>
+          </a:prstGeom>
+        </p:spPr>
+      </p:pic>
+      <p:sp>
+        <p:nvSpPr>
+          <p:cNvPr id="7" name="TextBox 6">
+            <a:extLst>
+              <a:ext uri="{FF2B5EF4-FFF2-40B4-BE49-F238E27FC236}">
+                <a16:creationId xmlns:a16="http://schemas.microsoft.com/office/drawing/2014/main" id="{CE3CFA69-2FE3-4DB0-BDA1-81F782AABDF8}"/>
               </a:ext>
             </a:extLst>
           </p:cNvPr>
@@ -4384,8 +4854,8 @@
         </p:nvSpPr>
         <p:spPr>
           <a:xfrm>
-            <a:off x="254525" y="340917"/>
-            <a:ext cx="11500700" cy="5909310"/>
+            <a:off x="3961701" y="386498"/>
+            <a:ext cx="7077087" cy="523220"/>
           </a:xfrm>
           <a:prstGeom prst="rect">
             <a:avLst/>
@@ -4399,184 +4869,22 @@
           <a:lstStyle/>
           <a:p>
             <a:r>
-              <a:rPr lang="en-US" sz="2000" dirty="0">
-                <a:latin typeface="Consolas" panose="020B0609020204030204" pitchFamily="49" charset="0"/>
-              </a:rPr>
-              <a:t># Sonar Treasure Hunt</a:t>
-            </a:r>
-          </a:p>
-          <a:p>
-            <a:endParaRPr lang="en-US" sz="2000" dirty="0">
-              <a:latin typeface="Consolas" panose="020B0609020204030204" pitchFamily="49" charset="0"/>
-            </a:endParaRPr>
-          </a:p>
-          <a:p>
-            <a:r>
-              <a:rPr lang="en-US" sz="2000" dirty="0">
-                <a:latin typeface="Consolas" panose="020B0609020204030204" pitchFamily="49" charset="0"/>
-              </a:rPr>
-              <a:t>import random</a:t>
-            </a:r>
-          </a:p>
-          <a:p>
-            <a:r>
-              <a:rPr lang="en-US" sz="2000" dirty="0">
-                <a:latin typeface="Consolas" panose="020B0609020204030204" pitchFamily="49" charset="0"/>
-              </a:rPr>
-              <a:t>import sys</a:t>
-            </a:r>
-          </a:p>
-          <a:p>
-            <a:r>
-              <a:rPr lang="en-US" sz="2000" dirty="0">
-                <a:latin typeface="Consolas" panose="020B0609020204030204" pitchFamily="49" charset="0"/>
-              </a:rPr>
-              <a:t>import math</a:t>
-            </a:r>
-          </a:p>
-          <a:p>
-            <a:endParaRPr lang="en-US" sz="2000" dirty="0">
-              <a:latin typeface="Consolas" panose="020B0609020204030204" pitchFamily="49" charset="0"/>
-            </a:endParaRPr>
-          </a:p>
-          <a:p>
-            <a:r>
-              <a:rPr lang="en-US" sz="2000" dirty="0">
-                <a:latin typeface="Consolas" panose="020B0609020204030204" pitchFamily="49" charset="0"/>
-              </a:rPr>
-              <a:t>def </a:t>
-            </a:r>
-            <a:r>
-              <a:rPr lang="en-US" sz="2000" dirty="0" err="1">
+              <a:rPr lang="en-US" sz="2800" b="1" dirty="0">
+                <a:latin typeface="Consolas" panose="020B0609020204030204" pitchFamily="49" charset="0"/>
+              </a:rPr>
+              <a:t>print(</a:t>
+            </a:r>
+            <a:r>
+              <a:rPr lang="en-US" sz="2800" b="1" dirty="0" err="1">
                 <a:latin typeface="Consolas" panose="020B0609020204030204" pitchFamily="49" charset="0"/>
               </a:rPr>
               <a:t>getNewBoard</a:t>
             </a:r>
             <a:r>
-              <a:rPr lang="en-US" sz="2000" dirty="0">
-                <a:latin typeface="Consolas" panose="020B0609020204030204" pitchFamily="49" charset="0"/>
-              </a:rPr>
-              <a:t>():</a:t>
-            </a:r>
-          </a:p>
-          <a:p>
-            <a:r>
-              <a:rPr lang="en-US" sz="2000" dirty="0">
-                <a:latin typeface="Consolas" panose="020B0609020204030204" pitchFamily="49" charset="0"/>
-              </a:rPr>
-              <a:t>    # Create a new 60x15 board data structure.</a:t>
-            </a:r>
-          </a:p>
-          <a:p>
-            <a:r>
-              <a:rPr lang="en-US" sz="2000" dirty="0">
-                <a:latin typeface="Consolas" panose="020B0609020204030204" pitchFamily="49" charset="0"/>
-              </a:rPr>
-              <a:t>    board = []</a:t>
-            </a:r>
-          </a:p>
-          <a:p>
-            <a:r>
-              <a:rPr lang="en-US" sz="2000" dirty="0">
-                <a:latin typeface="Consolas" panose="020B0609020204030204" pitchFamily="49" charset="0"/>
-              </a:rPr>
-              <a:t>    for x in range(60): # The main list is a list of 60 lists.</a:t>
-            </a:r>
-          </a:p>
-          <a:p>
-            <a:r>
-              <a:rPr lang="en-US" sz="2000" dirty="0">
-                <a:latin typeface="Consolas" panose="020B0609020204030204" pitchFamily="49" charset="0"/>
-              </a:rPr>
-              <a:t>        </a:t>
-            </a:r>
-            <a:r>
-              <a:rPr lang="en-US" sz="2000" dirty="0" err="1">
-                <a:latin typeface="Consolas" panose="020B0609020204030204" pitchFamily="49" charset="0"/>
-              </a:rPr>
-              <a:t>board.append</a:t>
-            </a:r>
-            <a:r>
-              <a:rPr lang="en-US" sz="2000" dirty="0">
-                <a:latin typeface="Consolas" panose="020B0609020204030204" pitchFamily="49" charset="0"/>
-              </a:rPr>
-              <a:t>([])</a:t>
-            </a:r>
-          </a:p>
-          <a:p>
-            <a:r>
-              <a:rPr lang="en-US" sz="2000" dirty="0">
-                <a:latin typeface="Consolas" panose="020B0609020204030204" pitchFamily="49" charset="0"/>
-              </a:rPr>
-              <a:t>        for y in range(15): </a:t>
-            </a:r>
-          </a:p>
-          <a:p>
-            <a:r>
-              <a:rPr lang="en-US" sz="2000" dirty="0">
-                <a:latin typeface="Consolas" panose="020B0609020204030204" pitchFamily="49" charset="0"/>
-              </a:rPr>
-              <a:t>            # Each list in the main list has 15 single-character strings.</a:t>
-            </a:r>
-          </a:p>
-          <a:p>
-            <a:r>
-              <a:rPr lang="en-US" sz="2000" dirty="0">
-                <a:latin typeface="Consolas" panose="020B0609020204030204" pitchFamily="49" charset="0"/>
-              </a:rPr>
-              <a:t>            # Use different characters for the ocean to make it more readable.</a:t>
-            </a:r>
-          </a:p>
-          <a:p>
-            <a:r>
-              <a:rPr lang="en-US" sz="2000" dirty="0">
-                <a:latin typeface="Consolas" panose="020B0609020204030204" pitchFamily="49" charset="0"/>
-              </a:rPr>
-              <a:t>            if </a:t>
-            </a:r>
-            <a:r>
-              <a:rPr lang="en-US" sz="2000" dirty="0" err="1">
-                <a:latin typeface="Consolas" panose="020B0609020204030204" pitchFamily="49" charset="0"/>
-              </a:rPr>
-              <a:t>random.randint</a:t>
-            </a:r>
-            <a:r>
-              <a:rPr lang="en-US" sz="2000" dirty="0">
-                <a:latin typeface="Consolas" panose="020B0609020204030204" pitchFamily="49" charset="0"/>
-              </a:rPr>
-              <a:t>(0, 1) == 0:</a:t>
-            </a:r>
-          </a:p>
-          <a:p>
-            <a:r>
-              <a:rPr lang="en-US" sz="2000" dirty="0">
-                <a:latin typeface="Consolas" panose="020B0609020204030204" pitchFamily="49" charset="0"/>
-              </a:rPr>
-              <a:t>                board[x].append('~')</a:t>
-            </a:r>
-          </a:p>
-          <a:p>
-            <a:r>
-              <a:rPr lang="en-US" sz="2000" dirty="0">
-                <a:latin typeface="Consolas" panose="020B0609020204030204" pitchFamily="49" charset="0"/>
-              </a:rPr>
-              <a:t>            else:</a:t>
-            </a:r>
-          </a:p>
-          <a:p>
-            <a:r>
-              <a:rPr lang="en-US" sz="2000" dirty="0">
-                <a:latin typeface="Consolas" panose="020B0609020204030204" pitchFamily="49" charset="0"/>
-              </a:rPr>
-              <a:t>                board[x].append('`')</a:t>
-            </a:r>
-          </a:p>
-          <a:p>
-            <a:r>
-              <a:rPr lang="en-US" sz="2000" dirty="0">
-                <a:latin typeface="Consolas" panose="020B0609020204030204" pitchFamily="49" charset="0"/>
-              </a:rPr>
-              <a:t>    return board</a:t>
+              <a:rPr lang="en-US" sz="2800" b="1" dirty="0">
+                <a:latin typeface="Consolas" panose="020B0609020204030204" pitchFamily="49" charset="0"/>
+              </a:rPr>
+              <a:t>())</a:t>
             </a:r>
           </a:p>
         </p:txBody>
@@ -4584,7 +4892,7 @@
     </p:spTree>
     <p:extLst>
       <p:ext uri="{BB962C8B-B14F-4D97-AF65-F5344CB8AC3E}">
-        <p14:creationId xmlns:p14="http://schemas.microsoft.com/office/powerpoint/2010/main" val="2248988288"/>
+        <p14:creationId xmlns:p14="http://schemas.microsoft.com/office/powerpoint/2010/main" val="2721520107"/>
       </p:ext>
     </p:extLst>
   </p:cSld>
@@ -4595,6 +4903,471 @@
 </file>
 
 <file path=ppt/slides/slide11.xml><?xml version="1.0" encoding="utf-8"?>
+<p:sld xmlns:a="http://schemas.openxmlformats.org/drawingml/2006/main" xmlns:r="http://schemas.openxmlformats.org/officeDocument/2006/relationships" xmlns:p="http://schemas.openxmlformats.org/presentationml/2006/main">
+  <p:cSld>
+    <p:spTree>
+      <p:nvGrpSpPr>
+        <p:cNvPr id="1" name=""/>
+        <p:cNvGrpSpPr/>
+        <p:nvPr/>
+      </p:nvGrpSpPr>
+      <p:grpSpPr>
+        <a:xfrm>
+          <a:off x="0" y="0"/>
+          <a:ext cx="0" cy="0"/>
+          <a:chOff x="0" y="0"/>
+          <a:chExt cx="0" cy="0"/>
+        </a:xfrm>
+      </p:grpSpPr>
+      <p:sp>
+        <p:nvSpPr>
+          <p:cNvPr id="4" name="TextBox 3">
+            <a:extLst>
+              <a:ext uri="{FF2B5EF4-FFF2-40B4-BE49-F238E27FC236}">
+                <a16:creationId xmlns:a16="http://schemas.microsoft.com/office/drawing/2014/main" id="{A09657A5-E742-4CB1-B66B-204312E5D6FA}"/>
+              </a:ext>
+            </a:extLst>
+          </p:cNvPr>
+          <p:cNvSpPr txBox="1"/>
+          <p:nvPr/>
+        </p:nvSpPr>
+        <p:spPr>
+          <a:xfrm>
+            <a:off x="160867" y="135467"/>
+            <a:ext cx="11785600" cy="6494085"/>
+          </a:xfrm>
+          <a:prstGeom prst="rect">
+            <a:avLst/>
+          </a:prstGeom>
+          <a:noFill/>
+        </p:spPr>
+        <p:txBody>
+          <a:bodyPr wrap="square" rtlCol="0">
+            <a:spAutoFit/>
+          </a:bodyPr>
+          <a:lstStyle/>
+          <a:p>
+            <a:r>
+              <a:rPr lang="en-US" sz="1300" b="1" dirty="0">
+                <a:latin typeface="Consolas" panose="020B0609020204030204" pitchFamily="49" charset="0"/>
+              </a:rPr>
+              <a:t>def </a:t>
+            </a:r>
+            <a:r>
+              <a:rPr lang="en-US" sz="1300" b="1" dirty="0" err="1">
+                <a:latin typeface="Consolas" panose="020B0609020204030204" pitchFamily="49" charset="0"/>
+              </a:rPr>
+              <a:t>drawBoard</a:t>
+            </a:r>
+            <a:r>
+              <a:rPr lang="en-US" sz="1300" b="1" dirty="0">
+                <a:latin typeface="Consolas" panose="020B0609020204030204" pitchFamily="49" charset="0"/>
+              </a:rPr>
+              <a:t>(board):</a:t>
+            </a:r>
+          </a:p>
+          <a:p>
+            <a:r>
+              <a:rPr lang="en-US" sz="1300" b="1" dirty="0">
+                <a:latin typeface="Consolas" panose="020B0609020204030204" pitchFamily="49" charset="0"/>
+              </a:rPr>
+              <a:t>    # Draw the board data structure.</a:t>
+            </a:r>
+          </a:p>
+          <a:p>
+            <a:r>
+              <a:rPr lang="en-US" sz="1300" b="1" dirty="0">
+                <a:latin typeface="Consolas" panose="020B0609020204030204" pitchFamily="49" charset="0"/>
+              </a:rPr>
+              <a:t>    </a:t>
+            </a:r>
+            <a:r>
+              <a:rPr lang="en-US" sz="1300" b="1" dirty="0" err="1">
+                <a:latin typeface="Consolas" panose="020B0609020204030204" pitchFamily="49" charset="0"/>
+              </a:rPr>
+              <a:t>tensDigitsLine</a:t>
+            </a:r>
+            <a:r>
+              <a:rPr lang="en-US" sz="1300" b="1" dirty="0">
+                <a:latin typeface="Consolas" panose="020B0609020204030204" pitchFamily="49" charset="0"/>
+              </a:rPr>
+              <a:t> = '    ' # Initial space for the numbers down the left side of the board</a:t>
+            </a:r>
+          </a:p>
+          <a:p>
+            <a:r>
+              <a:rPr lang="en-US" sz="1300" b="1" dirty="0">
+                <a:latin typeface="Consolas" panose="020B0609020204030204" pitchFamily="49" charset="0"/>
+              </a:rPr>
+              <a:t>    for </a:t>
+            </a:r>
+            <a:r>
+              <a:rPr lang="en-US" sz="1300" b="1" dirty="0" err="1">
+                <a:latin typeface="Consolas" panose="020B0609020204030204" pitchFamily="49" charset="0"/>
+              </a:rPr>
+              <a:t>i</a:t>
+            </a:r>
+            <a:r>
+              <a:rPr lang="en-US" sz="1300" b="1" dirty="0">
+                <a:latin typeface="Consolas" panose="020B0609020204030204" pitchFamily="49" charset="0"/>
+              </a:rPr>
+              <a:t> in range(1, 6):</a:t>
+            </a:r>
+          </a:p>
+          <a:p>
+            <a:r>
+              <a:rPr lang="en-US" sz="1300" b="1" dirty="0">
+                <a:latin typeface="Consolas" panose="020B0609020204030204" pitchFamily="49" charset="0"/>
+              </a:rPr>
+              <a:t>        </a:t>
+            </a:r>
+            <a:r>
+              <a:rPr lang="en-US" sz="1300" b="1" dirty="0" err="1">
+                <a:latin typeface="Consolas" panose="020B0609020204030204" pitchFamily="49" charset="0"/>
+              </a:rPr>
+              <a:t>tensDigitsLine</a:t>
+            </a:r>
+            <a:r>
+              <a:rPr lang="en-US" sz="1300" b="1" dirty="0">
+                <a:latin typeface="Consolas" panose="020B0609020204030204" pitchFamily="49" charset="0"/>
+              </a:rPr>
+              <a:t> += (' ' * 9) + str(</a:t>
+            </a:r>
+            <a:r>
+              <a:rPr lang="en-US" sz="1300" b="1" dirty="0" err="1">
+                <a:latin typeface="Consolas" panose="020B0609020204030204" pitchFamily="49" charset="0"/>
+              </a:rPr>
+              <a:t>i</a:t>
+            </a:r>
+            <a:r>
+              <a:rPr lang="en-US" sz="1300" b="1" dirty="0">
+                <a:latin typeface="Consolas" panose="020B0609020204030204" pitchFamily="49" charset="0"/>
+              </a:rPr>
+              <a:t>)</a:t>
+            </a:r>
+          </a:p>
+          <a:p>
+            <a:endParaRPr lang="en-US" sz="1300" b="1" dirty="0">
+              <a:latin typeface="Consolas" panose="020B0609020204030204" pitchFamily="49" charset="0"/>
+            </a:endParaRPr>
+          </a:p>
+          <a:p>
+            <a:r>
+              <a:rPr lang="en-US" sz="1300" b="1" dirty="0">
+                <a:latin typeface="Consolas" panose="020B0609020204030204" pitchFamily="49" charset="0"/>
+              </a:rPr>
+              <a:t>    # Print the numbers across the top of the board.</a:t>
+            </a:r>
+          </a:p>
+          <a:p>
+            <a:r>
+              <a:rPr lang="en-US" sz="1300" b="1" dirty="0">
+                <a:latin typeface="Consolas" panose="020B0609020204030204" pitchFamily="49" charset="0"/>
+              </a:rPr>
+              <a:t>    print(</a:t>
+            </a:r>
+            <a:r>
+              <a:rPr lang="en-US" sz="1300" b="1" dirty="0" err="1">
+                <a:latin typeface="Consolas" panose="020B0609020204030204" pitchFamily="49" charset="0"/>
+              </a:rPr>
+              <a:t>tensDigitsLine</a:t>
+            </a:r>
+            <a:r>
+              <a:rPr lang="en-US" sz="1300" b="1" dirty="0">
+                <a:latin typeface="Consolas" panose="020B0609020204030204" pitchFamily="49" charset="0"/>
+              </a:rPr>
+              <a:t>)</a:t>
+            </a:r>
+          </a:p>
+          <a:p>
+            <a:r>
+              <a:rPr lang="en-US" sz="1300" b="1" dirty="0">
+                <a:latin typeface="Consolas" panose="020B0609020204030204" pitchFamily="49" charset="0"/>
+              </a:rPr>
+              <a:t>    print('   ' + ('0123456789' * 6))</a:t>
+            </a:r>
+          </a:p>
+          <a:p>
+            <a:r>
+              <a:rPr lang="en-US" sz="1300" b="1" dirty="0">
+                <a:latin typeface="Consolas" panose="020B0609020204030204" pitchFamily="49" charset="0"/>
+              </a:rPr>
+              <a:t>    print()</a:t>
+            </a:r>
+          </a:p>
+          <a:p>
+            <a:endParaRPr lang="en-US" sz="1300" b="1" dirty="0">
+              <a:latin typeface="Consolas" panose="020B0609020204030204" pitchFamily="49" charset="0"/>
+            </a:endParaRPr>
+          </a:p>
+          <a:p>
+            <a:r>
+              <a:rPr lang="en-US" sz="1300" b="1" dirty="0">
+                <a:latin typeface="Consolas" panose="020B0609020204030204" pitchFamily="49" charset="0"/>
+              </a:rPr>
+              <a:t>    # Print each of the 15 rows.</a:t>
+            </a:r>
+          </a:p>
+          <a:p>
+            <a:r>
+              <a:rPr lang="en-US" sz="1300" b="1" dirty="0">
+                <a:latin typeface="Consolas" panose="020B0609020204030204" pitchFamily="49" charset="0"/>
+              </a:rPr>
+              <a:t>    for row in range(15):</a:t>
+            </a:r>
+          </a:p>
+          <a:p>
+            <a:r>
+              <a:rPr lang="en-US" sz="1300" b="1" dirty="0">
+                <a:latin typeface="Consolas" panose="020B0609020204030204" pitchFamily="49" charset="0"/>
+              </a:rPr>
+              <a:t>        # Single-digit numbers need to be padded with an extra space.</a:t>
+            </a:r>
+          </a:p>
+          <a:p>
+            <a:r>
+              <a:rPr lang="en-US" sz="1300" b="1" dirty="0">
+                <a:latin typeface="Consolas" panose="020B0609020204030204" pitchFamily="49" charset="0"/>
+              </a:rPr>
+              <a:t>        if row &lt; 10:</a:t>
+            </a:r>
+          </a:p>
+          <a:p>
+            <a:r>
+              <a:rPr lang="en-US" sz="1300" b="1" dirty="0">
+                <a:latin typeface="Consolas" panose="020B0609020204030204" pitchFamily="49" charset="0"/>
+              </a:rPr>
+              <a:t>            </a:t>
+            </a:r>
+            <a:r>
+              <a:rPr lang="en-US" sz="1300" b="1" dirty="0" err="1">
+                <a:latin typeface="Consolas" panose="020B0609020204030204" pitchFamily="49" charset="0"/>
+              </a:rPr>
+              <a:t>extraSpace</a:t>
+            </a:r>
+            <a:r>
+              <a:rPr lang="en-US" sz="1300" b="1" dirty="0">
+                <a:latin typeface="Consolas" panose="020B0609020204030204" pitchFamily="49" charset="0"/>
+              </a:rPr>
+              <a:t> = ' '</a:t>
+            </a:r>
+          </a:p>
+          <a:p>
+            <a:r>
+              <a:rPr lang="en-US" sz="1300" b="1" dirty="0">
+                <a:latin typeface="Consolas" panose="020B0609020204030204" pitchFamily="49" charset="0"/>
+              </a:rPr>
+              <a:t>        else:</a:t>
+            </a:r>
+          </a:p>
+          <a:p>
+            <a:r>
+              <a:rPr lang="en-US" sz="1300" b="1" dirty="0">
+                <a:latin typeface="Consolas" panose="020B0609020204030204" pitchFamily="49" charset="0"/>
+              </a:rPr>
+              <a:t>            </a:t>
+            </a:r>
+            <a:r>
+              <a:rPr lang="en-US" sz="1300" b="1" dirty="0" err="1">
+                <a:latin typeface="Consolas" panose="020B0609020204030204" pitchFamily="49" charset="0"/>
+              </a:rPr>
+              <a:t>extraSpace</a:t>
+            </a:r>
+            <a:r>
+              <a:rPr lang="en-US" sz="1300" b="1" dirty="0">
+                <a:latin typeface="Consolas" panose="020B0609020204030204" pitchFamily="49" charset="0"/>
+              </a:rPr>
+              <a:t> = ''</a:t>
+            </a:r>
+          </a:p>
+          <a:p>
+            <a:endParaRPr lang="en-US" sz="1300" b="1" dirty="0">
+              <a:latin typeface="Consolas" panose="020B0609020204030204" pitchFamily="49" charset="0"/>
+            </a:endParaRPr>
+          </a:p>
+          <a:p>
+            <a:r>
+              <a:rPr lang="en-US" sz="1300" b="1" dirty="0">
+                <a:latin typeface="Consolas" panose="020B0609020204030204" pitchFamily="49" charset="0"/>
+              </a:rPr>
+              <a:t>        # Create the string for this row on the board.</a:t>
+            </a:r>
+          </a:p>
+          <a:p>
+            <a:r>
+              <a:rPr lang="en-US" sz="1300" b="1" dirty="0">
+                <a:latin typeface="Consolas" panose="020B0609020204030204" pitchFamily="49" charset="0"/>
+              </a:rPr>
+              <a:t>        </a:t>
+            </a:r>
+            <a:r>
+              <a:rPr lang="en-US" sz="1300" b="1" dirty="0" err="1">
+                <a:latin typeface="Consolas" panose="020B0609020204030204" pitchFamily="49" charset="0"/>
+              </a:rPr>
+              <a:t>boardRow</a:t>
+            </a:r>
+            <a:r>
+              <a:rPr lang="en-US" sz="1300" b="1" dirty="0">
+                <a:latin typeface="Consolas" panose="020B0609020204030204" pitchFamily="49" charset="0"/>
+              </a:rPr>
+              <a:t> = ''</a:t>
+            </a:r>
+          </a:p>
+          <a:p>
+            <a:r>
+              <a:rPr lang="en-US" sz="1300" b="1" dirty="0">
+                <a:latin typeface="Consolas" panose="020B0609020204030204" pitchFamily="49" charset="0"/>
+              </a:rPr>
+              <a:t>        for column in range(60):</a:t>
+            </a:r>
+          </a:p>
+          <a:p>
+            <a:r>
+              <a:rPr lang="en-US" sz="1300" b="1" dirty="0">
+                <a:latin typeface="Consolas" panose="020B0609020204030204" pitchFamily="49" charset="0"/>
+              </a:rPr>
+              <a:t>            </a:t>
+            </a:r>
+            <a:r>
+              <a:rPr lang="en-US" sz="1300" b="1" dirty="0" err="1">
+                <a:latin typeface="Consolas" panose="020B0609020204030204" pitchFamily="49" charset="0"/>
+              </a:rPr>
+              <a:t>boardRow</a:t>
+            </a:r>
+            <a:r>
+              <a:rPr lang="en-US" sz="1300" b="1" dirty="0">
+                <a:latin typeface="Consolas" panose="020B0609020204030204" pitchFamily="49" charset="0"/>
+              </a:rPr>
+              <a:t> += board[column][row]</a:t>
+            </a:r>
+          </a:p>
+          <a:p>
+            <a:endParaRPr lang="en-US" sz="1300" b="1" dirty="0">
+              <a:latin typeface="Consolas" panose="020B0609020204030204" pitchFamily="49" charset="0"/>
+            </a:endParaRPr>
+          </a:p>
+          <a:p>
+            <a:r>
+              <a:rPr lang="en-US" sz="1300" b="1" dirty="0">
+                <a:latin typeface="Consolas" panose="020B0609020204030204" pitchFamily="49" charset="0"/>
+              </a:rPr>
+              <a:t>        print('%</a:t>
+            </a:r>
+            <a:r>
+              <a:rPr lang="en-US" sz="1300" b="1" dirty="0" err="1">
+                <a:latin typeface="Consolas" panose="020B0609020204030204" pitchFamily="49" charset="0"/>
+              </a:rPr>
+              <a:t>s%s</a:t>
+            </a:r>
+            <a:r>
+              <a:rPr lang="en-US" sz="1300" b="1" dirty="0">
+                <a:latin typeface="Consolas" panose="020B0609020204030204" pitchFamily="49" charset="0"/>
+              </a:rPr>
+              <a:t> %s %s' % (</a:t>
+            </a:r>
+            <a:r>
+              <a:rPr lang="en-US" sz="1300" b="1" dirty="0" err="1">
+                <a:latin typeface="Consolas" panose="020B0609020204030204" pitchFamily="49" charset="0"/>
+              </a:rPr>
+              <a:t>extraSpace</a:t>
+            </a:r>
+            <a:r>
+              <a:rPr lang="en-US" sz="1300" b="1" dirty="0">
+                <a:latin typeface="Consolas" panose="020B0609020204030204" pitchFamily="49" charset="0"/>
+              </a:rPr>
+              <a:t>, row, </a:t>
+            </a:r>
+            <a:r>
+              <a:rPr lang="en-US" sz="1300" b="1" dirty="0" err="1">
+                <a:latin typeface="Consolas" panose="020B0609020204030204" pitchFamily="49" charset="0"/>
+              </a:rPr>
+              <a:t>boardRow</a:t>
+            </a:r>
+            <a:r>
+              <a:rPr lang="en-US" sz="1300" b="1" dirty="0">
+                <a:latin typeface="Consolas" panose="020B0609020204030204" pitchFamily="49" charset="0"/>
+              </a:rPr>
+              <a:t>, row))</a:t>
+            </a:r>
+          </a:p>
+          <a:p>
+            <a:endParaRPr lang="en-US" sz="1300" b="1" dirty="0">
+              <a:latin typeface="Consolas" panose="020B0609020204030204" pitchFamily="49" charset="0"/>
+            </a:endParaRPr>
+          </a:p>
+          <a:p>
+            <a:r>
+              <a:rPr lang="en-US" sz="1300" b="1" dirty="0">
+                <a:latin typeface="Consolas" panose="020B0609020204030204" pitchFamily="49" charset="0"/>
+              </a:rPr>
+              <a:t>    # Print the numbers across the bottom of the board.</a:t>
+            </a:r>
+          </a:p>
+          <a:p>
+            <a:r>
+              <a:rPr lang="en-US" sz="1300" b="1" dirty="0">
+                <a:latin typeface="Consolas" panose="020B0609020204030204" pitchFamily="49" charset="0"/>
+              </a:rPr>
+              <a:t>    print()</a:t>
+            </a:r>
+          </a:p>
+          <a:p>
+            <a:r>
+              <a:rPr lang="en-US" sz="1300" b="1" dirty="0">
+                <a:latin typeface="Consolas" panose="020B0609020204030204" pitchFamily="49" charset="0"/>
+              </a:rPr>
+              <a:t>    print('   ' + ('0123456789' * 6))</a:t>
+            </a:r>
+          </a:p>
+          <a:p>
+            <a:r>
+              <a:rPr lang="en-US" sz="1300" b="1" dirty="0">
+                <a:latin typeface="Consolas" panose="020B0609020204030204" pitchFamily="49" charset="0"/>
+              </a:rPr>
+              <a:t>    print(</a:t>
+            </a:r>
+            <a:r>
+              <a:rPr lang="en-US" sz="1300" b="1" dirty="0" err="1">
+                <a:latin typeface="Consolas" panose="020B0609020204030204" pitchFamily="49" charset="0"/>
+              </a:rPr>
+              <a:t>tensDigitsLine</a:t>
+            </a:r>
+            <a:r>
+              <a:rPr lang="en-US" sz="1300" b="1" dirty="0">
+                <a:latin typeface="Consolas" panose="020B0609020204030204" pitchFamily="49" charset="0"/>
+              </a:rPr>
+              <a:t>)</a:t>
+            </a:r>
+          </a:p>
+          <a:p>
+            <a:endParaRPr lang="en-US" sz="1300" b="1" dirty="0">
+              <a:latin typeface="Consolas" panose="020B0609020204030204" pitchFamily="49" charset="0"/>
+            </a:endParaRPr>
+          </a:p>
+          <a:p>
+            <a:r>
+              <a:rPr lang="en-US" sz="1300" b="1" dirty="0">
+                <a:latin typeface="Consolas" panose="020B0609020204030204" pitchFamily="49" charset="0"/>
+              </a:rPr>
+              <a:t># How could you print the game board?</a:t>
+            </a:r>
+          </a:p>
+        </p:txBody>
+      </p:sp>
+    </p:spTree>
+    <p:extLst>
+      <p:ext uri="{BB962C8B-B14F-4D97-AF65-F5344CB8AC3E}">
+        <p14:creationId xmlns:p14="http://schemas.microsoft.com/office/powerpoint/2010/main" val="1562568191"/>
+      </p:ext>
+    </p:extLst>
+  </p:cSld>
+  <p:clrMapOvr>
+    <a:masterClrMapping/>
+  </p:clrMapOvr>
+</p:sld>
+</file>
+
+<file path=ppt/slides/slide12.xml><?xml version="1.0" encoding="utf-8"?>
 <p:sld xmlns:a="http://schemas.openxmlformats.org/drawingml/2006/main" xmlns:r="http://schemas.openxmlformats.org/officeDocument/2006/relationships" xmlns:p="http://schemas.openxmlformats.org/presentationml/2006/main">
   <p:cSld>
     <p:bg>
@@ -4794,6 +5567,1373 @@
                 <a:ea typeface="+mj-ea"/>
                 <a:cs typeface="+mj-cs"/>
               </a:rPr>
+              <a:t>The Formatted Ocean</a:t>
+            </a:r>
+          </a:p>
+        </p:txBody>
+      </p:sp>
+      <p:sp>
+        <p:nvSpPr>
+          <p:cNvPr id="7" name="TextBox 6">
+            <a:extLst>
+              <a:ext uri="{FF2B5EF4-FFF2-40B4-BE49-F238E27FC236}">
+                <a16:creationId xmlns:a16="http://schemas.microsoft.com/office/drawing/2014/main" id="{CE3CFA69-2FE3-4DB0-BDA1-81F782AABDF8}"/>
+              </a:ext>
+            </a:extLst>
+          </p:cNvPr>
+          <p:cNvSpPr txBox="1"/>
+          <p:nvPr/>
+        </p:nvSpPr>
+        <p:spPr>
+          <a:xfrm>
+            <a:off x="3961701" y="386498"/>
+            <a:ext cx="7077087" cy="954107"/>
+          </a:xfrm>
+          <a:prstGeom prst="rect">
+            <a:avLst/>
+          </a:prstGeom>
+          <a:noFill/>
+        </p:spPr>
+        <p:txBody>
+          <a:bodyPr wrap="square" rtlCol="0">
+            <a:spAutoFit/>
+          </a:bodyPr>
+          <a:lstStyle/>
+          <a:p>
+            <a:r>
+              <a:rPr lang="en-US" sz="2800" b="1" dirty="0">
+                <a:latin typeface="Consolas" panose="020B0609020204030204" pitchFamily="49" charset="0"/>
+              </a:rPr>
+              <a:t>board = </a:t>
+            </a:r>
+            <a:r>
+              <a:rPr lang="en-US" sz="2800" b="1" dirty="0" err="1">
+                <a:latin typeface="Consolas" panose="020B0609020204030204" pitchFamily="49" charset="0"/>
+              </a:rPr>
+              <a:t>getNewBoard</a:t>
+            </a:r>
+            <a:r>
+              <a:rPr lang="en-US" sz="2800" b="1" dirty="0">
+                <a:latin typeface="Consolas" panose="020B0609020204030204" pitchFamily="49" charset="0"/>
+              </a:rPr>
+              <a:t>()</a:t>
+            </a:r>
+          </a:p>
+          <a:p>
+            <a:r>
+              <a:rPr lang="en-US" sz="2800" b="1" dirty="0">
+                <a:latin typeface="Consolas" panose="020B0609020204030204" pitchFamily="49" charset="0"/>
+              </a:rPr>
+              <a:t>print(</a:t>
+            </a:r>
+            <a:r>
+              <a:rPr lang="en-US" sz="2800" b="1" dirty="0" err="1">
+                <a:latin typeface="Consolas" panose="020B0609020204030204" pitchFamily="49" charset="0"/>
+              </a:rPr>
+              <a:t>drawBoard</a:t>
+            </a:r>
+            <a:r>
+              <a:rPr lang="en-US" sz="2800" b="1" dirty="0">
+                <a:latin typeface="Consolas" panose="020B0609020204030204" pitchFamily="49" charset="0"/>
+              </a:rPr>
+              <a:t>(board))</a:t>
+            </a:r>
+          </a:p>
+        </p:txBody>
+      </p:sp>
+      <p:pic>
+        <p:nvPicPr>
+          <p:cNvPr id="4" name="Picture 3">
+            <a:extLst>
+              <a:ext uri="{FF2B5EF4-FFF2-40B4-BE49-F238E27FC236}">
+                <a16:creationId xmlns:a16="http://schemas.microsoft.com/office/drawing/2014/main" id="{A9188330-2B27-4497-9594-62331806BD60}"/>
+              </a:ext>
+            </a:extLst>
+          </p:cNvPr>
+          <p:cNvPicPr>
+            <a:picLocks noChangeAspect="1"/>
+          </p:cNvPicPr>
+          <p:nvPr/>
+        </p:nvPicPr>
+        <p:blipFill>
+          <a:blip r:embed="rId2">
+            <a:extLst>
+              <a:ext uri="{28A0092B-C50C-407E-A947-70E740481C1C}">
+                <a14:useLocalDpi xmlns:a14="http://schemas.microsoft.com/office/drawing/2010/main" val="0"/>
+              </a:ext>
+            </a:extLst>
+          </a:blip>
+          <a:stretch>
+            <a:fillRect/>
+          </a:stretch>
+        </p:blipFill>
+        <p:spPr>
+          <a:xfrm>
+            <a:off x="3693795" y="1528027"/>
+            <a:ext cx="7858125" cy="4943475"/>
+          </a:xfrm>
+          <a:prstGeom prst="rect">
+            <a:avLst/>
+          </a:prstGeom>
+        </p:spPr>
+      </p:pic>
+    </p:spTree>
+    <p:extLst>
+      <p:ext uri="{BB962C8B-B14F-4D97-AF65-F5344CB8AC3E}">
+        <p14:creationId xmlns:p14="http://schemas.microsoft.com/office/powerpoint/2010/main" val="2932499789"/>
+      </p:ext>
+    </p:extLst>
+  </p:cSld>
+  <p:clrMapOvr>
+    <a:masterClrMapping/>
+  </p:clrMapOvr>
+</p:sld>
+</file>
+
+<file path=ppt/slides/slide13.xml><?xml version="1.0" encoding="utf-8"?>
+<p:sld xmlns:a="http://schemas.openxmlformats.org/drawingml/2006/main" xmlns:r="http://schemas.openxmlformats.org/officeDocument/2006/relationships" xmlns:p="http://schemas.openxmlformats.org/presentationml/2006/main">
+  <p:cSld>
+    <p:spTree>
+      <p:nvGrpSpPr>
+        <p:cNvPr id="1" name=""/>
+        <p:cNvGrpSpPr/>
+        <p:nvPr/>
+      </p:nvGrpSpPr>
+      <p:grpSpPr>
+        <a:xfrm>
+          <a:off x="0" y="0"/>
+          <a:ext cx="0" cy="0"/>
+          <a:chOff x="0" y="0"/>
+          <a:chExt cx="0" cy="0"/>
+        </a:xfrm>
+      </p:grpSpPr>
+      <p:sp>
+        <p:nvSpPr>
+          <p:cNvPr id="4" name="Rectangle 3">
+            <a:extLst>
+              <a:ext uri="{FF2B5EF4-FFF2-40B4-BE49-F238E27FC236}">
+                <a16:creationId xmlns:a16="http://schemas.microsoft.com/office/drawing/2014/main" id="{D47C482D-7615-4EE3-A8B0-F3613D9E26CB}"/>
+              </a:ext>
+            </a:extLst>
+          </p:cNvPr>
+          <p:cNvSpPr/>
+          <p:nvPr/>
+        </p:nvSpPr>
+        <p:spPr>
+          <a:xfrm>
+            <a:off x="567267" y="513140"/>
+            <a:ext cx="11311466" cy="2862322"/>
+          </a:xfrm>
+          <a:prstGeom prst="rect">
+            <a:avLst/>
+          </a:prstGeom>
+        </p:spPr>
+        <p:txBody>
+          <a:bodyPr wrap="square">
+            <a:spAutoFit/>
+          </a:bodyPr>
+          <a:lstStyle/>
+          <a:p>
+            <a:r>
+              <a:rPr lang="en-US" b="1" dirty="0">
+                <a:latin typeface="Consolas" panose="020B0609020204030204" pitchFamily="49" charset="0"/>
+              </a:rPr>
+              <a:t>def </a:t>
+            </a:r>
+            <a:r>
+              <a:rPr lang="en-US" b="1" dirty="0" err="1">
+                <a:latin typeface="Consolas" panose="020B0609020204030204" pitchFamily="49" charset="0"/>
+              </a:rPr>
+              <a:t>getRandomChests</a:t>
+            </a:r>
+            <a:r>
+              <a:rPr lang="en-US" b="1" dirty="0">
+                <a:latin typeface="Consolas" panose="020B0609020204030204" pitchFamily="49" charset="0"/>
+              </a:rPr>
+              <a:t>(</a:t>
+            </a:r>
+            <a:r>
+              <a:rPr lang="en-US" b="1" dirty="0" err="1">
+                <a:latin typeface="Consolas" panose="020B0609020204030204" pitchFamily="49" charset="0"/>
+              </a:rPr>
+              <a:t>numChests</a:t>
+            </a:r>
+            <a:r>
+              <a:rPr lang="en-US" b="1" dirty="0">
+                <a:latin typeface="Consolas" panose="020B0609020204030204" pitchFamily="49" charset="0"/>
+              </a:rPr>
+              <a:t>):</a:t>
+            </a:r>
+          </a:p>
+          <a:p>
+            <a:r>
+              <a:rPr lang="en-US" b="1" dirty="0">
+                <a:latin typeface="Consolas" panose="020B0609020204030204" pitchFamily="49" charset="0"/>
+              </a:rPr>
+              <a:t>    # Create a list of chest data structures </a:t>
+            </a:r>
+          </a:p>
+          <a:p>
+            <a:r>
+              <a:rPr lang="en-US" b="1" dirty="0">
+                <a:latin typeface="Consolas" panose="020B0609020204030204" pitchFamily="49" charset="0"/>
+              </a:rPr>
+              <a:t>    # (two-item lists of x, y int coordinates).</a:t>
+            </a:r>
+          </a:p>
+          <a:p>
+            <a:r>
+              <a:rPr lang="en-US" b="1" dirty="0">
+                <a:latin typeface="Consolas" panose="020B0609020204030204" pitchFamily="49" charset="0"/>
+              </a:rPr>
+              <a:t>    chests = []</a:t>
+            </a:r>
+          </a:p>
+          <a:p>
+            <a:r>
+              <a:rPr lang="en-US" b="1" dirty="0">
+                <a:latin typeface="Consolas" panose="020B0609020204030204" pitchFamily="49" charset="0"/>
+              </a:rPr>
+              <a:t>    while </a:t>
+            </a:r>
+            <a:r>
+              <a:rPr lang="en-US" b="1" dirty="0" err="1">
+                <a:latin typeface="Consolas" panose="020B0609020204030204" pitchFamily="49" charset="0"/>
+              </a:rPr>
+              <a:t>len</a:t>
+            </a:r>
+            <a:r>
+              <a:rPr lang="en-US" b="1" dirty="0">
+                <a:latin typeface="Consolas" panose="020B0609020204030204" pitchFamily="49" charset="0"/>
+              </a:rPr>
+              <a:t>(chests) &lt; </a:t>
+            </a:r>
+            <a:r>
+              <a:rPr lang="en-US" b="1" dirty="0" err="1">
+                <a:latin typeface="Consolas" panose="020B0609020204030204" pitchFamily="49" charset="0"/>
+              </a:rPr>
+              <a:t>numChests</a:t>
+            </a:r>
+            <a:r>
+              <a:rPr lang="en-US" b="1" dirty="0">
+                <a:latin typeface="Consolas" panose="020B0609020204030204" pitchFamily="49" charset="0"/>
+              </a:rPr>
+              <a:t>:</a:t>
+            </a:r>
+          </a:p>
+          <a:p>
+            <a:r>
+              <a:rPr lang="en-US" b="1" dirty="0">
+                <a:latin typeface="Consolas" panose="020B0609020204030204" pitchFamily="49" charset="0"/>
+              </a:rPr>
+              <a:t>        </a:t>
+            </a:r>
+            <a:r>
+              <a:rPr lang="en-US" b="1" dirty="0" err="1">
+                <a:latin typeface="Consolas" panose="020B0609020204030204" pitchFamily="49" charset="0"/>
+              </a:rPr>
+              <a:t>newChest</a:t>
+            </a:r>
+            <a:r>
+              <a:rPr lang="en-US" b="1" dirty="0">
+                <a:latin typeface="Consolas" panose="020B0609020204030204" pitchFamily="49" charset="0"/>
+              </a:rPr>
+              <a:t> = [</a:t>
+            </a:r>
+            <a:r>
+              <a:rPr lang="en-US" b="1" dirty="0" err="1">
+                <a:latin typeface="Consolas" panose="020B0609020204030204" pitchFamily="49" charset="0"/>
+              </a:rPr>
+              <a:t>random.randint</a:t>
+            </a:r>
+            <a:r>
+              <a:rPr lang="en-US" b="1" dirty="0">
+                <a:latin typeface="Consolas" panose="020B0609020204030204" pitchFamily="49" charset="0"/>
+              </a:rPr>
+              <a:t>(0, 59), </a:t>
+            </a:r>
+            <a:r>
+              <a:rPr lang="en-US" b="1" dirty="0" err="1">
+                <a:latin typeface="Consolas" panose="020B0609020204030204" pitchFamily="49" charset="0"/>
+              </a:rPr>
+              <a:t>random.randint</a:t>
+            </a:r>
+            <a:r>
+              <a:rPr lang="en-US" b="1" dirty="0">
+                <a:latin typeface="Consolas" panose="020B0609020204030204" pitchFamily="49" charset="0"/>
+              </a:rPr>
+              <a:t>(0, 14)]</a:t>
+            </a:r>
+          </a:p>
+          <a:p>
+            <a:r>
+              <a:rPr lang="en-US" b="1" dirty="0">
+                <a:latin typeface="Consolas" panose="020B0609020204030204" pitchFamily="49" charset="0"/>
+              </a:rPr>
+              <a:t>        if </a:t>
+            </a:r>
+            <a:r>
+              <a:rPr lang="en-US" b="1" dirty="0" err="1">
+                <a:latin typeface="Consolas" panose="020B0609020204030204" pitchFamily="49" charset="0"/>
+              </a:rPr>
+              <a:t>newChest</a:t>
+            </a:r>
+            <a:r>
+              <a:rPr lang="en-US" b="1" dirty="0">
+                <a:latin typeface="Consolas" panose="020B0609020204030204" pitchFamily="49" charset="0"/>
+              </a:rPr>
+              <a:t> not in chests: </a:t>
+            </a:r>
+          </a:p>
+          <a:p>
+            <a:r>
+              <a:rPr lang="en-US" b="1" dirty="0">
+                <a:latin typeface="Consolas" panose="020B0609020204030204" pitchFamily="49" charset="0"/>
+              </a:rPr>
+              <a:t>            # Make sure a chest is not already here.</a:t>
+            </a:r>
+          </a:p>
+          <a:p>
+            <a:r>
+              <a:rPr lang="en-US" b="1" dirty="0">
+                <a:latin typeface="Consolas" panose="020B0609020204030204" pitchFamily="49" charset="0"/>
+              </a:rPr>
+              <a:t>            </a:t>
+            </a:r>
+            <a:r>
+              <a:rPr lang="en-US" b="1" dirty="0" err="1">
+                <a:latin typeface="Consolas" panose="020B0609020204030204" pitchFamily="49" charset="0"/>
+              </a:rPr>
+              <a:t>chests.append</a:t>
+            </a:r>
+            <a:r>
+              <a:rPr lang="en-US" b="1" dirty="0">
+                <a:latin typeface="Consolas" panose="020B0609020204030204" pitchFamily="49" charset="0"/>
+              </a:rPr>
+              <a:t>(</a:t>
+            </a:r>
+            <a:r>
+              <a:rPr lang="en-US" b="1" dirty="0" err="1">
+                <a:latin typeface="Consolas" panose="020B0609020204030204" pitchFamily="49" charset="0"/>
+              </a:rPr>
+              <a:t>newChest</a:t>
+            </a:r>
+            <a:r>
+              <a:rPr lang="en-US" b="1" dirty="0">
+                <a:latin typeface="Consolas" panose="020B0609020204030204" pitchFamily="49" charset="0"/>
+              </a:rPr>
+              <a:t>)</a:t>
+            </a:r>
+          </a:p>
+          <a:p>
+            <a:r>
+              <a:rPr lang="en-US" b="1" dirty="0">
+                <a:latin typeface="Consolas" panose="020B0609020204030204" pitchFamily="49" charset="0"/>
+              </a:rPr>
+              <a:t>    return chests</a:t>
+            </a:r>
+          </a:p>
+        </p:txBody>
+      </p:sp>
+    </p:spTree>
+    <p:extLst>
+      <p:ext uri="{BB962C8B-B14F-4D97-AF65-F5344CB8AC3E}">
+        <p14:creationId xmlns:p14="http://schemas.microsoft.com/office/powerpoint/2010/main" val="2115260168"/>
+      </p:ext>
+    </p:extLst>
+  </p:cSld>
+  <p:clrMapOvr>
+    <a:masterClrMapping/>
+  </p:clrMapOvr>
+</p:sld>
+</file>
+
+<file path=ppt/slides/slide14.xml><?xml version="1.0" encoding="utf-8"?>
+<p:sld xmlns:a="http://schemas.openxmlformats.org/drawingml/2006/main" xmlns:r="http://schemas.openxmlformats.org/officeDocument/2006/relationships" xmlns:p="http://schemas.openxmlformats.org/presentationml/2006/main">
+  <p:cSld>
+    <p:bg>
+      <p:bgPr>
+        <a:solidFill>
+          <a:schemeClr val="bg1"/>
+        </a:solidFill>
+        <a:effectLst/>
+      </p:bgPr>
+    </p:bg>
+    <p:spTree>
+      <p:nvGrpSpPr>
+        <p:cNvPr id="1" name=""/>
+        <p:cNvGrpSpPr/>
+        <p:nvPr/>
+      </p:nvGrpSpPr>
+      <p:grpSpPr>
+        <a:xfrm>
+          <a:off x="0" y="0"/>
+          <a:ext cx="0" cy="0"/>
+          <a:chOff x="0" y="0"/>
+          <a:chExt cx="0" cy="0"/>
+        </a:xfrm>
+      </p:grpSpPr>
+      <p:sp>
+        <p:nvSpPr>
+          <p:cNvPr id="71" name="Rectangle 70">
+            <a:extLst>
+              <a:ext uri="{FF2B5EF4-FFF2-40B4-BE49-F238E27FC236}">
+                <a16:creationId xmlns:a16="http://schemas.microsoft.com/office/drawing/2014/main" id="{6753252F-4873-4F63-801D-CC719279A7D5}"/>
+              </a:ext>
+              <a:ext uri="{C183D7F6-B498-43B3-948B-1728B52AA6E4}">
+                <adec:decorative xmlns:adec="http://schemas.microsoft.com/office/drawing/2017/decorative" val="1"/>
+              </a:ext>
+            </a:extLst>
+          </p:cNvPr>
+          <p:cNvSpPr>
+            <a:spLocks noGrp="1" noRot="1" noChangeAspect="1" noMove="1" noResize="1" noEditPoints="1" noAdjustHandles="1" noChangeArrowheads="1" noChangeShapeType="1" noTextEdit="1"/>
+          </p:cNvSpPr>
+          <p:nvPr>
+            <p:extLst>
+              <p:ext uri="{386F3935-93C4-4BCD-93E2-E3B085C9AB24}">
+                <p16:designElem xmlns:p16="http://schemas.microsoft.com/office/powerpoint/2015/main" val="1"/>
+              </p:ext>
+            </p:extLst>
+          </p:nvPr>
+        </p:nvSpPr>
+        <p:spPr>
+          <a:xfrm>
+            <a:off x="0" y="0"/>
+            <a:ext cx="12192000" cy="6858000"/>
+          </a:xfrm>
+          <a:prstGeom prst="rect">
+            <a:avLst/>
+          </a:prstGeom>
+          <a:solidFill>
+            <a:srgbClr val="FFFFFF"/>
+          </a:solidFill>
+          <a:ln>
+            <a:noFill/>
+          </a:ln>
+        </p:spPr>
+        <p:style>
+          <a:lnRef idx="2">
+            <a:schemeClr val="accent1">
+              <a:shade val="50000"/>
+            </a:schemeClr>
+          </a:lnRef>
+          <a:fillRef idx="1">
+            <a:schemeClr val="accent1"/>
+          </a:fillRef>
+          <a:effectRef idx="0">
+            <a:schemeClr val="accent1"/>
+          </a:effectRef>
+          <a:fontRef idx="minor">
+            <a:schemeClr val="lt1"/>
+          </a:fontRef>
+        </p:style>
+        <p:txBody>
+          <a:bodyPr rtlCol="0" anchor="ctr"/>
+          <a:lstStyle/>
+          <a:p>
+            <a:pPr algn="ctr"/>
+            <a:endParaRPr lang="en-US"/>
+          </a:p>
+        </p:txBody>
+      </p:sp>
+      <p:sp>
+        <p:nvSpPr>
+          <p:cNvPr id="73" name="Rectangle 72">
+            <a:extLst>
+              <a:ext uri="{FF2B5EF4-FFF2-40B4-BE49-F238E27FC236}">
+                <a16:creationId xmlns:a16="http://schemas.microsoft.com/office/drawing/2014/main" id="{047C8CCB-F95D-4249-92DD-651249D3535A}"/>
+              </a:ext>
+              <a:ext uri="{C183D7F6-B498-43B3-948B-1728B52AA6E4}">
+                <adec:decorative xmlns:adec="http://schemas.microsoft.com/office/drawing/2017/decorative" val="1"/>
+              </a:ext>
+            </a:extLst>
+          </p:cNvPr>
+          <p:cNvSpPr>
+            <a:spLocks noGrp="1" noRot="1" noChangeAspect="1" noMove="1" noResize="1" noEditPoints="1" noAdjustHandles="1" noChangeArrowheads="1" noChangeShapeType="1" noTextEdit="1"/>
+          </p:cNvSpPr>
+          <p:nvPr>
+            <p:extLst>
+              <p:ext uri="{386F3935-93C4-4BCD-93E2-E3B085C9AB24}">
+                <p16:designElem xmlns:p16="http://schemas.microsoft.com/office/powerpoint/2015/main" val="1"/>
+              </p:ext>
+            </p:extLst>
+          </p:nvPr>
+        </p:nvSpPr>
+        <p:spPr>
+          <a:xfrm>
+            <a:off x="0" y="0"/>
+            <a:ext cx="2013557" cy="6858000"/>
+          </a:xfrm>
+          <a:prstGeom prst="rect">
+            <a:avLst/>
+          </a:prstGeom>
+          <a:solidFill>
+            <a:srgbClr val="7F7F7F"/>
+          </a:solidFill>
+          <a:ln>
+            <a:noFill/>
+          </a:ln>
+        </p:spPr>
+        <p:style>
+          <a:lnRef idx="2">
+            <a:schemeClr val="accent1">
+              <a:shade val="50000"/>
+            </a:schemeClr>
+          </a:lnRef>
+          <a:fillRef idx="1">
+            <a:schemeClr val="accent1"/>
+          </a:fillRef>
+          <a:effectRef idx="0">
+            <a:schemeClr val="accent1"/>
+          </a:effectRef>
+          <a:fontRef idx="minor">
+            <a:schemeClr val="lt1"/>
+          </a:fontRef>
+        </p:style>
+        <p:txBody>
+          <a:bodyPr rtlCol="0" anchor="ctr"/>
+          <a:lstStyle/>
+          <a:p>
+            <a:pPr algn="ctr"/>
+            <a:endParaRPr lang="en-US"/>
+          </a:p>
+        </p:txBody>
+      </p:sp>
+      <p:sp>
+        <p:nvSpPr>
+          <p:cNvPr id="2" name="Title 1">
+            <a:extLst>
+              <a:ext uri="{FF2B5EF4-FFF2-40B4-BE49-F238E27FC236}">
+                <a16:creationId xmlns:a16="http://schemas.microsoft.com/office/drawing/2014/main" id="{58A59161-4808-4BDE-8680-799A7736103D}"/>
+              </a:ext>
+            </a:extLst>
+          </p:cNvPr>
+          <p:cNvSpPr>
+            <a:spLocks noGrp="1"/>
+          </p:cNvSpPr>
+          <p:nvPr>
+            <p:ph type="title"/>
+          </p:nvPr>
+        </p:nvSpPr>
+        <p:spPr>
+          <a:xfrm>
+            <a:off x="640080" y="2074363"/>
+            <a:ext cx="2752354" cy="2709275"/>
+          </a:xfrm>
+          <a:prstGeom prst="ellipse">
+            <a:avLst/>
+          </a:prstGeom>
+          <a:solidFill>
+            <a:srgbClr val="262626"/>
+          </a:solidFill>
+          <a:ln w="174625" cmpd="thinThick">
+            <a:solidFill>
+              <a:srgbClr val="262626"/>
+            </a:solidFill>
+          </a:ln>
+        </p:spPr>
+        <p:txBody>
+          <a:bodyPr vert="horz" lIns="91440" tIns="45720" rIns="91440" bIns="45720" rtlCol="0" anchor="ctr">
+            <a:normAutofit/>
+          </a:bodyPr>
+          <a:lstStyle/>
+          <a:p>
+            <a:pPr algn="ctr"/>
+            <a:r>
+              <a:rPr lang="en-US" sz="2600" kern="1200" dirty="0">
+                <a:solidFill>
+                  <a:srgbClr val="FFFFFF"/>
+                </a:solidFill>
+                <a:latin typeface="+mj-lt"/>
+                <a:ea typeface="+mj-ea"/>
+                <a:cs typeface="+mj-cs"/>
+              </a:rPr>
+              <a:t>Show the Chests</a:t>
+            </a:r>
+          </a:p>
+        </p:txBody>
+      </p:sp>
+      <p:sp>
+        <p:nvSpPr>
+          <p:cNvPr id="7" name="TextBox 6">
+            <a:extLst>
+              <a:ext uri="{FF2B5EF4-FFF2-40B4-BE49-F238E27FC236}">
+                <a16:creationId xmlns:a16="http://schemas.microsoft.com/office/drawing/2014/main" id="{CE3CFA69-2FE3-4DB0-BDA1-81F782AABDF8}"/>
+              </a:ext>
+            </a:extLst>
+          </p:cNvPr>
+          <p:cNvSpPr txBox="1"/>
+          <p:nvPr/>
+        </p:nvSpPr>
+        <p:spPr>
+          <a:xfrm>
+            <a:off x="4732168" y="301832"/>
+            <a:ext cx="7077087" cy="523220"/>
+          </a:xfrm>
+          <a:prstGeom prst="rect">
+            <a:avLst/>
+          </a:prstGeom>
+          <a:noFill/>
+        </p:spPr>
+        <p:txBody>
+          <a:bodyPr wrap="square" rtlCol="0">
+            <a:spAutoFit/>
+          </a:bodyPr>
+          <a:lstStyle/>
+          <a:p>
+            <a:r>
+              <a:rPr lang="en-US" sz="2800" b="1" dirty="0">
+                <a:latin typeface="Consolas" panose="020B0609020204030204" pitchFamily="49" charset="0"/>
+              </a:rPr>
+              <a:t>print(</a:t>
+            </a:r>
+            <a:r>
+              <a:rPr lang="en-US" sz="2800" b="1" dirty="0" err="1">
+                <a:latin typeface="Consolas" panose="020B0609020204030204" pitchFamily="49" charset="0"/>
+              </a:rPr>
+              <a:t>getRandomChests</a:t>
+            </a:r>
+            <a:r>
+              <a:rPr lang="en-US" sz="2800" b="1" dirty="0">
+                <a:latin typeface="Consolas" panose="020B0609020204030204" pitchFamily="49" charset="0"/>
+              </a:rPr>
+              <a:t>(3))</a:t>
+            </a:r>
+          </a:p>
+        </p:txBody>
+      </p:sp>
+      <p:pic>
+        <p:nvPicPr>
+          <p:cNvPr id="5" name="Picture 4">
+            <a:extLst>
+              <a:ext uri="{FF2B5EF4-FFF2-40B4-BE49-F238E27FC236}">
+                <a16:creationId xmlns:a16="http://schemas.microsoft.com/office/drawing/2014/main" id="{D982DD45-4797-452A-8565-2576C7A81CA5}"/>
+              </a:ext>
+            </a:extLst>
+          </p:cNvPr>
+          <p:cNvPicPr>
+            <a:picLocks noChangeAspect="1"/>
+          </p:cNvPicPr>
+          <p:nvPr/>
+        </p:nvPicPr>
+        <p:blipFill>
+          <a:blip r:embed="rId2">
+            <a:extLst>
+              <a:ext uri="{28A0092B-C50C-407E-A947-70E740481C1C}">
+                <a14:useLocalDpi xmlns:a14="http://schemas.microsoft.com/office/drawing/2010/main" val="0"/>
+              </a:ext>
+            </a:extLst>
+          </a:blip>
+          <a:stretch>
+            <a:fillRect/>
+          </a:stretch>
+        </p:blipFill>
+        <p:spPr>
+          <a:xfrm>
+            <a:off x="3910901" y="912812"/>
+            <a:ext cx="7419975" cy="257175"/>
+          </a:xfrm>
+          <a:prstGeom prst="rect">
+            <a:avLst/>
+          </a:prstGeom>
+        </p:spPr>
+      </p:pic>
+      <p:pic>
+        <p:nvPicPr>
+          <p:cNvPr id="8" name="Picture 7">
+            <a:extLst>
+              <a:ext uri="{FF2B5EF4-FFF2-40B4-BE49-F238E27FC236}">
+                <a16:creationId xmlns:a16="http://schemas.microsoft.com/office/drawing/2014/main" id="{2B5660FE-7968-4439-870B-9D8CD319262C}"/>
+              </a:ext>
+            </a:extLst>
+          </p:cNvPr>
+          <p:cNvPicPr>
+            <a:picLocks noChangeAspect="1"/>
+          </p:cNvPicPr>
+          <p:nvPr/>
+        </p:nvPicPr>
+        <p:blipFill>
+          <a:blip r:embed="rId3">
+            <a:extLst>
+              <a:ext uri="{28A0092B-C50C-407E-A947-70E740481C1C}">
+                <a14:useLocalDpi xmlns:a14="http://schemas.microsoft.com/office/drawing/2010/main" val="0"/>
+              </a:ext>
+            </a:extLst>
+          </a:blip>
+          <a:stretch>
+            <a:fillRect/>
+          </a:stretch>
+        </p:blipFill>
+        <p:spPr>
+          <a:xfrm>
+            <a:off x="3532954" y="1257747"/>
+            <a:ext cx="8565671" cy="5388586"/>
+          </a:xfrm>
+          <a:prstGeom prst="rect">
+            <a:avLst/>
+          </a:prstGeom>
+        </p:spPr>
+      </p:pic>
+    </p:spTree>
+    <p:extLst>
+      <p:ext uri="{BB962C8B-B14F-4D97-AF65-F5344CB8AC3E}">
+        <p14:creationId xmlns:p14="http://schemas.microsoft.com/office/powerpoint/2010/main" val="3937377197"/>
+      </p:ext>
+    </p:extLst>
+  </p:cSld>
+  <p:clrMapOvr>
+    <a:masterClrMapping/>
+  </p:clrMapOvr>
+</p:sld>
+</file>
+
+<file path=ppt/slides/slide15.xml><?xml version="1.0" encoding="utf-8"?>
+<p:sld xmlns:a="http://schemas.openxmlformats.org/drawingml/2006/main" xmlns:r="http://schemas.openxmlformats.org/officeDocument/2006/relationships" xmlns:p="http://schemas.openxmlformats.org/presentationml/2006/main">
+  <p:cSld>
+    <p:bg>
+      <p:bgPr>
+        <a:solidFill>
+          <a:schemeClr val="bg1"/>
+        </a:solidFill>
+        <a:effectLst/>
+      </p:bgPr>
+    </p:bg>
+    <p:spTree>
+      <p:nvGrpSpPr>
+        <p:cNvPr id="1" name=""/>
+        <p:cNvGrpSpPr/>
+        <p:nvPr/>
+      </p:nvGrpSpPr>
+      <p:grpSpPr>
+        <a:xfrm>
+          <a:off x="0" y="0"/>
+          <a:ext cx="0" cy="0"/>
+          <a:chOff x="0" y="0"/>
+          <a:chExt cx="0" cy="0"/>
+        </a:xfrm>
+      </p:grpSpPr>
+      <p:sp>
+        <p:nvSpPr>
+          <p:cNvPr id="71" name="Rectangle 70">
+            <a:extLst>
+              <a:ext uri="{FF2B5EF4-FFF2-40B4-BE49-F238E27FC236}">
+                <a16:creationId xmlns:a16="http://schemas.microsoft.com/office/drawing/2014/main" id="{6753252F-4873-4F63-801D-CC719279A7D5}"/>
+              </a:ext>
+              <a:ext uri="{C183D7F6-B498-43B3-948B-1728B52AA6E4}">
+                <adec:decorative xmlns:adec="http://schemas.microsoft.com/office/drawing/2017/decorative" val="1"/>
+              </a:ext>
+            </a:extLst>
+          </p:cNvPr>
+          <p:cNvSpPr>
+            <a:spLocks noGrp="1" noRot="1" noChangeAspect="1" noMove="1" noResize="1" noEditPoints="1" noAdjustHandles="1" noChangeArrowheads="1" noChangeShapeType="1" noTextEdit="1"/>
+          </p:cNvSpPr>
+          <p:nvPr>
+            <p:extLst>
+              <p:ext uri="{386F3935-93C4-4BCD-93E2-E3B085C9AB24}">
+                <p16:designElem xmlns:p16="http://schemas.microsoft.com/office/powerpoint/2015/main" val="1"/>
+              </p:ext>
+            </p:extLst>
+          </p:nvPr>
+        </p:nvSpPr>
+        <p:spPr>
+          <a:xfrm>
+            <a:off x="0" y="0"/>
+            <a:ext cx="12192000" cy="6858000"/>
+          </a:xfrm>
+          <a:prstGeom prst="rect">
+            <a:avLst/>
+          </a:prstGeom>
+          <a:solidFill>
+            <a:srgbClr val="FFFFFF"/>
+          </a:solidFill>
+          <a:ln>
+            <a:noFill/>
+          </a:ln>
+        </p:spPr>
+        <p:style>
+          <a:lnRef idx="2">
+            <a:schemeClr val="accent1">
+              <a:shade val="50000"/>
+            </a:schemeClr>
+          </a:lnRef>
+          <a:fillRef idx="1">
+            <a:schemeClr val="accent1"/>
+          </a:fillRef>
+          <a:effectRef idx="0">
+            <a:schemeClr val="accent1"/>
+          </a:effectRef>
+          <a:fontRef idx="minor">
+            <a:schemeClr val="lt1"/>
+          </a:fontRef>
+        </p:style>
+        <p:txBody>
+          <a:bodyPr rtlCol="0" anchor="ctr"/>
+          <a:lstStyle/>
+          <a:p>
+            <a:pPr algn="ctr"/>
+            <a:endParaRPr lang="en-US"/>
+          </a:p>
+        </p:txBody>
+      </p:sp>
+      <p:sp>
+        <p:nvSpPr>
+          <p:cNvPr id="73" name="Rectangle 72">
+            <a:extLst>
+              <a:ext uri="{FF2B5EF4-FFF2-40B4-BE49-F238E27FC236}">
+                <a16:creationId xmlns:a16="http://schemas.microsoft.com/office/drawing/2014/main" id="{047C8CCB-F95D-4249-92DD-651249D3535A}"/>
+              </a:ext>
+              <a:ext uri="{C183D7F6-B498-43B3-948B-1728B52AA6E4}">
+                <adec:decorative xmlns:adec="http://schemas.microsoft.com/office/drawing/2017/decorative" val="1"/>
+              </a:ext>
+            </a:extLst>
+          </p:cNvPr>
+          <p:cNvSpPr>
+            <a:spLocks noGrp="1" noRot="1" noChangeAspect="1" noMove="1" noResize="1" noEditPoints="1" noAdjustHandles="1" noChangeArrowheads="1" noChangeShapeType="1" noTextEdit="1"/>
+          </p:cNvSpPr>
+          <p:nvPr>
+            <p:extLst>
+              <p:ext uri="{386F3935-93C4-4BCD-93E2-E3B085C9AB24}">
+                <p16:designElem xmlns:p16="http://schemas.microsoft.com/office/powerpoint/2015/main" val="1"/>
+              </p:ext>
+            </p:extLst>
+          </p:nvPr>
+        </p:nvSpPr>
+        <p:spPr>
+          <a:xfrm>
+            <a:off x="0" y="0"/>
+            <a:ext cx="2013557" cy="6858000"/>
+          </a:xfrm>
+          <a:prstGeom prst="rect">
+            <a:avLst/>
+          </a:prstGeom>
+          <a:solidFill>
+            <a:srgbClr val="7F7F7F"/>
+          </a:solidFill>
+          <a:ln>
+            <a:noFill/>
+          </a:ln>
+        </p:spPr>
+        <p:style>
+          <a:lnRef idx="2">
+            <a:schemeClr val="accent1">
+              <a:shade val="50000"/>
+            </a:schemeClr>
+          </a:lnRef>
+          <a:fillRef idx="1">
+            <a:schemeClr val="accent1"/>
+          </a:fillRef>
+          <a:effectRef idx="0">
+            <a:schemeClr val="accent1"/>
+          </a:effectRef>
+          <a:fontRef idx="minor">
+            <a:schemeClr val="lt1"/>
+          </a:fontRef>
+        </p:style>
+        <p:txBody>
+          <a:bodyPr rtlCol="0" anchor="ctr"/>
+          <a:lstStyle/>
+          <a:p>
+            <a:pPr algn="ctr"/>
+            <a:endParaRPr lang="en-US"/>
+          </a:p>
+        </p:txBody>
+      </p:sp>
+      <p:sp>
+        <p:nvSpPr>
+          <p:cNvPr id="2" name="Title 1">
+            <a:extLst>
+              <a:ext uri="{FF2B5EF4-FFF2-40B4-BE49-F238E27FC236}">
+                <a16:creationId xmlns:a16="http://schemas.microsoft.com/office/drawing/2014/main" id="{58A59161-4808-4BDE-8680-799A7736103D}"/>
+              </a:ext>
+            </a:extLst>
+          </p:cNvPr>
+          <p:cNvSpPr>
+            <a:spLocks noGrp="1"/>
+          </p:cNvSpPr>
+          <p:nvPr>
+            <p:ph type="title"/>
+          </p:nvPr>
+        </p:nvSpPr>
+        <p:spPr>
+          <a:xfrm>
+            <a:off x="640080" y="2074363"/>
+            <a:ext cx="2752354" cy="2709275"/>
+          </a:xfrm>
+          <a:prstGeom prst="ellipse">
+            <a:avLst/>
+          </a:prstGeom>
+          <a:solidFill>
+            <a:srgbClr val="262626"/>
+          </a:solidFill>
+          <a:ln w="174625" cmpd="thinThick">
+            <a:solidFill>
+              <a:srgbClr val="262626"/>
+            </a:solidFill>
+          </a:ln>
+        </p:spPr>
+        <p:txBody>
+          <a:bodyPr vert="horz" lIns="91440" tIns="45720" rIns="91440" bIns="45720" rtlCol="0" anchor="ctr">
+            <a:normAutofit/>
+          </a:bodyPr>
+          <a:lstStyle/>
+          <a:p>
+            <a:pPr algn="ctr"/>
+            <a:r>
+              <a:rPr lang="en-US" sz="2600" kern="1200" dirty="0">
+                <a:solidFill>
+                  <a:srgbClr val="FFFFFF"/>
+                </a:solidFill>
+                <a:latin typeface="+mj-lt"/>
+                <a:ea typeface="+mj-ea"/>
+                <a:cs typeface="+mj-cs"/>
+              </a:rPr>
+              <a:t>Show the Chests</a:t>
+            </a:r>
+          </a:p>
+        </p:txBody>
+      </p:sp>
+      <p:sp>
+        <p:nvSpPr>
+          <p:cNvPr id="7" name="TextBox 6">
+            <a:extLst>
+              <a:ext uri="{FF2B5EF4-FFF2-40B4-BE49-F238E27FC236}">
+                <a16:creationId xmlns:a16="http://schemas.microsoft.com/office/drawing/2014/main" id="{CE3CFA69-2FE3-4DB0-BDA1-81F782AABDF8}"/>
+              </a:ext>
+            </a:extLst>
+          </p:cNvPr>
+          <p:cNvSpPr txBox="1"/>
+          <p:nvPr/>
+        </p:nvSpPr>
+        <p:spPr>
+          <a:xfrm>
+            <a:off x="4732168" y="301832"/>
+            <a:ext cx="7077087" cy="523220"/>
+          </a:xfrm>
+          <a:prstGeom prst="rect">
+            <a:avLst/>
+          </a:prstGeom>
+          <a:noFill/>
+        </p:spPr>
+        <p:txBody>
+          <a:bodyPr wrap="square" rtlCol="0">
+            <a:spAutoFit/>
+          </a:bodyPr>
+          <a:lstStyle/>
+          <a:p>
+            <a:r>
+              <a:rPr lang="en-US" sz="2800" b="1" dirty="0">
+                <a:latin typeface="Consolas" panose="020B0609020204030204" pitchFamily="49" charset="0"/>
+              </a:rPr>
+              <a:t>print(</a:t>
+            </a:r>
+            <a:r>
+              <a:rPr lang="en-US" sz="2800" b="1" dirty="0" err="1">
+                <a:latin typeface="Consolas" panose="020B0609020204030204" pitchFamily="49" charset="0"/>
+              </a:rPr>
+              <a:t>getRandomChests</a:t>
+            </a:r>
+            <a:r>
+              <a:rPr lang="en-US" sz="2800" b="1" dirty="0">
+                <a:latin typeface="Consolas" panose="020B0609020204030204" pitchFamily="49" charset="0"/>
+              </a:rPr>
+              <a:t>(3))</a:t>
+            </a:r>
+          </a:p>
+        </p:txBody>
+      </p:sp>
+      <p:pic>
+        <p:nvPicPr>
+          <p:cNvPr id="5" name="Picture 4">
+            <a:extLst>
+              <a:ext uri="{FF2B5EF4-FFF2-40B4-BE49-F238E27FC236}">
+                <a16:creationId xmlns:a16="http://schemas.microsoft.com/office/drawing/2014/main" id="{D982DD45-4797-452A-8565-2576C7A81CA5}"/>
+              </a:ext>
+            </a:extLst>
+          </p:cNvPr>
+          <p:cNvPicPr>
+            <a:picLocks noChangeAspect="1"/>
+          </p:cNvPicPr>
+          <p:nvPr/>
+        </p:nvPicPr>
+        <p:blipFill>
+          <a:blip r:embed="rId2">
+            <a:extLst>
+              <a:ext uri="{28A0092B-C50C-407E-A947-70E740481C1C}">
+                <a14:useLocalDpi xmlns:a14="http://schemas.microsoft.com/office/drawing/2010/main" val="0"/>
+              </a:ext>
+            </a:extLst>
+          </a:blip>
+          <a:stretch>
+            <a:fillRect/>
+          </a:stretch>
+        </p:blipFill>
+        <p:spPr>
+          <a:xfrm>
+            <a:off x="3910901" y="912812"/>
+            <a:ext cx="7419975" cy="257175"/>
+          </a:xfrm>
+          <a:prstGeom prst="rect">
+            <a:avLst/>
+          </a:prstGeom>
+        </p:spPr>
+      </p:pic>
+      <p:pic>
+        <p:nvPicPr>
+          <p:cNvPr id="8" name="Picture 7">
+            <a:extLst>
+              <a:ext uri="{FF2B5EF4-FFF2-40B4-BE49-F238E27FC236}">
+                <a16:creationId xmlns:a16="http://schemas.microsoft.com/office/drawing/2014/main" id="{2B5660FE-7968-4439-870B-9D8CD319262C}"/>
+              </a:ext>
+            </a:extLst>
+          </p:cNvPr>
+          <p:cNvPicPr>
+            <a:picLocks noChangeAspect="1"/>
+          </p:cNvPicPr>
+          <p:nvPr/>
+        </p:nvPicPr>
+        <p:blipFill>
+          <a:blip r:embed="rId3">
+            <a:extLst>
+              <a:ext uri="{28A0092B-C50C-407E-A947-70E740481C1C}">
+                <a14:useLocalDpi xmlns:a14="http://schemas.microsoft.com/office/drawing/2010/main" val="0"/>
+              </a:ext>
+            </a:extLst>
+          </a:blip>
+          <a:stretch>
+            <a:fillRect/>
+          </a:stretch>
+        </p:blipFill>
+        <p:spPr>
+          <a:xfrm>
+            <a:off x="3532954" y="1257747"/>
+            <a:ext cx="8565671" cy="5388586"/>
+          </a:xfrm>
+          <a:prstGeom prst="rect">
+            <a:avLst/>
+          </a:prstGeom>
+        </p:spPr>
+      </p:pic>
+      <p:pic>
+        <p:nvPicPr>
+          <p:cNvPr id="10" name="Picture 9" descr="A picture containing monitor, sitting, screen, large&#10;&#10;Description automatically generated">
+            <a:extLst>
+              <a:ext uri="{FF2B5EF4-FFF2-40B4-BE49-F238E27FC236}">
+                <a16:creationId xmlns:a16="http://schemas.microsoft.com/office/drawing/2014/main" id="{18656355-7DD9-4E55-A6F1-5EEE27683068}"/>
+              </a:ext>
+            </a:extLst>
+          </p:cNvPr>
+          <p:cNvPicPr>
+            <a:picLocks noChangeAspect="1"/>
+          </p:cNvPicPr>
+          <p:nvPr/>
+        </p:nvPicPr>
+        <p:blipFill>
+          <a:blip r:embed="rId4">
+            <a:extLst>
+              <a:ext uri="{28A0092B-C50C-407E-A947-70E740481C1C}">
+                <a14:useLocalDpi xmlns:a14="http://schemas.microsoft.com/office/drawing/2010/main" val="0"/>
+              </a:ext>
+            </a:extLst>
+          </a:blip>
+          <a:stretch>
+            <a:fillRect/>
+          </a:stretch>
+        </p:blipFill>
+        <p:spPr>
+          <a:xfrm>
+            <a:off x="8198843" y="3361268"/>
+            <a:ext cx="211460" cy="203200"/>
+          </a:xfrm>
+          <a:prstGeom prst="rect">
+            <a:avLst/>
+          </a:prstGeom>
+        </p:spPr>
+      </p:pic>
+      <p:pic>
+        <p:nvPicPr>
+          <p:cNvPr id="13" name="Picture 12" descr="A picture containing monitor, sitting, screen, large&#10;&#10;Description automatically generated">
+            <a:extLst>
+              <a:ext uri="{FF2B5EF4-FFF2-40B4-BE49-F238E27FC236}">
+                <a16:creationId xmlns:a16="http://schemas.microsoft.com/office/drawing/2014/main" id="{B304FB30-E318-4D02-A169-A6A29EC4A337}"/>
+              </a:ext>
+            </a:extLst>
+          </p:cNvPr>
+          <p:cNvPicPr>
+            <a:picLocks noChangeAspect="1"/>
+          </p:cNvPicPr>
+          <p:nvPr/>
+        </p:nvPicPr>
+        <p:blipFill>
+          <a:blip r:embed="rId4">
+            <a:extLst>
+              <a:ext uri="{28A0092B-C50C-407E-A947-70E740481C1C}">
+                <a14:useLocalDpi xmlns:a14="http://schemas.microsoft.com/office/drawing/2010/main" val="0"/>
+              </a:ext>
+            </a:extLst>
+          </a:blip>
+          <a:stretch>
+            <a:fillRect/>
+          </a:stretch>
+        </p:blipFill>
+        <p:spPr>
+          <a:xfrm>
+            <a:off x="9299520" y="3115737"/>
+            <a:ext cx="211460" cy="203200"/>
+          </a:xfrm>
+          <a:prstGeom prst="rect">
+            <a:avLst/>
+          </a:prstGeom>
+        </p:spPr>
+      </p:pic>
+      <p:pic>
+        <p:nvPicPr>
+          <p:cNvPr id="14" name="Picture 13" descr="A picture containing monitor, sitting, screen, large&#10;&#10;Description automatically generated">
+            <a:extLst>
+              <a:ext uri="{FF2B5EF4-FFF2-40B4-BE49-F238E27FC236}">
+                <a16:creationId xmlns:a16="http://schemas.microsoft.com/office/drawing/2014/main" id="{5AE5E96B-319F-461C-A81C-D74F764BFED2}"/>
+              </a:ext>
+            </a:extLst>
+          </p:cNvPr>
+          <p:cNvPicPr>
+            <a:picLocks noChangeAspect="1"/>
+          </p:cNvPicPr>
+          <p:nvPr/>
+        </p:nvPicPr>
+        <p:blipFill>
+          <a:blip r:embed="rId4">
+            <a:extLst>
+              <a:ext uri="{28A0092B-C50C-407E-A947-70E740481C1C}">
+                <a14:useLocalDpi xmlns:a14="http://schemas.microsoft.com/office/drawing/2010/main" val="0"/>
+              </a:ext>
+            </a:extLst>
+          </a:blip>
+          <a:stretch>
+            <a:fillRect/>
+          </a:stretch>
+        </p:blipFill>
+        <p:spPr>
+          <a:xfrm>
+            <a:off x="11162186" y="4131739"/>
+            <a:ext cx="211460" cy="203200"/>
+          </a:xfrm>
+          <a:prstGeom prst="rect">
+            <a:avLst/>
+          </a:prstGeom>
+        </p:spPr>
+      </p:pic>
+    </p:spTree>
+    <p:extLst>
+      <p:ext uri="{BB962C8B-B14F-4D97-AF65-F5344CB8AC3E}">
+        <p14:creationId xmlns:p14="http://schemas.microsoft.com/office/powerpoint/2010/main" val="664669317"/>
+      </p:ext>
+    </p:extLst>
+  </p:cSld>
+  <p:clrMapOvr>
+    <a:masterClrMapping/>
+  </p:clrMapOvr>
+</p:sld>
+</file>
+
+<file path=ppt/slides/slide16.xml><?xml version="1.0" encoding="utf-8"?>
+<p:sld xmlns:a="http://schemas.openxmlformats.org/drawingml/2006/main" xmlns:r="http://schemas.openxmlformats.org/officeDocument/2006/relationships" xmlns:p="http://schemas.openxmlformats.org/presentationml/2006/main">
+  <p:cSld>
+    <p:bg>
+      <p:bgPr>
+        <a:solidFill>
+          <a:schemeClr val="bg1"/>
+        </a:solidFill>
+        <a:effectLst/>
+      </p:bgPr>
+    </p:bg>
+    <p:spTree>
+      <p:nvGrpSpPr>
+        <p:cNvPr id="1" name=""/>
+        <p:cNvGrpSpPr/>
+        <p:nvPr/>
+      </p:nvGrpSpPr>
+      <p:grpSpPr>
+        <a:xfrm>
+          <a:off x="0" y="0"/>
+          <a:ext cx="0" cy="0"/>
+          <a:chOff x="0" y="0"/>
+          <a:chExt cx="0" cy="0"/>
+        </a:xfrm>
+      </p:grpSpPr>
+      <p:sp>
+        <p:nvSpPr>
+          <p:cNvPr id="71" name="Rectangle 70">
+            <a:extLst>
+              <a:ext uri="{FF2B5EF4-FFF2-40B4-BE49-F238E27FC236}">
+                <a16:creationId xmlns:a16="http://schemas.microsoft.com/office/drawing/2014/main" id="{6753252F-4873-4F63-801D-CC719279A7D5}"/>
+              </a:ext>
+              <a:ext uri="{C183D7F6-B498-43B3-948B-1728B52AA6E4}">
+                <adec:decorative xmlns:adec="http://schemas.microsoft.com/office/drawing/2017/decorative" val="1"/>
+              </a:ext>
+            </a:extLst>
+          </p:cNvPr>
+          <p:cNvSpPr>
+            <a:spLocks noGrp="1" noRot="1" noChangeAspect="1" noMove="1" noResize="1" noEditPoints="1" noAdjustHandles="1" noChangeArrowheads="1" noChangeShapeType="1" noTextEdit="1"/>
+          </p:cNvSpPr>
+          <p:nvPr>
+            <p:extLst>
+              <p:ext uri="{386F3935-93C4-4BCD-93E2-E3B085C9AB24}">
+                <p16:designElem xmlns:p16="http://schemas.microsoft.com/office/powerpoint/2015/main" val="1"/>
+              </p:ext>
+            </p:extLst>
+          </p:nvPr>
+        </p:nvSpPr>
+        <p:spPr>
+          <a:xfrm>
+            <a:off x="0" y="0"/>
+            <a:ext cx="12192000" cy="6858000"/>
+          </a:xfrm>
+          <a:prstGeom prst="rect">
+            <a:avLst/>
+          </a:prstGeom>
+          <a:solidFill>
+            <a:srgbClr val="FFFFFF"/>
+          </a:solidFill>
+          <a:ln>
+            <a:noFill/>
+          </a:ln>
+        </p:spPr>
+        <p:style>
+          <a:lnRef idx="2">
+            <a:schemeClr val="accent1">
+              <a:shade val="50000"/>
+            </a:schemeClr>
+          </a:lnRef>
+          <a:fillRef idx="1">
+            <a:schemeClr val="accent1"/>
+          </a:fillRef>
+          <a:effectRef idx="0">
+            <a:schemeClr val="accent1"/>
+          </a:effectRef>
+          <a:fontRef idx="minor">
+            <a:schemeClr val="lt1"/>
+          </a:fontRef>
+        </p:style>
+        <p:txBody>
+          <a:bodyPr rtlCol="0" anchor="ctr"/>
+          <a:lstStyle/>
+          <a:p>
+            <a:pPr algn="ctr"/>
+            <a:endParaRPr lang="en-US"/>
+          </a:p>
+        </p:txBody>
+      </p:sp>
+      <p:sp>
+        <p:nvSpPr>
+          <p:cNvPr id="73" name="Rectangle 72">
+            <a:extLst>
+              <a:ext uri="{FF2B5EF4-FFF2-40B4-BE49-F238E27FC236}">
+                <a16:creationId xmlns:a16="http://schemas.microsoft.com/office/drawing/2014/main" id="{047C8CCB-F95D-4249-92DD-651249D3535A}"/>
+              </a:ext>
+              <a:ext uri="{C183D7F6-B498-43B3-948B-1728B52AA6E4}">
+                <adec:decorative xmlns:adec="http://schemas.microsoft.com/office/drawing/2017/decorative" val="1"/>
+              </a:ext>
+            </a:extLst>
+          </p:cNvPr>
+          <p:cNvSpPr>
+            <a:spLocks noGrp="1" noRot="1" noChangeAspect="1" noMove="1" noResize="1" noEditPoints="1" noAdjustHandles="1" noChangeArrowheads="1" noChangeShapeType="1" noTextEdit="1"/>
+          </p:cNvSpPr>
+          <p:nvPr>
+            <p:extLst>
+              <p:ext uri="{386F3935-93C4-4BCD-93E2-E3B085C9AB24}">
+                <p16:designElem xmlns:p16="http://schemas.microsoft.com/office/powerpoint/2015/main" val="1"/>
+              </p:ext>
+            </p:extLst>
+          </p:nvPr>
+        </p:nvSpPr>
+        <p:spPr>
+          <a:xfrm>
+            <a:off x="0" y="0"/>
+            <a:ext cx="2013557" cy="6858000"/>
+          </a:xfrm>
+          <a:prstGeom prst="rect">
+            <a:avLst/>
+          </a:prstGeom>
+          <a:solidFill>
+            <a:srgbClr val="7F7F7F"/>
+          </a:solidFill>
+          <a:ln>
+            <a:noFill/>
+          </a:ln>
+        </p:spPr>
+        <p:style>
+          <a:lnRef idx="2">
+            <a:schemeClr val="accent1">
+              <a:shade val="50000"/>
+            </a:schemeClr>
+          </a:lnRef>
+          <a:fillRef idx="1">
+            <a:schemeClr val="accent1"/>
+          </a:fillRef>
+          <a:effectRef idx="0">
+            <a:schemeClr val="accent1"/>
+          </a:effectRef>
+          <a:fontRef idx="minor">
+            <a:schemeClr val="lt1"/>
+          </a:fontRef>
+        </p:style>
+        <p:txBody>
+          <a:bodyPr rtlCol="0" anchor="ctr"/>
+          <a:lstStyle/>
+          <a:p>
+            <a:pPr algn="ctr"/>
+            <a:endParaRPr lang="en-US"/>
+          </a:p>
+        </p:txBody>
+      </p:sp>
+      <p:sp>
+        <p:nvSpPr>
+          <p:cNvPr id="2" name="Title 1">
+            <a:extLst>
+              <a:ext uri="{FF2B5EF4-FFF2-40B4-BE49-F238E27FC236}">
+                <a16:creationId xmlns:a16="http://schemas.microsoft.com/office/drawing/2014/main" id="{58A59161-4808-4BDE-8680-799A7736103D}"/>
+              </a:ext>
+            </a:extLst>
+          </p:cNvPr>
+          <p:cNvSpPr>
+            <a:spLocks noGrp="1"/>
+          </p:cNvSpPr>
+          <p:nvPr>
+            <p:ph type="title"/>
+          </p:nvPr>
+        </p:nvSpPr>
+        <p:spPr>
+          <a:xfrm>
+            <a:off x="640080" y="2074363"/>
+            <a:ext cx="2752354" cy="2709275"/>
+          </a:xfrm>
+          <a:prstGeom prst="ellipse">
+            <a:avLst/>
+          </a:prstGeom>
+          <a:solidFill>
+            <a:srgbClr val="262626"/>
+          </a:solidFill>
+          <a:ln w="174625" cmpd="thinThick">
+            <a:solidFill>
+              <a:srgbClr val="262626"/>
+            </a:solidFill>
+          </a:ln>
+        </p:spPr>
+        <p:txBody>
+          <a:bodyPr vert="horz" lIns="91440" tIns="45720" rIns="91440" bIns="45720" rtlCol="0" anchor="ctr">
+            <a:normAutofit/>
+          </a:bodyPr>
+          <a:lstStyle/>
+          <a:p>
+            <a:pPr algn="ctr"/>
+            <a:r>
+              <a:rPr lang="en-US" sz="2600" kern="1200" dirty="0">
+                <a:solidFill>
+                  <a:srgbClr val="FFFFFF"/>
+                </a:solidFill>
+                <a:latin typeface="+mj-lt"/>
+                <a:ea typeface="+mj-ea"/>
+                <a:cs typeface="+mj-cs"/>
+              </a:rPr>
               <a:t>Concept: Pythagorean</a:t>
             </a:r>
             <a:br>
@@ -5442,7 +7582,7 @@
     </p:spTree>
     <p:extLst>
       <p:ext uri="{BB962C8B-B14F-4D97-AF65-F5344CB8AC3E}">
-        <p14:creationId xmlns:p14="http://schemas.microsoft.com/office/powerpoint/2010/main" val="2721520107"/>
+        <p14:creationId xmlns:p14="http://schemas.microsoft.com/office/powerpoint/2010/main" val="2008573994"/>
       </p:ext>
     </p:extLst>
   </p:cSld>
@@ -6522,10 +8662,56 @@
           </a:extLst>
         </p:spPr>
       </p:pic>
+      <p:sp>
+        <p:nvSpPr>
+          <p:cNvPr id="3" name="Oval 2">
+            <a:extLst>
+              <a:ext uri="{FF2B5EF4-FFF2-40B4-BE49-F238E27FC236}">
+                <a16:creationId xmlns:a16="http://schemas.microsoft.com/office/drawing/2014/main" id="{9937C99E-86A8-4310-91A2-10B321AAA6FD}"/>
+              </a:ext>
+            </a:extLst>
+          </p:cNvPr>
+          <p:cNvSpPr/>
+          <p:nvPr/>
+        </p:nvSpPr>
+        <p:spPr>
+          <a:xfrm>
+            <a:off x="6975836" y="3507237"/>
+            <a:ext cx="254584" cy="261494"/>
+          </a:xfrm>
+          <a:prstGeom prst="ellipse">
+            <a:avLst/>
+          </a:prstGeom>
+        </p:spPr>
+        <p:style>
+          <a:lnRef idx="2">
+            <a:schemeClr val="accent1">
+              <a:shade val="50000"/>
+            </a:schemeClr>
+          </a:lnRef>
+          <a:fillRef idx="1">
+            <a:schemeClr val="accent1"/>
+          </a:fillRef>
+          <a:effectRef idx="0">
+            <a:schemeClr val="accent1"/>
+          </a:effectRef>
+          <a:fontRef idx="minor">
+            <a:schemeClr val="lt1"/>
+          </a:fontRef>
+        </p:style>
+        <p:txBody>
+          <a:bodyPr rtlCol="0" anchor="ctr"/>
+          <a:lstStyle/>
+          <a:p>
+            <a:pPr algn="ctr"/>
+            <a:endParaRPr lang="en-US"/>
+          </a:p>
+        </p:txBody>
+      </p:sp>
     </p:spTree>
     <p:extLst>
       <p:ext uri="{BB962C8B-B14F-4D97-AF65-F5344CB8AC3E}">
-        <p14:creationId xmlns:p14="http://schemas.microsoft.com/office/powerpoint/2010/main" val="961781350"/>
+        <p14:creationId xmlns:p14="http://schemas.microsoft.com/office/powerpoint/2010/main" val="2667357181"/>
       </p:ext>
     </p:extLst>
   </p:cSld>
@@ -6832,10 +9018,56 @@
           </a:p>
         </p:txBody>
       </p:sp>
+      <p:sp>
+        <p:nvSpPr>
+          <p:cNvPr id="8" name="Oval 7">
+            <a:extLst>
+              <a:ext uri="{FF2B5EF4-FFF2-40B4-BE49-F238E27FC236}">
+                <a16:creationId xmlns:a16="http://schemas.microsoft.com/office/drawing/2014/main" id="{A6D2253C-C8E4-48F8-9EB8-3AD6F2CA01FD}"/>
+              </a:ext>
+            </a:extLst>
+          </p:cNvPr>
+          <p:cNvSpPr/>
+          <p:nvPr/>
+        </p:nvSpPr>
+        <p:spPr>
+          <a:xfrm>
+            <a:off x="8391428" y="1604594"/>
+            <a:ext cx="254584" cy="261494"/>
+          </a:xfrm>
+          <a:prstGeom prst="ellipse">
+            <a:avLst/>
+          </a:prstGeom>
+        </p:spPr>
+        <p:style>
+          <a:lnRef idx="2">
+            <a:schemeClr val="accent1">
+              <a:shade val="50000"/>
+            </a:schemeClr>
+          </a:lnRef>
+          <a:fillRef idx="1">
+            <a:schemeClr val="accent1"/>
+          </a:fillRef>
+          <a:effectRef idx="0">
+            <a:schemeClr val="accent1"/>
+          </a:effectRef>
+          <a:fontRef idx="minor">
+            <a:schemeClr val="lt1"/>
+          </a:fontRef>
+        </p:style>
+        <p:txBody>
+          <a:bodyPr rtlCol="0" anchor="ctr"/>
+          <a:lstStyle/>
+          <a:p>
+            <a:pPr algn="ctr"/>
+            <a:endParaRPr lang="en-US"/>
+          </a:p>
+        </p:txBody>
+      </p:sp>
     </p:spTree>
     <p:extLst>
       <p:ext uri="{BB962C8B-B14F-4D97-AF65-F5344CB8AC3E}">
-        <p14:creationId xmlns:p14="http://schemas.microsoft.com/office/powerpoint/2010/main" val="2667357181"/>
+        <p14:creationId xmlns:p14="http://schemas.microsoft.com/office/powerpoint/2010/main" val="174297246"/>
       </p:ext>
     </p:extLst>
   </p:cSld>
@@ -7037,7 +9269,7 @@
           <a:p>
             <a:pPr algn="ctr"/>
             <a:r>
-              <a:rPr lang="en-US" sz="2600" kern="1200">
+              <a:rPr lang="en-US" sz="2600" kern="1200" dirty="0">
                 <a:solidFill>
                   <a:srgbClr val="FFFFFF"/>
                 </a:solidFill>
@@ -7045,153 +9277,174 @@
                 <a:ea typeface="+mj-ea"/>
                 <a:cs typeface="+mj-cs"/>
               </a:rPr>
-              <a:t>Concept: Cartesian Coordinates</a:t>
-            </a:r>
-          </a:p>
-        </p:txBody>
-      </p:sp>
-      <p:pic>
-        <p:nvPicPr>
-          <p:cNvPr id="3074" name="Picture 2">
-            <a:extLst>
-              <a:ext uri="{FF2B5EF4-FFF2-40B4-BE49-F238E27FC236}">
-                <a16:creationId xmlns:a16="http://schemas.microsoft.com/office/drawing/2014/main" id="{2F9B6315-41A0-4DC4-81D6-18000287657D}"/>
-              </a:ext>
-            </a:extLst>
-          </p:cNvPr>
-          <p:cNvPicPr>
-            <a:picLocks noChangeAspect="1" noChangeArrowheads="1"/>
-          </p:cNvPicPr>
+              <a:t>Concept: Lists</a:t>
+            </a:r>
+          </a:p>
+        </p:txBody>
+      </p:sp>
+      <p:sp>
+        <p:nvSpPr>
+          <p:cNvPr id="4" name="TextBox 3">
+            <a:extLst>
+              <a:ext uri="{FF2B5EF4-FFF2-40B4-BE49-F238E27FC236}">
+                <a16:creationId xmlns:a16="http://schemas.microsoft.com/office/drawing/2014/main" id="{51DD7B82-6ACD-4907-B799-42E1529C6FE5}"/>
+              </a:ext>
+            </a:extLst>
+          </p:cNvPr>
+          <p:cNvSpPr txBox="1"/>
           <p:nvPr/>
-        </p:nvPicPr>
-        <p:blipFill>
-          <a:blip r:embed="rId2">
-            <a:extLst>
-              <a:ext uri="{28A0092B-C50C-407E-A947-70E740481C1C}">
-                <a14:useLocalDpi xmlns:a14="http://schemas.microsoft.com/office/drawing/2010/main" val="0"/>
-              </a:ext>
-            </a:extLst>
-          </a:blip>
-          <a:stretch>
-            <a:fillRect/>
-          </a:stretch>
-        </p:blipFill>
-        <p:spPr bwMode="auto">
-          <a:xfrm>
-            <a:off x="4192032" y="317138"/>
-            <a:ext cx="7200370" cy="6223724"/>
+        </p:nvSpPr>
+        <p:spPr>
+          <a:xfrm>
+            <a:off x="3217334" y="279400"/>
+            <a:ext cx="8458200" cy="1077218"/>
           </a:xfrm>
           <a:prstGeom prst="rect">
             <a:avLst/>
           </a:prstGeom>
           <a:noFill/>
-          <a:extLst>
-            <a:ext uri="{909E8E84-426E-40DD-AFC4-6F175D3DCCD1}">
-              <a14:hiddenFill xmlns:a14="http://schemas.microsoft.com/office/drawing/2010/main">
-                <a:solidFill>
-                  <a:srgbClr val="FFFFFF"/>
-                </a:solidFill>
-              </a14:hiddenFill>
-            </a:ext>
-          </a:extLst>
-        </p:spPr>
-      </p:pic>
-      <p:sp>
-        <p:nvSpPr>
-          <p:cNvPr id="3" name="Oval 2">
-            <a:extLst>
-              <a:ext uri="{FF2B5EF4-FFF2-40B4-BE49-F238E27FC236}">
-                <a16:creationId xmlns:a16="http://schemas.microsoft.com/office/drawing/2014/main" id="{9937C99E-86A8-4310-91A2-10B321AAA6FD}"/>
-              </a:ext>
-            </a:extLst>
-          </p:cNvPr>
-          <p:cNvSpPr/>
+        </p:spPr>
+        <p:txBody>
+          <a:bodyPr wrap="square" rtlCol="0">
+            <a:spAutoFit/>
+          </a:bodyPr>
+          <a:lstStyle/>
+          <a:p>
+            <a:r>
+              <a:rPr lang="en-US" sz="3200" b="1" dirty="0"/>
+              <a:t>In Python a list is a variable that can hold </a:t>
+            </a:r>
+          </a:p>
+          <a:p>
+            <a:r>
+              <a:rPr lang="en-US" sz="3200" b="1" dirty="0"/>
+              <a:t>multiple other variables... including other lists.</a:t>
+            </a:r>
+          </a:p>
+        </p:txBody>
+      </p:sp>
+      <p:sp>
+        <p:nvSpPr>
+          <p:cNvPr id="6" name="TextBox 5">
+            <a:extLst>
+              <a:ext uri="{FF2B5EF4-FFF2-40B4-BE49-F238E27FC236}">
+                <a16:creationId xmlns:a16="http://schemas.microsoft.com/office/drawing/2014/main" id="{C588F257-F566-4A64-B5A8-5A48672280D1}"/>
+              </a:ext>
+            </a:extLst>
+          </p:cNvPr>
+          <p:cNvSpPr txBox="1"/>
           <p:nvPr/>
         </p:nvSpPr>
         <p:spPr>
           <a:xfrm>
-            <a:off x="6975836" y="3507237"/>
-            <a:ext cx="254584" cy="261494"/>
-          </a:xfrm>
-          <a:prstGeom prst="ellipse">
+            <a:off x="4123268" y="1792644"/>
+            <a:ext cx="6920824" cy="1200329"/>
+          </a:xfrm>
+          <a:prstGeom prst="rect">
             <a:avLst/>
           </a:prstGeom>
-        </p:spPr>
-        <p:style>
-          <a:lnRef idx="2">
-            <a:schemeClr val="accent1">
-              <a:shade val="50000"/>
-            </a:schemeClr>
-          </a:lnRef>
-          <a:fillRef idx="1">
-            <a:schemeClr val="accent1"/>
-          </a:fillRef>
-          <a:effectRef idx="0">
-            <a:schemeClr val="accent1"/>
-          </a:effectRef>
-          <a:fontRef idx="minor">
-            <a:schemeClr val="lt1"/>
-          </a:fontRef>
-        </p:style>
-        <p:txBody>
-          <a:bodyPr rtlCol="0" anchor="ctr"/>
-          <a:lstStyle/>
-          <a:p>
-            <a:pPr algn="ctr"/>
-            <a:endParaRPr lang="en-US"/>
-          </a:p>
-        </p:txBody>
-      </p:sp>
-      <p:sp>
-        <p:nvSpPr>
-          <p:cNvPr id="8" name="Oval 7">
-            <a:extLst>
-              <a:ext uri="{FF2B5EF4-FFF2-40B4-BE49-F238E27FC236}">
-                <a16:creationId xmlns:a16="http://schemas.microsoft.com/office/drawing/2014/main" id="{A6D2253C-C8E4-48F8-9EB8-3AD6F2CA01FD}"/>
-              </a:ext>
-            </a:extLst>
-          </p:cNvPr>
-          <p:cNvSpPr/>
+          <a:noFill/>
+        </p:spPr>
+        <p:txBody>
+          <a:bodyPr wrap="square" rtlCol="0">
+            <a:spAutoFit/>
+          </a:bodyPr>
+          <a:lstStyle/>
+          <a:p>
+            <a:r>
+              <a:rPr lang="en-US" sz="2400" dirty="0">
+                <a:latin typeface="Consolas" panose="020B0609020204030204" pitchFamily="49" charset="0"/>
+              </a:rPr>
+              <a:t>x = [] # empty list</a:t>
+            </a:r>
+          </a:p>
+          <a:p>
+            <a:r>
+              <a:rPr lang="en-US" sz="2400" dirty="0">
+                <a:latin typeface="Consolas" panose="020B0609020204030204" pitchFamily="49" charset="0"/>
+              </a:rPr>
+              <a:t>y = [ "potato" , 78 , "hut" , "hike" ]</a:t>
+            </a:r>
+          </a:p>
+          <a:p>
+            <a:r>
+              <a:rPr lang="en-US" sz="2400" dirty="0">
+                <a:latin typeface="Consolas" panose="020B0609020204030204" pitchFamily="49" charset="0"/>
+              </a:rPr>
+              <a:t>z = [ [ 1 , 2 ] , ["apple" , "orange"] ]</a:t>
+            </a:r>
+          </a:p>
+        </p:txBody>
+      </p:sp>
+      <p:sp>
+        <p:nvSpPr>
+          <p:cNvPr id="26" name="TextBox 25">
+            <a:extLst>
+              <a:ext uri="{FF2B5EF4-FFF2-40B4-BE49-F238E27FC236}">
+                <a16:creationId xmlns:a16="http://schemas.microsoft.com/office/drawing/2014/main" id="{F2857D57-CD05-465C-8657-549CC20C74D1}"/>
+              </a:ext>
+            </a:extLst>
+          </p:cNvPr>
+          <p:cNvSpPr txBox="1"/>
           <p:nvPr/>
         </p:nvSpPr>
         <p:spPr>
           <a:xfrm>
-            <a:off x="8391428" y="1604594"/>
-            <a:ext cx="254584" cy="261494"/>
-          </a:xfrm>
-          <a:prstGeom prst="ellipse">
+            <a:off x="4980608" y="3429000"/>
+            <a:ext cx="6063483" cy="1569660"/>
+          </a:xfrm>
+          <a:prstGeom prst="rect">
             <a:avLst/>
           </a:prstGeom>
-        </p:spPr>
-        <p:style>
-          <a:lnRef idx="2">
-            <a:schemeClr val="accent1">
-              <a:shade val="50000"/>
-            </a:schemeClr>
-          </a:lnRef>
-          <a:fillRef idx="1">
-            <a:schemeClr val="accent1"/>
-          </a:fillRef>
-          <a:effectRef idx="0">
-            <a:schemeClr val="accent1"/>
-          </a:effectRef>
-          <a:fontRef idx="minor">
-            <a:schemeClr val="lt1"/>
-          </a:fontRef>
-        </p:style>
-        <p:txBody>
-          <a:bodyPr rtlCol="0" anchor="ctr"/>
-          <a:lstStyle/>
-          <a:p>
-            <a:pPr algn="ctr"/>
-            <a:endParaRPr lang="en-US"/>
+          <a:noFill/>
+        </p:spPr>
+        <p:txBody>
+          <a:bodyPr wrap="square" rtlCol="0">
+            <a:spAutoFit/>
+          </a:bodyPr>
+          <a:lstStyle/>
+          <a:p>
+            <a:r>
+              <a:rPr lang="en-US" sz="3200" b="1" dirty="0"/>
+              <a:t>Lists start counting at </a:t>
+            </a:r>
+            <a:r>
+              <a:rPr lang="en-US" sz="3200" b="1" dirty="0">
+                <a:latin typeface="Consolas" panose="020B0609020204030204" pitchFamily="49" charset="0"/>
+              </a:rPr>
+              <a:t>0</a:t>
+            </a:r>
+          </a:p>
+          <a:p>
+            <a:r>
+              <a:rPr lang="en-US" sz="3200" b="1" dirty="0">
+                <a:latin typeface="Consolas" panose="020B0609020204030204" pitchFamily="49" charset="0"/>
+              </a:rPr>
+              <a:t>y[0]</a:t>
+            </a:r>
+            <a:r>
+              <a:rPr lang="en-US" sz="3200" b="1" dirty="0"/>
+              <a:t>’s value is “potato”</a:t>
+            </a:r>
+          </a:p>
+          <a:p>
+            <a:r>
+              <a:rPr lang="en-US" sz="3200" b="1" dirty="0">
+                <a:latin typeface="Consolas" panose="020B0609020204030204" pitchFamily="49" charset="0"/>
+              </a:rPr>
+              <a:t>z[1][0]</a:t>
+            </a:r>
+            <a:r>
+              <a:rPr lang="en-US" sz="3200" b="1" dirty="0"/>
+              <a:t>’s value is “apple”</a:t>
+            </a:r>
           </a:p>
         </p:txBody>
       </p:sp>
     </p:spTree>
     <p:extLst>
       <p:ext uri="{BB962C8B-B14F-4D97-AF65-F5344CB8AC3E}">
-        <p14:creationId xmlns:p14="http://schemas.microsoft.com/office/powerpoint/2010/main" val="174297246"/>
+        <p14:creationId xmlns:p14="http://schemas.microsoft.com/office/powerpoint/2010/main" val="2460618967"/>
       </p:ext>
     </p:extLst>
   </p:cSld>
@@ -7204,14 +9457,6 @@
 <file path=ppt/slides/slide9.xml><?xml version="1.0" encoding="utf-8"?>
 <p:sld xmlns:a="http://schemas.openxmlformats.org/drawingml/2006/main" xmlns:r="http://schemas.openxmlformats.org/officeDocument/2006/relationships" xmlns:p="http://schemas.openxmlformats.org/presentationml/2006/main">
   <p:cSld>
-    <p:bg>
-      <p:bgPr>
-        <a:solidFill>
-          <a:schemeClr val="bg1"/>
-        </a:solidFill>
-        <a:effectLst/>
-      </p:bgPr>
-    </p:bg>
     <p:spTree>
       <p:nvGrpSpPr>
         <p:cNvPr id="1" name=""/>
@@ -7228,190 +9473,10 @@
       </p:grpSpPr>
       <p:sp>
         <p:nvSpPr>
-          <p:cNvPr id="71" name="Rectangle 70">
-            <a:extLst>
-              <a:ext uri="{FF2B5EF4-FFF2-40B4-BE49-F238E27FC236}">
-                <a16:creationId xmlns:a16="http://schemas.microsoft.com/office/drawing/2014/main" id="{6753252F-4873-4F63-801D-CC719279A7D5}"/>
-              </a:ext>
-              <a:ext uri="{C183D7F6-B498-43B3-948B-1728B52AA6E4}">
-                <adec:decorative xmlns:adec="http://schemas.microsoft.com/office/drawing/2017/decorative" val="1"/>
-              </a:ext>
-            </a:extLst>
-          </p:cNvPr>
-          <p:cNvSpPr>
-            <a:spLocks noGrp="1" noRot="1" noChangeAspect="1" noMove="1" noResize="1" noEditPoints="1" noAdjustHandles="1" noChangeArrowheads="1" noChangeShapeType="1" noTextEdit="1"/>
-          </p:cNvSpPr>
-          <p:nvPr>
-            <p:extLst>
-              <p:ext uri="{386F3935-93C4-4BCD-93E2-E3B085C9AB24}">
-                <p16:designElem xmlns:p16="http://schemas.microsoft.com/office/powerpoint/2015/main" val="1"/>
-              </p:ext>
-            </p:extLst>
-          </p:nvPr>
-        </p:nvSpPr>
-        <p:spPr>
-          <a:xfrm>
-            <a:off x="0" y="0"/>
-            <a:ext cx="12192000" cy="6858000"/>
-          </a:xfrm>
-          <a:prstGeom prst="rect">
-            <a:avLst/>
-          </a:prstGeom>
-          <a:solidFill>
-            <a:srgbClr val="FFFFFF"/>
-          </a:solidFill>
-          <a:ln>
-            <a:noFill/>
-          </a:ln>
-        </p:spPr>
-        <p:style>
-          <a:lnRef idx="2">
-            <a:schemeClr val="accent1">
-              <a:shade val="50000"/>
-            </a:schemeClr>
-          </a:lnRef>
-          <a:fillRef idx="1">
-            <a:schemeClr val="accent1"/>
-          </a:fillRef>
-          <a:effectRef idx="0">
-            <a:schemeClr val="accent1"/>
-          </a:effectRef>
-          <a:fontRef idx="minor">
-            <a:schemeClr val="lt1"/>
-          </a:fontRef>
-        </p:style>
-        <p:txBody>
-          <a:bodyPr rtlCol="0" anchor="ctr"/>
-          <a:lstStyle/>
-          <a:p>
-            <a:pPr algn="ctr"/>
-            <a:endParaRPr lang="en-US"/>
-          </a:p>
-        </p:txBody>
-      </p:sp>
-      <p:sp>
-        <p:nvSpPr>
-          <p:cNvPr id="73" name="Rectangle 72">
-            <a:extLst>
-              <a:ext uri="{FF2B5EF4-FFF2-40B4-BE49-F238E27FC236}">
-                <a16:creationId xmlns:a16="http://schemas.microsoft.com/office/drawing/2014/main" id="{047C8CCB-F95D-4249-92DD-651249D3535A}"/>
-              </a:ext>
-              <a:ext uri="{C183D7F6-B498-43B3-948B-1728B52AA6E4}">
-                <adec:decorative xmlns:adec="http://schemas.microsoft.com/office/drawing/2017/decorative" val="1"/>
-              </a:ext>
-            </a:extLst>
-          </p:cNvPr>
-          <p:cNvSpPr>
-            <a:spLocks noGrp="1" noRot="1" noChangeAspect="1" noMove="1" noResize="1" noEditPoints="1" noAdjustHandles="1" noChangeArrowheads="1" noChangeShapeType="1" noTextEdit="1"/>
-          </p:cNvSpPr>
-          <p:nvPr>
-            <p:extLst>
-              <p:ext uri="{386F3935-93C4-4BCD-93E2-E3B085C9AB24}">
-                <p16:designElem xmlns:p16="http://schemas.microsoft.com/office/powerpoint/2015/main" val="1"/>
-              </p:ext>
-            </p:extLst>
-          </p:nvPr>
-        </p:nvSpPr>
-        <p:spPr>
-          <a:xfrm>
-            <a:off x="0" y="0"/>
-            <a:ext cx="2013557" cy="6858000"/>
-          </a:xfrm>
-          <a:prstGeom prst="rect">
-            <a:avLst/>
-          </a:prstGeom>
-          <a:solidFill>
-            <a:srgbClr val="7F7F7F"/>
-          </a:solidFill>
-          <a:ln>
-            <a:noFill/>
-          </a:ln>
-        </p:spPr>
-        <p:style>
-          <a:lnRef idx="2">
-            <a:schemeClr val="accent1">
-              <a:shade val="50000"/>
-            </a:schemeClr>
-          </a:lnRef>
-          <a:fillRef idx="1">
-            <a:schemeClr val="accent1"/>
-          </a:fillRef>
-          <a:effectRef idx="0">
-            <a:schemeClr val="accent1"/>
-          </a:effectRef>
-          <a:fontRef idx="minor">
-            <a:schemeClr val="lt1"/>
-          </a:fontRef>
-        </p:style>
-        <p:txBody>
-          <a:bodyPr rtlCol="0" anchor="ctr"/>
-          <a:lstStyle/>
-          <a:p>
-            <a:pPr algn="ctr"/>
-            <a:endParaRPr lang="en-US"/>
-          </a:p>
-        </p:txBody>
-      </p:sp>
-      <p:sp>
-        <p:nvSpPr>
-          <p:cNvPr id="2" name="Title 1">
-            <a:extLst>
-              <a:ext uri="{FF2B5EF4-FFF2-40B4-BE49-F238E27FC236}">
-                <a16:creationId xmlns:a16="http://schemas.microsoft.com/office/drawing/2014/main" id="{58A59161-4808-4BDE-8680-799A7736103D}"/>
-              </a:ext>
-            </a:extLst>
-          </p:cNvPr>
-          <p:cNvSpPr>
-            <a:spLocks noGrp="1"/>
-          </p:cNvSpPr>
-          <p:nvPr>
-            <p:ph type="title"/>
-          </p:nvPr>
-        </p:nvSpPr>
-        <p:spPr>
-          <a:xfrm>
-            <a:off x="640080" y="2074363"/>
-            <a:ext cx="2752354" cy="2709275"/>
-          </a:xfrm>
-          <a:prstGeom prst="ellipse">
-            <a:avLst/>
-          </a:prstGeom>
-          <a:solidFill>
-            <a:srgbClr val="262626"/>
-          </a:solidFill>
-          <a:ln w="174625" cmpd="thinThick">
-            <a:solidFill>
-              <a:srgbClr val="262626"/>
-            </a:solidFill>
-          </a:ln>
-        </p:spPr>
-        <p:txBody>
-          <a:bodyPr vert="horz" lIns="91440" tIns="45720" rIns="91440" bIns="45720" rtlCol="0" anchor="ctr">
-            <a:normAutofit/>
-          </a:bodyPr>
-          <a:lstStyle/>
-          <a:p>
-            <a:pPr algn="ctr"/>
-            <a:r>
-              <a:rPr lang="en-US" sz="2600" kern="1200" dirty="0">
-                <a:solidFill>
-                  <a:srgbClr val="FFFFFF"/>
-                </a:solidFill>
-                <a:latin typeface="+mj-lt"/>
-                <a:ea typeface="+mj-ea"/>
-                <a:cs typeface="+mj-cs"/>
-              </a:rPr>
-              <a:t>Concept: Lists</a:t>
-            </a:r>
-          </a:p>
-        </p:txBody>
-      </p:sp>
-      <p:sp>
-        <p:nvSpPr>
           <p:cNvPr id="4" name="TextBox 3">
             <a:extLst>
               <a:ext uri="{FF2B5EF4-FFF2-40B4-BE49-F238E27FC236}">
-                <a16:creationId xmlns:a16="http://schemas.microsoft.com/office/drawing/2014/main" id="{51DD7B82-6ACD-4907-B799-42E1529C6FE5}"/>
+                <a16:creationId xmlns:a16="http://schemas.microsoft.com/office/drawing/2014/main" id="{ACE0A587-4FFE-4C34-B968-CF5DF37FE127}"/>
               </a:ext>
             </a:extLst>
           </p:cNvPr>
@@ -7420,8 +9485,8 @@
         </p:nvSpPr>
         <p:spPr>
           <a:xfrm>
-            <a:off x="3217334" y="279400"/>
-            <a:ext cx="8458200" cy="1077218"/>
+            <a:off x="246058" y="205451"/>
+            <a:ext cx="11500700" cy="6555641"/>
           </a:xfrm>
           <a:prstGeom prst="rect">
             <a:avLst/>
@@ -7435,132 +9500,197 @@
           <a:lstStyle/>
           <a:p>
             <a:r>
-              <a:rPr lang="en-US" sz="3200" b="1" dirty="0"/>
-              <a:t>In Python a list is a variable that can hold </a:t>
-            </a:r>
-          </a:p>
-          <a:p>
-            <a:r>
-              <a:rPr lang="en-US" sz="3200" b="1" dirty="0"/>
-              <a:t>multiple other variables... including other lists.</a:t>
-            </a:r>
-          </a:p>
-        </p:txBody>
-      </p:sp>
-      <p:sp>
-        <p:nvSpPr>
-          <p:cNvPr id="6" name="TextBox 5">
-            <a:extLst>
-              <a:ext uri="{FF2B5EF4-FFF2-40B4-BE49-F238E27FC236}">
-                <a16:creationId xmlns:a16="http://schemas.microsoft.com/office/drawing/2014/main" id="{C588F257-F566-4A64-B5A8-5A48672280D1}"/>
-              </a:ext>
-            </a:extLst>
-          </p:cNvPr>
-          <p:cNvSpPr txBox="1"/>
-          <p:nvPr/>
-        </p:nvSpPr>
-        <p:spPr>
-          <a:xfrm>
-            <a:off x="4123268" y="1792644"/>
-            <a:ext cx="6920824" cy="1200329"/>
-          </a:xfrm>
-          <a:prstGeom prst="rect">
-            <a:avLst/>
-          </a:prstGeom>
-          <a:noFill/>
-        </p:spPr>
-        <p:txBody>
-          <a:bodyPr wrap="square" rtlCol="0">
-            <a:spAutoFit/>
-          </a:bodyPr>
-          <a:lstStyle/>
-          <a:p>
-            <a:r>
-              <a:rPr lang="en-US" sz="2400" dirty="0">
-                <a:latin typeface="Consolas" panose="020B0609020204030204" pitchFamily="49" charset="0"/>
-              </a:rPr>
-              <a:t>x = [] # empty list</a:t>
-            </a:r>
-          </a:p>
-          <a:p>
-            <a:r>
-              <a:rPr lang="en-US" sz="2400" dirty="0">
-                <a:latin typeface="Consolas" panose="020B0609020204030204" pitchFamily="49" charset="0"/>
-              </a:rPr>
-              <a:t>y = [ "potato" , 78 , "hut" , "hike" ]</a:t>
-            </a:r>
-          </a:p>
-          <a:p>
-            <a:r>
-              <a:rPr lang="en-US" sz="2400" dirty="0">
-                <a:latin typeface="Consolas" panose="020B0609020204030204" pitchFamily="49" charset="0"/>
-              </a:rPr>
-              <a:t>z = [ [ 1 , 2 ] , ["apple" , "orange"] ]</a:t>
-            </a:r>
-          </a:p>
-        </p:txBody>
-      </p:sp>
-      <p:sp>
-        <p:nvSpPr>
-          <p:cNvPr id="26" name="TextBox 25">
-            <a:extLst>
-              <a:ext uri="{FF2B5EF4-FFF2-40B4-BE49-F238E27FC236}">
-                <a16:creationId xmlns:a16="http://schemas.microsoft.com/office/drawing/2014/main" id="{F2857D57-CD05-465C-8657-549CC20C74D1}"/>
-              </a:ext>
-            </a:extLst>
-          </p:cNvPr>
-          <p:cNvSpPr txBox="1"/>
-          <p:nvPr/>
-        </p:nvSpPr>
-        <p:spPr>
-          <a:xfrm>
-            <a:off x="4980608" y="3429000"/>
-            <a:ext cx="6063483" cy="1569660"/>
-          </a:xfrm>
-          <a:prstGeom prst="rect">
-            <a:avLst/>
-          </a:prstGeom>
-          <a:noFill/>
-        </p:spPr>
-        <p:txBody>
-          <a:bodyPr wrap="square" rtlCol="0">
-            <a:spAutoFit/>
-          </a:bodyPr>
-          <a:lstStyle/>
-          <a:p>
-            <a:r>
-              <a:rPr lang="en-US" sz="3200" b="1" dirty="0"/>
-              <a:t>Lists start counting at </a:t>
-            </a:r>
-            <a:r>
-              <a:rPr lang="en-US" sz="3200" b="1" dirty="0">
-                <a:latin typeface="Consolas" panose="020B0609020204030204" pitchFamily="49" charset="0"/>
-              </a:rPr>
-              <a:t>0</a:t>
-            </a:r>
-          </a:p>
-          <a:p>
-            <a:r>
-              <a:rPr lang="en-US" sz="3200" b="1" dirty="0">
-                <a:latin typeface="Consolas" panose="020B0609020204030204" pitchFamily="49" charset="0"/>
-              </a:rPr>
-              <a:t>y[0]</a:t>
-            </a:r>
-            <a:r>
-              <a:rPr lang="en-US" sz="3200" b="1" dirty="0"/>
-              <a:t>’s value is “potato”</a:t>
-            </a:r>
-          </a:p>
-          <a:p>
-            <a:r>
-              <a:rPr lang="en-US" sz="3200" b="1" dirty="0">
-                <a:latin typeface="Consolas" panose="020B0609020204030204" pitchFamily="49" charset="0"/>
-              </a:rPr>
-              <a:t>z[1][0]</a:t>
-            </a:r>
-            <a:r>
-              <a:rPr lang="en-US" sz="3200" b="1" dirty="0"/>
-              <a:t>’s value is “apple”</a:t>
+              <a:rPr lang="en-US" sz="2000" b="1" dirty="0">
+                <a:latin typeface="Consolas" panose="020B0609020204030204" pitchFamily="49" charset="0"/>
+              </a:rPr>
+              <a:t># Sonar Treasure Hunt</a:t>
+            </a:r>
+          </a:p>
+          <a:p>
+            <a:endParaRPr lang="en-US" sz="2000" b="1" dirty="0">
+              <a:latin typeface="Consolas" panose="020B0609020204030204" pitchFamily="49" charset="0"/>
+            </a:endParaRPr>
+          </a:p>
+          <a:p>
+            <a:r>
+              <a:rPr lang="en-US" sz="2000" b="1" dirty="0">
+                <a:latin typeface="Consolas" panose="020B0609020204030204" pitchFamily="49" charset="0"/>
+              </a:rPr>
+              <a:t>import random</a:t>
+            </a:r>
+          </a:p>
+          <a:p>
+            <a:r>
+              <a:rPr lang="en-US" sz="2000" b="1" dirty="0">
+                <a:latin typeface="Consolas" panose="020B0609020204030204" pitchFamily="49" charset="0"/>
+              </a:rPr>
+              <a:t>import sys</a:t>
+            </a:r>
+          </a:p>
+          <a:p>
+            <a:r>
+              <a:rPr lang="en-US" sz="2000" b="1" dirty="0">
+                <a:latin typeface="Consolas" panose="020B0609020204030204" pitchFamily="49" charset="0"/>
+              </a:rPr>
+              <a:t>import math</a:t>
+            </a:r>
+          </a:p>
+          <a:p>
+            <a:endParaRPr lang="en-US" sz="2000" b="1" dirty="0">
+              <a:latin typeface="Consolas" panose="020B0609020204030204" pitchFamily="49" charset="0"/>
+            </a:endParaRPr>
+          </a:p>
+          <a:p>
+            <a:r>
+              <a:rPr lang="en-US" sz="2000" b="1" dirty="0">
+                <a:latin typeface="Consolas" panose="020B0609020204030204" pitchFamily="49" charset="0"/>
+              </a:rPr>
+              <a:t>def </a:t>
+            </a:r>
+            <a:r>
+              <a:rPr lang="en-US" sz="2000" b="1" dirty="0" err="1">
+                <a:latin typeface="Consolas" panose="020B0609020204030204" pitchFamily="49" charset="0"/>
+              </a:rPr>
+              <a:t>getNewBoard</a:t>
+            </a:r>
+            <a:r>
+              <a:rPr lang="en-US" sz="2000" b="1" dirty="0">
+                <a:latin typeface="Consolas" panose="020B0609020204030204" pitchFamily="49" charset="0"/>
+              </a:rPr>
+              <a:t>():</a:t>
+            </a:r>
+          </a:p>
+          <a:p>
+            <a:r>
+              <a:rPr lang="en-US" sz="2000" b="1" dirty="0">
+                <a:latin typeface="Consolas" panose="020B0609020204030204" pitchFamily="49" charset="0"/>
+              </a:rPr>
+              <a:t>    # Create a new 60x15 board data structure.</a:t>
+            </a:r>
+          </a:p>
+          <a:p>
+            <a:r>
+              <a:rPr lang="en-US" sz="2000" b="1" dirty="0">
+                <a:latin typeface="Consolas" panose="020B0609020204030204" pitchFamily="49" charset="0"/>
+              </a:rPr>
+              <a:t>    board = []</a:t>
+            </a:r>
+          </a:p>
+          <a:p>
+            <a:r>
+              <a:rPr lang="en-US" sz="2000" b="1" dirty="0">
+                <a:latin typeface="Consolas" panose="020B0609020204030204" pitchFamily="49" charset="0"/>
+              </a:rPr>
+              <a:t>    for x in range(60): # The main list is a list of 60 lists.</a:t>
+            </a:r>
+          </a:p>
+          <a:p>
+            <a:r>
+              <a:rPr lang="en-US" sz="2000" b="1" dirty="0">
+                <a:latin typeface="Consolas" panose="020B0609020204030204" pitchFamily="49" charset="0"/>
+              </a:rPr>
+              <a:t>        </a:t>
+            </a:r>
+            <a:r>
+              <a:rPr lang="en-US" sz="2000" b="1" dirty="0" err="1">
+                <a:latin typeface="Consolas" panose="020B0609020204030204" pitchFamily="49" charset="0"/>
+              </a:rPr>
+              <a:t>board.append</a:t>
+            </a:r>
+            <a:r>
+              <a:rPr lang="en-US" sz="2000" b="1" dirty="0">
+                <a:latin typeface="Consolas" panose="020B0609020204030204" pitchFamily="49" charset="0"/>
+              </a:rPr>
+              <a:t>([])</a:t>
+            </a:r>
+          </a:p>
+          <a:p>
+            <a:r>
+              <a:rPr lang="en-US" sz="2000" b="1" dirty="0">
+                <a:latin typeface="Consolas" panose="020B0609020204030204" pitchFamily="49" charset="0"/>
+              </a:rPr>
+              <a:t>        for y in range(15): </a:t>
+            </a:r>
+          </a:p>
+          <a:p>
+            <a:r>
+              <a:rPr lang="en-US" sz="2000" b="1" dirty="0">
+                <a:latin typeface="Consolas" panose="020B0609020204030204" pitchFamily="49" charset="0"/>
+              </a:rPr>
+              <a:t>            # Each list in the main list has 15 single-character strings.</a:t>
+            </a:r>
+          </a:p>
+          <a:p>
+            <a:r>
+              <a:rPr lang="en-US" sz="2000" b="1" dirty="0">
+                <a:latin typeface="Consolas" panose="020B0609020204030204" pitchFamily="49" charset="0"/>
+              </a:rPr>
+              <a:t>            # Use different characters for the ocean to make it more readable.</a:t>
+            </a:r>
+          </a:p>
+          <a:p>
+            <a:r>
+              <a:rPr lang="en-US" sz="2000" b="1" dirty="0">
+                <a:latin typeface="Consolas" panose="020B0609020204030204" pitchFamily="49" charset="0"/>
+              </a:rPr>
+              <a:t>            if </a:t>
+            </a:r>
+            <a:r>
+              <a:rPr lang="en-US" sz="2000" b="1" dirty="0" err="1">
+                <a:latin typeface="Consolas" panose="020B0609020204030204" pitchFamily="49" charset="0"/>
+              </a:rPr>
+              <a:t>random.randint</a:t>
+            </a:r>
+            <a:r>
+              <a:rPr lang="en-US" sz="2000" b="1" dirty="0">
+                <a:latin typeface="Consolas" panose="020B0609020204030204" pitchFamily="49" charset="0"/>
+              </a:rPr>
+              <a:t>(0, 1) == 0:</a:t>
+            </a:r>
+          </a:p>
+          <a:p>
+            <a:r>
+              <a:rPr lang="en-US" sz="2000" b="1" dirty="0">
+                <a:latin typeface="Consolas" panose="020B0609020204030204" pitchFamily="49" charset="0"/>
+              </a:rPr>
+              <a:t>                board[x].append('~')</a:t>
+            </a:r>
+          </a:p>
+          <a:p>
+            <a:r>
+              <a:rPr lang="en-US" sz="2000" b="1" dirty="0">
+                <a:latin typeface="Consolas" panose="020B0609020204030204" pitchFamily="49" charset="0"/>
+              </a:rPr>
+              <a:t>            else:</a:t>
+            </a:r>
+          </a:p>
+          <a:p>
+            <a:r>
+              <a:rPr lang="en-US" sz="2000" b="1" dirty="0">
+                <a:latin typeface="Consolas" panose="020B0609020204030204" pitchFamily="49" charset="0"/>
+              </a:rPr>
+              <a:t>                board[x].append('`')</a:t>
+            </a:r>
+          </a:p>
+          <a:p>
+            <a:r>
+              <a:rPr lang="en-US" sz="2000" b="1" dirty="0">
+                <a:latin typeface="Consolas" panose="020B0609020204030204" pitchFamily="49" charset="0"/>
+              </a:rPr>
+              <a:t>    return board</a:t>
+            </a:r>
+          </a:p>
+          <a:p>
+            <a:endParaRPr lang="en-US" sz="2000" b="1" dirty="0">
+              <a:latin typeface="Consolas" panose="020B0609020204030204" pitchFamily="49" charset="0"/>
+            </a:endParaRPr>
+          </a:p>
+          <a:p>
+            <a:r>
+              <a:rPr lang="en-US" sz="2000" b="1" dirty="0">
+                <a:latin typeface="Consolas" panose="020B0609020204030204" pitchFamily="49" charset="0"/>
+              </a:rPr>
+              <a:t># try a line that shows the list we just created</a:t>
             </a:r>
           </a:p>
         </p:txBody>
@@ -7568,7 +9698,7 @@
     </p:spTree>
     <p:extLst>
       <p:ext uri="{BB962C8B-B14F-4D97-AF65-F5344CB8AC3E}">
-        <p14:creationId xmlns:p14="http://schemas.microsoft.com/office/powerpoint/2010/main" val="2460618967"/>
+        <p14:creationId xmlns:p14="http://schemas.microsoft.com/office/powerpoint/2010/main" val="2248988288"/>
       </p:ext>
     </p:extLst>
   </p:cSld>

--- a/Python Day - Intermediate.pptx
+++ b/Python Day - Intermediate.pptx
@@ -20,7 +20,12 @@
     <p:sldId id="272" r:id="rId14"/>
     <p:sldId id="273" r:id="rId15"/>
     <p:sldId id="274" r:id="rId16"/>
-    <p:sldId id="269" r:id="rId17"/>
+    <p:sldId id="275" r:id="rId17"/>
+    <p:sldId id="269" r:id="rId18"/>
+    <p:sldId id="276" r:id="rId19"/>
+    <p:sldId id="277" r:id="rId20"/>
+    <p:sldId id="278" r:id="rId21"/>
+    <p:sldId id="279" r:id="rId22"/>
   </p:sldIdLst>
   <p:sldSz cx="12192000" cy="6858000"/>
   <p:notesSz cx="6858000" cy="9144000"/>
@@ -130,7 +135,7 @@
 <file path=ppt/revisionInfo.xml><?xml version="1.0" encoding="utf-8"?>
 <p1510:revInfo xmlns:a="http://schemas.openxmlformats.org/drawingml/2006/main" xmlns:r="http://schemas.openxmlformats.org/officeDocument/2006/relationships" xmlns:p1510="http://schemas.microsoft.com/office/powerpoint/2015/10/main">
   <p1510:revLst>
-    <p1510:client id="{56D521A3-7A98-41EE-B121-D8FC18FE9D74}" v="103" dt="2019-11-02T06:01:21.273"/>
+    <p1510:client id="{56D521A3-7A98-41EE-B121-D8FC18FE9D74}" v="117" dt="2019-11-02T07:11:20.857"/>
   </p1510:revLst>
 </p1510:revInfo>
 </file>
@@ -140,7 +145,7 @@
   <pc:docChgLst>
     <pc:chgData name="Greg Bulmash" userId="90973910de46daed" providerId="LiveId" clId="{56D521A3-7A98-41EE-B121-D8FC18FE9D74}"/>
     <pc:docChg chg="undo custSel mod addSld delSld modSld sldOrd">
-      <pc:chgData name="Greg Bulmash" userId="90973910de46daed" providerId="LiveId" clId="{56D521A3-7A98-41EE-B121-D8FC18FE9D74}" dt="2019-11-02T06:01:31.507" v="1709" actId="478"/>
+      <pc:chgData name="Greg Bulmash" userId="90973910de46daed" providerId="LiveId" clId="{56D521A3-7A98-41EE-B121-D8FC18FE9D74}" dt="2019-11-02T07:11:38.467" v="1774" actId="1038"/>
       <pc:docMkLst>
         <pc:docMk/>
       </pc:docMkLst>
@@ -1059,6 +1064,104 @@
           <pc:sldMk cId="664669317" sldId="274"/>
         </pc:sldMkLst>
       </pc:sldChg>
+      <pc:sldChg chg="modSp add ord">
+        <pc:chgData name="Greg Bulmash" userId="90973910de46daed" providerId="LiveId" clId="{56D521A3-7A98-41EE-B121-D8FC18FE9D74}" dt="2019-11-02T06:10:30.120" v="1723" actId="1076"/>
+        <pc:sldMkLst>
+          <pc:docMk/>
+          <pc:sldMk cId="3257851727" sldId="275"/>
+        </pc:sldMkLst>
+        <pc:spChg chg="mod">
+          <ac:chgData name="Greg Bulmash" userId="90973910de46daed" providerId="LiveId" clId="{56D521A3-7A98-41EE-B121-D8FC18FE9D74}" dt="2019-11-02T06:10:30.120" v="1723" actId="1076"/>
+          <ac:spMkLst>
+            <pc:docMk/>
+            <pc:sldMk cId="3257851727" sldId="275"/>
+            <ac:spMk id="4" creationId="{D47C482D-7615-4EE3-A8B0-F3613D9E26CB}"/>
+          </ac:spMkLst>
+        </pc:spChg>
+      </pc:sldChg>
+      <pc:sldChg chg="addSp delSp modSp add">
+        <pc:chgData name="Greg Bulmash" userId="90973910de46daed" providerId="LiveId" clId="{56D521A3-7A98-41EE-B121-D8FC18FE9D74}" dt="2019-11-02T06:19:17.351" v="1733" actId="1076"/>
+        <pc:sldMkLst>
+          <pc:docMk/>
+          <pc:sldMk cId="84477150" sldId="276"/>
+        </pc:sldMkLst>
+        <pc:spChg chg="del">
+          <ac:chgData name="Greg Bulmash" userId="90973910de46daed" providerId="LiveId" clId="{56D521A3-7A98-41EE-B121-D8FC18FE9D74}" dt="2019-11-02T06:18:47.042" v="1725" actId="478"/>
+          <ac:spMkLst>
+            <pc:docMk/>
+            <pc:sldMk cId="84477150" sldId="276"/>
+            <ac:spMk id="2" creationId="{53177089-CFDF-4EA6-977E-5DB9C55F28ED}"/>
+          </ac:spMkLst>
+        </pc:spChg>
+        <pc:spChg chg="del">
+          <ac:chgData name="Greg Bulmash" userId="90973910de46daed" providerId="LiveId" clId="{56D521A3-7A98-41EE-B121-D8FC18FE9D74}" dt="2019-11-02T06:18:47.042" v="1725" actId="478"/>
+          <ac:spMkLst>
+            <pc:docMk/>
+            <pc:sldMk cId="84477150" sldId="276"/>
+            <ac:spMk id="3" creationId="{69058606-8E0E-4B1F-AE85-8371C503FCC7}"/>
+          </ac:spMkLst>
+        </pc:spChg>
+        <pc:spChg chg="add mod">
+          <ac:chgData name="Greg Bulmash" userId="90973910de46daed" providerId="LiveId" clId="{56D521A3-7A98-41EE-B121-D8FC18FE9D74}" dt="2019-11-02T06:19:17.351" v="1733" actId="1076"/>
+          <ac:spMkLst>
+            <pc:docMk/>
+            <pc:sldMk cId="84477150" sldId="276"/>
+            <ac:spMk id="4" creationId="{00106100-8FE5-4EF5-A409-8110A54355BB}"/>
+          </ac:spMkLst>
+        </pc:spChg>
+      </pc:sldChg>
+      <pc:sldChg chg="modSp add">
+        <pc:chgData name="Greg Bulmash" userId="90973910de46daed" providerId="LiveId" clId="{56D521A3-7A98-41EE-B121-D8FC18FE9D74}" dt="2019-11-02T06:51:37.603" v="1746" actId="20577"/>
+        <pc:sldMkLst>
+          <pc:docMk/>
+          <pc:sldMk cId="184816207" sldId="277"/>
+        </pc:sldMkLst>
+        <pc:spChg chg="mod">
+          <ac:chgData name="Greg Bulmash" userId="90973910de46daed" providerId="LiveId" clId="{56D521A3-7A98-41EE-B121-D8FC18FE9D74}" dt="2019-11-02T06:51:37.603" v="1746" actId="20577"/>
+          <ac:spMkLst>
+            <pc:docMk/>
+            <pc:sldMk cId="184816207" sldId="277"/>
+            <ac:spMk id="4" creationId="{00106100-8FE5-4EF5-A409-8110A54355BB}"/>
+          </ac:spMkLst>
+        </pc:spChg>
+      </pc:sldChg>
+      <pc:sldChg chg="modSp add">
+        <pc:chgData name="Greg Bulmash" userId="90973910de46daed" providerId="LiveId" clId="{56D521A3-7A98-41EE-B121-D8FC18FE9D74}" dt="2019-11-02T07:07:40.289" v="1760" actId="404"/>
+        <pc:sldMkLst>
+          <pc:docMk/>
+          <pc:sldMk cId="1411104358" sldId="278"/>
+        </pc:sldMkLst>
+        <pc:spChg chg="mod">
+          <ac:chgData name="Greg Bulmash" userId="90973910de46daed" providerId="LiveId" clId="{56D521A3-7A98-41EE-B121-D8FC18FE9D74}" dt="2019-11-02T07:07:40.289" v="1760" actId="404"/>
+          <ac:spMkLst>
+            <pc:docMk/>
+            <pc:sldMk cId="1411104358" sldId="278"/>
+            <ac:spMk id="4" creationId="{00106100-8FE5-4EF5-A409-8110A54355BB}"/>
+          </ac:spMkLst>
+        </pc:spChg>
+      </pc:sldChg>
+      <pc:sldChg chg="modSp add">
+        <pc:chgData name="Greg Bulmash" userId="90973910de46daed" providerId="LiveId" clId="{56D521A3-7A98-41EE-B121-D8FC18FE9D74}" dt="2019-11-02T07:11:38.467" v="1774" actId="1038"/>
+        <pc:sldMkLst>
+          <pc:docMk/>
+          <pc:sldMk cId="696381447" sldId="279"/>
+        </pc:sldMkLst>
+        <pc:spChg chg="mod">
+          <ac:chgData name="Greg Bulmash" userId="90973910de46daed" providerId="LiveId" clId="{56D521A3-7A98-41EE-B121-D8FC18FE9D74}" dt="2019-11-02T07:11:38.467" v="1774" actId="1038"/>
+          <ac:spMkLst>
+            <pc:docMk/>
+            <pc:sldMk cId="696381447" sldId="279"/>
+            <ac:spMk id="4" creationId="{00106100-8FE5-4EF5-A409-8110A54355BB}"/>
+          </ac:spMkLst>
+        </pc:spChg>
+      </pc:sldChg>
+      <pc:sldChg chg="add del">
+        <pc:chgData name="Greg Bulmash" userId="90973910de46daed" providerId="LiveId" clId="{56D521A3-7A98-41EE-B121-D8FC18FE9D74}" dt="2019-11-02T07:11:11.611" v="1762"/>
+        <pc:sldMkLst>
+          <pc:docMk/>
+          <pc:sldMk cId="1406850303" sldId="279"/>
+        </pc:sldMkLst>
+      </pc:sldChg>
     </pc:docChg>
   </pc:docChgLst>
 </pc:chgInfo>
@@ -6737,6 +6840,112 @@
 <file path=ppt/slides/slide16.xml><?xml version="1.0" encoding="utf-8"?>
 <p:sld xmlns:a="http://schemas.openxmlformats.org/drawingml/2006/main" xmlns:r="http://schemas.openxmlformats.org/officeDocument/2006/relationships" xmlns:p="http://schemas.openxmlformats.org/presentationml/2006/main">
   <p:cSld>
+    <p:spTree>
+      <p:nvGrpSpPr>
+        <p:cNvPr id="1" name=""/>
+        <p:cNvGrpSpPr/>
+        <p:nvPr/>
+      </p:nvGrpSpPr>
+      <p:grpSpPr>
+        <a:xfrm>
+          <a:off x="0" y="0"/>
+          <a:ext cx="0" cy="0"/>
+          <a:chOff x="0" y="0"/>
+          <a:chExt cx="0" cy="0"/>
+        </a:xfrm>
+      </p:grpSpPr>
+      <p:sp>
+        <p:nvSpPr>
+          <p:cNvPr id="4" name="Rectangle 3">
+            <a:extLst>
+              <a:ext uri="{FF2B5EF4-FFF2-40B4-BE49-F238E27FC236}">
+                <a16:creationId xmlns:a16="http://schemas.microsoft.com/office/drawing/2014/main" id="{D47C482D-7615-4EE3-A8B0-F3613D9E26CB}"/>
+              </a:ext>
+            </a:extLst>
+          </p:cNvPr>
+          <p:cNvSpPr/>
+          <p:nvPr/>
+        </p:nvSpPr>
+        <p:spPr>
+          <a:xfrm>
+            <a:off x="880534" y="2494340"/>
+            <a:ext cx="11311466" cy="2031325"/>
+          </a:xfrm>
+          <a:prstGeom prst="rect">
+            <a:avLst/>
+          </a:prstGeom>
+        </p:spPr>
+        <p:txBody>
+          <a:bodyPr wrap="square">
+            <a:spAutoFit/>
+          </a:bodyPr>
+          <a:lstStyle/>
+          <a:p>
+            <a:r>
+              <a:rPr lang="en-US" b="1" dirty="0">
+                <a:latin typeface="Consolas" panose="020B0609020204030204" pitchFamily="49" charset="0"/>
+              </a:rPr>
+              <a:t>def </a:t>
+            </a:r>
+            <a:r>
+              <a:rPr lang="en-US" b="1" dirty="0" err="1">
+                <a:latin typeface="Consolas" panose="020B0609020204030204" pitchFamily="49" charset="0"/>
+              </a:rPr>
+              <a:t>isOnBoard</a:t>
+            </a:r>
+            <a:r>
+              <a:rPr lang="en-US" b="1" dirty="0">
+                <a:latin typeface="Consolas" panose="020B0609020204030204" pitchFamily="49" charset="0"/>
+              </a:rPr>
+              <a:t>(x, y):</a:t>
+            </a:r>
+          </a:p>
+          <a:p>
+            <a:r>
+              <a:rPr lang="en-US" b="1" dirty="0">
+                <a:latin typeface="Consolas" panose="020B0609020204030204" pitchFamily="49" charset="0"/>
+              </a:rPr>
+              <a:t>    # Return True if the coordinates are on the board; otherwise, return False.</a:t>
+            </a:r>
+          </a:p>
+          <a:p>
+            <a:r>
+              <a:rPr lang="en-US" b="1" dirty="0">
+                <a:latin typeface="Consolas" panose="020B0609020204030204" pitchFamily="49" charset="0"/>
+              </a:rPr>
+              <a:t>    return x &gt;= 0 and x &lt;= 59 and y &gt;= 0 and y &lt;= 14</a:t>
+            </a:r>
+          </a:p>
+          <a:p>
+            <a:br>
+              <a:rPr lang="en-US" dirty="0"/>
+            </a:br>
+            <a:br>
+              <a:rPr lang="en-US" dirty="0"/>
+            </a:br>
+            <a:br>
+              <a:rPr lang="en-US" dirty="0"/>
+            </a:br>
+            <a:endParaRPr lang="en-US" dirty="0"/>
+          </a:p>
+        </p:txBody>
+      </p:sp>
+    </p:spTree>
+    <p:extLst>
+      <p:ext uri="{BB962C8B-B14F-4D97-AF65-F5344CB8AC3E}">
+        <p14:creationId xmlns:p14="http://schemas.microsoft.com/office/powerpoint/2010/main" val="3257851727"/>
+      </p:ext>
+    </p:extLst>
+  </p:cSld>
+  <p:clrMapOvr>
+    <a:masterClrMapping/>
+  </p:clrMapOvr>
+</p:sld>
+</file>
+
+<file path=ppt/slides/slide17.xml><?xml version="1.0" encoding="utf-8"?>
+<p:sld xmlns:a="http://schemas.openxmlformats.org/drawingml/2006/main" xmlns:r="http://schemas.openxmlformats.org/officeDocument/2006/relationships" xmlns:p="http://schemas.openxmlformats.org/presentationml/2006/main">
+  <p:cSld>
     <p:bg>
       <p:bgPr>
         <a:solidFill>
@@ -7592,6 +7801,701 @@
 </p:sld>
 </file>
 
+<file path=ppt/slides/slide18.xml><?xml version="1.0" encoding="utf-8"?>
+<p:sld xmlns:a="http://schemas.openxmlformats.org/drawingml/2006/main" xmlns:r="http://schemas.openxmlformats.org/officeDocument/2006/relationships" xmlns:p="http://schemas.openxmlformats.org/presentationml/2006/main">
+  <p:cSld>
+    <p:spTree>
+      <p:nvGrpSpPr>
+        <p:cNvPr id="1" name=""/>
+        <p:cNvGrpSpPr/>
+        <p:nvPr/>
+      </p:nvGrpSpPr>
+      <p:grpSpPr>
+        <a:xfrm>
+          <a:off x="0" y="0"/>
+          <a:ext cx="0" cy="0"/>
+          <a:chOff x="0" y="0"/>
+          <a:chExt cx="0" cy="0"/>
+        </a:xfrm>
+      </p:grpSpPr>
+      <p:sp>
+        <p:nvSpPr>
+          <p:cNvPr id="4" name="TextBox 3">
+            <a:extLst>
+              <a:ext uri="{FF2B5EF4-FFF2-40B4-BE49-F238E27FC236}">
+                <a16:creationId xmlns:a16="http://schemas.microsoft.com/office/drawing/2014/main" id="{00106100-8FE5-4EF5-A409-8110A54355BB}"/>
+              </a:ext>
+            </a:extLst>
+          </p:cNvPr>
+          <p:cNvSpPr txBox="1"/>
+          <p:nvPr/>
+        </p:nvSpPr>
+        <p:spPr>
+          <a:xfrm>
+            <a:off x="287867" y="685800"/>
+            <a:ext cx="11607800" cy="5262979"/>
+          </a:xfrm>
+          <a:prstGeom prst="rect">
+            <a:avLst/>
+          </a:prstGeom>
+          <a:noFill/>
+        </p:spPr>
+        <p:txBody>
+          <a:bodyPr wrap="square" rtlCol="0">
+            <a:spAutoFit/>
+          </a:bodyPr>
+          <a:lstStyle/>
+          <a:p>
+            <a:r>
+              <a:rPr lang="en-US" sz="1600" b="1" dirty="0">
+                <a:latin typeface="Consolas" panose="020B0609020204030204" pitchFamily="49" charset="0"/>
+              </a:rPr>
+              <a:t>def </a:t>
+            </a:r>
+            <a:r>
+              <a:rPr lang="en-US" sz="1600" b="1" dirty="0" err="1">
+                <a:latin typeface="Consolas" panose="020B0609020204030204" pitchFamily="49" charset="0"/>
+              </a:rPr>
+              <a:t>makeMove</a:t>
+            </a:r>
+            <a:r>
+              <a:rPr lang="en-US" sz="1600" b="1" dirty="0">
+                <a:latin typeface="Consolas" panose="020B0609020204030204" pitchFamily="49" charset="0"/>
+              </a:rPr>
+              <a:t>(board, chests, x, y):</a:t>
+            </a:r>
+          </a:p>
+          <a:p>
+            <a:r>
+              <a:rPr lang="en-US" sz="1600" b="1" dirty="0">
+                <a:latin typeface="Consolas" panose="020B0609020204030204" pitchFamily="49" charset="0"/>
+              </a:rPr>
+              <a:t>    </a:t>
+            </a:r>
+            <a:r>
+              <a:rPr lang="en-US" sz="1600" b="1" dirty="0" err="1">
+                <a:latin typeface="Consolas" panose="020B0609020204030204" pitchFamily="49" charset="0"/>
+              </a:rPr>
+              <a:t>smallestDistance</a:t>
+            </a:r>
+            <a:r>
+              <a:rPr lang="en-US" sz="1600" b="1" dirty="0">
+                <a:latin typeface="Consolas" panose="020B0609020204030204" pitchFamily="49" charset="0"/>
+              </a:rPr>
+              <a:t> = 100 # Any chest will be closer than 100.</a:t>
+            </a:r>
+          </a:p>
+          <a:p>
+            <a:r>
+              <a:rPr lang="en-US" sz="1600" b="1" dirty="0">
+                <a:latin typeface="Consolas" panose="020B0609020204030204" pitchFamily="49" charset="0"/>
+              </a:rPr>
+              <a:t>    for cx, cy in chests:</a:t>
+            </a:r>
+          </a:p>
+          <a:p>
+            <a:r>
+              <a:rPr lang="en-US" sz="1600" b="1" dirty="0">
+                <a:latin typeface="Consolas" panose="020B0609020204030204" pitchFamily="49" charset="0"/>
+              </a:rPr>
+              <a:t>        distance = </a:t>
+            </a:r>
+            <a:r>
+              <a:rPr lang="en-US" sz="1600" b="1" dirty="0" err="1">
+                <a:latin typeface="Consolas" panose="020B0609020204030204" pitchFamily="49" charset="0"/>
+              </a:rPr>
+              <a:t>math.sqrt</a:t>
+            </a:r>
+            <a:r>
+              <a:rPr lang="en-US" sz="1600" b="1" dirty="0">
+                <a:latin typeface="Consolas" panose="020B0609020204030204" pitchFamily="49" charset="0"/>
+              </a:rPr>
+              <a:t>((cx - x) * (cx - x) + (cy - y) * (cy - y))</a:t>
+            </a:r>
+          </a:p>
+          <a:p>
+            <a:endParaRPr lang="en-US" sz="1600" b="1" dirty="0">
+              <a:latin typeface="Consolas" panose="020B0609020204030204" pitchFamily="49" charset="0"/>
+            </a:endParaRPr>
+          </a:p>
+          <a:p>
+            <a:r>
+              <a:rPr lang="en-US" sz="1600" b="1" dirty="0">
+                <a:latin typeface="Consolas" panose="020B0609020204030204" pitchFamily="49" charset="0"/>
+              </a:rPr>
+              <a:t>        if distance &lt; </a:t>
+            </a:r>
+            <a:r>
+              <a:rPr lang="en-US" sz="1600" b="1" dirty="0" err="1">
+                <a:latin typeface="Consolas" panose="020B0609020204030204" pitchFamily="49" charset="0"/>
+              </a:rPr>
+              <a:t>smallestDistance</a:t>
+            </a:r>
+            <a:r>
+              <a:rPr lang="en-US" sz="1600" b="1" dirty="0">
+                <a:latin typeface="Consolas" panose="020B0609020204030204" pitchFamily="49" charset="0"/>
+              </a:rPr>
+              <a:t>: # We want the closest treasure chest.</a:t>
+            </a:r>
+          </a:p>
+          <a:p>
+            <a:r>
+              <a:rPr lang="en-US" sz="1600" b="1" dirty="0">
+                <a:latin typeface="Consolas" panose="020B0609020204030204" pitchFamily="49" charset="0"/>
+              </a:rPr>
+              <a:t>            </a:t>
+            </a:r>
+            <a:r>
+              <a:rPr lang="en-US" sz="1600" b="1" dirty="0" err="1">
+                <a:latin typeface="Consolas" panose="020B0609020204030204" pitchFamily="49" charset="0"/>
+              </a:rPr>
+              <a:t>smallestDistance</a:t>
+            </a:r>
+            <a:r>
+              <a:rPr lang="en-US" sz="1600" b="1" dirty="0">
+                <a:latin typeface="Consolas" panose="020B0609020204030204" pitchFamily="49" charset="0"/>
+              </a:rPr>
+              <a:t> = distance</a:t>
+            </a:r>
+          </a:p>
+          <a:p>
+            <a:endParaRPr lang="en-US" sz="1600" b="1" dirty="0">
+              <a:latin typeface="Consolas" panose="020B0609020204030204" pitchFamily="49" charset="0"/>
+            </a:endParaRPr>
+          </a:p>
+          <a:p>
+            <a:r>
+              <a:rPr lang="en-US" sz="1600" b="1" dirty="0">
+                <a:latin typeface="Consolas" panose="020B0609020204030204" pitchFamily="49" charset="0"/>
+              </a:rPr>
+              <a:t>    </a:t>
+            </a:r>
+            <a:r>
+              <a:rPr lang="en-US" sz="1600" b="1" dirty="0" err="1">
+                <a:latin typeface="Consolas" panose="020B0609020204030204" pitchFamily="49" charset="0"/>
+              </a:rPr>
+              <a:t>smallestDistance</a:t>
+            </a:r>
+            <a:r>
+              <a:rPr lang="en-US" sz="1600" b="1" dirty="0">
+                <a:latin typeface="Consolas" panose="020B0609020204030204" pitchFamily="49" charset="0"/>
+              </a:rPr>
+              <a:t> = round(</a:t>
+            </a:r>
+            <a:r>
+              <a:rPr lang="en-US" sz="1600" b="1" dirty="0" err="1">
+                <a:latin typeface="Consolas" panose="020B0609020204030204" pitchFamily="49" charset="0"/>
+              </a:rPr>
+              <a:t>smallestDistance</a:t>
+            </a:r>
+            <a:r>
+              <a:rPr lang="en-US" sz="1600" b="1" dirty="0">
+                <a:latin typeface="Consolas" panose="020B0609020204030204" pitchFamily="49" charset="0"/>
+              </a:rPr>
+              <a:t>)</a:t>
+            </a:r>
+          </a:p>
+          <a:p>
+            <a:endParaRPr lang="en-US" sz="1600" b="1" dirty="0">
+              <a:latin typeface="Consolas" panose="020B0609020204030204" pitchFamily="49" charset="0"/>
+            </a:endParaRPr>
+          </a:p>
+          <a:p>
+            <a:r>
+              <a:rPr lang="en-US" sz="1600" b="1" dirty="0">
+                <a:latin typeface="Consolas" panose="020B0609020204030204" pitchFamily="49" charset="0"/>
+              </a:rPr>
+              <a:t>    if </a:t>
+            </a:r>
+            <a:r>
+              <a:rPr lang="en-US" sz="1600" b="1" dirty="0" err="1">
+                <a:latin typeface="Consolas" panose="020B0609020204030204" pitchFamily="49" charset="0"/>
+              </a:rPr>
+              <a:t>smallestDistance</a:t>
+            </a:r>
+            <a:r>
+              <a:rPr lang="en-US" sz="1600" b="1" dirty="0">
+                <a:latin typeface="Consolas" panose="020B0609020204030204" pitchFamily="49" charset="0"/>
+              </a:rPr>
+              <a:t> == 0:</a:t>
+            </a:r>
+          </a:p>
+          <a:p>
+            <a:r>
+              <a:rPr lang="en-US" sz="1600" b="1" dirty="0">
+                <a:latin typeface="Consolas" panose="020B0609020204030204" pitchFamily="49" charset="0"/>
+              </a:rPr>
+              <a:t>        # </a:t>
+            </a:r>
+            <a:r>
+              <a:rPr lang="en-US" sz="1600" b="1" dirty="0" err="1">
+                <a:latin typeface="Consolas" panose="020B0609020204030204" pitchFamily="49" charset="0"/>
+              </a:rPr>
+              <a:t>xy</a:t>
+            </a:r>
+            <a:r>
+              <a:rPr lang="en-US" sz="1600" b="1" dirty="0">
+                <a:latin typeface="Consolas" panose="020B0609020204030204" pitchFamily="49" charset="0"/>
+              </a:rPr>
+              <a:t> is directly on a treasure chest!</a:t>
+            </a:r>
+          </a:p>
+          <a:p>
+            <a:r>
+              <a:rPr lang="en-US" sz="1600" b="1" dirty="0">
+                <a:latin typeface="Consolas" panose="020B0609020204030204" pitchFamily="49" charset="0"/>
+              </a:rPr>
+              <a:t>        </a:t>
+            </a:r>
+            <a:r>
+              <a:rPr lang="en-US" sz="1600" b="1" dirty="0" err="1">
+                <a:latin typeface="Consolas" panose="020B0609020204030204" pitchFamily="49" charset="0"/>
+              </a:rPr>
+              <a:t>chests.remove</a:t>
+            </a:r>
+            <a:r>
+              <a:rPr lang="en-US" sz="1600" b="1" dirty="0">
+                <a:latin typeface="Consolas" panose="020B0609020204030204" pitchFamily="49" charset="0"/>
+              </a:rPr>
+              <a:t>([x, y])</a:t>
+            </a:r>
+          </a:p>
+          <a:p>
+            <a:r>
+              <a:rPr lang="en-US" sz="1600" b="1" dirty="0">
+                <a:latin typeface="Consolas" panose="020B0609020204030204" pitchFamily="49" charset="0"/>
+              </a:rPr>
+              <a:t>        return 'You have found a sunken treasure chest!'</a:t>
+            </a:r>
+          </a:p>
+          <a:p>
+            <a:r>
+              <a:rPr lang="en-US" sz="1600" b="1" dirty="0">
+                <a:latin typeface="Consolas" panose="020B0609020204030204" pitchFamily="49" charset="0"/>
+              </a:rPr>
+              <a:t>    else:</a:t>
+            </a:r>
+          </a:p>
+          <a:p>
+            <a:r>
+              <a:rPr lang="en-US" sz="1600" b="1" dirty="0">
+                <a:latin typeface="Consolas" panose="020B0609020204030204" pitchFamily="49" charset="0"/>
+              </a:rPr>
+              <a:t>        if </a:t>
+            </a:r>
+            <a:r>
+              <a:rPr lang="en-US" sz="1600" b="1" dirty="0" err="1">
+                <a:latin typeface="Consolas" panose="020B0609020204030204" pitchFamily="49" charset="0"/>
+              </a:rPr>
+              <a:t>smallestDistance</a:t>
+            </a:r>
+            <a:r>
+              <a:rPr lang="en-US" sz="1600" b="1" dirty="0">
+                <a:latin typeface="Consolas" panose="020B0609020204030204" pitchFamily="49" charset="0"/>
+              </a:rPr>
+              <a:t> &lt; 10:</a:t>
+            </a:r>
+          </a:p>
+          <a:p>
+            <a:r>
+              <a:rPr lang="en-US" sz="1600" b="1" dirty="0">
+                <a:latin typeface="Consolas" panose="020B0609020204030204" pitchFamily="49" charset="0"/>
+              </a:rPr>
+              <a:t>            board[x][y] = str(</a:t>
+            </a:r>
+            <a:r>
+              <a:rPr lang="en-US" sz="1600" b="1" dirty="0" err="1">
+                <a:latin typeface="Consolas" panose="020B0609020204030204" pitchFamily="49" charset="0"/>
+              </a:rPr>
+              <a:t>smallestDistance</a:t>
+            </a:r>
+            <a:r>
+              <a:rPr lang="en-US" sz="1600" b="1" dirty="0">
+                <a:latin typeface="Consolas" panose="020B0609020204030204" pitchFamily="49" charset="0"/>
+              </a:rPr>
+              <a:t>)</a:t>
+            </a:r>
+          </a:p>
+          <a:p>
+            <a:r>
+              <a:rPr lang="en-US" sz="1600" b="1" dirty="0">
+                <a:latin typeface="Consolas" panose="020B0609020204030204" pitchFamily="49" charset="0"/>
+              </a:rPr>
+              <a:t>            return 'Treasure detected at a distance of %s from the sonar device.' % (</a:t>
+            </a:r>
+            <a:r>
+              <a:rPr lang="en-US" sz="1600" b="1" dirty="0" err="1">
+                <a:latin typeface="Consolas" panose="020B0609020204030204" pitchFamily="49" charset="0"/>
+              </a:rPr>
+              <a:t>smallestDistance</a:t>
+            </a:r>
+            <a:r>
+              <a:rPr lang="en-US" sz="1600" b="1" dirty="0">
+                <a:latin typeface="Consolas" panose="020B0609020204030204" pitchFamily="49" charset="0"/>
+              </a:rPr>
+              <a:t>)</a:t>
+            </a:r>
+          </a:p>
+          <a:p>
+            <a:r>
+              <a:rPr lang="en-US" sz="1600" b="1" dirty="0">
+                <a:latin typeface="Consolas" panose="020B0609020204030204" pitchFamily="49" charset="0"/>
+              </a:rPr>
+              <a:t>        else:</a:t>
+            </a:r>
+          </a:p>
+          <a:p>
+            <a:r>
+              <a:rPr lang="en-US" sz="1600" b="1" dirty="0">
+                <a:latin typeface="Consolas" panose="020B0609020204030204" pitchFamily="49" charset="0"/>
+              </a:rPr>
+              <a:t>            board[x][y] = 'X'</a:t>
+            </a:r>
+          </a:p>
+          <a:p>
+            <a:r>
+              <a:rPr lang="en-US" sz="1600" b="1" dirty="0">
+                <a:latin typeface="Consolas" panose="020B0609020204030204" pitchFamily="49" charset="0"/>
+              </a:rPr>
+              <a:t>            return 'Sonar did not detect anything. All treasure chests out of range.'</a:t>
+            </a:r>
+          </a:p>
+        </p:txBody>
+      </p:sp>
+    </p:spTree>
+    <p:extLst>
+      <p:ext uri="{BB962C8B-B14F-4D97-AF65-F5344CB8AC3E}">
+        <p14:creationId xmlns:p14="http://schemas.microsoft.com/office/powerpoint/2010/main" val="84477150"/>
+      </p:ext>
+    </p:extLst>
+  </p:cSld>
+  <p:clrMapOvr>
+    <a:masterClrMapping/>
+  </p:clrMapOvr>
+</p:sld>
+</file>
+
+<file path=ppt/slides/slide19.xml><?xml version="1.0" encoding="utf-8"?>
+<p:sld xmlns:a="http://schemas.openxmlformats.org/drawingml/2006/main" xmlns:r="http://schemas.openxmlformats.org/officeDocument/2006/relationships" xmlns:p="http://schemas.openxmlformats.org/presentationml/2006/main">
+  <p:cSld>
+    <p:spTree>
+      <p:nvGrpSpPr>
+        <p:cNvPr id="1" name=""/>
+        <p:cNvGrpSpPr/>
+        <p:nvPr/>
+      </p:nvGrpSpPr>
+      <p:grpSpPr>
+        <a:xfrm>
+          <a:off x="0" y="0"/>
+          <a:ext cx="0" cy="0"/>
+          <a:chOff x="0" y="0"/>
+          <a:chExt cx="0" cy="0"/>
+        </a:xfrm>
+      </p:grpSpPr>
+      <p:sp>
+        <p:nvSpPr>
+          <p:cNvPr id="4" name="TextBox 3">
+            <a:extLst>
+              <a:ext uri="{FF2B5EF4-FFF2-40B4-BE49-F238E27FC236}">
+                <a16:creationId xmlns:a16="http://schemas.microsoft.com/office/drawing/2014/main" id="{00106100-8FE5-4EF5-A409-8110A54355BB}"/>
+              </a:ext>
+            </a:extLst>
+          </p:cNvPr>
+          <p:cNvSpPr txBox="1"/>
+          <p:nvPr/>
+        </p:nvSpPr>
+        <p:spPr>
+          <a:xfrm>
+            <a:off x="287867" y="685800"/>
+            <a:ext cx="11607800" cy="4524315"/>
+          </a:xfrm>
+          <a:prstGeom prst="rect">
+            <a:avLst/>
+          </a:prstGeom>
+          <a:noFill/>
+        </p:spPr>
+        <p:txBody>
+          <a:bodyPr wrap="square" rtlCol="0">
+            <a:spAutoFit/>
+          </a:bodyPr>
+          <a:lstStyle/>
+          <a:p>
+            <a:r>
+              <a:rPr lang="en-US" sz="1600" b="1" dirty="0">
+                <a:latin typeface="Consolas" panose="020B0609020204030204" pitchFamily="49" charset="0"/>
+              </a:rPr>
+              <a:t>def </a:t>
+            </a:r>
+            <a:r>
+              <a:rPr lang="en-US" sz="1600" b="1" dirty="0" err="1">
+                <a:latin typeface="Consolas" panose="020B0609020204030204" pitchFamily="49" charset="0"/>
+              </a:rPr>
+              <a:t>enterPlayerMove</a:t>
+            </a:r>
+            <a:r>
+              <a:rPr lang="en-US" sz="1600" b="1" dirty="0">
+                <a:latin typeface="Consolas" panose="020B0609020204030204" pitchFamily="49" charset="0"/>
+              </a:rPr>
+              <a:t>(</a:t>
+            </a:r>
+            <a:r>
+              <a:rPr lang="en-US" sz="1600" b="1" dirty="0" err="1">
+                <a:latin typeface="Consolas" panose="020B0609020204030204" pitchFamily="49" charset="0"/>
+              </a:rPr>
+              <a:t>previousMoves</a:t>
+            </a:r>
+            <a:r>
+              <a:rPr lang="en-US" sz="1600" b="1" dirty="0">
+                <a:latin typeface="Consolas" panose="020B0609020204030204" pitchFamily="49" charset="0"/>
+              </a:rPr>
+              <a:t>):</a:t>
+            </a:r>
+          </a:p>
+          <a:p>
+            <a:r>
+              <a:rPr lang="en-US" sz="1600" b="1" dirty="0">
+                <a:latin typeface="Consolas" panose="020B0609020204030204" pitchFamily="49" charset="0"/>
+              </a:rPr>
+              <a:t>    # Let the player enter their move. Return a two-item list of int </a:t>
+            </a:r>
+            <a:r>
+              <a:rPr lang="en-US" sz="1600" b="1" dirty="0" err="1">
+                <a:latin typeface="Consolas" panose="020B0609020204030204" pitchFamily="49" charset="0"/>
+              </a:rPr>
+              <a:t>xy</a:t>
+            </a:r>
+            <a:r>
+              <a:rPr lang="en-US" sz="1600" b="1" dirty="0">
+                <a:latin typeface="Consolas" panose="020B0609020204030204" pitchFamily="49" charset="0"/>
+              </a:rPr>
+              <a:t> coordinates.</a:t>
+            </a:r>
+          </a:p>
+          <a:p>
+            <a:r>
+              <a:rPr lang="en-US" sz="1600" b="1" dirty="0">
+                <a:latin typeface="Consolas" panose="020B0609020204030204" pitchFamily="49" charset="0"/>
+              </a:rPr>
+              <a:t>    print('Where do you want to drop the next sonar device? (0-59 0-14) (or type quit)')</a:t>
+            </a:r>
+          </a:p>
+          <a:p>
+            <a:r>
+              <a:rPr lang="en-US" sz="1600" b="1" dirty="0">
+                <a:latin typeface="Consolas" panose="020B0609020204030204" pitchFamily="49" charset="0"/>
+              </a:rPr>
+              <a:t>    while True:</a:t>
+            </a:r>
+          </a:p>
+          <a:p>
+            <a:r>
+              <a:rPr lang="en-US" sz="1600" b="1" dirty="0">
+                <a:latin typeface="Consolas" panose="020B0609020204030204" pitchFamily="49" charset="0"/>
+              </a:rPr>
+              <a:t>        move = input()</a:t>
+            </a:r>
+          </a:p>
+          <a:p>
+            <a:r>
+              <a:rPr lang="en-US" sz="1600" b="1" dirty="0">
+                <a:latin typeface="Consolas" panose="020B0609020204030204" pitchFamily="49" charset="0"/>
+              </a:rPr>
+              <a:t>        if </a:t>
+            </a:r>
+            <a:r>
+              <a:rPr lang="en-US" sz="1600" b="1" dirty="0" err="1">
+                <a:latin typeface="Consolas" panose="020B0609020204030204" pitchFamily="49" charset="0"/>
+              </a:rPr>
+              <a:t>move.lower</a:t>
+            </a:r>
+            <a:r>
+              <a:rPr lang="en-US" sz="1600" b="1" dirty="0">
+                <a:latin typeface="Consolas" panose="020B0609020204030204" pitchFamily="49" charset="0"/>
+              </a:rPr>
+              <a:t>() == 'quit':</a:t>
+            </a:r>
+          </a:p>
+          <a:p>
+            <a:r>
+              <a:rPr lang="en-US" sz="1600" b="1" dirty="0">
+                <a:latin typeface="Consolas" panose="020B0609020204030204" pitchFamily="49" charset="0"/>
+              </a:rPr>
+              <a:t>            print('Thanks for playing!')</a:t>
+            </a:r>
+          </a:p>
+          <a:p>
+            <a:r>
+              <a:rPr lang="en-US" sz="1600" b="1" dirty="0">
+                <a:latin typeface="Consolas" panose="020B0609020204030204" pitchFamily="49" charset="0"/>
+              </a:rPr>
+              <a:t>            </a:t>
+            </a:r>
+            <a:r>
+              <a:rPr lang="en-US" sz="1600" b="1" dirty="0" err="1">
+                <a:latin typeface="Consolas" panose="020B0609020204030204" pitchFamily="49" charset="0"/>
+              </a:rPr>
+              <a:t>sys.exit</a:t>
+            </a:r>
+            <a:r>
+              <a:rPr lang="en-US" sz="1600" b="1" dirty="0">
+                <a:latin typeface="Consolas" panose="020B0609020204030204" pitchFamily="49" charset="0"/>
+              </a:rPr>
+              <a:t>()</a:t>
+            </a:r>
+          </a:p>
+          <a:p>
+            <a:endParaRPr lang="en-US" sz="1600" b="1" dirty="0">
+              <a:latin typeface="Consolas" panose="020B0609020204030204" pitchFamily="49" charset="0"/>
+            </a:endParaRPr>
+          </a:p>
+          <a:p>
+            <a:r>
+              <a:rPr lang="en-US" sz="1600" b="1" dirty="0">
+                <a:latin typeface="Consolas" panose="020B0609020204030204" pitchFamily="49" charset="0"/>
+              </a:rPr>
+              <a:t>        move = </a:t>
+            </a:r>
+            <a:r>
+              <a:rPr lang="en-US" sz="1600" b="1" dirty="0" err="1">
+                <a:latin typeface="Consolas" panose="020B0609020204030204" pitchFamily="49" charset="0"/>
+              </a:rPr>
+              <a:t>move.split</a:t>
+            </a:r>
+            <a:r>
+              <a:rPr lang="en-US" sz="1600" b="1" dirty="0">
+                <a:latin typeface="Consolas" panose="020B0609020204030204" pitchFamily="49" charset="0"/>
+              </a:rPr>
+              <a:t>()</a:t>
+            </a:r>
+          </a:p>
+          <a:p>
+            <a:r>
+              <a:rPr lang="en-US" sz="1600" b="1" dirty="0">
+                <a:latin typeface="Consolas" panose="020B0609020204030204" pitchFamily="49" charset="0"/>
+              </a:rPr>
+              <a:t>        if </a:t>
+            </a:r>
+            <a:r>
+              <a:rPr lang="en-US" sz="1600" b="1" dirty="0" err="1">
+                <a:latin typeface="Consolas" panose="020B0609020204030204" pitchFamily="49" charset="0"/>
+              </a:rPr>
+              <a:t>len</a:t>
+            </a:r>
+            <a:r>
+              <a:rPr lang="en-US" sz="1600" b="1" dirty="0">
+                <a:latin typeface="Consolas" panose="020B0609020204030204" pitchFamily="49" charset="0"/>
+              </a:rPr>
+              <a:t>(move) == 2 and move[0].</a:t>
+            </a:r>
+            <a:r>
+              <a:rPr lang="en-US" sz="1600" b="1" dirty="0" err="1">
+                <a:latin typeface="Consolas" panose="020B0609020204030204" pitchFamily="49" charset="0"/>
+              </a:rPr>
+              <a:t>isdigit</a:t>
+            </a:r>
+            <a:r>
+              <a:rPr lang="en-US" sz="1600" b="1" dirty="0">
+                <a:latin typeface="Consolas" panose="020B0609020204030204" pitchFamily="49" charset="0"/>
+              </a:rPr>
+              <a:t>() and move[1].</a:t>
+            </a:r>
+            <a:r>
+              <a:rPr lang="en-US" sz="1600" b="1" dirty="0" err="1">
+                <a:latin typeface="Consolas" panose="020B0609020204030204" pitchFamily="49" charset="0"/>
+              </a:rPr>
+              <a:t>isdigit</a:t>
+            </a:r>
+            <a:r>
+              <a:rPr lang="en-US" sz="1600" b="1" dirty="0">
+                <a:latin typeface="Consolas" panose="020B0609020204030204" pitchFamily="49" charset="0"/>
+              </a:rPr>
+              <a:t>() and </a:t>
+            </a:r>
+            <a:r>
+              <a:rPr lang="en-US" sz="1600" b="1" dirty="0" err="1">
+                <a:latin typeface="Consolas" panose="020B0609020204030204" pitchFamily="49" charset="0"/>
+              </a:rPr>
+              <a:t>isOnBoard</a:t>
+            </a:r>
+            <a:r>
+              <a:rPr lang="en-US" sz="1600" b="1" dirty="0">
+                <a:latin typeface="Consolas" panose="020B0609020204030204" pitchFamily="49" charset="0"/>
+              </a:rPr>
+              <a:t>(int(move[0]), int(move[1])):</a:t>
+            </a:r>
+          </a:p>
+          <a:p>
+            <a:r>
+              <a:rPr lang="en-US" sz="1600" b="1" dirty="0">
+                <a:latin typeface="Consolas" panose="020B0609020204030204" pitchFamily="49" charset="0"/>
+              </a:rPr>
+              <a:t>            if [int(move[0]), int(move[1])] in </a:t>
+            </a:r>
+            <a:r>
+              <a:rPr lang="en-US" sz="1600" b="1" dirty="0" err="1">
+                <a:latin typeface="Consolas" panose="020B0609020204030204" pitchFamily="49" charset="0"/>
+              </a:rPr>
+              <a:t>previousMoves</a:t>
+            </a:r>
+            <a:r>
+              <a:rPr lang="en-US" sz="1600" b="1" dirty="0">
+                <a:latin typeface="Consolas" panose="020B0609020204030204" pitchFamily="49" charset="0"/>
+              </a:rPr>
+              <a:t>:</a:t>
+            </a:r>
+          </a:p>
+          <a:p>
+            <a:r>
+              <a:rPr lang="en-US" sz="1600" b="1" dirty="0">
+                <a:latin typeface="Consolas" panose="020B0609020204030204" pitchFamily="49" charset="0"/>
+              </a:rPr>
+              <a:t>                print('You already moved there.')</a:t>
+            </a:r>
+          </a:p>
+          <a:p>
+            <a:r>
+              <a:rPr lang="en-US" sz="1600" b="1" dirty="0">
+                <a:latin typeface="Consolas" panose="020B0609020204030204" pitchFamily="49" charset="0"/>
+              </a:rPr>
+              <a:t>                continue</a:t>
+            </a:r>
+          </a:p>
+          <a:p>
+            <a:r>
+              <a:rPr lang="en-US" sz="1600" b="1" dirty="0">
+                <a:latin typeface="Consolas" panose="020B0609020204030204" pitchFamily="49" charset="0"/>
+              </a:rPr>
+              <a:t>            return [int(move[0]), int(move[1])]</a:t>
+            </a:r>
+          </a:p>
+          <a:p>
+            <a:endParaRPr lang="en-US" sz="1600" b="1" dirty="0">
+              <a:latin typeface="Consolas" panose="020B0609020204030204" pitchFamily="49" charset="0"/>
+            </a:endParaRPr>
+          </a:p>
+          <a:p>
+            <a:r>
+              <a:rPr lang="en-US" sz="1600" b="1" dirty="0">
+                <a:latin typeface="Consolas" panose="020B0609020204030204" pitchFamily="49" charset="0"/>
+              </a:rPr>
+              <a:t>        print('Enter a number from 0 to 59, a space, then a number from 0 to 14.')</a:t>
+            </a:r>
+          </a:p>
+        </p:txBody>
+      </p:sp>
+    </p:spTree>
+    <p:extLst>
+      <p:ext uri="{BB962C8B-B14F-4D97-AF65-F5344CB8AC3E}">
+        <p14:creationId xmlns:p14="http://schemas.microsoft.com/office/powerpoint/2010/main" val="184816207"/>
+      </p:ext>
+    </p:extLst>
+  </p:cSld>
+  <p:clrMapOvr>
+    <a:masterClrMapping/>
+  </p:clrMapOvr>
+</p:sld>
+</file>
+
 <file path=ppt/slides/slide2.xml><?xml version="1.0" encoding="utf-8"?>
 <p:sld xmlns:a="http://schemas.openxmlformats.org/drawingml/2006/main" xmlns:r="http://schemas.openxmlformats.org/officeDocument/2006/relationships" xmlns:p="http://schemas.openxmlformats.org/presentationml/2006/main">
   <p:cSld>
@@ -7758,6 +8662,1315 @@
     <p:extLst>
       <p:ext uri="{BB962C8B-B14F-4D97-AF65-F5344CB8AC3E}">
         <p14:creationId xmlns:p14="http://schemas.microsoft.com/office/powerpoint/2010/main" val="4271118336"/>
+      </p:ext>
+    </p:extLst>
+  </p:cSld>
+  <p:clrMapOvr>
+    <a:masterClrMapping/>
+  </p:clrMapOvr>
+</p:sld>
+</file>
+
+<file path=ppt/slides/slide20.xml><?xml version="1.0" encoding="utf-8"?>
+<p:sld xmlns:a="http://schemas.openxmlformats.org/drawingml/2006/main" xmlns:r="http://schemas.openxmlformats.org/officeDocument/2006/relationships" xmlns:p="http://schemas.openxmlformats.org/presentationml/2006/main">
+  <p:cSld>
+    <p:spTree>
+      <p:nvGrpSpPr>
+        <p:cNvPr id="1" name=""/>
+        <p:cNvGrpSpPr/>
+        <p:nvPr/>
+      </p:nvGrpSpPr>
+      <p:grpSpPr>
+        <a:xfrm>
+          <a:off x="0" y="0"/>
+          <a:ext cx="0" cy="0"/>
+          <a:chOff x="0" y="0"/>
+          <a:chExt cx="0" cy="0"/>
+        </a:xfrm>
+      </p:grpSpPr>
+      <p:sp>
+        <p:nvSpPr>
+          <p:cNvPr id="4" name="TextBox 3">
+            <a:extLst>
+              <a:ext uri="{FF2B5EF4-FFF2-40B4-BE49-F238E27FC236}">
+                <a16:creationId xmlns:a16="http://schemas.microsoft.com/office/drawing/2014/main" id="{00106100-8FE5-4EF5-A409-8110A54355BB}"/>
+              </a:ext>
+            </a:extLst>
+          </p:cNvPr>
+          <p:cNvSpPr txBox="1"/>
+          <p:nvPr/>
+        </p:nvSpPr>
+        <p:spPr>
+          <a:xfrm>
+            <a:off x="292100" y="177800"/>
+            <a:ext cx="11607800" cy="6247864"/>
+          </a:xfrm>
+          <a:prstGeom prst="rect">
+            <a:avLst/>
+          </a:prstGeom>
+          <a:noFill/>
+        </p:spPr>
+        <p:txBody>
+          <a:bodyPr wrap="square" rtlCol="0">
+            <a:spAutoFit/>
+          </a:bodyPr>
+          <a:lstStyle/>
+          <a:p>
+            <a:r>
+              <a:rPr lang="en-US" sz="800" b="1" dirty="0">
+                <a:latin typeface="Consolas" panose="020B0609020204030204" pitchFamily="49" charset="0"/>
+              </a:rPr>
+              <a:t>def </a:t>
+            </a:r>
+            <a:r>
+              <a:rPr lang="en-US" sz="800" b="1" dirty="0" err="1">
+                <a:latin typeface="Consolas" panose="020B0609020204030204" pitchFamily="49" charset="0"/>
+              </a:rPr>
+              <a:t>showInstructions</a:t>
+            </a:r>
+            <a:r>
+              <a:rPr lang="en-US" sz="800" b="1" dirty="0">
+                <a:latin typeface="Consolas" panose="020B0609020204030204" pitchFamily="49" charset="0"/>
+              </a:rPr>
+              <a:t>():</a:t>
+            </a:r>
+          </a:p>
+          <a:p>
+            <a:r>
+              <a:rPr lang="en-US" sz="800" b="1" dirty="0">
+                <a:latin typeface="Consolas" panose="020B0609020204030204" pitchFamily="49" charset="0"/>
+              </a:rPr>
+              <a:t>    print('''Instructions:</a:t>
+            </a:r>
+          </a:p>
+          <a:p>
+            <a:r>
+              <a:rPr lang="en-US" sz="800" b="1" dirty="0">
+                <a:latin typeface="Consolas" panose="020B0609020204030204" pitchFamily="49" charset="0"/>
+              </a:rPr>
+              <a:t>You are the captain of the Simon, a treasure-hunting ship. Your current mission</a:t>
+            </a:r>
+          </a:p>
+          <a:p>
+            <a:r>
+              <a:rPr lang="en-US" sz="800" b="1" dirty="0">
+                <a:latin typeface="Consolas" panose="020B0609020204030204" pitchFamily="49" charset="0"/>
+              </a:rPr>
+              <a:t>is to use sonar devices to find three sunken treasure chests at the bottom of</a:t>
+            </a:r>
+          </a:p>
+          <a:p>
+            <a:r>
+              <a:rPr lang="en-US" sz="800" b="1" dirty="0">
+                <a:latin typeface="Consolas" panose="020B0609020204030204" pitchFamily="49" charset="0"/>
+              </a:rPr>
+              <a:t>the ocean. But you only have cheap sonar that finds distance, not direction.</a:t>
+            </a:r>
+          </a:p>
+          <a:p>
+            <a:endParaRPr lang="en-US" sz="800" b="1" dirty="0">
+              <a:latin typeface="Consolas" panose="020B0609020204030204" pitchFamily="49" charset="0"/>
+            </a:endParaRPr>
+          </a:p>
+          <a:p>
+            <a:r>
+              <a:rPr lang="en-US" sz="800" b="1" dirty="0">
+                <a:latin typeface="Consolas" panose="020B0609020204030204" pitchFamily="49" charset="0"/>
+              </a:rPr>
+              <a:t>Enter the coordinates to drop a sonar device. The ocean map will be marked with</a:t>
+            </a:r>
+          </a:p>
+          <a:p>
+            <a:r>
+              <a:rPr lang="en-US" sz="800" b="1" dirty="0">
+                <a:latin typeface="Consolas" panose="020B0609020204030204" pitchFamily="49" charset="0"/>
+              </a:rPr>
+              <a:t>how far away the nearest chest is, or an X if it is beyond the sonar device's</a:t>
+            </a:r>
+          </a:p>
+          <a:p>
+            <a:r>
+              <a:rPr lang="en-US" sz="800" b="1" dirty="0">
+                <a:latin typeface="Consolas" panose="020B0609020204030204" pitchFamily="49" charset="0"/>
+              </a:rPr>
+              <a:t>range. For example, the C marks are where chests are. The sonar device shows a</a:t>
+            </a:r>
+          </a:p>
+          <a:p>
+            <a:r>
+              <a:rPr lang="en-US" sz="800" b="1" dirty="0">
+                <a:latin typeface="Consolas" panose="020B0609020204030204" pitchFamily="49" charset="0"/>
+              </a:rPr>
+              <a:t>3 because the closest chest is 3 spaces away.</a:t>
+            </a:r>
+          </a:p>
+          <a:p>
+            <a:endParaRPr lang="en-US" sz="800" b="1" dirty="0">
+              <a:latin typeface="Consolas" panose="020B0609020204030204" pitchFamily="49" charset="0"/>
+            </a:endParaRPr>
+          </a:p>
+          <a:p>
+            <a:r>
+              <a:rPr lang="en-US" sz="800" b="1" dirty="0">
+                <a:latin typeface="Consolas" panose="020B0609020204030204" pitchFamily="49" charset="0"/>
+              </a:rPr>
+              <a:t>1 2 3</a:t>
+            </a:r>
+          </a:p>
+          <a:p>
+            <a:r>
+              <a:rPr lang="en-US" sz="800" b="1" dirty="0">
+                <a:latin typeface="Consolas" panose="020B0609020204030204" pitchFamily="49" charset="0"/>
+              </a:rPr>
+              <a:t>012345678901234567890123456789012</a:t>
+            </a:r>
+          </a:p>
+          <a:p>
+            <a:endParaRPr lang="en-US" sz="800" b="1" dirty="0">
+              <a:latin typeface="Consolas" panose="020B0609020204030204" pitchFamily="49" charset="0"/>
+            </a:endParaRPr>
+          </a:p>
+          <a:p>
+            <a:r>
+              <a:rPr lang="en-US" sz="800" b="1" dirty="0">
+                <a:latin typeface="Consolas" panose="020B0609020204030204" pitchFamily="49" charset="0"/>
+              </a:rPr>
+              <a:t>0 ~~~~`~```~`~``~~~``~`~~``~~~``~`~ 0</a:t>
+            </a:r>
+          </a:p>
+          <a:p>
+            <a:r>
+              <a:rPr lang="en-US" sz="800" b="1" dirty="0">
+                <a:latin typeface="Consolas" panose="020B0609020204030204" pitchFamily="49" charset="0"/>
+              </a:rPr>
+              <a:t>1 ~`~`~``~~`~```~~~```~~`~`~~~`~~~~ 1</a:t>
+            </a:r>
+          </a:p>
+          <a:p>
+            <a:r>
+              <a:rPr lang="en-US" sz="800" b="1" dirty="0">
+                <a:latin typeface="Consolas" panose="020B0609020204030204" pitchFamily="49" charset="0"/>
+              </a:rPr>
+              <a:t>2 `~`C``3`~~~~`C`~~~~`````~~``~~~`` 2</a:t>
+            </a:r>
+          </a:p>
+          <a:p>
+            <a:r>
+              <a:rPr lang="en-US" sz="800" b="1" dirty="0">
+                <a:latin typeface="Consolas" panose="020B0609020204030204" pitchFamily="49" charset="0"/>
+              </a:rPr>
+              <a:t>3 ````````~~~`````~~~`~`````~`~``~` 3</a:t>
+            </a:r>
+          </a:p>
+          <a:p>
+            <a:r>
+              <a:rPr lang="en-US" sz="800" b="1" dirty="0">
+                <a:latin typeface="Consolas" panose="020B0609020204030204" pitchFamily="49" charset="0"/>
+              </a:rPr>
+              <a:t>4 ~`~~~~`~~`~~`C`~``~~`~~~`~```~``~ 4</a:t>
+            </a:r>
+          </a:p>
+          <a:p>
+            <a:endParaRPr lang="en-US" sz="800" b="1" dirty="0">
+              <a:latin typeface="Consolas" panose="020B0609020204030204" pitchFamily="49" charset="0"/>
+            </a:endParaRPr>
+          </a:p>
+          <a:p>
+            <a:r>
+              <a:rPr lang="en-US" sz="800" b="1" dirty="0">
+                <a:latin typeface="Consolas" panose="020B0609020204030204" pitchFamily="49" charset="0"/>
+              </a:rPr>
+              <a:t>012345678901234567890123456789012</a:t>
+            </a:r>
+          </a:p>
+          <a:p>
+            <a:r>
+              <a:rPr lang="en-US" sz="800" b="1" dirty="0">
+                <a:latin typeface="Consolas" panose="020B0609020204030204" pitchFamily="49" charset="0"/>
+              </a:rPr>
+              <a:t>1 2 3</a:t>
+            </a:r>
+          </a:p>
+          <a:p>
+            <a:r>
+              <a:rPr lang="en-US" sz="800" b="1" dirty="0">
+                <a:latin typeface="Consolas" panose="020B0609020204030204" pitchFamily="49" charset="0"/>
+              </a:rPr>
+              <a:t>(In the real game, the chests are not visible in the ocean.)</a:t>
+            </a:r>
+          </a:p>
+          <a:p>
+            <a:endParaRPr lang="en-US" sz="800" b="1" dirty="0">
+              <a:latin typeface="Consolas" panose="020B0609020204030204" pitchFamily="49" charset="0"/>
+            </a:endParaRPr>
+          </a:p>
+          <a:p>
+            <a:r>
+              <a:rPr lang="en-US" sz="800" b="1" dirty="0">
+                <a:latin typeface="Consolas" panose="020B0609020204030204" pitchFamily="49" charset="0"/>
+              </a:rPr>
+              <a:t>Press enter to continue...''')</a:t>
+            </a:r>
+          </a:p>
+          <a:p>
+            <a:r>
+              <a:rPr lang="en-US" sz="800" b="1" dirty="0">
+                <a:latin typeface="Consolas" panose="020B0609020204030204" pitchFamily="49" charset="0"/>
+              </a:rPr>
+              <a:t>    input()</a:t>
+            </a:r>
+          </a:p>
+          <a:p>
+            <a:endParaRPr lang="en-US" sz="800" b="1" dirty="0">
+              <a:latin typeface="Consolas" panose="020B0609020204030204" pitchFamily="49" charset="0"/>
+            </a:endParaRPr>
+          </a:p>
+          <a:p>
+            <a:r>
+              <a:rPr lang="en-US" sz="800" b="1" dirty="0">
+                <a:latin typeface="Consolas" panose="020B0609020204030204" pitchFamily="49" charset="0"/>
+              </a:rPr>
+              <a:t>    print('''When you drop a sonar device directly on a chest, you retrieve it and the other</a:t>
+            </a:r>
+          </a:p>
+          <a:p>
+            <a:r>
+              <a:rPr lang="en-US" sz="800" b="1" dirty="0">
+                <a:latin typeface="Consolas" panose="020B0609020204030204" pitchFamily="49" charset="0"/>
+              </a:rPr>
+              <a:t>sonar devices update to show how far away the next nearest chest is. The chests</a:t>
+            </a:r>
+          </a:p>
+          <a:p>
+            <a:r>
+              <a:rPr lang="en-US" sz="800" b="1" dirty="0">
+                <a:latin typeface="Consolas" panose="020B0609020204030204" pitchFamily="49" charset="0"/>
+              </a:rPr>
+              <a:t>are beyond the range of the sonar device on the left, so it shows an X.</a:t>
+            </a:r>
+          </a:p>
+          <a:p>
+            <a:endParaRPr lang="en-US" sz="800" b="1" dirty="0">
+              <a:latin typeface="Consolas" panose="020B0609020204030204" pitchFamily="49" charset="0"/>
+            </a:endParaRPr>
+          </a:p>
+          <a:p>
+            <a:r>
+              <a:rPr lang="en-US" sz="800" b="1" dirty="0">
+                <a:latin typeface="Consolas" panose="020B0609020204030204" pitchFamily="49" charset="0"/>
+              </a:rPr>
+              <a:t>1 2 3</a:t>
+            </a:r>
+          </a:p>
+          <a:p>
+            <a:r>
+              <a:rPr lang="en-US" sz="800" b="1" dirty="0">
+                <a:latin typeface="Consolas" panose="020B0609020204030204" pitchFamily="49" charset="0"/>
+              </a:rPr>
+              <a:t>012345678901234567890123456789012</a:t>
+            </a:r>
+          </a:p>
+          <a:p>
+            <a:endParaRPr lang="en-US" sz="800" b="1" dirty="0">
+              <a:latin typeface="Consolas" panose="020B0609020204030204" pitchFamily="49" charset="0"/>
+            </a:endParaRPr>
+          </a:p>
+          <a:p>
+            <a:r>
+              <a:rPr lang="en-US" sz="800" b="1" dirty="0">
+                <a:latin typeface="Consolas" panose="020B0609020204030204" pitchFamily="49" charset="0"/>
+              </a:rPr>
+              <a:t>0 ~~~~`~```~`~``~~~``~`~~``~~~``~`~ 0</a:t>
+            </a:r>
+          </a:p>
+          <a:p>
+            <a:r>
+              <a:rPr lang="en-US" sz="800" b="1" dirty="0">
+                <a:latin typeface="Consolas" panose="020B0609020204030204" pitchFamily="49" charset="0"/>
+              </a:rPr>
+              <a:t>1 ~`~`~``~~`~```~~~```~~`~`~~~`~~~~ 1</a:t>
+            </a:r>
+          </a:p>
+          <a:p>
+            <a:r>
+              <a:rPr lang="en-US" sz="800" b="1" dirty="0">
+                <a:latin typeface="Consolas" panose="020B0609020204030204" pitchFamily="49" charset="0"/>
+              </a:rPr>
+              <a:t>2 `~`X``7`~~~~`C`~~~~`````~~``~~~`` 2</a:t>
+            </a:r>
+          </a:p>
+          <a:p>
+            <a:r>
+              <a:rPr lang="en-US" sz="800" b="1" dirty="0">
+                <a:latin typeface="Consolas" panose="020B0609020204030204" pitchFamily="49" charset="0"/>
+              </a:rPr>
+              <a:t>3 ````````~~~`````~~~`~`````~`~``~` 3</a:t>
+            </a:r>
+          </a:p>
+          <a:p>
+            <a:r>
+              <a:rPr lang="en-US" sz="800" b="1" dirty="0">
+                <a:latin typeface="Consolas" panose="020B0609020204030204" pitchFamily="49" charset="0"/>
+              </a:rPr>
+              <a:t>4 ~`~~~~`~~`~~`C`~``~~`~~~`~```~``~ 4</a:t>
+            </a:r>
+          </a:p>
+          <a:p>
+            <a:endParaRPr lang="en-US" sz="800" b="1" dirty="0">
+              <a:latin typeface="Consolas" panose="020B0609020204030204" pitchFamily="49" charset="0"/>
+            </a:endParaRPr>
+          </a:p>
+          <a:p>
+            <a:r>
+              <a:rPr lang="en-US" sz="800" b="1" dirty="0">
+                <a:latin typeface="Consolas" panose="020B0609020204030204" pitchFamily="49" charset="0"/>
+              </a:rPr>
+              <a:t>012345678901234567890123456789012</a:t>
+            </a:r>
+          </a:p>
+          <a:p>
+            <a:r>
+              <a:rPr lang="en-US" sz="800" b="1" dirty="0">
+                <a:latin typeface="Consolas" panose="020B0609020204030204" pitchFamily="49" charset="0"/>
+              </a:rPr>
+              <a:t>1 2 3</a:t>
+            </a:r>
+          </a:p>
+          <a:p>
+            <a:endParaRPr lang="en-US" sz="800" b="1" dirty="0">
+              <a:latin typeface="Consolas" panose="020B0609020204030204" pitchFamily="49" charset="0"/>
+            </a:endParaRPr>
+          </a:p>
+          <a:p>
+            <a:r>
+              <a:rPr lang="en-US" sz="800" b="1" dirty="0">
+                <a:latin typeface="Consolas" panose="020B0609020204030204" pitchFamily="49" charset="0"/>
+              </a:rPr>
+              <a:t>The treasure chests don't move around. Sonar devices can detect treasure chests</a:t>
+            </a:r>
+          </a:p>
+          <a:p>
+            <a:r>
+              <a:rPr lang="en-US" sz="800" b="1" dirty="0">
+                <a:latin typeface="Consolas" panose="020B0609020204030204" pitchFamily="49" charset="0"/>
+              </a:rPr>
+              <a:t>up to a distance of 9 spaces. Try to collect all 3 chests before running out of</a:t>
+            </a:r>
+          </a:p>
+          <a:p>
+            <a:r>
+              <a:rPr lang="en-US" sz="800" b="1" dirty="0">
+                <a:latin typeface="Consolas" panose="020B0609020204030204" pitchFamily="49" charset="0"/>
+              </a:rPr>
+              <a:t>sonar devices. Good luck!</a:t>
+            </a:r>
+          </a:p>
+          <a:p>
+            <a:endParaRPr lang="en-US" sz="800" b="1" dirty="0">
+              <a:latin typeface="Consolas" panose="020B0609020204030204" pitchFamily="49" charset="0"/>
+            </a:endParaRPr>
+          </a:p>
+          <a:p>
+            <a:r>
+              <a:rPr lang="en-US" sz="800" b="1" dirty="0">
+                <a:latin typeface="Consolas" panose="020B0609020204030204" pitchFamily="49" charset="0"/>
+              </a:rPr>
+              <a:t>Press enter to continue...''')</a:t>
+            </a:r>
+          </a:p>
+          <a:p>
+            <a:r>
+              <a:rPr lang="en-US" sz="800" b="1" dirty="0">
+                <a:latin typeface="Consolas" panose="020B0609020204030204" pitchFamily="49" charset="0"/>
+              </a:rPr>
+              <a:t>    input()</a:t>
+            </a:r>
+          </a:p>
+          <a:p>
+            <a:r>
+              <a:rPr lang="en-US" sz="800" b="1" dirty="0">
+                <a:latin typeface="Consolas" panose="020B0609020204030204" pitchFamily="49" charset="0"/>
+              </a:rPr>
+              <a:t> </a:t>
+            </a:r>
+          </a:p>
+        </p:txBody>
+      </p:sp>
+    </p:spTree>
+    <p:extLst>
+      <p:ext uri="{BB962C8B-B14F-4D97-AF65-F5344CB8AC3E}">
+        <p14:creationId xmlns:p14="http://schemas.microsoft.com/office/powerpoint/2010/main" val="1411104358"/>
+      </p:ext>
+    </p:extLst>
+  </p:cSld>
+  <p:clrMapOvr>
+    <a:masterClrMapping/>
+  </p:clrMapOvr>
+</p:sld>
+</file>
+
+<file path=ppt/slides/slide21.xml><?xml version="1.0" encoding="utf-8"?>
+<p:sld xmlns:a="http://schemas.openxmlformats.org/drawingml/2006/main" xmlns:r="http://schemas.openxmlformats.org/officeDocument/2006/relationships" xmlns:p="http://schemas.openxmlformats.org/presentationml/2006/main">
+  <p:cSld>
+    <p:spTree>
+      <p:nvGrpSpPr>
+        <p:cNvPr id="1" name=""/>
+        <p:cNvGrpSpPr/>
+        <p:nvPr/>
+      </p:nvGrpSpPr>
+      <p:grpSpPr>
+        <a:xfrm>
+          <a:off x="0" y="0"/>
+          <a:ext cx="0" cy="0"/>
+          <a:chOff x="0" y="0"/>
+          <a:chExt cx="0" cy="0"/>
+        </a:xfrm>
+      </p:grpSpPr>
+      <p:sp>
+        <p:nvSpPr>
+          <p:cNvPr id="4" name="TextBox 3">
+            <a:extLst>
+              <a:ext uri="{FF2B5EF4-FFF2-40B4-BE49-F238E27FC236}">
+                <a16:creationId xmlns:a16="http://schemas.microsoft.com/office/drawing/2014/main" id="{00106100-8FE5-4EF5-A409-8110A54355BB}"/>
+              </a:ext>
+            </a:extLst>
+          </p:cNvPr>
+          <p:cNvSpPr txBox="1"/>
+          <p:nvPr/>
+        </p:nvSpPr>
+        <p:spPr>
+          <a:xfrm>
+            <a:off x="300567" y="118531"/>
+            <a:ext cx="11607800" cy="6863417"/>
+          </a:xfrm>
+          <a:prstGeom prst="rect">
+            <a:avLst/>
+          </a:prstGeom>
+          <a:noFill/>
+        </p:spPr>
+        <p:txBody>
+          <a:bodyPr wrap="square" rtlCol="0">
+            <a:spAutoFit/>
+          </a:bodyPr>
+          <a:lstStyle/>
+          <a:p>
+            <a:r>
+              <a:rPr lang="en-US" sz="900" b="1" dirty="0">
+                <a:latin typeface="Consolas" panose="020B0609020204030204" pitchFamily="49" charset="0"/>
+              </a:rPr>
+              <a:t>print('S O N A R !')</a:t>
+            </a:r>
+          </a:p>
+          <a:p>
+            <a:r>
+              <a:rPr lang="en-US" sz="900" b="1" dirty="0">
+                <a:latin typeface="Consolas" panose="020B0609020204030204" pitchFamily="49" charset="0"/>
+              </a:rPr>
+              <a:t>print()</a:t>
+            </a:r>
+          </a:p>
+          <a:p>
+            <a:r>
+              <a:rPr lang="en-US" sz="900" b="1" dirty="0">
+                <a:latin typeface="Consolas" panose="020B0609020204030204" pitchFamily="49" charset="0"/>
+              </a:rPr>
+              <a:t>print('Would you like to view the instructions? (yes/no)')</a:t>
+            </a:r>
+          </a:p>
+          <a:p>
+            <a:r>
+              <a:rPr lang="en-US" sz="900" b="1" dirty="0">
+                <a:latin typeface="Consolas" panose="020B0609020204030204" pitchFamily="49" charset="0"/>
+              </a:rPr>
+              <a:t>if input().lower().</a:t>
+            </a:r>
+            <a:r>
+              <a:rPr lang="en-US" sz="900" b="1" dirty="0" err="1">
+                <a:latin typeface="Consolas" panose="020B0609020204030204" pitchFamily="49" charset="0"/>
+              </a:rPr>
+              <a:t>startswith</a:t>
+            </a:r>
+            <a:r>
+              <a:rPr lang="en-US" sz="900" b="1" dirty="0">
+                <a:latin typeface="Consolas" panose="020B0609020204030204" pitchFamily="49" charset="0"/>
+              </a:rPr>
+              <a:t>('y'):</a:t>
+            </a:r>
+          </a:p>
+          <a:p>
+            <a:r>
+              <a:rPr lang="en-US" sz="900" b="1" dirty="0">
+                <a:latin typeface="Consolas" panose="020B0609020204030204" pitchFamily="49" charset="0"/>
+              </a:rPr>
+              <a:t>    </a:t>
+            </a:r>
+            <a:r>
+              <a:rPr lang="en-US" sz="900" b="1" dirty="0" err="1">
+                <a:latin typeface="Consolas" panose="020B0609020204030204" pitchFamily="49" charset="0"/>
+              </a:rPr>
+              <a:t>showInstructions</a:t>
+            </a:r>
+            <a:r>
+              <a:rPr lang="en-US" sz="900" b="1" dirty="0">
+                <a:latin typeface="Consolas" panose="020B0609020204030204" pitchFamily="49" charset="0"/>
+              </a:rPr>
+              <a:t>()</a:t>
+            </a:r>
+          </a:p>
+          <a:p>
+            <a:endParaRPr lang="en-US" sz="900" b="1" dirty="0">
+              <a:latin typeface="Consolas" panose="020B0609020204030204" pitchFamily="49" charset="0"/>
+            </a:endParaRPr>
+          </a:p>
+          <a:p>
+            <a:r>
+              <a:rPr lang="en-US" sz="900" b="1" dirty="0">
+                <a:latin typeface="Consolas" panose="020B0609020204030204" pitchFamily="49" charset="0"/>
+              </a:rPr>
+              <a:t>while True:</a:t>
+            </a:r>
+          </a:p>
+          <a:p>
+            <a:r>
+              <a:rPr lang="en-US" sz="900" b="1" dirty="0">
+                <a:latin typeface="Consolas" panose="020B0609020204030204" pitchFamily="49" charset="0"/>
+              </a:rPr>
+              <a:t>    # Game setup</a:t>
+            </a:r>
+          </a:p>
+          <a:p>
+            <a:r>
+              <a:rPr lang="en-US" sz="900" b="1" dirty="0">
+                <a:latin typeface="Consolas" panose="020B0609020204030204" pitchFamily="49" charset="0"/>
+              </a:rPr>
+              <a:t>    </a:t>
+            </a:r>
+            <a:r>
+              <a:rPr lang="en-US" sz="900" b="1" dirty="0" err="1">
+                <a:latin typeface="Consolas" panose="020B0609020204030204" pitchFamily="49" charset="0"/>
+              </a:rPr>
+              <a:t>sonarDevices</a:t>
+            </a:r>
+            <a:r>
+              <a:rPr lang="en-US" sz="900" b="1" dirty="0">
+                <a:latin typeface="Consolas" panose="020B0609020204030204" pitchFamily="49" charset="0"/>
+              </a:rPr>
+              <a:t> = 20</a:t>
+            </a:r>
+          </a:p>
+          <a:p>
+            <a:r>
+              <a:rPr lang="en-US" sz="900" b="1" dirty="0">
+                <a:latin typeface="Consolas" panose="020B0609020204030204" pitchFamily="49" charset="0"/>
+              </a:rPr>
+              <a:t>    </a:t>
+            </a:r>
+            <a:r>
+              <a:rPr lang="en-US" sz="900" b="1" dirty="0" err="1">
+                <a:latin typeface="Consolas" panose="020B0609020204030204" pitchFamily="49" charset="0"/>
+              </a:rPr>
+              <a:t>theBoard</a:t>
+            </a:r>
+            <a:r>
+              <a:rPr lang="en-US" sz="900" b="1" dirty="0">
+                <a:latin typeface="Consolas" panose="020B0609020204030204" pitchFamily="49" charset="0"/>
+              </a:rPr>
+              <a:t> = </a:t>
+            </a:r>
+            <a:r>
+              <a:rPr lang="en-US" sz="900" b="1" dirty="0" err="1">
+                <a:latin typeface="Consolas" panose="020B0609020204030204" pitchFamily="49" charset="0"/>
+              </a:rPr>
+              <a:t>getNewBoard</a:t>
+            </a:r>
+            <a:r>
+              <a:rPr lang="en-US" sz="900" b="1" dirty="0">
+                <a:latin typeface="Consolas" panose="020B0609020204030204" pitchFamily="49" charset="0"/>
+              </a:rPr>
+              <a:t>()</a:t>
+            </a:r>
+          </a:p>
+          <a:p>
+            <a:r>
+              <a:rPr lang="en-US" sz="900" b="1" dirty="0">
+                <a:latin typeface="Consolas" panose="020B0609020204030204" pitchFamily="49" charset="0"/>
+              </a:rPr>
+              <a:t>    </a:t>
+            </a:r>
+            <a:r>
+              <a:rPr lang="en-US" sz="900" b="1" dirty="0" err="1">
+                <a:latin typeface="Consolas" panose="020B0609020204030204" pitchFamily="49" charset="0"/>
+              </a:rPr>
+              <a:t>theChests</a:t>
+            </a:r>
+            <a:r>
+              <a:rPr lang="en-US" sz="900" b="1" dirty="0">
+                <a:latin typeface="Consolas" panose="020B0609020204030204" pitchFamily="49" charset="0"/>
+              </a:rPr>
+              <a:t> = </a:t>
+            </a:r>
+            <a:r>
+              <a:rPr lang="en-US" sz="900" b="1" dirty="0" err="1">
+                <a:latin typeface="Consolas" panose="020B0609020204030204" pitchFamily="49" charset="0"/>
+              </a:rPr>
+              <a:t>getRandomChests</a:t>
+            </a:r>
+            <a:r>
+              <a:rPr lang="en-US" sz="900" b="1" dirty="0">
+                <a:latin typeface="Consolas" panose="020B0609020204030204" pitchFamily="49" charset="0"/>
+              </a:rPr>
+              <a:t>(3)</a:t>
+            </a:r>
+          </a:p>
+          <a:p>
+            <a:r>
+              <a:rPr lang="en-US" sz="900" b="1" dirty="0">
+                <a:latin typeface="Consolas" panose="020B0609020204030204" pitchFamily="49" charset="0"/>
+              </a:rPr>
+              <a:t>    </a:t>
+            </a:r>
+            <a:r>
+              <a:rPr lang="en-US" sz="900" b="1" dirty="0" err="1">
+                <a:latin typeface="Consolas" panose="020B0609020204030204" pitchFamily="49" charset="0"/>
+              </a:rPr>
+              <a:t>drawBoard</a:t>
+            </a:r>
+            <a:r>
+              <a:rPr lang="en-US" sz="900" b="1" dirty="0">
+                <a:latin typeface="Consolas" panose="020B0609020204030204" pitchFamily="49" charset="0"/>
+              </a:rPr>
+              <a:t>(</a:t>
+            </a:r>
+            <a:r>
+              <a:rPr lang="en-US" sz="900" b="1" dirty="0" err="1">
+                <a:latin typeface="Consolas" panose="020B0609020204030204" pitchFamily="49" charset="0"/>
+              </a:rPr>
+              <a:t>theBoard</a:t>
+            </a:r>
+            <a:r>
+              <a:rPr lang="en-US" sz="900" b="1" dirty="0">
+                <a:latin typeface="Consolas" panose="020B0609020204030204" pitchFamily="49" charset="0"/>
+              </a:rPr>
+              <a:t>)</a:t>
+            </a:r>
+          </a:p>
+          <a:p>
+            <a:r>
+              <a:rPr lang="en-US" sz="900" b="1" dirty="0">
+                <a:latin typeface="Consolas" panose="020B0609020204030204" pitchFamily="49" charset="0"/>
+              </a:rPr>
+              <a:t>    </a:t>
+            </a:r>
+            <a:r>
+              <a:rPr lang="en-US" sz="900" b="1" dirty="0" err="1">
+                <a:latin typeface="Consolas" panose="020B0609020204030204" pitchFamily="49" charset="0"/>
+              </a:rPr>
+              <a:t>previousMoves</a:t>
+            </a:r>
+            <a:r>
+              <a:rPr lang="en-US" sz="900" b="1" dirty="0">
+                <a:latin typeface="Consolas" panose="020B0609020204030204" pitchFamily="49" charset="0"/>
+              </a:rPr>
+              <a:t> = []</a:t>
+            </a:r>
+          </a:p>
+          <a:p>
+            <a:endParaRPr lang="en-US" sz="900" b="1" dirty="0">
+              <a:latin typeface="Consolas" panose="020B0609020204030204" pitchFamily="49" charset="0"/>
+            </a:endParaRPr>
+          </a:p>
+          <a:p>
+            <a:r>
+              <a:rPr lang="en-US" sz="900" b="1" dirty="0">
+                <a:latin typeface="Consolas" panose="020B0609020204030204" pitchFamily="49" charset="0"/>
+              </a:rPr>
+              <a:t>    while </a:t>
+            </a:r>
+            <a:r>
+              <a:rPr lang="en-US" sz="900" b="1" dirty="0" err="1">
+                <a:latin typeface="Consolas" panose="020B0609020204030204" pitchFamily="49" charset="0"/>
+              </a:rPr>
+              <a:t>sonarDevices</a:t>
+            </a:r>
+            <a:r>
+              <a:rPr lang="en-US" sz="900" b="1" dirty="0">
+                <a:latin typeface="Consolas" panose="020B0609020204030204" pitchFamily="49" charset="0"/>
+              </a:rPr>
+              <a:t> &gt; 0:</a:t>
+            </a:r>
+          </a:p>
+          <a:p>
+            <a:r>
+              <a:rPr lang="en-US" sz="900" b="1" dirty="0">
+                <a:latin typeface="Consolas" panose="020B0609020204030204" pitchFamily="49" charset="0"/>
+              </a:rPr>
+              <a:t>        # Show sonar device and chest statuses.</a:t>
+            </a:r>
+          </a:p>
+          <a:p>
+            <a:r>
+              <a:rPr lang="en-US" sz="900" b="1" dirty="0">
+                <a:latin typeface="Consolas" panose="020B0609020204030204" pitchFamily="49" charset="0"/>
+              </a:rPr>
+              <a:t>        print('You have %s sonar device(s) left. %s treasure chest(s) remaining.' % (</a:t>
+            </a:r>
+            <a:r>
+              <a:rPr lang="en-US" sz="900" b="1" dirty="0" err="1">
+                <a:latin typeface="Consolas" panose="020B0609020204030204" pitchFamily="49" charset="0"/>
+              </a:rPr>
+              <a:t>sonarDevices</a:t>
+            </a:r>
+            <a:r>
+              <a:rPr lang="en-US" sz="900" b="1" dirty="0">
+                <a:latin typeface="Consolas" panose="020B0609020204030204" pitchFamily="49" charset="0"/>
+              </a:rPr>
+              <a:t>, </a:t>
+            </a:r>
+            <a:r>
+              <a:rPr lang="en-US" sz="900" b="1" dirty="0" err="1">
+                <a:latin typeface="Consolas" panose="020B0609020204030204" pitchFamily="49" charset="0"/>
+              </a:rPr>
+              <a:t>len</a:t>
+            </a:r>
+            <a:r>
+              <a:rPr lang="en-US" sz="900" b="1" dirty="0">
+                <a:latin typeface="Consolas" panose="020B0609020204030204" pitchFamily="49" charset="0"/>
+              </a:rPr>
+              <a:t>(</a:t>
+            </a:r>
+            <a:r>
+              <a:rPr lang="en-US" sz="900" b="1" dirty="0" err="1">
+                <a:latin typeface="Consolas" panose="020B0609020204030204" pitchFamily="49" charset="0"/>
+              </a:rPr>
+              <a:t>theChests</a:t>
+            </a:r>
+            <a:r>
+              <a:rPr lang="en-US" sz="900" b="1" dirty="0">
+                <a:latin typeface="Consolas" panose="020B0609020204030204" pitchFamily="49" charset="0"/>
+              </a:rPr>
+              <a:t>)))</a:t>
+            </a:r>
+          </a:p>
+          <a:p>
+            <a:endParaRPr lang="en-US" sz="900" b="1" dirty="0">
+              <a:latin typeface="Consolas" panose="020B0609020204030204" pitchFamily="49" charset="0"/>
+            </a:endParaRPr>
+          </a:p>
+          <a:p>
+            <a:r>
+              <a:rPr lang="en-US" sz="900" b="1" dirty="0">
+                <a:latin typeface="Consolas" panose="020B0609020204030204" pitchFamily="49" charset="0"/>
+              </a:rPr>
+              <a:t>        x, y = </a:t>
+            </a:r>
+            <a:r>
+              <a:rPr lang="en-US" sz="900" b="1" dirty="0" err="1">
+                <a:latin typeface="Consolas" panose="020B0609020204030204" pitchFamily="49" charset="0"/>
+              </a:rPr>
+              <a:t>enterPlayerMove</a:t>
+            </a:r>
+            <a:r>
+              <a:rPr lang="en-US" sz="900" b="1" dirty="0">
+                <a:latin typeface="Consolas" panose="020B0609020204030204" pitchFamily="49" charset="0"/>
+              </a:rPr>
+              <a:t>(</a:t>
+            </a:r>
+            <a:r>
+              <a:rPr lang="en-US" sz="900" b="1" dirty="0" err="1">
+                <a:latin typeface="Consolas" panose="020B0609020204030204" pitchFamily="49" charset="0"/>
+              </a:rPr>
+              <a:t>previousMoves</a:t>
+            </a:r>
+            <a:r>
+              <a:rPr lang="en-US" sz="900" b="1" dirty="0">
+                <a:latin typeface="Consolas" panose="020B0609020204030204" pitchFamily="49" charset="0"/>
+              </a:rPr>
+              <a:t>)</a:t>
+            </a:r>
+          </a:p>
+          <a:p>
+            <a:r>
+              <a:rPr lang="en-US" sz="900" b="1" dirty="0">
+                <a:latin typeface="Consolas" panose="020B0609020204030204" pitchFamily="49" charset="0"/>
+              </a:rPr>
+              <a:t>        </a:t>
+            </a:r>
+            <a:r>
+              <a:rPr lang="en-US" sz="900" b="1" dirty="0" err="1">
+                <a:latin typeface="Consolas" panose="020B0609020204030204" pitchFamily="49" charset="0"/>
+              </a:rPr>
+              <a:t>previousMoves.append</a:t>
+            </a:r>
+            <a:r>
+              <a:rPr lang="en-US" sz="900" b="1" dirty="0">
+                <a:latin typeface="Consolas" panose="020B0609020204030204" pitchFamily="49" charset="0"/>
+              </a:rPr>
+              <a:t>([x, y]) # We must track all moves so that sonar devices can be updated.</a:t>
+            </a:r>
+          </a:p>
+          <a:p>
+            <a:endParaRPr lang="en-US" sz="900" b="1" dirty="0">
+              <a:latin typeface="Consolas" panose="020B0609020204030204" pitchFamily="49" charset="0"/>
+            </a:endParaRPr>
+          </a:p>
+          <a:p>
+            <a:r>
+              <a:rPr lang="en-US" sz="900" b="1" dirty="0">
+                <a:latin typeface="Consolas" panose="020B0609020204030204" pitchFamily="49" charset="0"/>
+              </a:rPr>
+              <a:t>        </a:t>
+            </a:r>
+            <a:r>
+              <a:rPr lang="en-US" sz="900" b="1" dirty="0" err="1">
+                <a:latin typeface="Consolas" panose="020B0609020204030204" pitchFamily="49" charset="0"/>
+              </a:rPr>
+              <a:t>moveResult</a:t>
+            </a:r>
+            <a:r>
+              <a:rPr lang="en-US" sz="900" b="1" dirty="0">
+                <a:latin typeface="Consolas" panose="020B0609020204030204" pitchFamily="49" charset="0"/>
+              </a:rPr>
+              <a:t> = </a:t>
+            </a:r>
+            <a:r>
+              <a:rPr lang="en-US" sz="900" b="1" dirty="0" err="1">
+                <a:latin typeface="Consolas" panose="020B0609020204030204" pitchFamily="49" charset="0"/>
+              </a:rPr>
+              <a:t>makeMove</a:t>
+            </a:r>
+            <a:r>
+              <a:rPr lang="en-US" sz="900" b="1" dirty="0">
+                <a:latin typeface="Consolas" panose="020B0609020204030204" pitchFamily="49" charset="0"/>
+              </a:rPr>
+              <a:t>(</a:t>
+            </a:r>
+            <a:r>
+              <a:rPr lang="en-US" sz="900" b="1" dirty="0" err="1">
+                <a:latin typeface="Consolas" panose="020B0609020204030204" pitchFamily="49" charset="0"/>
+              </a:rPr>
+              <a:t>theBoard</a:t>
+            </a:r>
+            <a:r>
+              <a:rPr lang="en-US" sz="900" b="1" dirty="0">
+                <a:latin typeface="Consolas" panose="020B0609020204030204" pitchFamily="49" charset="0"/>
+              </a:rPr>
+              <a:t>, </a:t>
+            </a:r>
+            <a:r>
+              <a:rPr lang="en-US" sz="900" b="1" dirty="0" err="1">
+                <a:latin typeface="Consolas" panose="020B0609020204030204" pitchFamily="49" charset="0"/>
+              </a:rPr>
+              <a:t>theChests</a:t>
+            </a:r>
+            <a:r>
+              <a:rPr lang="en-US" sz="900" b="1" dirty="0">
+                <a:latin typeface="Consolas" panose="020B0609020204030204" pitchFamily="49" charset="0"/>
+              </a:rPr>
+              <a:t>, x, y)</a:t>
+            </a:r>
+          </a:p>
+          <a:p>
+            <a:r>
+              <a:rPr lang="en-US" sz="900" b="1" dirty="0">
+                <a:latin typeface="Consolas" panose="020B0609020204030204" pitchFamily="49" charset="0"/>
+              </a:rPr>
+              <a:t>        if </a:t>
+            </a:r>
+            <a:r>
+              <a:rPr lang="en-US" sz="900" b="1" dirty="0" err="1">
+                <a:latin typeface="Consolas" panose="020B0609020204030204" pitchFamily="49" charset="0"/>
+              </a:rPr>
+              <a:t>moveResult</a:t>
+            </a:r>
+            <a:r>
+              <a:rPr lang="en-US" sz="900" b="1" dirty="0">
+                <a:latin typeface="Consolas" panose="020B0609020204030204" pitchFamily="49" charset="0"/>
+              </a:rPr>
+              <a:t> == False:</a:t>
+            </a:r>
+          </a:p>
+          <a:p>
+            <a:r>
+              <a:rPr lang="en-US" sz="900" b="1" dirty="0">
+                <a:latin typeface="Consolas" panose="020B0609020204030204" pitchFamily="49" charset="0"/>
+              </a:rPr>
+              <a:t>            continue</a:t>
+            </a:r>
+          </a:p>
+          <a:p>
+            <a:r>
+              <a:rPr lang="en-US" sz="900" b="1" dirty="0">
+                <a:latin typeface="Consolas" panose="020B0609020204030204" pitchFamily="49" charset="0"/>
+              </a:rPr>
+              <a:t>        else:</a:t>
+            </a:r>
+          </a:p>
+          <a:p>
+            <a:r>
+              <a:rPr lang="en-US" sz="900" b="1" dirty="0">
+                <a:latin typeface="Consolas" panose="020B0609020204030204" pitchFamily="49" charset="0"/>
+              </a:rPr>
+              <a:t>            if </a:t>
+            </a:r>
+            <a:r>
+              <a:rPr lang="en-US" sz="900" b="1" dirty="0" err="1">
+                <a:latin typeface="Consolas" panose="020B0609020204030204" pitchFamily="49" charset="0"/>
+              </a:rPr>
+              <a:t>moveResult</a:t>
+            </a:r>
+            <a:r>
+              <a:rPr lang="en-US" sz="900" b="1" dirty="0">
+                <a:latin typeface="Consolas" panose="020B0609020204030204" pitchFamily="49" charset="0"/>
+              </a:rPr>
+              <a:t> == 'You have found a sunken treasure chest!':</a:t>
+            </a:r>
+          </a:p>
+          <a:p>
+            <a:r>
+              <a:rPr lang="en-US" sz="900" b="1" dirty="0">
+                <a:latin typeface="Consolas" panose="020B0609020204030204" pitchFamily="49" charset="0"/>
+              </a:rPr>
+              <a:t>                # Update all the sonar devices currently on the map.</a:t>
+            </a:r>
+          </a:p>
+          <a:p>
+            <a:r>
+              <a:rPr lang="en-US" sz="900" b="1" dirty="0">
+                <a:latin typeface="Consolas" panose="020B0609020204030204" pitchFamily="49" charset="0"/>
+              </a:rPr>
+              <a:t>                for x, y in </a:t>
+            </a:r>
+            <a:r>
+              <a:rPr lang="en-US" sz="900" b="1" dirty="0" err="1">
+                <a:latin typeface="Consolas" panose="020B0609020204030204" pitchFamily="49" charset="0"/>
+              </a:rPr>
+              <a:t>previousMoves</a:t>
+            </a:r>
+            <a:r>
+              <a:rPr lang="en-US" sz="900" b="1" dirty="0">
+                <a:latin typeface="Consolas" panose="020B0609020204030204" pitchFamily="49" charset="0"/>
+              </a:rPr>
+              <a:t>:</a:t>
+            </a:r>
+          </a:p>
+          <a:p>
+            <a:r>
+              <a:rPr lang="en-US" sz="900" b="1" dirty="0">
+                <a:latin typeface="Consolas" panose="020B0609020204030204" pitchFamily="49" charset="0"/>
+              </a:rPr>
+              <a:t>                    </a:t>
+            </a:r>
+            <a:r>
+              <a:rPr lang="en-US" sz="900" b="1" dirty="0" err="1">
+                <a:latin typeface="Consolas" panose="020B0609020204030204" pitchFamily="49" charset="0"/>
+              </a:rPr>
+              <a:t>makeMove</a:t>
+            </a:r>
+            <a:r>
+              <a:rPr lang="en-US" sz="900" b="1" dirty="0">
+                <a:latin typeface="Consolas" panose="020B0609020204030204" pitchFamily="49" charset="0"/>
+              </a:rPr>
+              <a:t>(</a:t>
+            </a:r>
+            <a:r>
+              <a:rPr lang="en-US" sz="900" b="1" dirty="0" err="1">
+                <a:latin typeface="Consolas" panose="020B0609020204030204" pitchFamily="49" charset="0"/>
+              </a:rPr>
+              <a:t>theBoard</a:t>
+            </a:r>
+            <a:r>
+              <a:rPr lang="en-US" sz="900" b="1" dirty="0">
+                <a:latin typeface="Consolas" panose="020B0609020204030204" pitchFamily="49" charset="0"/>
+              </a:rPr>
+              <a:t>, </a:t>
+            </a:r>
+            <a:r>
+              <a:rPr lang="en-US" sz="900" b="1" dirty="0" err="1">
+                <a:latin typeface="Consolas" panose="020B0609020204030204" pitchFamily="49" charset="0"/>
+              </a:rPr>
+              <a:t>theChests</a:t>
+            </a:r>
+            <a:r>
+              <a:rPr lang="en-US" sz="900" b="1" dirty="0">
+                <a:latin typeface="Consolas" panose="020B0609020204030204" pitchFamily="49" charset="0"/>
+              </a:rPr>
+              <a:t>, x, y)</a:t>
+            </a:r>
+          </a:p>
+          <a:p>
+            <a:r>
+              <a:rPr lang="en-US" sz="900" b="1" dirty="0">
+                <a:latin typeface="Consolas" panose="020B0609020204030204" pitchFamily="49" charset="0"/>
+              </a:rPr>
+              <a:t>            </a:t>
+            </a:r>
+            <a:r>
+              <a:rPr lang="en-US" sz="900" b="1" dirty="0" err="1">
+                <a:latin typeface="Consolas" panose="020B0609020204030204" pitchFamily="49" charset="0"/>
+              </a:rPr>
+              <a:t>drawBoard</a:t>
+            </a:r>
+            <a:r>
+              <a:rPr lang="en-US" sz="900" b="1" dirty="0">
+                <a:latin typeface="Consolas" panose="020B0609020204030204" pitchFamily="49" charset="0"/>
+              </a:rPr>
+              <a:t>(</a:t>
+            </a:r>
+            <a:r>
+              <a:rPr lang="en-US" sz="900" b="1" dirty="0" err="1">
+                <a:latin typeface="Consolas" panose="020B0609020204030204" pitchFamily="49" charset="0"/>
+              </a:rPr>
+              <a:t>theBoard</a:t>
+            </a:r>
+            <a:r>
+              <a:rPr lang="en-US" sz="900" b="1" dirty="0">
+                <a:latin typeface="Consolas" panose="020B0609020204030204" pitchFamily="49" charset="0"/>
+              </a:rPr>
+              <a:t>)</a:t>
+            </a:r>
+          </a:p>
+          <a:p>
+            <a:r>
+              <a:rPr lang="en-US" sz="900" b="1" dirty="0">
+                <a:latin typeface="Consolas" panose="020B0609020204030204" pitchFamily="49" charset="0"/>
+              </a:rPr>
+              <a:t>            print(</a:t>
+            </a:r>
+            <a:r>
+              <a:rPr lang="en-US" sz="900" b="1" dirty="0" err="1">
+                <a:latin typeface="Consolas" panose="020B0609020204030204" pitchFamily="49" charset="0"/>
+              </a:rPr>
+              <a:t>moveResult</a:t>
+            </a:r>
+            <a:r>
+              <a:rPr lang="en-US" sz="900" b="1" dirty="0">
+                <a:latin typeface="Consolas" panose="020B0609020204030204" pitchFamily="49" charset="0"/>
+              </a:rPr>
+              <a:t>)</a:t>
+            </a:r>
+          </a:p>
+          <a:p>
+            <a:endParaRPr lang="en-US" sz="900" b="1" dirty="0">
+              <a:latin typeface="Consolas" panose="020B0609020204030204" pitchFamily="49" charset="0"/>
+            </a:endParaRPr>
+          </a:p>
+          <a:p>
+            <a:r>
+              <a:rPr lang="en-US" sz="900" b="1" dirty="0">
+                <a:latin typeface="Consolas" panose="020B0609020204030204" pitchFamily="49" charset="0"/>
+              </a:rPr>
+              <a:t>        if </a:t>
+            </a:r>
+            <a:r>
+              <a:rPr lang="en-US" sz="900" b="1" dirty="0" err="1">
+                <a:latin typeface="Consolas" panose="020B0609020204030204" pitchFamily="49" charset="0"/>
+              </a:rPr>
+              <a:t>len</a:t>
+            </a:r>
+            <a:r>
+              <a:rPr lang="en-US" sz="900" b="1" dirty="0">
+                <a:latin typeface="Consolas" panose="020B0609020204030204" pitchFamily="49" charset="0"/>
+              </a:rPr>
+              <a:t>(</a:t>
+            </a:r>
+            <a:r>
+              <a:rPr lang="en-US" sz="900" b="1" dirty="0" err="1">
+                <a:latin typeface="Consolas" panose="020B0609020204030204" pitchFamily="49" charset="0"/>
+              </a:rPr>
+              <a:t>theChests</a:t>
+            </a:r>
+            <a:r>
+              <a:rPr lang="en-US" sz="900" b="1" dirty="0">
+                <a:latin typeface="Consolas" panose="020B0609020204030204" pitchFamily="49" charset="0"/>
+              </a:rPr>
+              <a:t>) == 0:</a:t>
+            </a:r>
+          </a:p>
+          <a:p>
+            <a:r>
+              <a:rPr lang="en-US" sz="900" b="1" dirty="0">
+                <a:latin typeface="Consolas" panose="020B0609020204030204" pitchFamily="49" charset="0"/>
+              </a:rPr>
+              <a:t>            print('You have found all the sunken treasure chests! Congratulations and good game!')</a:t>
+            </a:r>
+          </a:p>
+          <a:p>
+            <a:r>
+              <a:rPr lang="en-US" sz="900" b="1" dirty="0">
+                <a:latin typeface="Consolas" panose="020B0609020204030204" pitchFamily="49" charset="0"/>
+              </a:rPr>
+              <a:t>            break</a:t>
+            </a:r>
+          </a:p>
+          <a:p>
+            <a:endParaRPr lang="en-US" sz="900" b="1" dirty="0">
+              <a:latin typeface="Consolas" panose="020B0609020204030204" pitchFamily="49" charset="0"/>
+            </a:endParaRPr>
+          </a:p>
+          <a:p>
+            <a:r>
+              <a:rPr lang="en-US" sz="900" b="1" dirty="0">
+                <a:latin typeface="Consolas" panose="020B0609020204030204" pitchFamily="49" charset="0"/>
+              </a:rPr>
+              <a:t>        </a:t>
+            </a:r>
+            <a:r>
+              <a:rPr lang="en-US" sz="900" b="1" dirty="0" err="1">
+                <a:latin typeface="Consolas" panose="020B0609020204030204" pitchFamily="49" charset="0"/>
+              </a:rPr>
+              <a:t>sonarDevices</a:t>
+            </a:r>
+            <a:r>
+              <a:rPr lang="en-US" sz="900" b="1" dirty="0">
+                <a:latin typeface="Consolas" panose="020B0609020204030204" pitchFamily="49" charset="0"/>
+              </a:rPr>
+              <a:t> -= 1</a:t>
+            </a:r>
+          </a:p>
+          <a:p>
+            <a:endParaRPr lang="en-US" sz="900" b="1" dirty="0">
+              <a:latin typeface="Consolas" panose="020B0609020204030204" pitchFamily="49" charset="0"/>
+            </a:endParaRPr>
+          </a:p>
+          <a:p>
+            <a:r>
+              <a:rPr lang="en-US" sz="900" b="1" dirty="0">
+                <a:latin typeface="Consolas" panose="020B0609020204030204" pitchFamily="49" charset="0"/>
+              </a:rPr>
+              <a:t>    if </a:t>
+            </a:r>
+            <a:r>
+              <a:rPr lang="en-US" sz="900" b="1" dirty="0" err="1">
+                <a:latin typeface="Consolas" panose="020B0609020204030204" pitchFamily="49" charset="0"/>
+              </a:rPr>
+              <a:t>sonarDevices</a:t>
+            </a:r>
+            <a:r>
+              <a:rPr lang="en-US" sz="900" b="1" dirty="0">
+                <a:latin typeface="Consolas" panose="020B0609020204030204" pitchFamily="49" charset="0"/>
+              </a:rPr>
+              <a:t> == 0:</a:t>
+            </a:r>
+          </a:p>
+          <a:p>
+            <a:r>
+              <a:rPr lang="en-US" sz="900" b="1" dirty="0">
+                <a:latin typeface="Consolas" panose="020B0609020204030204" pitchFamily="49" charset="0"/>
+              </a:rPr>
+              <a:t>        print('We\'ve run out of sonar devices! Now we have to turn the ship around and head')</a:t>
+            </a:r>
+          </a:p>
+          <a:p>
+            <a:r>
+              <a:rPr lang="en-US" sz="900" b="1" dirty="0">
+                <a:latin typeface="Consolas" panose="020B0609020204030204" pitchFamily="49" charset="0"/>
+              </a:rPr>
+              <a:t>        print('for home with treasure chests still out there! Game over.')</a:t>
+            </a:r>
+          </a:p>
+          <a:p>
+            <a:r>
+              <a:rPr lang="en-US" sz="900" b="1" dirty="0">
+                <a:latin typeface="Consolas" panose="020B0609020204030204" pitchFamily="49" charset="0"/>
+              </a:rPr>
+              <a:t>        print(' The remaining chests were here:')</a:t>
+            </a:r>
+          </a:p>
+          <a:p>
+            <a:r>
+              <a:rPr lang="en-US" sz="900" b="1" dirty="0">
+                <a:latin typeface="Consolas" panose="020B0609020204030204" pitchFamily="49" charset="0"/>
+              </a:rPr>
+              <a:t>        for x, y in </a:t>
+            </a:r>
+            <a:r>
+              <a:rPr lang="en-US" sz="900" b="1" dirty="0" err="1">
+                <a:latin typeface="Consolas" panose="020B0609020204030204" pitchFamily="49" charset="0"/>
+              </a:rPr>
+              <a:t>theChests</a:t>
+            </a:r>
+            <a:r>
+              <a:rPr lang="en-US" sz="900" b="1" dirty="0">
+                <a:latin typeface="Consolas" panose="020B0609020204030204" pitchFamily="49" charset="0"/>
+              </a:rPr>
+              <a:t>:</a:t>
+            </a:r>
+          </a:p>
+          <a:p>
+            <a:r>
+              <a:rPr lang="en-US" sz="900" b="1" dirty="0">
+                <a:latin typeface="Consolas" panose="020B0609020204030204" pitchFamily="49" charset="0"/>
+              </a:rPr>
+              <a:t>            print(' %s, %s' % (x, y))</a:t>
+            </a:r>
+          </a:p>
+          <a:p>
+            <a:endParaRPr lang="en-US" sz="900" b="1" dirty="0">
+              <a:latin typeface="Consolas" panose="020B0609020204030204" pitchFamily="49" charset="0"/>
+            </a:endParaRPr>
+          </a:p>
+          <a:p>
+            <a:r>
+              <a:rPr lang="en-US" sz="900" b="1" dirty="0">
+                <a:latin typeface="Consolas" panose="020B0609020204030204" pitchFamily="49" charset="0"/>
+              </a:rPr>
+              <a:t>    print('Do you want to play again? (yes or no)')</a:t>
+            </a:r>
+          </a:p>
+          <a:p>
+            <a:r>
+              <a:rPr lang="en-US" sz="900" b="1" dirty="0">
+                <a:latin typeface="Consolas" panose="020B0609020204030204" pitchFamily="49" charset="0"/>
+              </a:rPr>
+              <a:t>    if not input().lower().</a:t>
+            </a:r>
+            <a:r>
+              <a:rPr lang="en-US" sz="900" b="1" dirty="0" err="1">
+                <a:latin typeface="Consolas" panose="020B0609020204030204" pitchFamily="49" charset="0"/>
+              </a:rPr>
+              <a:t>startswith</a:t>
+            </a:r>
+            <a:r>
+              <a:rPr lang="en-US" sz="900" b="1" dirty="0">
+                <a:latin typeface="Consolas" panose="020B0609020204030204" pitchFamily="49" charset="0"/>
+              </a:rPr>
+              <a:t>('y'):</a:t>
+            </a:r>
+          </a:p>
+          <a:p>
+            <a:r>
+              <a:rPr lang="en-US" sz="900" b="1" dirty="0">
+                <a:latin typeface="Consolas" panose="020B0609020204030204" pitchFamily="49" charset="0"/>
+              </a:rPr>
+              <a:t>        </a:t>
+            </a:r>
+            <a:r>
+              <a:rPr lang="en-US" sz="900" b="1" dirty="0" err="1">
+                <a:latin typeface="Consolas" panose="020B0609020204030204" pitchFamily="49" charset="0"/>
+              </a:rPr>
+              <a:t>sys.exit</a:t>
+            </a:r>
+            <a:r>
+              <a:rPr lang="en-US" sz="900" b="1" dirty="0">
+                <a:latin typeface="Consolas" panose="020B0609020204030204" pitchFamily="49" charset="0"/>
+              </a:rPr>
+              <a:t>()</a:t>
+            </a:r>
+          </a:p>
+          <a:p>
+            <a:r>
+              <a:rPr lang="en-US" sz="800" b="1" dirty="0">
+                <a:latin typeface="Consolas" panose="020B0609020204030204" pitchFamily="49" charset="0"/>
+              </a:rPr>
+              <a:t>  </a:t>
+            </a:r>
+          </a:p>
+        </p:txBody>
+      </p:sp>
+    </p:spTree>
+    <p:extLst>
+      <p:ext uri="{BB962C8B-B14F-4D97-AF65-F5344CB8AC3E}">
+        <p14:creationId xmlns:p14="http://schemas.microsoft.com/office/powerpoint/2010/main" val="696381447"/>
       </p:ext>
     </p:extLst>
   </p:cSld>

--- a/Python Day - Intermediate.pptx
+++ b/Python Day - Intermediate.pptx
@@ -26,6 +26,8 @@
     <p:sldId id="277" r:id="rId20"/>
     <p:sldId id="278" r:id="rId21"/>
     <p:sldId id="279" r:id="rId22"/>
+    <p:sldId id="280" r:id="rId23"/>
+    <p:sldId id="281" r:id="rId24"/>
   </p:sldIdLst>
   <p:sldSz cx="12192000" cy="6858000"/>
   <p:notesSz cx="6858000" cy="9144000"/>
@@ -135,7 +137,7 @@
 <file path=ppt/revisionInfo.xml><?xml version="1.0" encoding="utf-8"?>
 <p1510:revInfo xmlns:a="http://schemas.openxmlformats.org/drawingml/2006/main" xmlns:r="http://schemas.openxmlformats.org/officeDocument/2006/relationships" xmlns:p1510="http://schemas.microsoft.com/office/powerpoint/2015/10/main">
   <p1510:revLst>
-    <p1510:client id="{56D521A3-7A98-41EE-B121-D8FC18FE9D74}" v="117" dt="2019-11-02T07:11:20.857"/>
+    <p1510:client id="{56D521A3-7A98-41EE-B121-D8FC18FE9D74}" v="121" dt="2019-11-02T07:52:36.922"/>
   </p1510:revLst>
 </p1510:revInfo>
 </file>
@@ -145,7 +147,7 @@
   <pc:docChgLst>
     <pc:chgData name="Greg Bulmash" userId="90973910de46daed" providerId="LiveId" clId="{56D521A3-7A98-41EE-B121-D8FC18FE9D74}"/>
     <pc:docChg chg="undo custSel mod addSld delSld modSld sldOrd">
-      <pc:chgData name="Greg Bulmash" userId="90973910de46daed" providerId="LiveId" clId="{56D521A3-7A98-41EE-B121-D8FC18FE9D74}" dt="2019-11-02T07:11:38.467" v="1774" actId="1038"/>
+      <pc:chgData name="Greg Bulmash" userId="90973910de46daed" providerId="LiveId" clId="{56D521A3-7A98-41EE-B121-D8FC18FE9D74}" dt="2019-11-02T07:55:04.338" v="2245" actId="1076"/>
       <pc:docMkLst>
         <pc:docMk/>
       </pc:docMkLst>
@@ -1162,6 +1164,76 @@
           <pc:sldMk cId="1406850303" sldId="279"/>
         </pc:sldMkLst>
       </pc:sldChg>
+      <pc:sldChg chg="delSp modSp add ord">
+        <pc:chgData name="Greg Bulmash" userId="90973910de46daed" providerId="LiveId" clId="{56D521A3-7A98-41EE-B121-D8FC18FE9D74}" dt="2019-11-02T07:50:52.890" v="2018" actId="1076"/>
+        <pc:sldMkLst>
+          <pc:docMk/>
+          <pc:sldMk cId="4060497428" sldId="280"/>
+        </pc:sldMkLst>
+        <pc:spChg chg="mod">
+          <ac:chgData name="Greg Bulmash" userId="90973910de46daed" providerId="LiveId" clId="{56D521A3-7A98-41EE-B121-D8FC18FE9D74}" dt="2019-11-02T07:48:03.399" v="1796" actId="20577"/>
+          <ac:spMkLst>
+            <pc:docMk/>
+            <pc:sldMk cId="4060497428" sldId="280"/>
+            <ac:spMk id="2" creationId="{58A59161-4808-4BDE-8680-799A7736103D}"/>
+          </ac:spMkLst>
+        </pc:spChg>
+        <pc:spChg chg="mod">
+          <ac:chgData name="Greg Bulmash" userId="90973910de46daed" providerId="LiveId" clId="{56D521A3-7A98-41EE-B121-D8FC18FE9D74}" dt="2019-11-02T07:49:33.586" v="1850" actId="1076"/>
+          <ac:spMkLst>
+            <pc:docMk/>
+            <pc:sldMk cId="4060497428" sldId="280"/>
+            <ac:spMk id="4" creationId="{51DD7B82-6ACD-4907-B799-42E1529C6FE5}"/>
+          </ac:spMkLst>
+        </pc:spChg>
+        <pc:spChg chg="del mod">
+          <ac:chgData name="Greg Bulmash" userId="90973910de46daed" providerId="LiveId" clId="{56D521A3-7A98-41EE-B121-D8FC18FE9D74}" dt="2019-11-02T07:49:44.709" v="1852" actId="478"/>
+          <ac:spMkLst>
+            <pc:docMk/>
+            <pc:sldMk cId="4060497428" sldId="280"/>
+            <ac:spMk id="6" creationId="{C588F257-F566-4A64-B5A8-5A48672280D1}"/>
+          </ac:spMkLst>
+        </pc:spChg>
+        <pc:spChg chg="mod">
+          <ac:chgData name="Greg Bulmash" userId="90973910de46daed" providerId="LiveId" clId="{56D521A3-7A98-41EE-B121-D8FC18FE9D74}" dt="2019-11-02T07:50:52.890" v="2018" actId="1076"/>
+          <ac:spMkLst>
+            <pc:docMk/>
+            <pc:sldMk cId="4060497428" sldId="280"/>
+            <ac:spMk id="26" creationId="{F2857D57-CD05-465C-8657-549CC20C74D1}"/>
+          </ac:spMkLst>
+        </pc:spChg>
+      </pc:sldChg>
+      <pc:sldChg chg="modSp add">
+        <pc:chgData name="Greg Bulmash" userId="90973910de46daed" providerId="LiveId" clId="{56D521A3-7A98-41EE-B121-D8FC18FE9D74}" dt="2019-11-02T07:55:04.338" v="2245" actId="1076"/>
+        <pc:sldMkLst>
+          <pc:docMk/>
+          <pc:sldMk cId="1300931112" sldId="281"/>
+        </pc:sldMkLst>
+        <pc:spChg chg="mod">
+          <ac:chgData name="Greg Bulmash" userId="90973910de46daed" providerId="LiveId" clId="{56D521A3-7A98-41EE-B121-D8FC18FE9D74}" dt="2019-11-02T07:52:45.352" v="2032" actId="20577"/>
+          <ac:spMkLst>
+            <pc:docMk/>
+            <pc:sldMk cId="1300931112" sldId="281"/>
+            <ac:spMk id="2" creationId="{58A59161-4808-4BDE-8680-799A7736103D}"/>
+          </ac:spMkLst>
+        </pc:spChg>
+        <pc:spChg chg="mod">
+          <ac:chgData name="Greg Bulmash" userId="90973910de46daed" providerId="LiveId" clId="{56D521A3-7A98-41EE-B121-D8FC18FE9D74}" dt="2019-11-02T07:53:33.204" v="2120" actId="20577"/>
+          <ac:spMkLst>
+            <pc:docMk/>
+            <pc:sldMk cId="1300931112" sldId="281"/>
+            <ac:spMk id="4" creationId="{51DD7B82-6ACD-4907-B799-42E1529C6FE5}"/>
+          </ac:spMkLst>
+        </pc:spChg>
+        <pc:spChg chg="mod">
+          <ac:chgData name="Greg Bulmash" userId="90973910de46daed" providerId="LiveId" clId="{56D521A3-7A98-41EE-B121-D8FC18FE9D74}" dt="2019-11-02T07:55:04.338" v="2245" actId="1076"/>
+          <ac:spMkLst>
+            <pc:docMk/>
+            <pc:sldMk cId="1300931112" sldId="281"/>
+            <ac:spMk id="26" creationId="{F2857D57-CD05-465C-8657-549CC20C74D1}"/>
+          </ac:spMkLst>
+        </pc:spChg>
+      </pc:sldChg>
     </pc:docChg>
   </pc:docChgLst>
 </pc:chgInfo>
@@ -1314,7 +1386,7 @@
           <a:p>
             <a:fld id="{DCD16B6A-E59C-40D1-8C03-498234058099}" type="datetimeFigureOut">
               <a:rPr lang="en-US" smtClean="0"/>
-              <a:t>11/1/2019</a:t>
+              <a:t>11/2/2019</a:t>
             </a:fld>
             <a:endParaRPr lang="en-US"/>
           </a:p>
@@ -1512,7 +1584,7 @@
           <a:p>
             <a:fld id="{DCD16B6A-E59C-40D1-8C03-498234058099}" type="datetimeFigureOut">
               <a:rPr lang="en-US" smtClean="0"/>
-              <a:t>11/1/2019</a:t>
+              <a:t>11/2/2019</a:t>
             </a:fld>
             <a:endParaRPr lang="en-US"/>
           </a:p>
@@ -1720,7 +1792,7 @@
           <a:p>
             <a:fld id="{DCD16B6A-E59C-40D1-8C03-498234058099}" type="datetimeFigureOut">
               <a:rPr lang="en-US" smtClean="0"/>
-              <a:t>11/1/2019</a:t>
+              <a:t>11/2/2019</a:t>
             </a:fld>
             <a:endParaRPr lang="en-US"/>
           </a:p>
@@ -1918,7 +1990,7 @@
           <a:p>
             <a:fld id="{DCD16B6A-E59C-40D1-8C03-498234058099}" type="datetimeFigureOut">
               <a:rPr lang="en-US" smtClean="0"/>
-              <a:t>11/1/2019</a:t>
+              <a:t>11/2/2019</a:t>
             </a:fld>
             <a:endParaRPr lang="en-US"/>
           </a:p>
@@ -2193,7 +2265,7 @@
           <a:p>
             <a:fld id="{DCD16B6A-E59C-40D1-8C03-498234058099}" type="datetimeFigureOut">
               <a:rPr lang="en-US" smtClean="0"/>
-              <a:t>11/1/2019</a:t>
+              <a:t>11/2/2019</a:t>
             </a:fld>
             <a:endParaRPr lang="en-US"/>
           </a:p>
@@ -2458,7 +2530,7 @@
           <a:p>
             <a:fld id="{DCD16B6A-E59C-40D1-8C03-498234058099}" type="datetimeFigureOut">
               <a:rPr lang="en-US" smtClean="0"/>
-              <a:t>11/1/2019</a:t>
+              <a:t>11/2/2019</a:t>
             </a:fld>
             <a:endParaRPr lang="en-US"/>
           </a:p>
@@ -2870,7 +2942,7 @@
           <a:p>
             <a:fld id="{DCD16B6A-E59C-40D1-8C03-498234058099}" type="datetimeFigureOut">
               <a:rPr lang="en-US" smtClean="0"/>
-              <a:t>11/1/2019</a:t>
+              <a:t>11/2/2019</a:t>
             </a:fld>
             <a:endParaRPr lang="en-US"/>
           </a:p>
@@ -3011,7 +3083,7 @@
           <a:p>
             <a:fld id="{DCD16B6A-E59C-40D1-8C03-498234058099}" type="datetimeFigureOut">
               <a:rPr lang="en-US" smtClean="0"/>
-              <a:t>11/1/2019</a:t>
+              <a:t>11/2/2019</a:t>
             </a:fld>
             <a:endParaRPr lang="en-US"/>
           </a:p>
@@ -3124,7 +3196,7 @@
           <a:p>
             <a:fld id="{DCD16B6A-E59C-40D1-8C03-498234058099}" type="datetimeFigureOut">
               <a:rPr lang="en-US" smtClean="0"/>
-              <a:t>11/1/2019</a:t>
+              <a:t>11/2/2019</a:t>
             </a:fld>
             <a:endParaRPr lang="en-US"/>
           </a:p>
@@ -3435,7 +3507,7 @@
           <a:p>
             <a:fld id="{DCD16B6A-E59C-40D1-8C03-498234058099}" type="datetimeFigureOut">
               <a:rPr lang="en-US" smtClean="0"/>
-              <a:t>11/1/2019</a:t>
+              <a:t>11/2/2019</a:t>
             </a:fld>
             <a:endParaRPr lang="en-US"/>
           </a:p>
@@ -3723,7 +3795,7 @@
           <a:p>
             <a:fld id="{DCD16B6A-E59C-40D1-8C03-498234058099}" type="datetimeFigureOut">
               <a:rPr lang="en-US" smtClean="0"/>
-              <a:t>11/1/2019</a:t>
+              <a:t>11/2/2019</a:t>
             </a:fld>
             <a:endParaRPr lang="en-US"/>
           </a:p>
@@ -3964,7 +4036,7 @@
           <a:p>
             <a:fld id="{DCD16B6A-E59C-40D1-8C03-498234058099}" type="datetimeFigureOut">
               <a:rPr lang="en-US" smtClean="0"/>
-              <a:t>11/1/2019</a:t>
+              <a:t>11/2/2019</a:t>
             </a:fld>
             <a:endParaRPr lang="en-US"/>
           </a:p>
@@ -9980,6 +10052,661 @@
 </p:sld>
 </file>
 
+<file path=ppt/slides/slide22.xml><?xml version="1.0" encoding="utf-8"?>
+<p:sld xmlns:a="http://schemas.openxmlformats.org/drawingml/2006/main" xmlns:r="http://schemas.openxmlformats.org/officeDocument/2006/relationships" xmlns:p="http://schemas.openxmlformats.org/presentationml/2006/main">
+  <p:cSld>
+    <p:bg>
+      <p:bgPr>
+        <a:solidFill>
+          <a:schemeClr val="bg1"/>
+        </a:solidFill>
+        <a:effectLst/>
+      </p:bgPr>
+    </p:bg>
+    <p:spTree>
+      <p:nvGrpSpPr>
+        <p:cNvPr id="1" name=""/>
+        <p:cNvGrpSpPr/>
+        <p:nvPr/>
+      </p:nvGrpSpPr>
+      <p:grpSpPr>
+        <a:xfrm>
+          <a:off x="0" y="0"/>
+          <a:ext cx="0" cy="0"/>
+          <a:chOff x="0" y="0"/>
+          <a:chExt cx="0" cy="0"/>
+        </a:xfrm>
+      </p:grpSpPr>
+      <p:sp>
+        <p:nvSpPr>
+          <p:cNvPr id="71" name="Rectangle 70">
+            <a:extLst>
+              <a:ext uri="{FF2B5EF4-FFF2-40B4-BE49-F238E27FC236}">
+                <a16:creationId xmlns:a16="http://schemas.microsoft.com/office/drawing/2014/main" id="{6753252F-4873-4F63-801D-CC719279A7D5}"/>
+              </a:ext>
+              <a:ext uri="{C183D7F6-B498-43B3-948B-1728B52AA6E4}">
+                <adec:decorative xmlns:adec="http://schemas.microsoft.com/office/drawing/2017/decorative" val="1"/>
+              </a:ext>
+            </a:extLst>
+          </p:cNvPr>
+          <p:cNvSpPr>
+            <a:spLocks noGrp="1" noRot="1" noChangeAspect="1" noMove="1" noResize="1" noEditPoints="1" noAdjustHandles="1" noChangeArrowheads="1" noChangeShapeType="1" noTextEdit="1"/>
+          </p:cNvSpPr>
+          <p:nvPr>
+            <p:extLst>
+              <p:ext uri="{386F3935-93C4-4BCD-93E2-E3B085C9AB24}">
+                <p16:designElem xmlns:p16="http://schemas.microsoft.com/office/powerpoint/2015/main" val="1"/>
+              </p:ext>
+            </p:extLst>
+          </p:nvPr>
+        </p:nvSpPr>
+        <p:spPr>
+          <a:xfrm>
+            <a:off x="0" y="0"/>
+            <a:ext cx="12192000" cy="6858000"/>
+          </a:xfrm>
+          <a:prstGeom prst="rect">
+            <a:avLst/>
+          </a:prstGeom>
+          <a:solidFill>
+            <a:srgbClr val="FFFFFF"/>
+          </a:solidFill>
+          <a:ln>
+            <a:noFill/>
+          </a:ln>
+        </p:spPr>
+        <p:style>
+          <a:lnRef idx="2">
+            <a:schemeClr val="accent1">
+              <a:shade val="50000"/>
+            </a:schemeClr>
+          </a:lnRef>
+          <a:fillRef idx="1">
+            <a:schemeClr val="accent1"/>
+          </a:fillRef>
+          <a:effectRef idx="0">
+            <a:schemeClr val="accent1"/>
+          </a:effectRef>
+          <a:fontRef idx="minor">
+            <a:schemeClr val="lt1"/>
+          </a:fontRef>
+        </p:style>
+        <p:txBody>
+          <a:bodyPr rtlCol="0" anchor="ctr"/>
+          <a:lstStyle/>
+          <a:p>
+            <a:pPr algn="ctr"/>
+            <a:endParaRPr lang="en-US"/>
+          </a:p>
+        </p:txBody>
+      </p:sp>
+      <p:sp>
+        <p:nvSpPr>
+          <p:cNvPr id="73" name="Rectangle 72">
+            <a:extLst>
+              <a:ext uri="{FF2B5EF4-FFF2-40B4-BE49-F238E27FC236}">
+                <a16:creationId xmlns:a16="http://schemas.microsoft.com/office/drawing/2014/main" id="{047C8CCB-F95D-4249-92DD-651249D3535A}"/>
+              </a:ext>
+              <a:ext uri="{C183D7F6-B498-43B3-948B-1728B52AA6E4}">
+                <adec:decorative xmlns:adec="http://schemas.microsoft.com/office/drawing/2017/decorative" val="1"/>
+              </a:ext>
+            </a:extLst>
+          </p:cNvPr>
+          <p:cNvSpPr>
+            <a:spLocks noGrp="1" noRot="1" noChangeAspect="1" noMove="1" noResize="1" noEditPoints="1" noAdjustHandles="1" noChangeArrowheads="1" noChangeShapeType="1" noTextEdit="1"/>
+          </p:cNvSpPr>
+          <p:nvPr>
+            <p:extLst>
+              <p:ext uri="{386F3935-93C4-4BCD-93E2-E3B085C9AB24}">
+                <p16:designElem xmlns:p16="http://schemas.microsoft.com/office/powerpoint/2015/main" val="1"/>
+              </p:ext>
+            </p:extLst>
+          </p:nvPr>
+        </p:nvSpPr>
+        <p:spPr>
+          <a:xfrm>
+            <a:off x="0" y="0"/>
+            <a:ext cx="2013557" cy="6858000"/>
+          </a:xfrm>
+          <a:prstGeom prst="rect">
+            <a:avLst/>
+          </a:prstGeom>
+          <a:solidFill>
+            <a:srgbClr val="7F7F7F"/>
+          </a:solidFill>
+          <a:ln>
+            <a:noFill/>
+          </a:ln>
+        </p:spPr>
+        <p:style>
+          <a:lnRef idx="2">
+            <a:schemeClr val="accent1">
+              <a:shade val="50000"/>
+            </a:schemeClr>
+          </a:lnRef>
+          <a:fillRef idx="1">
+            <a:schemeClr val="accent1"/>
+          </a:fillRef>
+          <a:effectRef idx="0">
+            <a:schemeClr val="accent1"/>
+          </a:effectRef>
+          <a:fontRef idx="minor">
+            <a:schemeClr val="lt1"/>
+          </a:fontRef>
+        </p:style>
+        <p:txBody>
+          <a:bodyPr rtlCol="0" anchor="ctr"/>
+          <a:lstStyle/>
+          <a:p>
+            <a:pPr algn="ctr"/>
+            <a:endParaRPr lang="en-US"/>
+          </a:p>
+        </p:txBody>
+      </p:sp>
+      <p:sp>
+        <p:nvSpPr>
+          <p:cNvPr id="2" name="Title 1">
+            <a:extLst>
+              <a:ext uri="{FF2B5EF4-FFF2-40B4-BE49-F238E27FC236}">
+                <a16:creationId xmlns:a16="http://schemas.microsoft.com/office/drawing/2014/main" id="{58A59161-4808-4BDE-8680-799A7736103D}"/>
+              </a:ext>
+            </a:extLst>
+          </p:cNvPr>
+          <p:cNvSpPr>
+            <a:spLocks noGrp="1"/>
+          </p:cNvSpPr>
+          <p:nvPr>
+            <p:ph type="title"/>
+          </p:nvPr>
+        </p:nvSpPr>
+        <p:spPr>
+          <a:xfrm>
+            <a:off x="640080" y="2074363"/>
+            <a:ext cx="2752354" cy="2709275"/>
+          </a:xfrm>
+          <a:prstGeom prst="ellipse">
+            <a:avLst/>
+          </a:prstGeom>
+          <a:solidFill>
+            <a:srgbClr val="262626"/>
+          </a:solidFill>
+          <a:ln w="174625" cmpd="thinThick">
+            <a:solidFill>
+              <a:srgbClr val="262626"/>
+            </a:solidFill>
+          </a:ln>
+        </p:spPr>
+        <p:txBody>
+          <a:bodyPr vert="horz" lIns="91440" tIns="45720" rIns="91440" bIns="45720" rtlCol="0" anchor="ctr">
+            <a:normAutofit/>
+          </a:bodyPr>
+          <a:lstStyle/>
+          <a:p>
+            <a:pPr algn="ctr"/>
+            <a:r>
+              <a:rPr lang="en-US" sz="2600" kern="1200" dirty="0">
+                <a:solidFill>
+                  <a:srgbClr val="FFFFFF"/>
+                </a:solidFill>
+                <a:latin typeface="+mj-lt"/>
+                <a:ea typeface="+mj-ea"/>
+                <a:cs typeface="+mj-cs"/>
+              </a:rPr>
+              <a:t>Get the Game Running</a:t>
+            </a:r>
+          </a:p>
+        </p:txBody>
+      </p:sp>
+      <p:sp>
+        <p:nvSpPr>
+          <p:cNvPr id="4" name="TextBox 3">
+            <a:extLst>
+              <a:ext uri="{FF2B5EF4-FFF2-40B4-BE49-F238E27FC236}">
+                <a16:creationId xmlns:a16="http://schemas.microsoft.com/office/drawing/2014/main" id="{51DD7B82-6ACD-4907-B799-42E1529C6FE5}"/>
+              </a:ext>
+            </a:extLst>
+          </p:cNvPr>
+          <p:cNvSpPr txBox="1"/>
+          <p:nvPr/>
+        </p:nvSpPr>
+        <p:spPr>
+          <a:xfrm>
+            <a:off x="2374145" y="313266"/>
+            <a:ext cx="9457267" cy="523220"/>
+          </a:xfrm>
+          <a:prstGeom prst="rect">
+            <a:avLst/>
+          </a:prstGeom>
+          <a:noFill/>
+        </p:spPr>
+        <p:txBody>
+          <a:bodyPr wrap="square" rtlCol="0">
+            <a:spAutoFit/>
+          </a:bodyPr>
+          <a:lstStyle/>
+          <a:p>
+            <a:r>
+              <a:rPr lang="en-US" sz="2800" dirty="0">
+                <a:hlinkClick r:id="rId2"/>
+              </a:rPr>
+              <a:t>https://github.com/seattlecoderdojo/PythonDay-TreasureHunt</a:t>
+            </a:r>
+            <a:endParaRPr lang="en-US" sz="2800" b="1" dirty="0"/>
+          </a:p>
+        </p:txBody>
+      </p:sp>
+      <p:sp>
+        <p:nvSpPr>
+          <p:cNvPr id="26" name="TextBox 25">
+            <a:extLst>
+              <a:ext uri="{FF2B5EF4-FFF2-40B4-BE49-F238E27FC236}">
+                <a16:creationId xmlns:a16="http://schemas.microsoft.com/office/drawing/2014/main" id="{F2857D57-CD05-465C-8657-549CC20C74D1}"/>
+              </a:ext>
+            </a:extLst>
+          </p:cNvPr>
+          <p:cNvSpPr txBox="1"/>
+          <p:nvPr/>
+        </p:nvSpPr>
+        <p:spPr>
+          <a:xfrm>
+            <a:off x="4692741" y="1568933"/>
+            <a:ext cx="6063483" cy="3539430"/>
+          </a:xfrm>
+          <a:prstGeom prst="rect">
+            <a:avLst/>
+          </a:prstGeom>
+          <a:noFill/>
+        </p:spPr>
+        <p:txBody>
+          <a:bodyPr wrap="square" rtlCol="0">
+            <a:spAutoFit/>
+          </a:bodyPr>
+          <a:lstStyle/>
+          <a:p>
+            <a:r>
+              <a:rPr lang="en-US" sz="3200" b="1" dirty="0"/>
+              <a:t>You can copy the code out of</a:t>
+            </a:r>
+          </a:p>
+          <a:p>
+            <a:r>
+              <a:rPr lang="en-US" sz="3200" b="1" dirty="0"/>
+              <a:t>fullgame.py</a:t>
+            </a:r>
+          </a:p>
+          <a:p>
+            <a:endParaRPr lang="en-US" sz="3200" b="1" dirty="0"/>
+          </a:p>
+          <a:p>
+            <a:r>
+              <a:rPr lang="en-US" sz="3200" b="1" dirty="0"/>
+              <a:t>Get it working and play it.</a:t>
+            </a:r>
+          </a:p>
+          <a:p>
+            <a:endParaRPr lang="en-US" sz="3200" b="1" dirty="0"/>
+          </a:p>
+          <a:p>
+            <a:r>
+              <a:rPr lang="en-US" sz="3200" b="1" dirty="0"/>
+              <a:t>We'll have some brain teasers</a:t>
+            </a:r>
+          </a:p>
+          <a:p>
+            <a:r>
+              <a:rPr lang="en-US" sz="3200" b="1" dirty="0"/>
+              <a:t>after everyone gets it working.</a:t>
+            </a:r>
+          </a:p>
+        </p:txBody>
+      </p:sp>
+    </p:spTree>
+    <p:extLst>
+      <p:ext uri="{BB962C8B-B14F-4D97-AF65-F5344CB8AC3E}">
+        <p14:creationId xmlns:p14="http://schemas.microsoft.com/office/powerpoint/2010/main" val="4060497428"/>
+      </p:ext>
+    </p:extLst>
+  </p:cSld>
+  <p:clrMapOvr>
+    <a:masterClrMapping/>
+  </p:clrMapOvr>
+</p:sld>
+</file>
+
+<file path=ppt/slides/slide23.xml><?xml version="1.0" encoding="utf-8"?>
+<p:sld xmlns:a="http://schemas.openxmlformats.org/drawingml/2006/main" xmlns:r="http://schemas.openxmlformats.org/officeDocument/2006/relationships" xmlns:p="http://schemas.openxmlformats.org/presentationml/2006/main">
+  <p:cSld>
+    <p:bg>
+      <p:bgPr>
+        <a:solidFill>
+          <a:schemeClr val="bg1"/>
+        </a:solidFill>
+        <a:effectLst/>
+      </p:bgPr>
+    </p:bg>
+    <p:spTree>
+      <p:nvGrpSpPr>
+        <p:cNvPr id="1" name=""/>
+        <p:cNvGrpSpPr/>
+        <p:nvPr/>
+      </p:nvGrpSpPr>
+      <p:grpSpPr>
+        <a:xfrm>
+          <a:off x="0" y="0"/>
+          <a:ext cx="0" cy="0"/>
+          <a:chOff x="0" y="0"/>
+          <a:chExt cx="0" cy="0"/>
+        </a:xfrm>
+      </p:grpSpPr>
+      <p:sp>
+        <p:nvSpPr>
+          <p:cNvPr id="71" name="Rectangle 70">
+            <a:extLst>
+              <a:ext uri="{FF2B5EF4-FFF2-40B4-BE49-F238E27FC236}">
+                <a16:creationId xmlns:a16="http://schemas.microsoft.com/office/drawing/2014/main" id="{6753252F-4873-4F63-801D-CC719279A7D5}"/>
+              </a:ext>
+              <a:ext uri="{C183D7F6-B498-43B3-948B-1728B52AA6E4}">
+                <adec:decorative xmlns:adec="http://schemas.microsoft.com/office/drawing/2017/decorative" val="1"/>
+              </a:ext>
+            </a:extLst>
+          </p:cNvPr>
+          <p:cNvSpPr>
+            <a:spLocks noGrp="1" noRot="1" noChangeAspect="1" noMove="1" noResize="1" noEditPoints="1" noAdjustHandles="1" noChangeArrowheads="1" noChangeShapeType="1" noTextEdit="1"/>
+          </p:cNvSpPr>
+          <p:nvPr>
+            <p:extLst>
+              <p:ext uri="{386F3935-93C4-4BCD-93E2-E3B085C9AB24}">
+                <p16:designElem xmlns:p16="http://schemas.microsoft.com/office/powerpoint/2015/main" val="1"/>
+              </p:ext>
+            </p:extLst>
+          </p:nvPr>
+        </p:nvSpPr>
+        <p:spPr>
+          <a:xfrm>
+            <a:off x="0" y="0"/>
+            <a:ext cx="12192000" cy="6858000"/>
+          </a:xfrm>
+          <a:prstGeom prst="rect">
+            <a:avLst/>
+          </a:prstGeom>
+          <a:solidFill>
+            <a:srgbClr val="FFFFFF"/>
+          </a:solidFill>
+          <a:ln>
+            <a:noFill/>
+          </a:ln>
+        </p:spPr>
+        <p:style>
+          <a:lnRef idx="2">
+            <a:schemeClr val="accent1">
+              <a:shade val="50000"/>
+            </a:schemeClr>
+          </a:lnRef>
+          <a:fillRef idx="1">
+            <a:schemeClr val="accent1"/>
+          </a:fillRef>
+          <a:effectRef idx="0">
+            <a:schemeClr val="accent1"/>
+          </a:effectRef>
+          <a:fontRef idx="minor">
+            <a:schemeClr val="lt1"/>
+          </a:fontRef>
+        </p:style>
+        <p:txBody>
+          <a:bodyPr rtlCol="0" anchor="ctr"/>
+          <a:lstStyle/>
+          <a:p>
+            <a:pPr algn="ctr"/>
+            <a:endParaRPr lang="en-US"/>
+          </a:p>
+        </p:txBody>
+      </p:sp>
+      <p:sp>
+        <p:nvSpPr>
+          <p:cNvPr id="73" name="Rectangle 72">
+            <a:extLst>
+              <a:ext uri="{FF2B5EF4-FFF2-40B4-BE49-F238E27FC236}">
+                <a16:creationId xmlns:a16="http://schemas.microsoft.com/office/drawing/2014/main" id="{047C8CCB-F95D-4249-92DD-651249D3535A}"/>
+              </a:ext>
+              <a:ext uri="{C183D7F6-B498-43B3-948B-1728B52AA6E4}">
+                <adec:decorative xmlns:adec="http://schemas.microsoft.com/office/drawing/2017/decorative" val="1"/>
+              </a:ext>
+            </a:extLst>
+          </p:cNvPr>
+          <p:cNvSpPr>
+            <a:spLocks noGrp="1" noRot="1" noChangeAspect="1" noMove="1" noResize="1" noEditPoints="1" noAdjustHandles="1" noChangeArrowheads="1" noChangeShapeType="1" noTextEdit="1"/>
+          </p:cNvSpPr>
+          <p:nvPr>
+            <p:extLst>
+              <p:ext uri="{386F3935-93C4-4BCD-93E2-E3B085C9AB24}">
+                <p16:designElem xmlns:p16="http://schemas.microsoft.com/office/powerpoint/2015/main" val="1"/>
+              </p:ext>
+            </p:extLst>
+          </p:nvPr>
+        </p:nvSpPr>
+        <p:spPr>
+          <a:xfrm>
+            <a:off x="0" y="0"/>
+            <a:ext cx="2013557" cy="6858000"/>
+          </a:xfrm>
+          <a:prstGeom prst="rect">
+            <a:avLst/>
+          </a:prstGeom>
+          <a:solidFill>
+            <a:srgbClr val="7F7F7F"/>
+          </a:solidFill>
+          <a:ln>
+            <a:noFill/>
+          </a:ln>
+        </p:spPr>
+        <p:style>
+          <a:lnRef idx="2">
+            <a:schemeClr val="accent1">
+              <a:shade val="50000"/>
+            </a:schemeClr>
+          </a:lnRef>
+          <a:fillRef idx="1">
+            <a:schemeClr val="accent1"/>
+          </a:fillRef>
+          <a:effectRef idx="0">
+            <a:schemeClr val="accent1"/>
+          </a:effectRef>
+          <a:fontRef idx="minor">
+            <a:schemeClr val="lt1"/>
+          </a:fontRef>
+        </p:style>
+        <p:txBody>
+          <a:bodyPr rtlCol="0" anchor="ctr"/>
+          <a:lstStyle/>
+          <a:p>
+            <a:pPr algn="ctr"/>
+            <a:endParaRPr lang="en-US"/>
+          </a:p>
+        </p:txBody>
+      </p:sp>
+      <p:sp>
+        <p:nvSpPr>
+          <p:cNvPr id="2" name="Title 1">
+            <a:extLst>
+              <a:ext uri="{FF2B5EF4-FFF2-40B4-BE49-F238E27FC236}">
+                <a16:creationId xmlns:a16="http://schemas.microsoft.com/office/drawing/2014/main" id="{58A59161-4808-4BDE-8680-799A7736103D}"/>
+              </a:ext>
+            </a:extLst>
+          </p:cNvPr>
+          <p:cNvSpPr>
+            <a:spLocks noGrp="1"/>
+          </p:cNvSpPr>
+          <p:nvPr>
+            <p:ph type="title"/>
+          </p:nvPr>
+        </p:nvSpPr>
+        <p:spPr>
+          <a:xfrm>
+            <a:off x="640080" y="2074363"/>
+            <a:ext cx="2752354" cy="2709275"/>
+          </a:xfrm>
+          <a:prstGeom prst="ellipse">
+            <a:avLst/>
+          </a:prstGeom>
+          <a:solidFill>
+            <a:srgbClr val="262626"/>
+          </a:solidFill>
+          <a:ln w="174625" cmpd="thinThick">
+            <a:solidFill>
+              <a:srgbClr val="262626"/>
+            </a:solidFill>
+          </a:ln>
+        </p:spPr>
+        <p:txBody>
+          <a:bodyPr vert="horz" lIns="91440" tIns="45720" rIns="91440" bIns="45720" rtlCol="0" anchor="ctr">
+            <a:normAutofit/>
+          </a:bodyPr>
+          <a:lstStyle/>
+          <a:p>
+            <a:pPr algn="ctr"/>
+            <a:r>
+              <a:rPr lang="en-US" sz="2600" kern="1200" dirty="0">
+                <a:solidFill>
+                  <a:srgbClr val="FFFFFF"/>
+                </a:solidFill>
+                <a:latin typeface="+mj-lt"/>
+                <a:ea typeface="+mj-ea"/>
+                <a:cs typeface="+mj-cs"/>
+              </a:rPr>
+              <a:t>Brain Teasers</a:t>
+            </a:r>
+          </a:p>
+        </p:txBody>
+      </p:sp>
+      <p:sp>
+        <p:nvSpPr>
+          <p:cNvPr id="4" name="TextBox 3">
+            <a:extLst>
+              <a:ext uri="{FF2B5EF4-FFF2-40B4-BE49-F238E27FC236}">
+                <a16:creationId xmlns:a16="http://schemas.microsoft.com/office/drawing/2014/main" id="{51DD7B82-6ACD-4907-B799-42E1529C6FE5}"/>
+              </a:ext>
+            </a:extLst>
+          </p:cNvPr>
+          <p:cNvSpPr txBox="1"/>
+          <p:nvPr/>
+        </p:nvSpPr>
+        <p:spPr>
+          <a:xfrm>
+            <a:off x="2374145" y="313266"/>
+            <a:ext cx="9457267" cy="1323439"/>
+          </a:xfrm>
+          <a:prstGeom prst="rect">
+            <a:avLst/>
+          </a:prstGeom>
+          <a:noFill/>
+        </p:spPr>
+        <p:txBody>
+          <a:bodyPr wrap="square" rtlCol="0">
+            <a:spAutoFit/>
+          </a:bodyPr>
+          <a:lstStyle/>
+          <a:p>
+            <a:r>
+              <a:rPr lang="en-US" sz="4000" b="1" dirty="0"/>
+              <a:t>Of each of these, would it be easy or hard to change it?</a:t>
+            </a:r>
+          </a:p>
+        </p:txBody>
+      </p:sp>
+      <p:sp>
+        <p:nvSpPr>
+          <p:cNvPr id="26" name="TextBox 25">
+            <a:extLst>
+              <a:ext uri="{FF2B5EF4-FFF2-40B4-BE49-F238E27FC236}">
+                <a16:creationId xmlns:a16="http://schemas.microsoft.com/office/drawing/2014/main" id="{F2857D57-CD05-465C-8657-549CC20C74D1}"/>
+              </a:ext>
+            </a:extLst>
+          </p:cNvPr>
+          <p:cNvSpPr txBox="1"/>
+          <p:nvPr/>
+        </p:nvSpPr>
+        <p:spPr>
+          <a:xfrm>
+            <a:off x="4349927" y="1949971"/>
+            <a:ext cx="6884579" cy="3330464"/>
+          </a:xfrm>
+          <a:prstGeom prst="rect">
+            <a:avLst/>
+          </a:prstGeom>
+          <a:noFill/>
+        </p:spPr>
+        <p:txBody>
+          <a:bodyPr wrap="square" rtlCol="0">
+            <a:spAutoFit/>
+          </a:bodyPr>
+          <a:lstStyle/>
+          <a:p>
+            <a:pPr marL="457200" indent="-457200">
+              <a:lnSpc>
+                <a:spcPct val="150000"/>
+              </a:lnSpc>
+              <a:buFont typeface="Arial" panose="020B0604020202020204" pitchFamily="34" charset="0"/>
+              <a:buChar char="•"/>
+            </a:pPr>
+            <a:r>
+              <a:rPr lang="en-US" sz="3600" b="1" dirty="0"/>
+              <a:t>The number of chests?</a:t>
+            </a:r>
+          </a:p>
+          <a:p>
+            <a:pPr marL="457200" indent="-457200">
+              <a:lnSpc>
+                <a:spcPct val="150000"/>
+              </a:lnSpc>
+              <a:buFont typeface="Arial" panose="020B0604020202020204" pitchFamily="34" charset="0"/>
+              <a:buChar char="•"/>
+            </a:pPr>
+            <a:r>
+              <a:rPr lang="en-US" sz="3600" b="1" dirty="0"/>
+              <a:t>The number of sonar devices?</a:t>
+            </a:r>
+          </a:p>
+          <a:p>
+            <a:pPr marL="457200" indent="-457200">
+              <a:lnSpc>
+                <a:spcPct val="150000"/>
+              </a:lnSpc>
+              <a:buFont typeface="Arial" panose="020B0604020202020204" pitchFamily="34" charset="0"/>
+              <a:buChar char="•"/>
+            </a:pPr>
+            <a:r>
+              <a:rPr lang="en-US" sz="3600" b="1" dirty="0"/>
+              <a:t>The game board size?</a:t>
+            </a:r>
+          </a:p>
+          <a:p>
+            <a:pPr marL="457200" indent="-457200">
+              <a:lnSpc>
+                <a:spcPct val="150000"/>
+              </a:lnSpc>
+              <a:buFont typeface="Arial" panose="020B0604020202020204" pitchFamily="34" charset="0"/>
+              <a:buChar char="•"/>
+            </a:pPr>
+            <a:r>
+              <a:rPr lang="en-US" sz="3600" b="1" dirty="0"/>
+              <a:t>The Pythagorean Theorem?</a:t>
+            </a:r>
+          </a:p>
+        </p:txBody>
+      </p:sp>
+    </p:spTree>
+    <p:extLst>
+      <p:ext uri="{BB962C8B-B14F-4D97-AF65-F5344CB8AC3E}">
+        <p14:creationId xmlns:p14="http://schemas.microsoft.com/office/powerpoint/2010/main" val="1300931112"/>
+      </p:ext>
+    </p:extLst>
+  </p:cSld>
+  <p:clrMapOvr>
+    <a:masterClrMapping/>
+  </p:clrMapOvr>
+</p:sld>
+</file>
+
 <file path=ppt/slides/slide3.xml><?xml version="1.0" encoding="utf-8"?>
 <p:sld xmlns:a="http://schemas.openxmlformats.org/drawingml/2006/main" xmlns:r="http://schemas.openxmlformats.org/officeDocument/2006/relationships" xmlns:p="http://schemas.openxmlformats.org/presentationml/2006/main">
   <p:cSld>
